--- a/Internship.pptx
+++ b/Internship.pptx
@@ -31,29 +31,41 @@
   <p:notesSz cx="6858000" cy="9144000"/>
   <p:embeddedFontLst>
     <p:embeddedFont>
-      <p:font typeface="Yanone Kaffeesatz" charset="0"/>
+      <p:font typeface="Actor" panose="020B0604020202020204" charset="0"/>
       <p:regular r:id="rId21"/>
-      <p:bold r:id="rId22"/>
     </p:embeddedFont>
     <p:embeddedFont>
-      <p:font typeface="Actor" charset="0"/>
-      <p:regular r:id="rId23"/>
+      <p:font typeface="Calibri" panose="020F0502020204030204" pitchFamily="34" charset="0"/>
+      <p:regular r:id="rId22"/>
+      <p:bold r:id="rId23"/>
+      <p:italic r:id="rId24"/>
+      <p:boldItalic r:id="rId25"/>
     </p:embeddedFont>
     <p:embeddedFont>
-      <p:font typeface="DM Serif Display" charset="0"/>
-      <p:regular r:id="rId24"/>
-      <p:italic r:id="rId25"/>
+      <p:font typeface="Caveat" panose="00000500000000000000" pitchFamily="2" charset="0"/>
+      <p:regular r:id="rId26"/>
+      <p:bold r:id="rId27"/>
     </p:embeddedFont>
     <p:embeddedFont>
-      <p:font typeface="Josefin Slab" charset="0"/>
-      <p:regular r:id="rId26"/>
-      <p:bold r:id="rId27"/>
-      <p:italic r:id="rId28"/>
-      <p:boldItalic r:id="rId29"/>
+      <p:font typeface="DM Serif Display" pitchFamily="2" charset="0"/>
+      <p:regular r:id="rId28"/>
+      <p:italic r:id="rId29"/>
     </p:embeddedFont>
     <p:embeddedFont>
-      <p:font typeface="Francois One" charset="0"/>
+      <p:font typeface="Francois One" panose="020B0604020202020204" charset="0"/>
       <p:regular r:id="rId30"/>
+    </p:embeddedFont>
+    <p:embeddedFont>
+      <p:font typeface="Josefin Slab" pitchFamily="2" charset="0"/>
+      <p:regular r:id="rId31"/>
+      <p:bold r:id="rId32"/>
+      <p:italic r:id="rId33"/>
+      <p:boldItalic r:id="rId34"/>
+    </p:embeddedFont>
+    <p:embeddedFont>
+      <p:font typeface="Yanone Kaffeesatz" panose="020B0604020202020204" charset="0"/>
+      <p:regular r:id="rId35"/>
+      <p:bold r:id="rId36"/>
     </p:embeddedFont>
   </p:embeddedFontLst>
   <p:defaultTextStyle>
@@ -285,6 +297,22 @@
       </a:defRPr>
     </a:lvl9pPr>
   </p:defaultTextStyle>
+  <p:extLst>
+    <p:ext uri="{EFAFB233-063F-42B5-8137-9DF3F51BA10A}">
+      <p15:sldGuideLst xmlns:p15="http://schemas.microsoft.com/office/powerpoint/2012/main">
+        <p15:guide id="1" orient="horz" pos="1620">
+          <p15:clr>
+            <a:srgbClr val="A4A3A4"/>
+          </p15:clr>
+        </p15:guide>
+        <p15:guide id="2" pos="2880">
+          <p15:clr>
+            <a:srgbClr val="A4A3A4"/>
+          </p15:clr>
+        </p15:guide>
+      </p15:sldGuideLst>
+    </p:ext>
+  </p:extLst>
 </p:presentation>
 </file>
 
@@ -12635,10 +12663,16 @@
               <a:buNone/>
             </a:pPr>
             <a:r>
-              <a:rPr lang="en" dirty="0"/>
-              <a:t>Internship Report</a:t>
+              <a:rPr lang="en" sz="4000" dirty="0">
+                <a:latin typeface="Calibri" panose="020F0502020204030204" pitchFamily="34" charset="0"/>
+                <a:cs typeface="Calibri" panose="020F0502020204030204" pitchFamily="34" charset="0"/>
+              </a:rPr>
+              <a:t>Intern Demo</a:t>
             </a:r>
-            <a:endParaRPr dirty="0"/>
+            <a:endParaRPr sz="4000" dirty="0">
+              <a:latin typeface="Calibri" panose="020F0502020204030204" pitchFamily="34" charset="0"/>
+              <a:cs typeface="Calibri" panose="020F0502020204030204" pitchFamily="34" charset="0"/>
+            </a:endParaRPr>
           </a:p>
         </p:txBody>
       </p:sp>
@@ -12678,7 +12712,9 @@
               </a:spcAft>
               <a:buNone/>
             </a:pPr>
-            <a:endParaRPr/>
+            <a:endParaRPr>
+              <a:latin typeface="Calibri" panose="020F0502020204030204" pitchFamily="34" charset="0"/>
+            </a:endParaRPr>
           </a:p>
         </p:txBody>
       </p:sp>
@@ -12969,57 +13005,14 @@
               <a:buSzPct val="125000"/>
             </a:pPr>
             <a:r>
-              <a:rPr lang="en-IN" sz="1800" dirty="0" smtClean="0">
+              <a:rPr lang="en-IN" sz="1800" dirty="0">
                 <a:solidFill>
                   <a:schemeClr val="tx1"/>
                 </a:solidFill>
-                <a:latin typeface="Times New Roman" pitchFamily="18" charset="0"/>
+                <a:latin typeface="Calibri" panose="020F0502020204030204" pitchFamily="34" charset="0"/>
+                <a:cs typeface="Calibri" panose="020F0502020204030204" pitchFamily="34" charset="0"/>
               </a:rPr>
-              <a:t>P . Mehar </a:t>
-            </a:r>
-            <a:r>
-              <a:rPr lang="en-IN" sz="1800" dirty="0">
-                <a:solidFill>
-                  <a:schemeClr val="tx1"/>
-                </a:solidFill>
-                <a:latin typeface="Times New Roman" pitchFamily="18" charset="0"/>
-              </a:rPr>
-              <a:t>S</a:t>
-            </a:r>
-            <a:r>
-              <a:rPr lang="en-IN" sz="1800" dirty="0" smtClean="0">
-                <a:solidFill>
-                  <a:schemeClr val="tx1"/>
-                </a:solidFill>
-                <a:latin typeface="Times New Roman" pitchFamily="18" charset="0"/>
-              </a:rPr>
-              <a:t>rinivas Chowdari</a:t>
-            </a:r>
-          </a:p>
-          <a:p>
-            <a:pPr>
-              <a:buClr>
-                <a:schemeClr val="tx1"/>
-              </a:buClr>
-              <a:buSzPct val="125000"/>
-            </a:pPr>
-            <a:r>
-              <a:rPr lang="en-IN" sz="1800" dirty="0">
-                <a:solidFill>
-                  <a:schemeClr val="tx1"/>
-                </a:solidFill>
-                <a:latin typeface="Times New Roman" pitchFamily="18" charset="0"/>
-              </a:rPr>
-              <a:t>	</a:t>
-            </a:r>
-            <a:r>
-              <a:rPr lang="en-IN" sz="1800" dirty="0" smtClean="0">
-                <a:solidFill>
-                  <a:schemeClr val="tx1"/>
-                </a:solidFill>
-                <a:latin typeface="Times New Roman" pitchFamily="18" charset="0"/>
-              </a:rPr>
-              <a:t>		- Intern at ADP</a:t>
+              <a:t>P. Mehar Srinivas Chowdari</a:t>
             </a:r>
           </a:p>
         </p:txBody>
@@ -13029,13 +13022,6 @@
   <p:clrMapOvr>
     <a:masterClrMapping/>
   </p:clrMapOvr>
-  <p:timing>
-    <p:tnLst>
-      <p:par>
-        <p:cTn id="1" dur="indefinite" restart="never" nodeType="tmRoot"/>
-      </p:par>
-    </p:tnLst>
-  </p:timing>
 </p:sld>
 </file>
 
@@ -13072,10 +13058,9 @@
           <a:lstStyle/>
           <a:p>
             <a:r>
-              <a:rPr lang="en-IN" sz="3000" dirty="0" smtClean="0"/>
+              <a:rPr lang="en-IN" sz="3000" dirty="0"/>
               <a:t>Requirement Explanation</a:t>
             </a:r>
-            <a:endParaRPr lang="en-IN" sz="3000" dirty="0"/>
           </a:p>
         </p:txBody>
       </p:sp>
@@ -13689,7 +13674,7 @@
               <a:buSzPct val="125000"/>
             </a:pPr>
             <a:r>
-              <a:rPr lang="en-IN" sz="2200" b="1" dirty="0" smtClean="0">
+              <a:rPr lang="en-IN" sz="2200" b="1" dirty="0">
                 <a:solidFill>
                   <a:schemeClr val="tx1"/>
                 </a:solidFill>
@@ -13697,7 +13682,7 @@
               </a:rPr>
               <a:t>I</a:t>
             </a:r>
-            <a:endParaRPr lang="en-IN" sz="2200" dirty="0" smtClean="0">
+            <a:endParaRPr lang="en-IN" sz="2200" dirty="0">
               <a:solidFill>
                 <a:schemeClr val="tx1"/>
               </a:solidFill>
@@ -13964,7 +13949,7 @@
               <a:buSzPct val="125000"/>
             </a:pPr>
             <a:r>
-              <a:rPr lang="en-IN" sz="2200" b="1" dirty="0" smtClean="0">
+              <a:rPr lang="en-IN" sz="2200" b="1" dirty="0">
                 <a:solidFill>
                   <a:schemeClr val="tx1"/>
                 </a:solidFill>
@@ -13972,7 +13957,7 @@
               </a:rPr>
               <a:t>II</a:t>
             </a:r>
-            <a:endParaRPr lang="en-IN" sz="2200" dirty="0" smtClean="0">
+            <a:endParaRPr lang="en-IN" sz="2200" dirty="0">
               <a:solidFill>
                 <a:schemeClr val="tx1"/>
               </a:solidFill>
@@ -14239,7 +14224,7 @@
               <a:buSzPct val="125000"/>
             </a:pPr>
             <a:r>
-              <a:rPr lang="en-IN" sz="2200" b="1" dirty="0" smtClean="0">
+              <a:rPr lang="en-IN" sz="2200" b="1" dirty="0">
                 <a:solidFill>
                   <a:schemeClr val="tx1"/>
                 </a:solidFill>
@@ -14247,7 +14232,7 @@
               </a:rPr>
               <a:t>III</a:t>
             </a:r>
-            <a:endParaRPr lang="en-IN" sz="2200" dirty="0" smtClean="0">
+            <a:endParaRPr lang="en-IN" sz="2200" dirty="0">
               <a:solidFill>
                 <a:schemeClr val="tx1"/>
               </a:solidFill>
@@ -14514,7 +14499,7 @@
               <a:buSzPct val="125000"/>
             </a:pPr>
             <a:r>
-              <a:rPr lang="en-IN" sz="2200" b="1" dirty="0" smtClean="0">
+              <a:rPr lang="en-IN" sz="2200" b="1" dirty="0">
                 <a:solidFill>
                   <a:schemeClr val="tx1"/>
                 </a:solidFill>
@@ -14522,7 +14507,7 @@
               </a:rPr>
               <a:t>IV</a:t>
             </a:r>
-            <a:endParaRPr lang="en-IN" sz="2200" dirty="0" smtClean="0">
+            <a:endParaRPr lang="en-IN" sz="2200" dirty="0">
               <a:solidFill>
                 <a:schemeClr val="tx1"/>
               </a:solidFill>
@@ -14789,29 +14774,14 @@
               <a:buSzPct val="125000"/>
             </a:pPr>
             <a:r>
-              <a:rPr lang="en-IN" sz="2000" dirty="0" smtClean="0">
+              <a:rPr lang="en-IN" sz="2000" dirty="0">
                 <a:solidFill>
                   <a:schemeClr val="tx1"/>
                 </a:solidFill>
                 <a:latin typeface="Times New Roman" pitchFamily="18" charset="0"/>
               </a:rPr>
-              <a:t>Linear </a:t>
+              <a:t>Linear data with student and subjects</a:t>
             </a:r>
-            <a:r>
-              <a:rPr lang="en-IN" sz="2000" dirty="0" smtClean="0">
-                <a:solidFill>
-                  <a:schemeClr val="tx1"/>
-                </a:solidFill>
-                <a:latin typeface="Times New Roman" pitchFamily="18" charset="0"/>
-              </a:rPr>
-              <a:t>data with student and subjects</a:t>
-            </a:r>
-            <a:endParaRPr lang="en-IN" sz="2000" dirty="0" smtClean="0">
-              <a:solidFill>
-                <a:schemeClr val="tx1"/>
-              </a:solidFill>
-              <a:latin typeface="Times New Roman" pitchFamily="18" charset="0"/>
-            </a:endParaRPr>
           </a:p>
         </p:txBody>
       </p:sp>
@@ -15073,29 +15043,14 @@
               <a:buSzPct val="125000"/>
             </a:pPr>
             <a:r>
-              <a:rPr lang="en-IN" sz="2000" dirty="0" smtClean="0">
+              <a:rPr lang="en-IN" sz="2000" dirty="0">
                 <a:solidFill>
                   <a:schemeClr val="tx1"/>
                 </a:solidFill>
                 <a:latin typeface="Times New Roman" pitchFamily="18" charset="0"/>
               </a:rPr>
-              <a:t>Linear data with </a:t>
+              <a:t>Linear data with different number of subjects</a:t>
             </a:r>
-            <a:r>
-              <a:rPr lang="en-IN" sz="2000" dirty="0" smtClean="0">
-                <a:solidFill>
-                  <a:schemeClr val="tx1"/>
-                </a:solidFill>
-                <a:latin typeface="Times New Roman" pitchFamily="18" charset="0"/>
-              </a:rPr>
-              <a:t>different number of subjects</a:t>
-            </a:r>
-            <a:endParaRPr lang="en-IN" sz="2000" dirty="0" smtClean="0">
-              <a:solidFill>
-                <a:schemeClr val="tx1"/>
-              </a:solidFill>
-              <a:latin typeface="Times New Roman" pitchFamily="18" charset="0"/>
-            </a:endParaRPr>
           </a:p>
         </p:txBody>
       </p:sp>
@@ -15357,29 +15312,14 @@
               <a:buSzPct val="125000"/>
             </a:pPr>
             <a:r>
-              <a:rPr lang="en-IN" sz="2000" dirty="0" smtClean="0">
+              <a:rPr lang="en-IN" sz="2000" dirty="0">
                 <a:solidFill>
                   <a:schemeClr val="tx1"/>
                 </a:solidFill>
                 <a:latin typeface="Times New Roman" pitchFamily="18" charset="0"/>
               </a:rPr>
-              <a:t>2D </a:t>
+              <a:t>2D data with students, semesters and subjects</a:t>
             </a:r>
-            <a:r>
-              <a:rPr lang="en-IN" sz="2000" dirty="0" smtClean="0">
-                <a:solidFill>
-                  <a:schemeClr val="tx1"/>
-                </a:solidFill>
-                <a:latin typeface="Times New Roman" pitchFamily="18" charset="0"/>
-              </a:rPr>
-              <a:t>data with students, semesters and subjects</a:t>
-            </a:r>
-            <a:endParaRPr lang="en-IN" sz="2000" dirty="0" smtClean="0">
-              <a:solidFill>
-                <a:schemeClr val="tx1"/>
-              </a:solidFill>
-              <a:latin typeface="Times New Roman" pitchFamily="18" charset="0"/>
-            </a:endParaRPr>
           </a:p>
         </p:txBody>
       </p:sp>
@@ -15641,29 +15581,14 @@
               <a:buSzPct val="125000"/>
             </a:pPr>
             <a:r>
-              <a:rPr lang="en-IN" sz="2000" dirty="0" smtClean="0">
+              <a:rPr lang="en-IN" sz="2000" dirty="0">
                 <a:solidFill>
                   <a:schemeClr val="tx1"/>
                 </a:solidFill>
                 <a:latin typeface="Times New Roman" pitchFamily="18" charset="0"/>
               </a:rPr>
-              <a:t>2D data with </a:t>
+              <a:t>2D data with unknown number of semesters</a:t>
             </a:r>
-            <a:r>
-              <a:rPr lang="en-IN" sz="2000" dirty="0" smtClean="0">
-                <a:solidFill>
-                  <a:schemeClr val="tx1"/>
-                </a:solidFill>
-                <a:latin typeface="Times New Roman" pitchFamily="18" charset="0"/>
-              </a:rPr>
-              <a:t>unknown number of semesters</a:t>
-            </a:r>
-            <a:endParaRPr lang="en-IN" sz="2000" dirty="0" smtClean="0">
-              <a:solidFill>
-                <a:schemeClr val="tx1"/>
-              </a:solidFill>
-              <a:latin typeface="Times New Roman" pitchFamily="18" charset="0"/>
-            </a:endParaRPr>
           </a:p>
         </p:txBody>
       </p:sp>
@@ -15925,13 +15850,31 @@
               <a:buSzPct val="125000"/>
             </a:pPr>
             <a:r>
-              <a:rPr lang="en-IN" sz="2000" dirty="0" smtClean="0">
+              <a:rPr lang="en-IN" sz="2000" dirty="0">
                 <a:solidFill>
                   <a:schemeClr val="tx1"/>
                 </a:solidFill>
                 <a:latin typeface="Times New Roman" pitchFamily="18" charset="0"/>
               </a:rPr>
-              <a:t>Connecting it to the requirement</a:t>
+              <a:t>Connecting it to the </a:t>
+            </a:r>
+            <a:r>
+              <a:rPr lang="en-IN" sz="2000" dirty="0" err="1">
+                <a:solidFill>
+                  <a:schemeClr val="tx1"/>
+                </a:solidFill>
+                <a:latin typeface="Times New Roman" pitchFamily="18" charset="0"/>
+              </a:rPr>
+              <a:t>oc</a:t>
+            </a:r>
+            <a:r>
+              <a:rPr lang="en-IN" sz="2000" dirty="0">
+                <a:solidFill>
+                  <a:schemeClr val="tx1"/>
+                </a:solidFill>
+                <a:latin typeface="Times New Roman" pitchFamily="18" charset="0"/>
+              </a:rPr>
+              <a:t> requirement</a:t>
             </a:r>
           </a:p>
         </p:txBody>
@@ -16194,7 +16137,7 @@
               <a:buSzPct val="125000"/>
             </a:pPr>
             <a:r>
-              <a:rPr lang="en-IN" sz="2200" b="1" dirty="0" smtClean="0">
+              <a:rPr lang="en-IN" sz="2200" b="1" dirty="0">
                 <a:solidFill>
                   <a:schemeClr val="tx1"/>
                 </a:solidFill>
@@ -16202,7 +16145,7 @@
               </a:rPr>
               <a:t>V</a:t>
             </a:r>
-            <a:endParaRPr lang="en-IN" sz="2200" dirty="0" smtClean="0">
+            <a:endParaRPr lang="en-IN" sz="2200" dirty="0">
               <a:solidFill>
                 <a:schemeClr val="tx1"/>
               </a:solidFill>
@@ -16221,13 +16164,6 @@
   <p:clrMapOvr>
     <a:masterClrMapping/>
   </p:clrMapOvr>
-  <p:timing>
-    <p:tnLst>
-      <p:par>
-        <p:cTn id="1" dur="indefinite" restart="never" nodeType="tmRoot"/>
-      </p:par>
-    </p:tnLst>
-  </p:timing>
 </p:sld>
 </file>
 
@@ -16269,10 +16205,9 @@
           <a:lstStyle/>
           <a:p>
             <a:r>
-              <a:rPr lang="en-IN" dirty="0" smtClean="0"/>
+              <a:rPr lang="en-IN" dirty="0"/>
               <a:t>Requirement 1</a:t>
             </a:r>
-            <a:endParaRPr lang="en-IN" dirty="0"/>
           </a:p>
         </p:txBody>
       </p:sp>
@@ -16534,7 +16469,7 @@
               <a:buSzPct val="125000"/>
             </a:pPr>
             <a:r>
-              <a:rPr lang="en-IN" sz="1800" dirty="0" smtClean="0">
+              <a:rPr lang="en-IN" sz="1800" dirty="0">
                 <a:solidFill>
                   <a:schemeClr val="tx1"/>
                 </a:solidFill>
@@ -16566,10 +16501,9 @@
           <a:lstStyle/>
           <a:p>
             <a:r>
-              <a:rPr lang="en-IN" dirty="0" smtClean="0"/>
+              <a:rPr lang="en-IN" dirty="0"/>
               <a:t>Requirement 2</a:t>
             </a:r>
-            <a:endParaRPr lang="en-IN" dirty="0"/>
           </a:p>
         </p:txBody>
       </p:sp>
@@ -16831,7 +16765,7 @@
               <a:buSzPct val="125000"/>
             </a:pPr>
             <a:r>
-              <a:rPr lang="en-IN" sz="1800" dirty="0" smtClean="0">
+              <a:rPr lang="en-IN" sz="1800" dirty="0">
                 <a:solidFill>
                   <a:schemeClr val="tx1"/>
                 </a:solidFill>
@@ -16863,10 +16797,9 @@
           <a:lstStyle/>
           <a:p>
             <a:r>
-              <a:rPr lang="en-IN" dirty="0" smtClean="0"/>
+              <a:rPr lang="en-IN" dirty="0"/>
               <a:t>Requirement 3</a:t>
             </a:r>
-            <a:endParaRPr lang="en-IN" dirty="0"/>
           </a:p>
         </p:txBody>
       </p:sp>
@@ -17128,7 +17061,7 @@
               <a:buSzPct val="125000"/>
             </a:pPr>
             <a:r>
-              <a:rPr lang="en-IN" sz="1800" dirty="0" smtClean="0">
+              <a:rPr lang="en-IN" sz="1800" dirty="0">
                 <a:solidFill>
                   <a:schemeClr val="tx1"/>
                 </a:solidFill>
@@ -17174,7 +17107,7 @@
               <a:buNone/>
             </a:pPr>
             <a:r>
-              <a:rPr lang="en" dirty="0" smtClean="0"/>
+              <a:rPr lang="en" dirty="0"/>
               <a:t>Given Requirements</a:t>
             </a:r>
             <a:endParaRPr dirty="0"/>
@@ -17231,13 +17164,6 @@
   <p:clrMapOvr>
     <a:masterClrMapping/>
   </p:clrMapOvr>
-  <p:timing>
-    <p:tnLst>
-      <p:par>
-        <p:cTn id="1" dur="indefinite" restart="never" nodeType="tmRoot"/>
-      </p:par>
-    </p:tnLst>
-  </p:timing>
 </p:sld>
 </file>
 
@@ -17285,7 +17211,7 @@
           <a:p>
             <a:pPr lvl="0"/>
             <a:r>
-              <a:rPr lang="en" dirty="0" smtClean="0"/>
+              <a:rPr lang="en" dirty="0"/>
               <a:t>Requirement Querying</a:t>
             </a:r>
             <a:endParaRPr dirty="0"/>
@@ -17343,7 +17269,7 @@
         <p:spPr>
           <a:xfrm>
             <a:off x="935832" y="1563638"/>
-            <a:ext cx="6372472" cy="3096344"/>
+            <a:ext cx="7884640" cy="3096344"/>
           </a:xfrm>
           <a:prstGeom prst="rect">
             <a:avLst/>
@@ -17598,95 +17524,8 @@
                 </a:solidFill>
                 <a:latin typeface="Times New Roman" pitchFamily="18" charset="0"/>
               </a:rPr>
-              <a:t>Here used a “nested” mapping to store </a:t>
+              <a:t>Here used a “nested” mapping to store id and form level details, used bool query to check no error ids and an outer bool query to check all the forms are error free and a final bool query to display only the agencies with no errors.</a:t>
             </a:r>
-            <a:r>
-              <a:rPr lang="en-IN" sz="1800" dirty="0" smtClean="0">
-                <a:solidFill>
-                  <a:schemeClr val="tx1"/>
-                </a:solidFill>
-                <a:latin typeface="Times New Roman" pitchFamily="18" charset="0"/>
-              </a:rPr>
-              <a:t>id </a:t>
-            </a:r>
-            <a:r>
-              <a:rPr lang="en-IN" sz="1800" dirty="0">
-                <a:solidFill>
-                  <a:schemeClr val="tx1"/>
-                </a:solidFill>
-                <a:latin typeface="Times New Roman" pitchFamily="18" charset="0"/>
-              </a:rPr>
-              <a:t>and </a:t>
-            </a:r>
-            <a:r>
-              <a:rPr lang="en-IN" sz="1800" dirty="0" smtClean="0">
-                <a:solidFill>
-                  <a:schemeClr val="tx1"/>
-                </a:solidFill>
-                <a:latin typeface="Times New Roman" pitchFamily="18" charset="0"/>
-              </a:rPr>
-              <a:t>form level details</a:t>
-            </a:r>
-            <a:r>
-              <a:rPr lang="en-IN" sz="1800" dirty="0">
-                <a:solidFill>
-                  <a:schemeClr val="tx1"/>
-                </a:solidFill>
-                <a:latin typeface="Times New Roman" pitchFamily="18" charset="0"/>
-              </a:rPr>
-              <a:t>, used bool query to </a:t>
-            </a:r>
-            <a:r>
-              <a:rPr lang="en-IN" sz="1800" dirty="0" smtClean="0">
-                <a:solidFill>
-                  <a:schemeClr val="tx1"/>
-                </a:solidFill>
-                <a:latin typeface="Times New Roman" pitchFamily="18" charset="0"/>
-              </a:rPr>
-              <a:t>check no error ids </a:t>
-            </a:r>
-            <a:r>
-              <a:rPr lang="en-IN" sz="1800" dirty="0">
-                <a:solidFill>
-                  <a:schemeClr val="tx1"/>
-                </a:solidFill>
-                <a:latin typeface="Times New Roman" pitchFamily="18" charset="0"/>
-              </a:rPr>
-              <a:t>and an outer bool query </a:t>
-            </a:r>
-            <a:r>
-              <a:rPr lang="en-IN" sz="1800" dirty="0" smtClean="0">
-                <a:solidFill>
-                  <a:schemeClr val="tx1"/>
-                </a:solidFill>
-                <a:latin typeface="Times New Roman" pitchFamily="18" charset="0"/>
-              </a:rPr>
-              <a:t>to check all the forms are error free and </a:t>
-            </a:r>
-            <a:r>
-              <a:rPr lang="en-IN" sz="1800" dirty="0">
-                <a:solidFill>
-                  <a:schemeClr val="tx1"/>
-                </a:solidFill>
-                <a:latin typeface="Times New Roman" pitchFamily="18" charset="0"/>
-              </a:rPr>
-              <a:t>a final bool query to display </a:t>
-            </a:r>
-            <a:r>
-              <a:rPr lang="en-IN" sz="1800" dirty="0" smtClean="0">
-                <a:solidFill>
-                  <a:schemeClr val="tx1"/>
-                </a:solidFill>
-                <a:latin typeface="Times New Roman" pitchFamily="18" charset="0"/>
-              </a:rPr>
-              <a:t>only the agencies with no errors.</a:t>
-            </a:r>
-            <a:endParaRPr lang="en-IN" sz="1800" dirty="0">
-              <a:solidFill>
-                <a:schemeClr val="tx1"/>
-              </a:solidFill>
-              <a:latin typeface="Times New Roman" pitchFamily="18" charset="0"/>
-            </a:endParaRPr>
           </a:p>
           <a:p>
             <a:pPr marL="342900" indent="-342900">
@@ -17698,7 +17537,7 @@
               <a:buAutoNum type="arabicPeriod"/>
             </a:pPr>
             <a:r>
-              <a:rPr lang="en-IN" sz="1800" dirty="0" smtClean="0">
+              <a:rPr lang="en-IN" sz="1800" dirty="0">
                 <a:solidFill>
                   <a:schemeClr val="tx1"/>
                 </a:solidFill>
@@ -17717,7 +17556,7 @@
               <a:buAutoNum type="arabicPeriod"/>
             </a:pPr>
             <a:r>
-              <a:rPr lang="en-IN" sz="1800" dirty="0" smtClean="0">
+              <a:rPr lang="en-IN" sz="1800" dirty="0">
                 <a:solidFill>
                   <a:schemeClr val="tx1"/>
                 </a:solidFill>
@@ -17785,7 +17624,7 @@
           <a:p>
             <a:pPr lvl="0"/>
             <a:r>
-              <a:rPr lang="en-IN" dirty="0" smtClean="0"/>
+              <a:rPr lang="en-IN" dirty="0"/>
               <a:t>Miscellaneous</a:t>
             </a:r>
             <a:endParaRPr dirty="0"/>
@@ -18092,7 +17931,7 @@
               <a:buChar char="•"/>
             </a:pPr>
             <a:r>
-              <a:rPr lang="en-IN" sz="1800" dirty="0" smtClean="0">
+              <a:rPr lang="en-IN" sz="1800" dirty="0">
                 <a:solidFill>
                   <a:schemeClr val="tx1"/>
                 </a:solidFill>
@@ -18111,7 +17950,7 @@
               <a:buChar char="•"/>
             </a:pPr>
             <a:r>
-              <a:rPr lang="en-IN" sz="1800" dirty="0" smtClean="0">
+              <a:rPr lang="en-IN" sz="1800" dirty="0">
                 <a:solidFill>
                   <a:schemeClr val="tx1"/>
                 </a:solidFill>
@@ -18130,7 +17969,7 @@
               <a:buChar char="•"/>
             </a:pPr>
             <a:r>
-              <a:rPr lang="en-IN" sz="1800" dirty="0" smtClean="0">
+              <a:rPr lang="en-IN" sz="1800" dirty="0">
                 <a:solidFill>
                   <a:schemeClr val="tx1"/>
                 </a:solidFill>
@@ -18149,7 +17988,7 @@
               <a:buChar char="•"/>
             </a:pPr>
             <a:r>
-              <a:rPr lang="en-IN" sz="1800" dirty="0" smtClean="0">
+              <a:rPr lang="en-IN" sz="1800" dirty="0">
                 <a:solidFill>
                   <a:schemeClr val="tx1"/>
                 </a:solidFill>
@@ -18211,10 +18050,9 @@
           <a:lstStyle/>
           <a:p>
             <a:r>
-              <a:rPr lang="en-IN" sz="4500" b="1" dirty="0" smtClean="0"/>
+              <a:rPr lang="en-IN" sz="4500" b="1" dirty="0"/>
               <a:t>Any Queries ?</a:t>
             </a:r>
-            <a:endParaRPr lang="en-IN" sz="4500" b="1" dirty="0"/>
           </a:p>
         </p:txBody>
       </p:sp>
@@ -18258,13 +18096,6 @@
   <p:clrMapOvr>
     <a:masterClrMapping/>
   </p:clrMapOvr>
-  <p:timing>
-    <p:tnLst>
-      <p:par>
-        <p:cTn id="1" dur="indefinite" restart="never" nodeType="tmRoot"/>
-      </p:par>
-    </p:tnLst>
-  </p:timing>
 </p:sld>
 </file>
 
@@ -18334,13 +18165,6 @@
   <p:clrMapOvr>
     <a:masterClrMapping/>
   </p:clrMapOvr>
-  <p:timing>
-    <p:tnLst>
-      <p:par>
-        <p:cTn id="1" dur="indefinite" restart="never" nodeType="tmRoot"/>
-      </p:par>
-    </p:tnLst>
-  </p:timing>
 </p:sld>
 </file>
 
@@ -18377,10 +18201,9 @@
           <a:lstStyle/>
           <a:p>
             <a:r>
-              <a:rPr lang="en-IN" dirty="0" smtClean="0"/>
+              <a:rPr lang="en-IN" dirty="0"/>
               <a:t>Data mapping</a:t>
             </a:r>
-            <a:endParaRPr lang="en-IN" dirty="0"/>
           </a:p>
         </p:txBody>
       </p:sp>
@@ -18644,7 +18467,7 @@
               <a:buChar char="•"/>
             </a:pPr>
             <a:r>
-              <a:rPr lang="en-IN" sz="1800" dirty="0" smtClean="0">
+              <a:rPr lang="en-IN" sz="1800" dirty="0">
                 <a:solidFill>
                   <a:schemeClr val="tx1"/>
                 </a:solidFill>
@@ -18663,7 +18486,7 @@
               <a:buChar char="•"/>
             </a:pPr>
             <a:r>
-              <a:rPr lang="en-IN" sz="1800" dirty="0" smtClean="0">
+              <a:rPr lang="en-IN" sz="1800" dirty="0">
                 <a:solidFill>
                   <a:schemeClr val="tx1"/>
                 </a:solidFill>
@@ -18682,7 +18505,7 @@
               <a:buChar char="•"/>
             </a:pPr>
             <a:r>
-              <a:rPr lang="en-IN" sz="1800" dirty="0" smtClean="0">
+              <a:rPr lang="en-IN" sz="1800" dirty="0">
                 <a:solidFill>
                   <a:schemeClr val="tx1"/>
                 </a:solidFill>
@@ -18701,7 +18524,7 @@
               <a:buChar char="•"/>
             </a:pPr>
             <a:r>
-              <a:rPr lang="en-IN" sz="1800" dirty="0" smtClean="0">
+              <a:rPr lang="en-IN" sz="1800" dirty="0">
                 <a:solidFill>
                   <a:schemeClr val="tx1"/>
                 </a:solidFill>
@@ -18835,13 +18658,6 @@
   <p:clrMapOvr>
     <a:masterClrMapping/>
   </p:clrMapOvr>
-  <p:timing>
-    <p:tnLst>
-      <p:par>
-        <p:cTn id="1" dur="indefinite" restart="never" nodeType="tmRoot"/>
-      </p:par>
-    </p:tnLst>
-  </p:timing>
 </p:sld>
 </file>
 
@@ -18878,10 +18694,9 @@
           <a:lstStyle/>
           <a:p>
             <a:r>
-              <a:rPr lang="en-IN" dirty="0" smtClean="0"/>
+              <a:rPr lang="en-IN" dirty="0"/>
               <a:t>Data Insertion</a:t>
             </a:r>
-            <a:endParaRPr lang="en-IN" dirty="0"/>
           </a:p>
         </p:txBody>
       </p:sp>
@@ -19145,7 +18960,7 @@
               <a:buChar char="•"/>
             </a:pPr>
             <a:r>
-              <a:rPr lang="en-IN" sz="1800" dirty="0" smtClean="0">
+              <a:rPr lang="en-IN" sz="1800" dirty="0">
                 <a:solidFill>
                   <a:schemeClr val="tx1"/>
                 </a:solidFill>
@@ -19232,7 +19047,7 @@
               <a:buChar char="•"/>
             </a:pPr>
             <a:r>
-              <a:rPr lang="en-IN" sz="1800" dirty="0" smtClean="0">
+              <a:rPr lang="en-IN" sz="1800" dirty="0">
                 <a:solidFill>
                   <a:schemeClr val="tx1"/>
                 </a:solidFill>
@@ -19251,7 +19066,7 @@
               <a:buChar char="•"/>
             </a:pPr>
             <a:r>
-              <a:rPr lang="en-IN" sz="1800" dirty="0" smtClean="0">
+              <a:rPr lang="en-IN" sz="1800" dirty="0">
                 <a:solidFill>
                   <a:schemeClr val="tx1"/>
                 </a:solidFill>
@@ -19561,7 +19376,7 @@
               <a:buFont typeface="Arial" pitchFamily="34" charset="0"/>
               <a:buChar char="•"/>
             </a:pPr>
-            <a:endParaRPr lang="en-IN" sz="1800" dirty="0" smtClean="0">
+            <a:endParaRPr lang="en-IN" sz="1800" dirty="0">
               <a:solidFill>
                 <a:schemeClr val="tx1"/>
               </a:solidFill>
@@ -19830,7 +19645,7 @@
               <a:buChar char="•"/>
             </a:pPr>
             <a:r>
-              <a:rPr lang="en-IN" sz="1800" dirty="0" smtClean="0">
+              <a:rPr lang="en-IN" sz="1800" dirty="0">
                 <a:solidFill>
                   <a:schemeClr val="tx1"/>
                 </a:solidFill>
@@ -19849,7 +19664,7 @@
               <a:buChar char="•"/>
             </a:pPr>
             <a:r>
-              <a:rPr lang="en-IN" sz="1800" dirty="0" smtClean="0">
+              <a:rPr lang="en-IN" sz="1800" dirty="0">
                 <a:solidFill>
                   <a:schemeClr val="tx1"/>
                 </a:solidFill>
@@ -19868,7 +19683,7 @@
               <a:buChar char="•"/>
             </a:pPr>
             <a:r>
-              <a:rPr lang="en-IN" sz="1800" dirty="0" smtClean="0">
+              <a:rPr lang="en-IN" sz="1800" dirty="0">
                 <a:solidFill>
                   <a:schemeClr val="tx1"/>
                 </a:solidFill>
@@ -19886,7 +19701,7 @@
               <a:buFont typeface="Arial" pitchFamily="34" charset="0"/>
               <a:buChar char="•"/>
             </a:pPr>
-            <a:endParaRPr lang="en-IN" sz="1800" dirty="0" smtClean="0">
+            <a:endParaRPr lang="en-IN" sz="1800" dirty="0">
               <a:solidFill>
                 <a:schemeClr val="tx1"/>
               </a:solidFill>
@@ -19905,13 +19720,6 @@
   <p:clrMapOvr>
     <a:masterClrMapping/>
   </p:clrMapOvr>
-  <p:timing>
-    <p:tnLst>
-      <p:par>
-        <p:cTn id="1" dur="indefinite" restart="never" nodeType="tmRoot"/>
-      </p:par>
-    </p:tnLst>
-  </p:timing>
 </p:sld>
 </file>
 
@@ -19948,10 +19756,9 @@
           <a:lstStyle/>
           <a:p>
             <a:r>
-              <a:rPr lang="en-IN" dirty="0" smtClean="0"/>
+              <a:rPr lang="en-IN" dirty="0"/>
               <a:t>Querying</a:t>
             </a:r>
-            <a:endParaRPr lang="en-IN" dirty="0"/>
           </a:p>
         </p:txBody>
       </p:sp>
@@ -20215,7 +20022,7 @@
               <a:buChar char="•"/>
             </a:pPr>
             <a:r>
-              <a:rPr lang="en-IN" sz="1800" dirty="0" smtClean="0">
+              <a:rPr lang="en-IN" sz="1800" dirty="0">
                 <a:solidFill>
                   <a:schemeClr val="tx1"/>
                 </a:solidFill>
@@ -20234,7 +20041,7 @@
               <a:buChar char="•"/>
             </a:pPr>
             <a:r>
-              <a:rPr lang="en-IN" sz="1800" dirty="0" smtClean="0">
+              <a:rPr lang="en-IN" sz="1800" dirty="0">
                 <a:solidFill>
                   <a:schemeClr val="tx1"/>
                 </a:solidFill>
@@ -20253,7 +20060,7 @@
               <a:buChar char="•"/>
             </a:pPr>
             <a:r>
-              <a:rPr lang="en-IN" sz="1800" dirty="0" smtClean="0">
+              <a:rPr lang="en-IN" sz="1800" dirty="0">
                 <a:solidFill>
                   <a:schemeClr val="tx1"/>
                 </a:solidFill>
@@ -20272,7 +20079,7 @@
               <a:buChar char="•"/>
             </a:pPr>
             <a:r>
-              <a:rPr lang="en-IN" sz="1800" dirty="0" smtClean="0">
+              <a:rPr lang="en-IN" sz="1800" dirty="0">
                 <a:solidFill>
                   <a:schemeClr val="tx1"/>
                 </a:solidFill>
@@ -20290,7 +20097,7 @@
               <a:buFont typeface="Arial" pitchFamily="34" charset="0"/>
               <a:buChar char="•"/>
             </a:pPr>
-            <a:endParaRPr lang="en-IN" sz="1800" dirty="0" smtClean="0">
+            <a:endParaRPr lang="en-IN" sz="1800" dirty="0">
               <a:solidFill>
                 <a:schemeClr val="tx1"/>
               </a:solidFill>
@@ -20413,13 +20220,6 @@
   <p:clrMapOvr>
     <a:masterClrMapping/>
   </p:clrMapOvr>
-  <p:timing>
-    <p:tnLst>
-      <p:par>
-        <p:cTn id="1" dur="indefinite" restart="never" nodeType="tmRoot"/>
-      </p:par>
-    </p:tnLst>
-  </p:timing>
 </p:sld>
 </file>
 
@@ -20475,10 +20275,16 @@
               <a:buNone/>
             </a:pPr>
             <a:r>
-              <a:rPr lang="en" dirty="0" smtClean="0"/>
+              <a:rPr lang="en" dirty="0">
+                <a:latin typeface="Calibri" panose="020F0502020204030204" pitchFamily="34" charset="0"/>
+                <a:cs typeface="Calibri" panose="020F0502020204030204" pitchFamily="34" charset="0"/>
+              </a:rPr>
               <a:t>Contents</a:t>
             </a:r>
-            <a:endParaRPr dirty="0"/>
+            <a:endParaRPr dirty="0">
+              <a:latin typeface="Calibri" panose="020F0502020204030204" pitchFamily="34" charset="0"/>
+              <a:cs typeface="Calibri" panose="020F0502020204030204" pitchFamily="34" charset="0"/>
+            </a:endParaRPr>
           </a:p>
         </p:txBody>
       </p:sp>
@@ -20782,11 +20588,12 @@
               <a:buChar char="•"/>
             </a:pPr>
             <a:r>
-              <a:rPr lang="en-IN" sz="1800" dirty="0" smtClean="0">
+              <a:rPr lang="en-IN" sz="1800" dirty="0">
                 <a:solidFill>
                   <a:schemeClr val="tx1"/>
                 </a:solidFill>
-                <a:latin typeface="Times New Roman" pitchFamily="18" charset="0"/>
+                <a:latin typeface="Calibri" panose="020F0502020204030204" pitchFamily="34" charset="0"/>
+                <a:cs typeface="Calibri" panose="020F0502020204030204" pitchFamily="34" charset="0"/>
               </a:rPr>
               <a:t>Internship</a:t>
             </a:r>
@@ -20801,11 +20608,12 @@
               <a:buChar char="•"/>
             </a:pPr>
             <a:r>
-              <a:rPr lang="en-IN" sz="1800" dirty="0" smtClean="0">
+              <a:rPr lang="en-IN" sz="1800" dirty="0">
                 <a:solidFill>
                   <a:schemeClr val="tx1"/>
                 </a:solidFill>
-                <a:latin typeface="Times New Roman" pitchFamily="18" charset="0"/>
+                <a:latin typeface="Calibri" panose="020F0502020204030204" pitchFamily="34" charset="0"/>
+                <a:cs typeface="Calibri" panose="020F0502020204030204" pitchFamily="34" charset="0"/>
               </a:rPr>
               <a:t>Area of study</a:t>
             </a:r>
@@ -20820,13 +20628,14 @@
               <a:buChar char="•"/>
             </a:pPr>
             <a:r>
-              <a:rPr lang="en-IN" sz="1800" dirty="0" smtClean="0">
+              <a:rPr lang="en-IN" sz="1800" dirty="0">
                 <a:solidFill>
                   <a:schemeClr val="tx1"/>
                 </a:solidFill>
-                <a:latin typeface="Times New Roman" pitchFamily="18" charset="0"/>
+                <a:latin typeface="Calibri" panose="020F0502020204030204" pitchFamily="34" charset="0"/>
+                <a:cs typeface="Calibri" panose="020F0502020204030204" pitchFamily="34" charset="0"/>
               </a:rPr>
-              <a:t>Elastic search</a:t>
+              <a:t>Requirement</a:t>
             </a:r>
           </a:p>
           <a:p>
@@ -20839,13 +20648,14 @@
               <a:buChar char="•"/>
             </a:pPr>
             <a:r>
-              <a:rPr lang="en-IN" sz="1800" dirty="0" smtClean="0">
+              <a:rPr lang="en-IN" sz="1800" dirty="0">
                 <a:solidFill>
                   <a:schemeClr val="tx1"/>
                 </a:solidFill>
-                <a:latin typeface="Times New Roman" pitchFamily="18" charset="0"/>
+                <a:latin typeface="Calibri" panose="020F0502020204030204" pitchFamily="34" charset="0"/>
+                <a:cs typeface="Calibri" panose="020F0502020204030204" pitchFamily="34" charset="0"/>
               </a:rPr>
-              <a:t>Sample Example &amp; Requirement</a:t>
+              <a:t>Miscellaneous</a:t>
             </a:r>
           </a:p>
           <a:p>
@@ -20858,87 +20668,12 @@
               <a:buChar char="•"/>
             </a:pPr>
             <a:r>
-              <a:rPr lang="en-IN" sz="1800" dirty="0" smtClean="0">
+              <a:rPr lang="en-IN" sz="1800" dirty="0">
                 <a:solidFill>
                   <a:schemeClr val="tx1"/>
                 </a:solidFill>
-                <a:latin typeface="Times New Roman" pitchFamily="18" charset="0"/>
-              </a:rPr>
-              <a:t>Contribution to the project</a:t>
-            </a:r>
-          </a:p>
-          <a:p>
-            <a:pPr marL="285750" indent="-285750">
-              <a:buClr>
-                <a:schemeClr val="tx1"/>
-              </a:buClr>
-              <a:buSzPct val="125000"/>
-              <a:buFont typeface="Arial" pitchFamily="34" charset="0"/>
-              <a:buChar char="•"/>
-            </a:pPr>
-            <a:r>
-              <a:rPr lang="en-IN" sz="1800" dirty="0" smtClean="0">
-                <a:solidFill>
-                  <a:schemeClr val="tx1"/>
-                </a:solidFill>
-                <a:latin typeface="Times New Roman" pitchFamily="18" charset="0"/>
-              </a:rPr>
-              <a:t>Utilization in project</a:t>
-            </a:r>
-          </a:p>
-          <a:p>
-            <a:pPr marL="285750" indent="-285750">
-              <a:buClr>
-                <a:schemeClr val="tx1"/>
-              </a:buClr>
-              <a:buSzPct val="125000"/>
-              <a:buFont typeface="Arial" pitchFamily="34" charset="0"/>
-              <a:buChar char="•"/>
-            </a:pPr>
-            <a:r>
-              <a:rPr lang="en-IN" sz="1800" dirty="0" smtClean="0">
-                <a:solidFill>
-                  <a:schemeClr val="tx1"/>
-                </a:solidFill>
-                <a:latin typeface="Times New Roman" pitchFamily="18" charset="0"/>
-              </a:rPr>
-              <a:t>Other requirements</a:t>
-            </a:r>
-          </a:p>
-          <a:p>
-            <a:pPr marL="285750" indent="-285750">
-              <a:buClr>
-                <a:schemeClr val="tx1"/>
-              </a:buClr>
-              <a:buSzPct val="125000"/>
-              <a:buFont typeface="Arial" pitchFamily="34" charset="0"/>
-              <a:buChar char="•"/>
-            </a:pPr>
-            <a:r>
-              <a:rPr lang="en-IN" sz="1800" dirty="0" smtClean="0">
-                <a:solidFill>
-                  <a:schemeClr val="tx1"/>
-                </a:solidFill>
-                <a:latin typeface="Times New Roman" pitchFamily="18" charset="0"/>
-              </a:rPr>
-              <a:t>Learning outcome</a:t>
-            </a:r>
-          </a:p>
-          <a:p>
-            <a:pPr marL="285750" indent="-285750">
-              <a:buClr>
-                <a:schemeClr val="tx1"/>
-              </a:buClr>
-              <a:buSzPct val="125000"/>
-              <a:buFont typeface="Arial" pitchFamily="34" charset="0"/>
-              <a:buChar char="•"/>
-            </a:pPr>
-            <a:r>
-              <a:rPr lang="en-IN" sz="1800" dirty="0" smtClean="0">
-                <a:solidFill>
-                  <a:schemeClr val="tx1"/>
-                </a:solidFill>
-                <a:latin typeface="Times New Roman" pitchFamily="18" charset="0"/>
+                <a:latin typeface="Calibri" panose="020F0502020204030204" pitchFamily="34" charset="0"/>
+                <a:cs typeface="Calibri" panose="020F0502020204030204" pitchFamily="34" charset="0"/>
               </a:rPr>
               <a:t>Questions</a:t>
             </a:r>
@@ -20950,13 +20685,6 @@
   <p:clrMapOvr>
     <a:masterClrMapping/>
   </p:clrMapOvr>
-  <p:timing>
-    <p:tnLst>
-      <p:par>
-        <p:cTn id="1" dur="indefinite" restart="never" nodeType="tmRoot"/>
-      </p:par>
-    </p:tnLst>
-  </p:timing>
 </p:sld>
 </file>
 
@@ -21052,10 +20780,16 @@
               <a:buNone/>
             </a:pPr>
             <a:r>
-              <a:rPr lang="en-IN" dirty="0" smtClean="0"/>
+              <a:rPr lang="en-IN" dirty="0">
+                <a:latin typeface="Calibri" panose="020F0502020204030204" pitchFamily="34" charset="0"/>
+                <a:cs typeface="Calibri" panose="020F0502020204030204" pitchFamily="34" charset="0"/>
+              </a:rPr>
               <a:t>Internship</a:t>
             </a:r>
-            <a:endParaRPr dirty="0"/>
+            <a:endParaRPr dirty="0">
+              <a:latin typeface="Calibri" panose="020F0502020204030204" pitchFamily="34" charset="0"/>
+              <a:cs typeface="Calibri" panose="020F0502020204030204" pitchFamily="34" charset="0"/>
+            </a:endParaRPr>
           </a:p>
         </p:txBody>
       </p:sp>
@@ -21094,10 +20828,16 @@
               <a:buNone/>
             </a:pPr>
             <a:r>
-              <a:rPr lang="en" dirty="0" smtClean="0"/>
+              <a:rPr lang="en" dirty="0">
+                <a:latin typeface="Calibri" panose="020F0502020204030204" pitchFamily="34" charset="0"/>
+                <a:cs typeface="Calibri" panose="020F0502020204030204" pitchFamily="34" charset="0"/>
+              </a:rPr>
               <a:t>Project</a:t>
             </a:r>
-            <a:endParaRPr dirty="0"/>
+            <a:endParaRPr dirty="0">
+              <a:latin typeface="Calibri" panose="020F0502020204030204" pitchFamily="34" charset="0"/>
+              <a:cs typeface="Calibri" panose="020F0502020204030204" pitchFamily="34" charset="0"/>
+            </a:endParaRPr>
           </a:p>
         </p:txBody>
       </p:sp>
@@ -21136,52 +20876,16 @@
               <a:buNone/>
             </a:pPr>
             <a:r>
-              <a:rPr lang="en" dirty="0" smtClean="0"/>
-              <a:t>Requirement</a:t>
+              <a:rPr lang="en" dirty="0">
+                <a:latin typeface="Calibri" panose="020F0502020204030204" pitchFamily="34" charset="0"/>
+                <a:cs typeface="Calibri" panose="020F0502020204030204" pitchFamily="34" charset="0"/>
+              </a:rPr>
+              <a:t>Requirements</a:t>
             </a:r>
-            <a:endParaRPr dirty="0"/>
-          </a:p>
-        </p:txBody>
-      </p:sp>
-      <p:sp>
-        <p:nvSpPr>
-          <p:cNvPr id="631" name="Google Shape;631;p60"/>
-          <p:cNvSpPr txBox="1">
-            <a:spLocks noGrp="1"/>
-          </p:cNvSpPr>
-          <p:nvPr>
-            <p:ph type="subTitle" idx="3"/>
-          </p:nvPr>
-        </p:nvSpPr>
-        <p:spPr>
-          <a:xfrm>
-            <a:off x="5508104" y="2444590"/>
-            <a:ext cx="3024336" cy="487200"/>
-          </a:xfrm>
-          <a:prstGeom prst="rect">
-            <a:avLst/>
-          </a:prstGeom>
-        </p:spPr>
-        <p:txBody>
-          <a:bodyPr spcFirstLastPara="1" wrap="square" lIns="91425" tIns="91425" rIns="91425" bIns="91425" anchor="t" anchorCtr="0">
-            <a:noAutofit/>
-          </a:bodyPr>
-          <a:lstStyle/>
-          <a:p>
-            <a:pPr marL="0" lvl="0" indent="0" algn="l" rtl="0">
-              <a:spcBef>
-                <a:spcPts val="0"/>
-              </a:spcBef>
-              <a:spcAft>
-                <a:spcPts val="0"/>
-              </a:spcAft>
-              <a:buNone/>
-            </a:pPr>
-            <a:r>
-              <a:rPr lang="en-IN" dirty="0" smtClean="0"/>
-              <a:t>Technical Stack</a:t>
-            </a:r>
-            <a:endParaRPr dirty="0"/>
+            <a:endParaRPr dirty="0">
+              <a:latin typeface="Calibri" panose="020F0502020204030204" pitchFamily="34" charset="0"/>
+              <a:cs typeface="Calibri" panose="020F0502020204030204" pitchFamily="34" charset="0"/>
+            </a:endParaRPr>
           </a:p>
         </p:txBody>
       </p:sp>
@@ -21198,7 +20902,7 @@
         <p:spPr>
           <a:xfrm>
             <a:off x="611560" y="3003798"/>
-            <a:ext cx="1502144" cy="720080"/>
+            <a:ext cx="2080500" cy="720080"/>
           </a:xfrm>
           <a:prstGeom prst="rect">
             <a:avLst/>
@@ -21210,7 +20914,7 @@
           </a:bodyPr>
           <a:lstStyle/>
           <a:p>
-            <a:pPr marL="0" lvl="0" indent="0" algn="ctr" rtl="0">
+            <a:pPr marL="0" lvl="0" indent="0" rtl="0">
               <a:spcBef>
                 <a:spcPts val="0"/>
               </a:spcBef>
@@ -21220,13 +20924,15 @@
               <a:buNone/>
             </a:pPr>
             <a:r>
-              <a:rPr lang="en" dirty="0" smtClean="0">
-                <a:latin typeface="Times New Roman" pitchFamily="18" charset="0"/>
+              <a:rPr lang="en" dirty="0">
+                <a:latin typeface="Calibri" panose="020F0502020204030204" pitchFamily="34" charset="0"/>
+                <a:cs typeface="Calibri" panose="020F0502020204030204" pitchFamily="34" charset="0"/>
               </a:rPr>
-              <a:t>N8 output tax compare</a:t>
+              <a:t>N8 Tax Compare</a:t>
             </a:r>
             <a:endParaRPr dirty="0">
-              <a:latin typeface="Times New Roman" pitchFamily="18" charset="0"/>
+              <a:latin typeface="Calibri" panose="020F0502020204030204" pitchFamily="34" charset="0"/>
+              <a:cs typeface="Calibri" panose="020F0502020204030204" pitchFamily="34" charset="0"/>
             </a:endParaRPr>
           </a:p>
         </p:txBody>
@@ -21244,7 +20950,7 @@
         <p:spPr>
           <a:xfrm>
             <a:off x="2811670" y="3075806"/>
-            <a:ext cx="2080500" cy="648072"/>
+            <a:ext cx="2624426" cy="1221674"/>
           </a:xfrm>
           <a:prstGeom prst="rect">
             <a:avLst/>
@@ -21256,124 +20962,45 @@
           </a:bodyPr>
           <a:lstStyle/>
           <a:p>
-            <a:pPr marL="0" lvl="0" indent="0" algn="ctr" rtl="0">
-              <a:spcBef>
-                <a:spcPts val="0"/>
-              </a:spcBef>
-              <a:spcAft>
-                <a:spcPts val="0"/>
-              </a:spcAft>
-              <a:buNone/>
-            </a:pPr>
-            <a:r>
-              <a:rPr lang="en-IN" dirty="0" smtClean="0">
-                <a:latin typeface="Times New Roman" pitchFamily="18" charset="0"/>
-              </a:rPr>
-              <a:t>Insert and Query the data in elastic search</a:t>
-            </a:r>
-            <a:endParaRPr dirty="0">
-              <a:latin typeface="Times New Roman" pitchFamily="18" charset="0"/>
-            </a:endParaRPr>
-          </a:p>
-        </p:txBody>
-      </p:sp>
-      <p:sp>
-        <p:nvSpPr>
-          <p:cNvPr id="634" name="Google Shape;634;p60"/>
-          <p:cNvSpPr txBox="1">
-            <a:spLocks noGrp="1"/>
-          </p:cNvSpPr>
-          <p:nvPr>
-            <p:ph type="subTitle" idx="6"/>
-          </p:nvPr>
-        </p:nvSpPr>
-        <p:spPr>
-          <a:xfrm>
-            <a:off x="5436096" y="3075806"/>
-            <a:ext cx="2808312" cy="931500"/>
-          </a:xfrm>
-          <a:prstGeom prst="rect">
-            <a:avLst/>
-          </a:prstGeom>
-        </p:spPr>
-        <p:txBody>
-          <a:bodyPr spcFirstLastPara="1" wrap="square" lIns="91425" tIns="91425" rIns="91425" bIns="91425" anchor="t" anchorCtr="0">
-            <a:noAutofit/>
-          </a:bodyPr>
-          <a:lstStyle/>
-          <a:p>
-            <a:pPr marL="285750" lvl="0" indent="-285750" algn="l" rtl="0">
-              <a:spcBef>
-                <a:spcPts val="0"/>
-              </a:spcBef>
-              <a:spcAft>
-                <a:spcPts val="0"/>
-              </a:spcAft>
-              <a:buFont typeface="Arial" pitchFamily="34" charset="0"/>
+            <a:pPr marL="285750" lvl="0" indent="-285750" rtl="0">
+              <a:spcBef>
+                <a:spcPts val="0"/>
+              </a:spcBef>
+              <a:spcAft>
+                <a:spcPts val="0"/>
+              </a:spcAft>
+              <a:buFont typeface="Arial" panose="020B0604020202020204" pitchFamily="34" charset="0"/>
               <a:buChar char="•"/>
             </a:pPr>
             <a:r>
-              <a:rPr lang="en-IN" dirty="0" smtClean="0">
-                <a:latin typeface="Times New Roman" pitchFamily="18" charset="0"/>
+              <a:rPr lang="en-IN" dirty="0">
+                <a:latin typeface="Calibri" panose="020F0502020204030204" pitchFamily="34" charset="0"/>
+                <a:cs typeface="Calibri" panose="020F0502020204030204" pitchFamily="34" charset="0"/>
               </a:rPr>
-              <a:t>Elastic </a:t>
+              <a:t>Pull insights from output compare results at client level</a:t>
             </a:r>
-            <a:r>
-              <a:rPr lang="en-IN" dirty="0" smtClean="0">
-                <a:latin typeface="Times New Roman" pitchFamily="18" charset="0"/>
-              </a:rPr>
-              <a:t>Search(ELK)</a:t>
-            </a:r>
-            <a:endParaRPr lang="en-IN" dirty="0" smtClean="0">
-              <a:latin typeface="Times New Roman" pitchFamily="18" charset="0"/>
-            </a:endParaRPr>
           </a:p>
           <a:p>
-            <a:pPr marL="285750" lvl="0" indent="-285750" algn="l" rtl="0">
-              <a:spcBef>
-                <a:spcPts val="0"/>
-              </a:spcBef>
-              <a:spcAft>
-                <a:spcPts val="0"/>
-              </a:spcAft>
-              <a:buFont typeface="Arial" pitchFamily="34" charset="0"/>
+            <a:pPr marL="285750" lvl="0" indent="-285750" rtl="0">
+              <a:spcBef>
+                <a:spcPts val="0"/>
+              </a:spcBef>
+              <a:spcAft>
+                <a:spcPts val="0"/>
+              </a:spcAft>
+              <a:buFont typeface="Arial" panose="020B0604020202020204" pitchFamily="34" charset="0"/>
               <a:buChar char="•"/>
             </a:pPr>
             <a:r>
-              <a:rPr lang="en-IN" dirty="0" smtClean="0">
-                <a:latin typeface="Times New Roman" pitchFamily="18" charset="0"/>
+              <a:rPr lang="en-IN" dirty="0">
+                <a:latin typeface="Calibri" panose="020F0502020204030204" pitchFamily="34" charset="0"/>
+                <a:cs typeface="Calibri" panose="020F0502020204030204" pitchFamily="34" charset="0"/>
               </a:rPr>
-              <a:t>Cloud </a:t>
-            </a:r>
-            <a:r>
-              <a:rPr lang="en-IN" dirty="0" smtClean="0">
-                <a:latin typeface="Times New Roman" pitchFamily="18" charset="0"/>
-              </a:rPr>
-              <a:t>computing(AWS)</a:t>
-            </a:r>
-            <a:endParaRPr lang="en-IN" dirty="0" smtClean="0">
-              <a:latin typeface="Times New Roman" pitchFamily="18" charset="0"/>
-            </a:endParaRPr>
-          </a:p>
-          <a:p>
-            <a:pPr marL="285750" lvl="0" indent="-285750" algn="l" rtl="0">
-              <a:spcBef>
-                <a:spcPts val="0"/>
-              </a:spcBef>
-              <a:spcAft>
-                <a:spcPts val="0"/>
-              </a:spcAft>
-              <a:buFont typeface="Arial" pitchFamily="34" charset="0"/>
-              <a:buChar char="•"/>
-            </a:pPr>
-            <a:r>
-              <a:rPr lang="en-IN" dirty="0" smtClean="0">
-                <a:latin typeface="Times New Roman" pitchFamily="18" charset="0"/>
-              </a:rPr>
-              <a:t>Python (pandas,boto3)</a:t>
+              <a:t>Increased code coverage</a:t>
             </a:r>
             <a:endParaRPr dirty="0">
-              <a:latin typeface="Times New Roman" pitchFamily="18" charset="0"/>
+              <a:latin typeface="Calibri" panose="020F0502020204030204" pitchFamily="34" charset="0"/>
+              <a:cs typeface="Calibri" panose="020F0502020204030204" pitchFamily="34" charset="0"/>
             </a:endParaRPr>
           </a:p>
         </p:txBody>
@@ -23103,13 +22730,6 @@
   <p:clrMapOvr>
     <a:masterClrMapping/>
   </p:clrMapOvr>
-  <p:timing>
-    <p:tnLst>
-      <p:par>
-        <p:cTn id="1" dur="indefinite" restart="never" nodeType="tmRoot"/>
-      </p:par>
-    </p:tnLst>
-  </p:timing>
 </p:sld>
 </file>
 
@@ -23165,16 +22785,8 @@
               <a:buNone/>
             </a:pPr>
             <a:r>
-              <a:rPr lang="en" dirty="0" smtClean="0"/>
-              <a:t>Area </a:t>
-            </a:r>
-            <a:r>
               <a:rPr lang="en" dirty="0"/>
-              <a:t>of </a:t>
-            </a:r>
-            <a:r>
-              <a:rPr lang="en" dirty="0" smtClean="0"/>
-              <a:t>study</a:t>
+              <a:t>Technical stack</a:t>
             </a:r>
             <a:endParaRPr dirty="0"/>
           </a:p>
@@ -23193,7 +22805,7 @@
         <p:spPr>
           <a:xfrm>
             <a:off x="899592" y="1923678"/>
-            <a:ext cx="2126400" cy="576000"/>
+            <a:ext cx="2432286" cy="792088"/>
           </a:xfrm>
           <a:prstGeom prst="rect">
             <a:avLst/>
@@ -23205,7 +22817,7 @@
           </a:bodyPr>
           <a:lstStyle/>
           <a:p>
-            <a:pPr marL="0" lvl="0" indent="0" algn="ctr" rtl="0">
+            <a:pPr marL="0" lvl="0" indent="0" rtl="0">
               <a:spcBef>
                 <a:spcPts val="0"/>
               </a:spcBef>
@@ -23215,10 +22827,10 @@
               <a:buNone/>
             </a:pPr>
             <a:r>
-              <a:rPr lang="en-IN" dirty="0" smtClean="0">
+              <a:rPr lang="en-IN" dirty="0">
                 <a:latin typeface="Times New Roman" pitchFamily="18" charset="0"/>
               </a:rPr>
-              <a:t>Implementing it in local and storing 2D data into it</a:t>
+              <a:t>Implementing elastic search to storing 2D data</a:t>
             </a:r>
             <a:endParaRPr dirty="0">
               <a:latin typeface="Times New Roman" pitchFamily="18" charset="0"/>
@@ -23238,8 +22850,8 @@
         </p:nvSpPr>
         <p:spPr>
           <a:xfrm>
-            <a:off x="713250" y="3435846"/>
-            <a:ext cx="2126400" cy="576000"/>
+            <a:off x="713250" y="3435845"/>
+            <a:ext cx="2850638" cy="792087"/>
           </a:xfrm>
           <a:prstGeom prst="rect">
             <a:avLst/>
@@ -23251,7 +22863,7 @@
           </a:bodyPr>
           <a:lstStyle/>
           <a:p>
-            <a:pPr marL="0" lvl="0" indent="0" algn="ctr" rtl="0">
+            <a:pPr marL="0" lvl="0" indent="0" rtl="0">
               <a:spcBef>
                 <a:spcPts val="0"/>
               </a:spcBef>
@@ -23261,45 +22873,10 @@
               <a:buNone/>
             </a:pPr>
             <a:r>
-              <a:rPr lang="en" dirty="0" smtClean="0">
+              <a:rPr lang="en" dirty="0">
                 <a:latin typeface="Times New Roman" pitchFamily="18" charset="0"/>
               </a:rPr>
-              <a:t>Understand </a:t>
-            </a:r>
-            <a:r>
-              <a:rPr lang="en" dirty="0" smtClean="0">
-                <a:latin typeface="Times New Roman" pitchFamily="18" charset="0"/>
-              </a:rPr>
-              <a:t>DB like</a:t>
-            </a:r>
-          </a:p>
-          <a:p>
-            <a:pPr marL="0" lvl="0" indent="0" algn="ctr" rtl="0">
-              <a:spcBef>
-                <a:spcPts val="0"/>
-              </a:spcBef>
-              <a:spcAft>
-                <a:spcPts val="0"/>
-              </a:spcAft>
-              <a:buNone/>
-            </a:pPr>
-            <a:r>
-              <a:rPr lang="en" dirty="0" smtClean="0">
-                <a:latin typeface="Times New Roman" pitchFamily="18" charset="0"/>
-              </a:rPr>
-              <a:t>OpenSearch</a:t>
-            </a:r>
-            <a:r>
-              <a:rPr lang="en" dirty="0" smtClean="0">
-                <a:latin typeface="Times New Roman" pitchFamily="18" charset="0"/>
-              </a:rPr>
-              <a:t> </a:t>
-            </a:r>
-            <a:r>
-              <a:rPr lang="en" dirty="0" smtClean="0">
-                <a:latin typeface="Times New Roman" pitchFamily="18" charset="0"/>
-              </a:rPr>
-              <a:t>DynamoDB and Aurora DB</a:t>
+              <a:t>Understand DB like OpenSearch, DynamoDB and Aurora DB</a:t>
             </a:r>
             <a:endParaRPr dirty="0">
               <a:latin typeface="Times New Roman" pitchFamily="18" charset="0"/>
@@ -23320,7 +22897,7 @@
         <p:spPr>
           <a:xfrm>
             <a:off x="5940152" y="1923678"/>
-            <a:ext cx="2126400" cy="576000"/>
+            <a:ext cx="2376264" cy="576000"/>
           </a:xfrm>
           <a:prstGeom prst="rect">
             <a:avLst/>
@@ -23332,7 +22909,7 @@
           </a:bodyPr>
           <a:lstStyle/>
           <a:p>
-            <a:pPr marL="0" lvl="0" indent="0" algn="ctr" rtl="0">
+            <a:pPr marL="0" lvl="0" indent="0" rtl="0">
               <a:spcBef>
                 <a:spcPts val="0"/>
               </a:spcBef>
@@ -23342,10 +22919,10 @@
               <a:buNone/>
             </a:pPr>
             <a:r>
-              <a:rPr lang="en-IN" dirty="0" smtClean="0">
+              <a:rPr lang="en-IN" dirty="0">
                 <a:latin typeface="Times New Roman" pitchFamily="18" charset="0"/>
               </a:rPr>
-              <a:t>Frameworks and packages like boto3,pandas etc..</a:t>
+              <a:t>boto3,pandas,open search</a:t>
             </a:r>
             <a:endParaRPr dirty="0">
               <a:latin typeface="Times New Roman" pitchFamily="18" charset="0"/>
@@ -23366,7 +22943,7 @@
         <p:spPr>
           <a:xfrm>
             <a:off x="3508746" y="3435910"/>
-            <a:ext cx="2126400" cy="576000"/>
+            <a:ext cx="2503414" cy="576000"/>
           </a:xfrm>
           <a:prstGeom prst="rect">
             <a:avLst/>
@@ -23388,16 +22965,10 @@
               <a:buNone/>
             </a:pPr>
             <a:r>
-              <a:rPr lang="en" dirty="0" smtClean="0">
+              <a:rPr lang="en" dirty="0">
                 <a:latin typeface="Times New Roman" pitchFamily="18" charset="0"/>
               </a:rPr>
-              <a:t>Understand </a:t>
-            </a:r>
-            <a:r>
-              <a:rPr lang="en" dirty="0" smtClean="0">
-                <a:latin typeface="Times New Roman" pitchFamily="18" charset="0"/>
-              </a:rPr>
-              <a:t>and implement pytests</a:t>
+              <a:t>Understand and implement pytests to increase test coverage</a:t>
             </a:r>
             <a:endParaRPr dirty="0">
               <a:latin typeface="Times New Roman" pitchFamily="18" charset="0"/>
@@ -23440,7 +23011,7 @@
               <a:buNone/>
             </a:pPr>
             <a:r>
-              <a:rPr lang="en-IN" dirty="0" smtClean="0">
+              <a:rPr lang="en-IN" dirty="0">
                 <a:latin typeface="Times New Roman" pitchFamily="18" charset="0"/>
               </a:rPr>
               <a:t>JIRA (Story management),</a:t>
@@ -23457,7 +23028,7 @@
               <a:buNone/>
             </a:pPr>
             <a:r>
-              <a:rPr lang="en-IN" dirty="0" smtClean="0">
+              <a:rPr lang="en-IN" dirty="0">
                 <a:latin typeface="Times New Roman" pitchFamily="18" charset="0"/>
               </a:rPr>
               <a:t>GIT (code versioning)</a:t>
@@ -23493,7 +23064,7 @@
           </a:bodyPr>
           <a:lstStyle/>
           <a:p>
-            <a:pPr marL="0" lvl="0" indent="0" algn="ctr" rtl="0">
+            <a:pPr marL="0" lvl="0" indent="0" rtl="0">
               <a:spcBef>
                 <a:spcPts val="0"/>
               </a:spcBef>
@@ -23503,7 +23074,7 @@
               <a:buNone/>
             </a:pPr>
             <a:r>
-              <a:rPr lang="en-IN" dirty="0" smtClean="0">
+              <a:rPr lang="en-IN" dirty="0">
                 <a:latin typeface="Times New Roman" pitchFamily="18" charset="0"/>
               </a:rPr>
               <a:t>AWS serverless services like Lambda,S3,SQS,SES</a:t>
@@ -23549,10 +23120,10 @@
               <a:buNone/>
             </a:pPr>
             <a:r>
-              <a:rPr lang="en" dirty="0" smtClean="0">
+              <a:rPr lang="en" dirty="0">
                 <a:latin typeface="DM Serif Display" charset="0"/>
               </a:rPr>
-              <a:t>Elastic search</a:t>
+              <a:t>ELK</a:t>
             </a:r>
             <a:endParaRPr dirty="0">
               <a:latin typeface="DM Serif Display" charset="0"/>
@@ -23595,7 +23166,7 @@
               <a:buNone/>
             </a:pPr>
             <a:r>
-              <a:rPr lang="en" dirty="0" smtClean="0">
+              <a:rPr lang="en" dirty="0">
                 <a:latin typeface="DM Serif Display" charset="0"/>
               </a:rPr>
               <a:t>Database</a:t>
@@ -23641,7 +23212,7 @@
               <a:buNone/>
             </a:pPr>
             <a:r>
-              <a:rPr lang="en" dirty="0" smtClean="0">
+              <a:rPr lang="en" dirty="0">
                 <a:latin typeface="DM Serif Display" charset="0"/>
               </a:rPr>
               <a:t>Python</a:t>
@@ -23687,7 +23258,7 @@
               <a:buNone/>
             </a:pPr>
             <a:r>
-              <a:rPr lang="en" dirty="0" smtClean="0">
+              <a:rPr lang="en" dirty="0">
                 <a:latin typeface="DM Serif Display" charset="0"/>
               </a:rPr>
               <a:t>Testing</a:t>
@@ -23733,13 +23304,13 @@
               <a:buNone/>
             </a:pPr>
             <a:r>
-              <a:rPr lang="en-IN" dirty="0" smtClean="0">
+              <a:rPr lang="en-IN" dirty="0">
                 <a:latin typeface="DM Serif Display" charset="0"/>
               </a:rPr>
               <a:t>T</a:t>
             </a:r>
             <a:r>
-              <a:rPr lang="en" dirty="0" smtClean="0">
+              <a:rPr lang="en" dirty="0">
                 <a:latin typeface="DM Serif Display" charset="0"/>
               </a:rPr>
               <a:t>ools</a:t>
@@ -23785,7 +23356,7 @@
               <a:buNone/>
             </a:pPr>
             <a:r>
-              <a:rPr lang="en" dirty="0" smtClean="0">
+              <a:rPr lang="en" dirty="0">
                 <a:latin typeface="DM Serif Display" charset="0"/>
               </a:rPr>
               <a:t>Aws cloud</a:t>
@@ -23841,13 +23412,6 @@
   <p:clrMapOvr>
     <a:masterClrMapping/>
   </p:clrMapOvr>
-  <p:timing>
-    <p:tnLst>
-      <p:par>
-        <p:cTn id="1" dur="indefinite" restart="never" nodeType="tmRoot"/>
-      </p:par>
-    </p:tnLst>
-  </p:timing>
 </p:sld>
 </file>
 
@@ -23903,7 +23467,7 @@
               <a:buNone/>
             </a:pPr>
             <a:r>
-              <a:rPr lang="en-IN" dirty="0" smtClean="0"/>
+              <a:rPr lang="en-IN" dirty="0"/>
               <a:t>Requirement</a:t>
             </a:r>
             <a:endParaRPr dirty="0"/>
@@ -23961,7 +23525,7 @@
         <p:spPr>
           <a:xfrm>
             <a:off x="971600" y="1635646"/>
-            <a:ext cx="6552728" cy="3312368"/>
+            <a:ext cx="7560840" cy="3312368"/>
           </a:xfrm>
           <a:prstGeom prst="rect">
             <a:avLst/>
@@ -24201,7 +23765,7 @@
             </a:lvl9pPr>
           </a:lstStyle>
           <a:p>
-            <a:pPr marL="342900" lvl="1" indent="-342900">
+            <a:pPr marL="285750" lvl="1" indent="-285750">
               <a:buClr>
                 <a:schemeClr val="tx1"/>
               </a:buClr>
@@ -24210,46 +23774,53 @@
               <a:buChar char="•"/>
             </a:pPr>
             <a:r>
-              <a:rPr lang="en-IN" sz="2000" b="1" dirty="0" smtClean="0">
+              <a:rPr lang="en-IN" sz="1600" b="1" dirty="0">
                 <a:solidFill>
                   <a:schemeClr val="tx1"/>
                 </a:solidFill>
-                <a:latin typeface="Times New Roman" pitchFamily="18" charset="0"/>
+                <a:latin typeface="Calibri" panose="020F0502020204030204" pitchFamily="34" charset="0"/>
+                <a:cs typeface="Calibri" panose="020F0502020204030204" pitchFamily="34" charset="0"/>
               </a:rPr>
-              <a:t>Learning:</a:t>
+              <a:t>Requirement:</a:t>
             </a:r>
-            <a:endParaRPr lang="en-IN" sz="2000" b="1" dirty="0" smtClean="0">
+          </a:p>
+          <a:p>
+            <a:pPr lvl="1">
+              <a:buClr>
+                <a:schemeClr val="tx1"/>
+              </a:buClr>
+              <a:buSzPct val="125000"/>
+            </a:pPr>
+            <a:r>
+              <a:rPr lang="en-IN" sz="1600" b="1" dirty="0">
+                <a:solidFill>
+                  <a:schemeClr val="tx1"/>
+                </a:solidFill>
+                <a:latin typeface="Calibri" panose="020F0502020204030204" pitchFamily="34" charset="0"/>
+                <a:cs typeface="Calibri" panose="020F0502020204030204" pitchFamily="34" charset="0"/>
+              </a:rPr>
+              <a:t>	</a:t>
+            </a:r>
+            <a:r>
+              <a:rPr lang="en-IN" sz="1600" dirty="0">
+                <a:solidFill>
+                  <a:schemeClr val="tx1"/>
+                </a:solidFill>
+                <a:latin typeface="Calibri" panose="020F0502020204030204" pitchFamily="34" charset="0"/>
+                <a:cs typeface="Calibri" panose="020F0502020204030204" pitchFamily="34" charset="0"/>
+              </a:rPr>
+              <a:t>Show all the students with every subject passed at semester level</a:t>
+            </a:r>
+            <a:endParaRPr lang="en-IN" sz="1600" b="1" dirty="0">
               <a:solidFill>
                 <a:schemeClr val="tx1"/>
               </a:solidFill>
-              <a:latin typeface="Times New Roman" pitchFamily="18" charset="0"/>
+              <a:latin typeface="Calibri" panose="020F0502020204030204" pitchFamily="34" charset="0"/>
+              <a:cs typeface="Calibri" panose="020F0502020204030204" pitchFamily="34" charset="0"/>
             </a:endParaRPr>
           </a:p>
           <a:p>
-            <a:pPr>
-              <a:buClr>
-                <a:schemeClr val="tx1"/>
-              </a:buClr>
-              <a:buSzPct val="125000"/>
-            </a:pPr>
-            <a:r>
-              <a:rPr lang="en-IN" sz="1800" dirty="0" smtClean="0">
-                <a:solidFill>
-                  <a:schemeClr val="tx1"/>
-                </a:solidFill>
-                <a:latin typeface="Times New Roman" pitchFamily="18" charset="0"/>
-              </a:rPr>
-              <a:t>	Learnt concepts of elastic search, mapping, insertion and 	querying data.</a:t>
-            </a:r>
-            <a:endParaRPr lang="en-IN" sz="1800" dirty="0" smtClean="0">
-              <a:solidFill>
-                <a:schemeClr val="tx1"/>
-              </a:solidFill>
-              <a:latin typeface="Times New Roman" pitchFamily="18" charset="0"/>
-            </a:endParaRPr>
-          </a:p>
-          <a:p>
-            <a:pPr marL="285750" indent="-285750">
+            <a:pPr marL="342900" lvl="1" indent="-342900">
               <a:buClr>
                 <a:schemeClr val="tx1"/>
               </a:buClr>
@@ -24258,11 +23829,96 @@
               <a:buChar char="•"/>
             </a:pPr>
             <a:r>
-              <a:rPr lang="en-IN" sz="1800" b="1" dirty="0" smtClean="0">
+              <a:rPr lang="en-IN" sz="1600" b="1" dirty="0">
                 <a:solidFill>
                   <a:schemeClr val="tx1"/>
                 </a:solidFill>
-                <a:latin typeface="Times New Roman" pitchFamily="18" charset="0"/>
+                <a:latin typeface="Calibri" panose="020F0502020204030204" pitchFamily="34" charset="0"/>
+                <a:cs typeface="Calibri" panose="020F0502020204030204" pitchFamily="34" charset="0"/>
+              </a:rPr>
+              <a:t>Learning:</a:t>
+            </a:r>
+          </a:p>
+          <a:p>
+            <a:pPr lvl="2">
+              <a:buClr>
+                <a:schemeClr val="tx1"/>
+              </a:buClr>
+              <a:buSzPct val="125000"/>
+            </a:pPr>
+            <a:r>
+              <a:rPr lang="en-IN" sz="1600" b="1" dirty="0">
+                <a:solidFill>
+                  <a:schemeClr val="tx1"/>
+                </a:solidFill>
+                <a:latin typeface="Calibri" panose="020F0502020204030204" pitchFamily="34" charset="0"/>
+                <a:cs typeface="Calibri" panose="020F0502020204030204" pitchFamily="34" charset="0"/>
+              </a:rPr>
+              <a:t>	C</a:t>
+            </a:r>
+            <a:r>
+              <a:rPr lang="en-IN" sz="1600" dirty="0">
+                <a:solidFill>
+                  <a:schemeClr val="tx1"/>
+                </a:solidFill>
+                <a:latin typeface="Calibri" panose="020F0502020204030204" pitchFamily="34" charset="0"/>
+                <a:cs typeface="Calibri" panose="020F0502020204030204" pitchFamily="34" charset="0"/>
+              </a:rPr>
+              <a:t>oncepts of elastic search</a:t>
+            </a:r>
+          </a:p>
+          <a:p>
+            <a:pPr lvl="2">
+              <a:buClr>
+                <a:schemeClr val="tx1"/>
+              </a:buClr>
+              <a:buSzPct val="125000"/>
+            </a:pPr>
+            <a:r>
+              <a:rPr lang="en-IN" sz="1600" dirty="0">
+                <a:solidFill>
+                  <a:schemeClr val="tx1"/>
+                </a:solidFill>
+                <a:latin typeface="Calibri" panose="020F0502020204030204" pitchFamily="34" charset="0"/>
+                <a:cs typeface="Calibri" panose="020F0502020204030204" pitchFamily="34" charset="0"/>
+              </a:rPr>
+              <a:t>	Mapping</a:t>
+            </a:r>
+          </a:p>
+          <a:p>
+            <a:pPr lvl="2">
+              <a:buClr>
+                <a:schemeClr val="tx1"/>
+              </a:buClr>
+              <a:buSzPct val="125000"/>
+            </a:pPr>
+            <a:r>
+              <a:rPr lang="en-IN" sz="1600" dirty="0">
+                <a:solidFill>
+                  <a:schemeClr val="tx1"/>
+                </a:solidFill>
+                <a:latin typeface="Calibri" panose="020F0502020204030204" pitchFamily="34" charset="0"/>
+                <a:cs typeface="Calibri" panose="020F0502020204030204" pitchFamily="34" charset="0"/>
+              </a:rPr>
+              <a:t>	CURL operations</a:t>
+            </a:r>
+          </a:p>
+          <a:p>
+            <a:pPr marL="285750" indent="-285750">
+              <a:buClr>
+                <a:schemeClr val="tx1"/>
+              </a:buClr>
+              <a:buSzPct val="125000"/>
+              <a:buFont typeface="Arial" pitchFamily="34" charset="0"/>
+              <a:buChar char="•"/>
+            </a:pPr>
+            <a:r>
+              <a:rPr lang="en-IN" sz="1600" b="1" dirty="0">
+                <a:solidFill>
+                  <a:schemeClr val="tx1"/>
+                </a:solidFill>
+                <a:latin typeface="Calibri" panose="020F0502020204030204" pitchFamily="34" charset="0"/>
+                <a:cs typeface="Calibri" panose="020F0502020204030204" pitchFamily="34" charset="0"/>
               </a:rPr>
               <a:t>Data:</a:t>
             </a:r>
@@ -24275,22 +23931,24 @@
               <a:buSzPct val="125000"/>
             </a:pPr>
             <a:r>
-              <a:rPr lang="en-IN" sz="1800" b="1" dirty="0" smtClean="0">
+              <a:rPr lang="en-IN" sz="1600" b="1" dirty="0">
                 <a:solidFill>
                   <a:schemeClr val="tx1"/>
                 </a:solidFill>
-                <a:latin typeface="Times New Roman" pitchFamily="18" charset="0"/>
+                <a:latin typeface="Calibri" panose="020F0502020204030204" pitchFamily="34" charset="0"/>
+                <a:cs typeface="Calibri" panose="020F0502020204030204" pitchFamily="34" charset="0"/>
               </a:rPr>
               <a:t>	</a:t>
             </a:r>
             <a:r>
-              <a:rPr lang="en-IN" sz="1800" dirty="0" smtClean="0">
+              <a:rPr lang="en-IN" sz="1600" dirty="0">
                 <a:solidFill>
                   <a:schemeClr val="tx1"/>
                 </a:solidFill>
-                <a:latin typeface="Times New Roman" pitchFamily="18" charset="0"/>
+                <a:latin typeface="Calibri" panose="020F0502020204030204" pitchFamily="34" charset="0"/>
+                <a:cs typeface="Calibri" panose="020F0502020204030204" pitchFamily="34" charset="0"/>
               </a:rPr>
-              <a:t>Requirement is explained with the student example, given 	student name and subject details(pass/fail).</a:t>
+              <a:t>Requirement is explained with the student example, given student name and subject details(pass/fail).</a:t>
             </a:r>
           </a:p>
           <a:p>
@@ -24303,108 +23961,32 @@
               <a:buChar char="•"/>
             </a:pPr>
             <a:r>
-              <a:rPr lang="en-IN" sz="1800" b="1" dirty="0" smtClean="0">
+              <a:rPr lang="en-IN" sz="1600" b="1" dirty="0">
                 <a:solidFill>
                   <a:schemeClr val="tx1"/>
                 </a:solidFill>
-                <a:latin typeface="Times New Roman" pitchFamily="18" charset="0"/>
+                <a:latin typeface="Calibri" panose="020F0502020204030204" pitchFamily="34" charset="0"/>
+                <a:cs typeface="Calibri" panose="020F0502020204030204" pitchFamily="34" charset="0"/>
               </a:rPr>
-              <a:t>Requirement:</a:t>
+              <a:t>Approach:</a:t>
             </a:r>
           </a:p>
           <a:p>
-            <a:pPr lvl="1">
+            <a:pPr>
               <a:buClr>
                 <a:schemeClr val="tx1"/>
               </a:buClr>
               <a:buSzPct val="125000"/>
             </a:pPr>
             <a:r>
-              <a:rPr lang="en-IN" sz="1800" b="1" dirty="0">
+              <a:rPr lang="en-IN" sz="1600" dirty="0">
                 <a:solidFill>
                   <a:schemeClr val="tx1"/>
                 </a:solidFill>
-                <a:latin typeface="Times New Roman" pitchFamily="18" charset="0"/>
+                <a:latin typeface="Calibri" panose="020F0502020204030204" pitchFamily="34" charset="0"/>
+                <a:cs typeface="Calibri" panose="020F0502020204030204" pitchFamily="34" charset="0"/>
               </a:rPr>
-              <a:t>	</a:t>
-            </a:r>
-            <a:r>
-              <a:rPr lang="en-IN" sz="1800" dirty="0" smtClean="0">
-                <a:solidFill>
-                  <a:schemeClr val="tx1"/>
-                </a:solidFill>
-                <a:latin typeface="Times New Roman" pitchFamily="18" charset="0"/>
-              </a:rPr>
-              <a:t>Show all the students with every subject passed</a:t>
-            </a:r>
-          </a:p>
-          <a:p>
-            <a:pPr marL="285750" lvl="1" indent="-285750">
-              <a:buClr>
-                <a:schemeClr val="tx1"/>
-              </a:buClr>
-              <a:buSzPct val="125000"/>
-              <a:buFont typeface="Arial" pitchFamily="34" charset="0"/>
-              <a:buChar char="•"/>
-            </a:pPr>
-            <a:r>
-              <a:rPr lang="en-IN" sz="1800" b="1" dirty="0" smtClean="0">
-                <a:solidFill>
-                  <a:schemeClr val="tx1"/>
-                </a:solidFill>
-                <a:latin typeface="Times New Roman" pitchFamily="18" charset="0"/>
-              </a:rPr>
-              <a:t>Approach:</a:t>
-            </a:r>
-            <a:endParaRPr lang="en-IN" sz="1800" b="1" dirty="0" smtClean="0">
-              <a:solidFill>
-                <a:schemeClr val="tx1"/>
-              </a:solidFill>
-              <a:latin typeface="Times New Roman" pitchFamily="18" charset="0"/>
-            </a:endParaRPr>
-          </a:p>
-          <a:p>
-            <a:pPr>
-              <a:buClr>
-                <a:schemeClr val="tx1"/>
-              </a:buClr>
-              <a:buSzPct val="125000"/>
-            </a:pPr>
-            <a:r>
-              <a:rPr lang="en-IN" sz="1800" dirty="0" smtClean="0">
-                <a:solidFill>
-                  <a:schemeClr val="tx1"/>
-                </a:solidFill>
-                <a:latin typeface="Times New Roman" pitchFamily="18" charset="0"/>
-              </a:rPr>
-              <a:t>	Using </a:t>
-            </a:r>
-            <a:r>
-              <a:rPr lang="en-IN" sz="1800" dirty="0" smtClean="0">
-                <a:solidFill>
-                  <a:schemeClr val="tx1"/>
-                </a:solidFill>
-                <a:latin typeface="Times New Roman" pitchFamily="18" charset="0"/>
-              </a:rPr>
-              <a:t>bool query checked each subject pass /fail status and </a:t>
-            </a:r>
-            <a:r>
-              <a:rPr lang="en-IN" sz="1800" dirty="0" smtClean="0">
-                <a:solidFill>
-                  <a:schemeClr val="tx1"/>
-                </a:solidFill>
-                <a:latin typeface="Times New Roman" pitchFamily="18" charset="0"/>
-              </a:rPr>
-              <a:t>	returned </a:t>
-            </a:r>
-            <a:r>
-              <a:rPr lang="en-IN" sz="1800" dirty="0" smtClean="0">
-                <a:solidFill>
-                  <a:schemeClr val="tx1"/>
-                </a:solidFill>
-                <a:latin typeface="Times New Roman" pitchFamily="18" charset="0"/>
-              </a:rPr>
-              <a:t>the pass students.</a:t>
+              <a:t>	Using bool query checked each subject pass /fail status and returned the pass students.</a:t>
             </a:r>
           </a:p>
         </p:txBody>
@@ -24444,7 +24026,7 @@
               <a:buNone/>
             </a:pPr>
             <a:r>
-              <a:rPr lang="en" dirty="0" smtClean="0">
+              <a:rPr lang="en" dirty="0">
                 <a:latin typeface="DM Serif Display" charset="0"/>
               </a:rPr>
               <a:t>Phase I</a:t>
@@ -24465,13 +24047,6 @@
   <p:clrMapOvr>
     <a:masterClrMapping/>
   </p:clrMapOvr>
-  <p:timing>
-    <p:tnLst>
-      <p:par>
-        <p:cTn id="1" dur="indefinite" restart="never" nodeType="tmRoot"/>
-      </p:par>
-    </p:tnLst>
-  </p:timing>
 </p:sld>
 </file>
 
@@ -24527,7 +24102,7 @@
               <a:buNone/>
             </a:pPr>
             <a:r>
-              <a:rPr lang="en-IN" dirty="0" smtClean="0"/>
+              <a:rPr lang="en-IN" dirty="0"/>
               <a:t>Requirement</a:t>
             </a:r>
             <a:endParaRPr dirty="0"/>
@@ -24585,7 +24160,7 @@
         <p:spPr>
           <a:xfrm>
             <a:off x="971600" y="1635646"/>
-            <a:ext cx="6552728" cy="3240360"/>
+            <a:ext cx="7632848" cy="3240360"/>
           </a:xfrm>
           <a:prstGeom prst="rect">
             <a:avLst/>
@@ -24825,7 +24400,7 @@
             </a:lvl9pPr>
           </a:lstStyle>
           <a:p>
-            <a:pPr marL="285750" indent="-285750">
+            <a:pPr marL="285750" lvl="1" indent="-285750">
               <a:buClr>
                 <a:schemeClr val="tx1"/>
               </a:buClr>
@@ -24834,7 +24409,58 @@
               <a:buChar char="•"/>
             </a:pPr>
             <a:r>
-              <a:rPr lang="en-IN" sz="1800" b="1" dirty="0" smtClean="0">
+              <a:rPr lang="en-IN" sz="1800" b="1" dirty="0">
+                <a:solidFill>
+                  <a:schemeClr val="tx1"/>
+                </a:solidFill>
+                <a:latin typeface="Times New Roman" pitchFamily="18" charset="0"/>
+              </a:rPr>
+              <a:t>Requirement:</a:t>
+            </a:r>
+          </a:p>
+          <a:p>
+            <a:pPr lvl="1">
+              <a:buClr>
+                <a:schemeClr val="tx1"/>
+              </a:buClr>
+              <a:buSzPct val="125000"/>
+            </a:pPr>
+            <a:r>
+              <a:rPr lang="en-IN" sz="1800" b="1" dirty="0">
+                <a:solidFill>
+                  <a:schemeClr val="tx1"/>
+                </a:solidFill>
+                <a:latin typeface="Times New Roman" pitchFamily="18" charset="0"/>
+              </a:rPr>
+              <a:t>	</a:t>
+            </a:r>
+            <a:r>
+              <a:rPr lang="en-IN" sz="1800" dirty="0">
+                <a:solidFill>
+                  <a:schemeClr val="tx1"/>
+                </a:solidFill>
+                <a:latin typeface="Times New Roman" pitchFamily="18" charset="0"/>
+              </a:rPr>
+              <a:t>Show all the students with every subject passed, Here manual querying is not possible by checking every subject with its name.</a:t>
+            </a:r>
+            <a:endParaRPr lang="en-IN" sz="1800" b="1" dirty="0">
+              <a:solidFill>
+                <a:schemeClr val="tx1"/>
+              </a:solidFill>
+              <a:latin typeface="Times New Roman" pitchFamily="18" charset="0"/>
+            </a:endParaRPr>
+          </a:p>
+          <a:p>
+            <a:pPr marL="285750" indent="-285750">
+              <a:buClr>
+                <a:schemeClr val="tx1"/>
+              </a:buClr>
+              <a:buSzPct val="125000"/>
+              <a:buFont typeface="Arial" pitchFamily="34" charset="0"/>
+              <a:buChar char="•"/>
+            </a:pPr>
+            <a:r>
+              <a:rPr lang="en-IN" sz="1800" b="1" dirty="0">
                 <a:solidFill>
                   <a:schemeClr val="tx1"/>
                 </a:solidFill>
@@ -24851,7 +24477,7 @@
               <a:buSzPct val="125000"/>
             </a:pPr>
             <a:r>
-              <a:rPr lang="en-IN" sz="1800" b="1" dirty="0" smtClean="0">
+              <a:rPr lang="en-IN" sz="1800" b="1" dirty="0">
                 <a:solidFill>
                   <a:schemeClr val="tx1"/>
                 </a:solidFill>
@@ -24866,50 +24492,8 @@
                 </a:solidFill>
                 <a:latin typeface="Times New Roman" pitchFamily="18" charset="0"/>
               </a:rPr>
-              <a:t>Added complexity to </a:t>
+              <a:t>Added complexity to Phase I, subjects and number of subjects are different for each student.</a:t>
             </a:r>
-            <a:r>
-              <a:rPr lang="en-IN" sz="1800" dirty="0" smtClean="0">
-                <a:solidFill>
-                  <a:schemeClr val="tx1"/>
-                </a:solidFill>
-                <a:latin typeface="Times New Roman" pitchFamily="18" charset="0"/>
-              </a:rPr>
-              <a:t>Phase I, subjects </a:t>
-            </a:r>
-            <a:r>
-              <a:rPr lang="en-IN" sz="1800" dirty="0">
-                <a:solidFill>
-                  <a:schemeClr val="tx1"/>
-                </a:solidFill>
-                <a:latin typeface="Times New Roman" pitchFamily="18" charset="0"/>
-              </a:rPr>
-              <a:t>and number of </a:t>
-            </a:r>
-            <a:r>
-              <a:rPr lang="en-IN" sz="1800" dirty="0" smtClean="0">
-                <a:solidFill>
-                  <a:schemeClr val="tx1"/>
-                </a:solidFill>
-                <a:latin typeface="Times New Roman" pitchFamily="18" charset="0"/>
-              </a:rPr>
-              <a:t>	subjects </a:t>
-            </a:r>
-            <a:r>
-              <a:rPr lang="en-IN" sz="1800" dirty="0">
-                <a:solidFill>
-                  <a:schemeClr val="tx1"/>
-                </a:solidFill>
-                <a:latin typeface="Times New Roman" pitchFamily="18" charset="0"/>
-              </a:rPr>
-              <a:t>are different for each student.</a:t>
-            </a:r>
-            <a:endParaRPr lang="en-IN" sz="1800" dirty="0" smtClean="0">
-              <a:solidFill>
-                <a:schemeClr val="tx1"/>
-              </a:solidFill>
-              <a:latin typeface="Times New Roman" pitchFamily="18" charset="0"/>
-            </a:endParaRPr>
           </a:p>
           <a:p>
             <a:pPr marL="285750" lvl="1" indent="-285750">
@@ -24921,52 +24505,7 @@
               <a:buChar char="•"/>
             </a:pPr>
             <a:r>
-              <a:rPr lang="en-IN" sz="1800" b="1" dirty="0" smtClean="0">
-                <a:solidFill>
-                  <a:schemeClr val="tx1"/>
-                </a:solidFill>
-                <a:latin typeface="Times New Roman" pitchFamily="18" charset="0"/>
-              </a:rPr>
-              <a:t>Requirement:</a:t>
-            </a:r>
-          </a:p>
-          <a:p>
-            <a:pPr lvl="1">
-              <a:buClr>
-                <a:schemeClr val="tx1"/>
-              </a:buClr>
-              <a:buSzPct val="125000"/>
-            </a:pPr>
-            <a:r>
               <a:rPr lang="en-IN" sz="1800" b="1" dirty="0">
-                <a:solidFill>
-                  <a:schemeClr val="tx1"/>
-                </a:solidFill>
-                <a:latin typeface="Times New Roman" pitchFamily="18" charset="0"/>
-              </a:rPr>
-              <a:t>	</a:t>
-            </a:r>
-            <a:r>
-              <a:rPr lang="en-IN" sz="1800" dirty="0" smtClean="0">
-                <a:solidFill>
-                  <a:schemeClr val="tx1"/>
-                </a:solidFill>
-                <a:latin typeface="Times New Roman" pitchFamily="18" charset="0"/>
-              </a:rPr>
-              <a:t>Show all the students with every subject passed, Here 	manual querying is not possible by checking every subject 	with its name.</a:t>
-            </a:r>
-          </a:p>
-          <a:p>
-            <a:pPr marL="285750" lvl="1" indent="-285750">
-              <a:buClr>
-                <a:schemeClr val="tx1"/>
-              </a:buClr>
-              <a:buSzPct val="125000"/>
-              <a:buFont typeface="Arial" pitchFamily="34" charset="0"/>
-              <a:buChar char="•"/>
-            </a:pPr>
-            <a:r>
-              <a:rPr lang="en-IN" sz="1800" b="1" dirty="0" smtClean="0">
                 <a:solidFill>
                   <a:schemeClr val="tx1"/>
                 </a:solidFill>
@@ -24974,12 +24513,6 @@
               </a:rPr>
               <a:t>Approach:</a:t>
             </a:r>
-            <a:endParaRPr lang="en-IN" sz="1800" b="1" dirty="0" smtClean="0">
-              <a:solidFill>
-                <a:schemeClr val="tx1"/>
-              </a:solidFill>
-              <a:latin typeface="Times New Roman" pitchFamily="18" charset="0"/>
-            </a:endParaRPr>
           </a:p>
           <a:p>
             <a:pPr>
@@ -24995,59 +24528,8 @@
                 </a:solidFill>
                 <a:latin typeface="Times New Roman" pitchFamily="18" charset="0"/>
               </a:rPr>
-              <a:t>	</a:t>
+              <a:t>	Here used a “nested” structure for mapping in which we can store array of values(subject details) and using bool query to show only passed students</a:t>
             </a:r>
-            <a:r>
-              <a:rPr lang="en-IN" sz="1800" dirty="0" smtClean="0">
-                <a:solidFill>
-                  <a:schemeClr val="tx1"/>
-                </a:solidFill>
-                <a:latin typeface="Times New Roman" pitchFamily="18" charset="0"/>
-              </a:rPr>
-              <a:t>Here used a </a:t>
-            </a:r>
-            <a:r>
-              <a:rPr lang="en-IN" sz="1800" dirty="0">
-                <a:solidFill>
-                  <a:schemeClr val="tx1"/>
-                </a:solidFill>
-                <a:latin typeface="Times New Roman" pitchFamily="18" charset="0"/>
-              </a:rPr>
-              <a:t>“nested” </a:t>
-            </a:r>
-            <a:r>
-              <a:rPr lang="en-IN" sz="1800" dirty="0" smtClean="0">
-                <a:solidFill>
-                  <a:schemeClr val="tx1"/>
-                </a:solidFill>
-                <a:latin typeface="Times New Roman" pitchFamily="18" charset="0"/>
-              </a:rPr>
-              <a:t>structure for mapping in which we 	can store</a:t>
-            </a:r>
-            <a:r>
-              <a:rPr lang="en-IN" sz="1800" dirty="0">
-                <a:solidFill>
-                  <a:schemeClr val="tx1"/>
-                </a:solidFill>
-                <a:latin typeface="Times New Roman" pitchFamily="18" charset="0"/>
-              </a:rPr>
-              <a:t> </a:t>
-            </a:r>
-            <a:r>
-              <a:rPr lang="en-IN" sz="1800" dirty="0" smtClean="0">
-                <a:solidFill>
-                  <a:schemeClr val="tx1"/>
-                </a:solidFill>
-                <a:latin typeface="Times New Roman" pitchFamily="18" charset="0"/>
-              </a:rPr>
-              <a:t>array of values(subject details) and using bool 	query to show only passed students</a:t>
-            </a:r>
-            <a:endParaRPr lang="en-IN" sz="1800" dirty="0">
-              <a:solidFill>
-                <a:schemeClr val="tx1"/>
-              </a:solidFill>
-              <a:latin typeface="Times New Roman" pitchFamily="18" charset="0"/>
-            </a:endParaRPr>
           </a:p>
         </p:txBody>
       </p:sp>
@@ -25086,7 +24568,7 @@
               <a:buNone/>
             </a:pPr>
             <a:r>
-              <a:rPr lang="en" dirty="0" smtClean="0">
+              <a:rPr lang="en" dirty="0">
                 <a:latin typeface="DM Serif Display" charset="0"/>
               </a:rPr>
               <a:t>Phase II</a:t>
@@ -25162,7 +24644,7 @@
               <a:buNone/>
             </a:pPr>
             <a:r>
-              <a:rPr lang="en-IN" dirty="0" smtClean="0"/>
+              <a:rPr lang="en-IN" dirty="0"/>
               <a:t>Requirement</a:t>
             </a:r>
             <a:endParaRPr dirty="0"/>
@@ -25220,7 +24702,7 @@
         <p:spPr>
           <a:xfrm>
             <a:off x="971600" y="1635646"/>
-            <a:ext cx="6552728" cy="3024336"/>
+            <a:ext cx="7704856" cy="3024336"/>
           </a:xfrm>
           <a:prstGeom prst="rect">
             <a:avLst/>
@@ -25460,7 +24942,7 @@
             </a:lvl9pPr>
           </a:lstStyle>
           <a:p>
-            <a:pPr marL="285750" indent="-285750">
+            <a:pPr marL="285750" lvl="1" indent="-285750">
               <a:buClr>
                 <a:schemeClr val="tx1"/>
               </a:buClr>
@@ -25469,7 +24951,58 @@
               <a:buChar char="•"/>
             </a:pPr>
             <a:r>
-              <a:rPr lang="en-IN" sz="1800" b="1" dirty="0" smtClean="0">
+              <a:rPr lang="en-IN" sz="1800" b="1" dirty="0">
+                <a:solidFill>
+                  <a:schemeClr val="tx1"/>
+                </a:solidFill>
+                <a:latin typeface="Times New Roman" pitchFamily="18" charset="0"/>
+              </a:rPr>
+              <a:t>Requirement:</a:t>
+            </a:r>
+          </a:p>
+          <a:p>
+            <a:pPr lvl="1">
+              <a:buClr>
+                <a:schemeClr val="tx1"/>
+              </a:buClr>
+              <a:buSzPct val="125000"/>
+            </a:pPr>
+            <a:r>
+              <a:rPr lang="en-IN" sz="1800" b="1" dirty="0">
+                <a:solidFill>
+                  <a:schemeClr val="tx1"/>
+                </a:solidFill>
+                <a:latin typeface="Times New Roman" pitchFamily="18" charset="0"/>
+              </a:rPr>
+              <a:t>	</a:t>
+            </a:r>
+            <a:r>
+              <a:rPr lang="en-IN" sz="1800" dirty="0">
+                <a:solidFill>
+                  <a:schemeClr val="tx1"/>
+                </a:solidFill>
+                <a:latin typeface="Times New Roman" pitchFamily="18" charset="0"/>
+              </a:rPr>
+              <a:t>Query for the students who passed the all semesters.</a:t>
+            </a:r>
+            <a:endParaRPr lang="en-IN" sz="1800" b="1" dirty="0">
+              <a:solidFill>
+                <a:schemeClr val="tx1"/>
+              </a:solidFill>
+              <a:latin typeface="Times New Roman" pitchFamily="18" charset="0"/>
+            </a:endParaRPr>
+          </a:p>
+          <a:p>
+            <a:pPr marL="285750" indent="-285750">
+              <a:buClr>
+                <a:schemeClr val="tx1"/>
+              </a:buClr>
+              <a:buSzPct val="125000"/>
+              <a:buFont typeface="Arial" pitchFamily="34" charset="0"/>
+              <a:buChar char="•"/>
+            </a:pPr>
+            <a:r>
+              <a:rPr lang="en-IN" sz="1800" b="1" dirty="0">
                 <a:solidFill>
                   <a:schemeClr val="tx1"/>
                 </a:solidFill>
@@ -25486,7 +25019,7 @@
               <a:buSzPct val="125000"/>
             </a:pPr>
             <a:r>
-              <a:rPr lang="en-IN" sz="1800" b="1" dirty="0" smtClean="0">
+              <a:rPr lang="en-IN" sz="1800" b="1" dirty="0">
                 <a:solidFill>
                   <a:schemeClr val="tx1"/>
                 </a:solidFill>
@@ -25501,16 +25034,7 @@
                 </a:solidFill>
                 <a:latin typeface="Times New Roman" pitchFamily="18" charset="0"/>
               </a:rPr>
-              <a:t>Added </a:t>
-            </a:r>
-            <a:r>
-              <a:rPr lang="en-IN" sz="1800" dirty="0" smtClean="0">
-                <a:solidFill>
-                  <a:schemeClr val="tx1"/>
-                </a:solidFill>
-                <a:latin typeface="Times New Roman" pitchFamily="18" charset="0"/>
-              </a:rPr>
-              <a:t>a field semesters under student, semesters will 	contain subjects details.</a:t>
+              <a:t>Added a field semesters under student, semesters will contain subjects details.</a:t>
             </a:r>
           </a:p>
           <a:p>
@@ -25523,52 +25047,7 @@
               <a:buChar char="•"/>
             </a:pPr>
             <a:r>
-              <a:rPr lang="en-IN" sz="1800" b="1" dirty="0" smtClean="0">
-                <a:solidFill>
-                  <a:schemeClr val="tx1"/>
-                </a:solidFill>
-                <a:latin typeface="Times New Roman" pitchFamily="18" charset="0"/>
-              </a:rPr>
-              <a:t>Requirement:</a:t>
-            </a:r>
-          </a:p>
-          <a:p>
-            <a:pPr lvl="1">
-              <a:buClr>
-                <a:schemeClr val="tx1"/>
-              </a:buClr>
-              <a:buSzPct val="125000"/>
-            </a:pPr>
-            <a:r>
               <a:rPr lang="en-IN" sz="1800" b="1" dirty="0">
-                <a:solidFill>
-                  <a:schemeClr val="tx1"/>
-                </a:solidFill>
-                <a:latin typeface="Times New Roman" pitchFamily="18" charset="0"/>
-              </a:rPr>
-              <a:t>	</a:t>
-            </a:r>
-            <a:r>
-              <a:rPr lang="en-IN" sz="1800" dirty="0" smtClean="0">
-                <a:solidFill>
-                  <a:schemeClr val="tx1"/>
-                </a:solidFill>
-                <a:latin typeface="Times New Roman" pitchFamily="18" charset="0"/>
-              </a:rPr>
-              <a:t>Query for the students who passed the all semesters. </a:t>
-            </a:r>
-          </a:p>
-          <a:p>
-            <a:pPr marL="285750" lvl="1" indent="-285750">
-              <a:buClr>
-                <a:schemeClr val="tx1"/>
-              </a:buClr>
-              <a:buSzPct val="125000"/>
-              <a:buFont typeface="Arial" pitchFamily="34" charset="0"/>
-              <a:buChar char="•"/>
-            </a:pPr>
-            <a:r>
-              <a:rPr lang="en-IN" sz="1800" b="1" dirty="0" smtClean="0">
                 <a:solidFill>
                   <a:schemeClr val="tx1"/>
                 </a:solidFill>
@@ -25576,12 +25055,6 @@
               </a:rPr>
               <a:t>Approach:</a:t>
             </a:r>
-            <a:endParaRPr lang="en-IN" sz="1800" b="1" dirty="0" smtClean="0">
-              <a:solidFill>
-                <a:schemeClr val="tx1"/>
-              </a:solidFill>
-              <a:latin typeface="Times New Roman" pitchFamily="18" charset="0"/>
-            </a:endParaRPr>
           </a:p>
           <a:p>
             <a:pPr>
@@ -25597,41 +25070,8 @@
                 </a:solidFill>
                 <a:latin typeface="Times New Roman" pitchFamily="18" charset="0"/>
               </a:rPr>
-              <a:t>	</a:t>
+              <a:t>	Here used a “nested” mapping to store subject level details 	and used bool query to check passed subjects and an outer 	bool query for every semester pass checking.</a:t>
             </a:r>
-            <a:r>
-              <a:rPr lang="en-IN" sz="1800" dirty="0" smtClean="0">
-                <a:solidFill>
-                  <a:schemeClr val="tx1"/>
-                </a:solidFill>
-                <a:latin typeface="Times New Roman" pitchFamily="18" charset="0"/>
-              </a:rPr>
-              <a:t>Here used a </a:t>
-            </a:r>
-            <a:r>
-              <a:rPr lang="en-IN" sz="1800" dirty="0">
-                <a:solidFill>
-                  <a:schemeClr val="tx1"/>
-                </a:solidFill>
-                <a:latin typeface="Times New Roman" pitchFamily="18" charset="0"/>
-              </a:rPr>
-              <a:t>“nested</a:t>
-            </a:r>
-            <a:r>
-              <a:rPr lang="en-IN" sz="1800" dirty="0" smtClean="0">
-                <a:solidFill>
-                  <a:schemeClr val="tx1"/>
-                </a:solidFill>
-                <a:latin typeface="Times New Roman" pitchFamily="18" charset="0"/>
-              </a:rPr>
-              <a:t>” mapping to store subject level details 	and used bool query to check passed subjects and an outer 	bool query for every semester pass checking.</a:t>
-            </a:r>
-            <a:endParaRPr lang="en-IN" sz="1800" dirty="0">
-              <a:solidFill>
-                <a:schemeClr val="tx1"/>
-              </a:solidFill>
-              <a:latin typeface="Times New Roman" pitchFamily="18" charset="0"/>
-            </a:endParaRPr>
           </a:p>
         </p:txBody>
       </p:sp>
@@ -25670,7 +25110,7 @@
               <a:buNone/>
             </a:pPr>
             <a:r>
-              <a:rPr lang="en" dirty="0" smtClean="0">
+              <a:rPr lang="en" dirty="0">
                 <a:latin typeface="DM Serif Display" charset="0"/>
               </a:rPr>
               <a:t>Phase III</a:t>
@@ -25746,7 +25186,7 @@
               <a:buNone/>
             </a:pPr>
             <a:r>
-              <a:rPr lang="en-IN" dirty="0" smtClean="0"/>
+              <a:rPr lang="en-IN" dirty="0"/>
               <a:t>Requirement</a:t>
             </a:r>
             <a:endParaRPr dirty="0"/>
@@ -25804,7 +25244,7 @@
         <p:spPr>
           <a:xfrm>
             <a:off x="971600" y="1635646"/>
-            <a:ext cx="6552728" cy="3024336"/>
+            <a:ext cx="7776864" cy="3024336"/>
           </a:xfrm>
           <a:prstGeom prst="rect">
             <a:avLst/>
@@ -26044,7 +25484,7 @@
             </a:lvl9pPr>
           </a:lstStyle>
           <a:p>
-            <a:pPr marL="285750" indent="-285750">
+            <a:pPr marL="285750" lvl="1" indent="-285750">
               <a:buClr>
                 <a:schemeClr val="tx1"/>
               </a:buClr>
@@ -26053,7 +25493,58 @@
               <a:buChar char="•"/>
             </a:pPr>
             <a:r>
-              <a:rPr lang="en-IN" sz="1800" b="1" dirty="0" smtClean="0">
+              <a:rPr lang="en-IN" sz="1800" b="1" dirty="0">
+                <a:solidFill>
+                  <a:schemeClr val="tx1"/>
+                </a:solidFill>
+                <a:latin typeface="Times New Roman" pitchFamily="18" charset="0"/>
+              </a:rPr>
+              <a:t>Requirement:</a:t>
+            </a:r>
+          </a:p>
+          <a:p>
+            <a:pPr lvl="1">
+              <a:buClr>
+                <a:schemeClr val="tx1"/>
+              </a:buClr>
+              <a:buSzPct val="125000"/>
+            </a:pPr>
+            <a:r>
+              <a:rPr lang="en-IN" sz="1800" b="1" dirty="0">
+                <a:solidFill>
+                  <a:schemeClr val="tx1"/>
+                </a:solidFill>
+                <a:latin typeface="Times New Roman" pitchFamily="18" charset="0"/>
+              </a:rPr>
+              <a:t>	</a:t>
+            </a:r>
+            <a:r>
+              <a:rPr lang="en-IN" sz="1800" dirty="0">
+                <a:solidFill>
+                  <a:schemeClr val="tx1"/>
+                </a:solidFill>
+                <a:latin typeface="Times New Roman" pitchFamily="18" charset="0"/>
+              </a:rPr>
+              <a:t>Query for the students who passed the all semesters</a:t>
+            </a:r>
+            <a:endParaRPr lang="en-IN" sz="1800" b="1" dirty="0">
+              <a:solidFill>
+                <a:schemeClr val="tx1"/>
+              </a:solidFill>
+              <a:latin typeface="Times New Roman" pitchFamily="18" charset="0"/>
+            </a:endParaRPr>
+          </a:p>
+          <a:p>
+            <a:pPr marL="285750" indent="-285750">
+              <a:buClr>
+                <a:schemeClr val="tx1"/>
+              </a:buClr>
+              <a:buSzPct val="125000"/>
+              <a:buFont typeface="Arial" pitchFamily="34" charset="0"/>
+              <a:buChar char="•"/>
+            </a:pPr>
+            <a:r>
+              <a:rPr lang="en-IN" sz="1800" b="1" dirty="0">
                 <a:solidFill>
                   <a:schemeClr val="tx1"/>
                 </a:solidFill>
@@ -26070,7 +25561,7 @@
               <a:buSzPct val="125000"/>
             </a:pPr>
             <a:r>
-              <a:rPr lang="en-IN" sz="1800" b="1" dirty="0" smtClean="0">
+              <a:rPr lang="en-IN" sz="1800" b="1" dirty="0">
                 <a:solidFill>
                   <a:schemeClr val="tx1"/>
                 </a:solidFill>
@@ -26079,13 +25570,13 @@
               <a:t>	</a:t>
             </a:r>
             <a:r>
-              <a:rPr lang="en-IN" sz="1800" dirty="0" smtClean="0">
+              <a:rPr lang="en-IN" sz="1800" dirty="0">
                 <a:solidFill>
                   <a:schemeClr val="tx1"/>
                 </a:solidFill>
                 <a:latin typeface="Times New Roman" pitchFamily="18" charset="0"/>
               </a:rPr>
-              <a:t>The may be unknown number of semesters under student.</a:t>
+              <a:t>The may be unknown number of semesters under student. </a:t>
             </a:r>
           </a:p>
           <a:p>
@@ -26098,52 +25589,7 @@
               <a:buChar char="•"/>
             </a:pPr>
             <a:r>
-              <a:rPr lang="en-IN" sz="1800" b="1" dirty="0" smtClean="0">
-                <a:solidFill>
-                  <a:schemeClr val="tx1"/>
-                </a:solidFill>
-                <a:latin typeface="Times New Roman" pitchFamily="18" charset="0"/>
-              </a:rPr>
-              <a:t>Requirement:</a:t>
-            </a:r>
-          </a:p>
-          <a:p>
-            <a:pPr lvl="1">
-              <a:buClr>
-                <a:schemeClr val="tx1"/>
-              </a:buClr>
-              <a:buSzPct val="125000"/>
-            </a:pPr>
-            <a:r>
               <a:rPr lang="en-IN" sz="1800" b="1" dirty="0">
-                <a:solidFill>
-                  <a:schemeClr val="tx1"/>
-                </a:solidFill>
-                <a:latin typeface="Times New Roman" pitchFamily="18" charset="0"/>
-              </a:rPr>
-              <a:t>	</a:t>
-            </a:r>
-            <a:r>
-              <a:rPr lang="en-IN" sz="1800" dirty="0" smtClean="0">
-                <a:solidFill>
-                  <a:schemeClr val="tx1"/>
-                </a:solidFill>
-                <a:latin typeface="Times New Roman" pitchFamily="18" charset="0"/>
-              </a:rPr>
-              <a:t>Query for the students who passed the all semesters. </a:t>
-            </a:r>
-          </a:p>
-          <a:p>
-            <a:pPr marL="285750" lvl="1" indent="-285750">
-              <a:buClr>
-                <a:schemeClr val="tx1"/>
-              </a:buClr>
-              <a:buSzPct val="125000"/>
-              <a:buFont typeface="Arial" pitchFamily="34" charset="0"/>
-              <a:buChar char="•"/>
-            </a:pPr>
-            <a:r>
-              <a:rPr lang="en-IN" sz="1800" b="1" dirty="0" smtClean="0">
                 <a:solidFill>
                   <a:schemeClr val="tx1"/>
                 </a:solidFill>
@@ -26151,12 +25597,6 @@
               </a:rPr>
               <a:t>Approach:</a:t>
             </a:r>
-            <a:endParaRPr lang="en-IN" sz="1800" b="1" dirty="0" smtClean="0">
-              <a:solidFill>
-                <a:schemeClr val="tx1"/>
-              </a:solidFill>
-              <a:latin typeface="Times New Roman" pitchFamily="18" charset="0"/>
-            </a:endParaRPr>
           </a:p>
           <a:p>
             <a:pPr>
@@ -26172,41 +25612,8 @@
                 </a:solidFill>
                 <a:latin typeface="Times New Roman" pitchFamily="18" charset="0"/>
               </a:rPr>
-              <a:t>	</a:t>
+              <a:t>	Here used a “nested” mapping to store subject and semester level details, used bool query to check passed ids and an outer bool query for every semester pass checking and a final bool query to display the passed students.</a:t>
             </a:r>
-            <a:r>
-              <a:rPr lang="en-IN" sz="1800" dirty="0" smtClean="0">
-                <a:solidFill>
-                  <a:schemeClr val="tx1"/>
-                </a:solidFill>
-                <a:latin typeface="Times New Roman" pitchFamily="18" charset="0"/>
-              </a:rPr>
-              <a:t>Here used a </a:t>
-            </a:r>
-            <a:r>
-              <a:rPr lang="en-IN" sz="1800" dirty="0">
-                <a:solidFill>
-                  <a:schemeClr val="tx1"/>
-                </a:solidFill>
-                <a:latin typeface="Times New Roman" pitchFamily="18" charset="0"/>
-              </a:rPr>
-              <a:t>“nested</a:t>
-            </a:r>
-            <a:r>
-              <a:rPr lang="en-IN" sz="1800" dirty="0" smtClean="0">
-                <a:solidFill>
-                  <a:schemeClr val="tx1"/>
-                </a:solidFill>
-                <a:latin typeface="Times New Roman" pitchFamily="18" charset="0"/>
-              </a:rPr>
-              <a:t>” mapping to store subject and 	semester level details, used bool query to check passed 	ids and an outer bool query for every semester pass 	checking and a final bool query to display the passed 	students.</a:t>
-            </a:r>
-            <a:endParaRPr lang="en-IN" sz="1800" dirty="0">
-              <a:solidFill>
-                <a:schemeClr val="tx1"/>
-              </a:solidFill>
-              <a:latin typeface="Times New Roman" pitchFamily="18" charset="0"/>
-            </a:endParaRPr>
           </a:p>
         </p:txBody>
       </p:sp>
@@ -26245,7 +25652,7 @@
               <a:buNone/>
             </a:pPr>
             <a:r>
-              <a:rPr lang="en" dirty="0" smtClean="0">
+              <a:rPr lang="en" dirty="0">
                 <a:latin typeface="DM Serif Display" charset="0"/>
               </a:rPr>
               <a:t>Phase IV</a:t>
@@ -26321,7 +25728,7 @@
               <a:buNone/>
             </a:pPr>
             <a:r>
-              <a:rPr lang="en-IN" sz="3000" dirty="0" smtClean="0"/>
+              <a:rPr lang="en-IN" sz="3000" dirty="0"/>
               <a:t>Student Example to actual requirement</a:t>
             </a:r>
             <a:endParaRPr sz="3000" dirty="0"/>
@@ -26379,7 +25786,7 @@
         <p:spPr>
           <a:xfrm>
             <a:off x="755576" y="1851670"/>
-            <a:ext cx="7272808" cy="2664296"/>
+            <a:ext cx="7920880" cy="2664296"/>
           </a:xfrm>
           <a:prstGeom prst="rect">
             <a:avLst/>
@@ -26628,22 +26035,13 @@
               <a:buChar char="•"/>
             </a:pPr>
             <a:r>
-              <a:rPr lang="en-IN" sz="1800" dirty="0" smtClean="0">
+              <a:rPr lang="en-IN" sz="1800" dirty="0">
                 <a:solidFill>
                   <a:schemeClr val="tx1"/>
                 </a:solidFill>
                 <a:latin typeface="Times New Roman" pitchFamily="18" charset="0"/>
               </a:rPr>
-              <a:t>Student </a:t>
-            </a:r>
-            <a:r>
-              <a:rPr lang="en-IN" sz="1800" dirty="0" smtClean="0">
-                <a:solidFill>
-                  <a:schemeClr val="tx1"/>
-                </a:solidFill>
-                <a:latin typeface="Times New Roman" pitchFamily="18" charset="0"/>
-              </a:rPr>
-              <a:t>is considered as “agency_name”</a:t>
+              <a:t>Student is considered as “agency_name”</a:t>
             </a:r>
           </a:p>
           <a:p>
@@ -26656,7 +26054,7 @@
               <a:buChar char="•"/>
             </a:pPr>
             <a:r>
-              <a:rPr lang="en-IN" sz="1800" dirty="0" smtClean="0">
+              <a:rPr lang="en-IN" sz="1800" dirty="0">
                 <a:solidFill>
                   <a:schemeClr val="tx1"/>
                 </a:solidFill>
@@ -26675,7 +26073,7 @@
               <a:buChar char="•"/>
             </a:pPr>
             <a:r>
-              <a:rPr lang="en-IN" sz="1800" dirty="0" smtClean="0">
+              <a:rPr lang="en-IN" sz="1800" dirty="0">
                 <a:solidFill>
                   <a:schemeClr val="tx1"/>
                 </a:solidFill>
@@ -26694,7 +26092,7 @@
               <a:buChar char="•"/>
             </a:pPr>
             <a:r>
-              <a:rPr lang="en-IN" sz="1800" dirty="0" smtClean="0">
+              <a:rPr lang="en-IN" sz="1800" dirty="0">
                 <a:solidFill>
                   <a:schemeClr val="tx1"/>
                 </a:solidFill>
@@ -26713,31 +26111,13 @@
               <a:buChar char="•"/>
             </a:pPr>
             <a:r>
-              <a:rPr lang="en-IN" sz="1800" dirty="0" smtClean="0">
+              <a:rPr lang="en-IN" sz="1800" dirty="0">
                 <a:solidFill>
                   <a:schemeClr val="tx1"/>
                 </a:solidFill>
                 <a:latin typeface="Times New Roman" pitchFamily="18" charset="0"/>
               </a:rPr>
-              <a:t>There will be unknown number of ids in each form same as subjects </a:t>
-            </a:r>
-            <a:r>
-              <a:rPr lang="en-IN" sz="1800" dirty="0">
-                <a:solidFill>
-                  <a:schemeClr val="tx1"/>
-                </a:solidFill>
-                <a:latin typeface="Times New Roman" pitchFamily="18" charset="0"/>
-              </a:rPr>
-              <a:t>in one </a:t>
-            </a:r>
-            <a:r>
-              <a:rPr lang="en-IN" sz="1800" dirty="0" smtClean="0">
-                <a:solidFill>
-                  <a:schemeClr val="tx1"/>
-                </a:solidFill>
-                <a:latin typeface="Times New Roman" pitchFamily="18" charset="0"/>
-              </a:rPr>
-              <a:t>semester.</a:t>
+              <a:t>There will be unknown number of ids in each form same as subjects in one semester.</a:t>
             </a:r>
           </a:p>
           <a:p>
@@ -26750,7 +26130,7 @@
               <a:buChar char="•"/>
             </a:pPr>
             <a:r>
-              <a:rPr lang="en-IN" sz="1800" dirty="0" smtClean="0">
+              <a:rPr lang="en-IN" sz="1800" dirty="0">
                 <a:solidFill>
                   <a:schemeClr val="tx1"/>
                 </a:solidFill>
@@ -26796,7 +26176,7 @@
               <a:buNone/>
             </a:pPr>
             <a:r>
-              <a:rPr lang="en" dirty="0" smtClean="0">
+              <a:rPr lang="en" dirty="0">
                 <a:latin typeface="DM Serif Display" charset="0"/>
               </a:rPr>
               <a:t>Phase V</a:t>
@@ -26817,13 +26197,6 @@
   <p:clrMapOvr>
     <a:masterClrMapping/>
   </p:clrMapOvr>
-  <p:timing>
-    <p:tnLst>
-      <p:par>
-        <p:cTn id="1" dur="indefinite" restart="never" nodeType="tmRoot"/>
-      </p:par>
-    </p:tnLst>
-  </p:timing>
 </p:sld>
 </file>
 

--- a/Internship.pptx
+++ b/Internship.pptx
@@ -31,41 +31,41 @@
   <p:notesSz cx="6858000" cy="9144000"/>
   <p:embeddedFontLst>
     <p:embeddedFont>
-      <p:font typeface="Actor" panose="020B0604020202020204" charset="0"/>
+      <p:font typeface="DM Serif Display" charset="0"/>
       <p:regular r:id="rId21"/>
+      <p:italic r:id="rId22"/>
     </p:embeddedFont>
     <p:embeddedFont>
-      <p:font typeface="Calibri" panose="020F0502020204030204" pitchFamily="34" charset="0"/>
-      <p:regular r:id="rId22"/>
-      <p:bold r:id="rId23"/>
-      <p:italic r:id="rId24"/>
-      <p:boldItalic r:id="rId25"/>
+      <p:font typeface="Caveat" charset="0"/>
+      <p:regular r:id="rId23"/>
+      <p:bold r:id="rId24"/>
     </p:embeddedFont>
     <p:embeddedFont>
-      <p:font typeface="Caveat" panose="00000500000000000000" pitchFamily="2" charset="0"/>
-      <p:regular r:id="rId26"/>
-      <p:bold r:id="rId27"/>
+      <p:font typeface="Yanone Kaffeesatz" charset="0"/>
+      <p:regular r:id="rId25"/>
+      <p:bold r:id="rId26"/>
     </p:embeddedFont>
     <p:embeddedFont>
-      <p:font typeface="DM Serif Display" pitchFamily="2" charset="0"/>
-      <p:regular r:id="rId28"/>
-      <p:italic r:id="rId29"/>
+      <p:font typeface="Francois One" charset="0"/>
+      <p:regular r:id="rId27"/>
     </p:embeddedFont>
     <p:embeddedFont>
-      <p:font typeface="Francois One" panose="020B0604020202020204" charset="0"/>
-      <p:regular r:id="rId30"/>
+      <p:font typeface="Calibri" pitchFamily="34" charset="0"/>
+      <p:regular r:id="rId28"/>
+      <p:bold r:id="rId29"/>
+      <p:italic r:id="rId30"/>
+      <p:boldItalic r:id="rId31"/>
     </p:embeddedFont>
     <p:embeddedFont>
-      <p:font typeface="Josefin Slab" pitchFamily="2" charset="0"/>
-      <p:regular r:id="rId31"/>
-      <p:bold r:id="rId32"/>
-      <p:italic r:id="rId33"/>
-      <p:boldItalic r:id="rId34"/>
+      <p:font typeface="Josefin Slab" charset="0"/>
+      <p:regular r:id="rId32"/>
+      <p:bold r:id="rId33"/>
+      <p:italic r:id="rId34"/>
+      <p:boldItalic r:id="rId35"/>
     </p:embeddedFont>
     <p:embeddedFont>
-      <p:font typeface="Yanone Kaffeesatz" panose="020B0604020202020204" charset="0"/>
-      <p:regular r:id="rId35"/>
-      <p:bold r:id="rId36"/>
+      <p:font typeface="Actor" charset="0"/>
+      <p:regular r:id="rId36"/>
     </p:embeddedFont>
   </p:embeddedFontLst>
   <p:defaultTextStyle>
@@ -299,7 +299,7 @@
   </p:defaultTextStyle>
   <p:extLst>
     <p:ext uri="{EFAFB233-063F-42B5-8137-9DF3F51BA10A}">
-      <p15:sldGuideLst xmlns:p15="http://schemas.microsoft.com/office/powerpoint/2012/main">
+      <p15:sldGuideLst xmlns:p15="http://schemas.microsoft.com/office/powerpoint/2012/main" xmlns="">
         <p15:guide id="1" orient="horz" pos="1620">
           <p15:clr>
             <a:srgbClr val="A4A3A4"/>
@@ -13022,6 +13022,13 @@
   <p:clrMapOvr>
     <a:masterClrMapping/>
   </p:clrMapOvr>
+  <p:timing>
+    <p:tnLst>
+      <p:par>
+        <p:cTn id="1" dur="indefinite" restart="never" nodeType="tmRoot"/>
+      </p:par>
+    </p:tnLst>
+  </p:timing>
 </p:sld>
 </file>
 
@@ -13058,7 +13065,10 @@
           <a:lstStyle/>
           <a:p>
             <a:r>
-              <a:rPr lang="en-IN" sz="3000" dirty="0"/>
+              <a:rPr lang="en-IN" sz="3000" dirty="0">
+                <a:latin typeface="Calibri" pitchFamily="34" charset="0"/>
+                <a:cs typeface="Calibri" pitchFamily="34" charset="0"/>
+              </a:rPr>
               <a:t>Requirement Explanation</a:t>
             </a:r>
           </a:p>
@@ -13100,7 +13110,10 @@
               </a:spcAft>
               <a:buNone/>
             </a:pPr>
-            <a:endParaRPr sz="2200" dirty="0"/>
+            <a:endParaRPr sz="2200" dirty="0">
+              <a:latin typeface="Calibri" pitchFamily="34" charset="0"/>
+              <a:cs typeface="Calibri" pitchFamily="34" charset="0"/>
+            </a:endParaRPr>
           </a:p>
         </p:txBody>
       </p:sp>
@@ -13140,7 +13153,10 @@
               </a:spcAft>
               <a:buNone/>
             </a:pPr>
-            <a:endParaRPr sz="2200"/>
+            <a:endParaRPr sz="2200">
+              <a:latin typeface="Calibri" pitchFamily="34" charset="0"/>
+              <a:cs typeface="Calibri" pitchFamily="34" charset="0"/>
+            </a:endParaRPr>
           </a:p>
         </p:txBody>
       </p:sp>
@@ -13180,7 +13196,10 @@
               </a:spcAft>
               <a:buNone/>
             </a:pPr>
-            <a:endParaRPr sz="2200"/>
+            <a:endParaRPr sz="2200">
+              <a:latin typeface="Calibri" pitchFamily="34" charset="0"/>
+              <a:cs typeface="Calibri" pitchFamily="34" charset="0"/>
+            </a:endParaRPr>
           </a:p>
         </p:txBody>
       </p:sp>
@@ -13220,7 +13239,10 @@
               </a:spcAft>
               <a:buNone/>
             </a:pPr>
-            <a:endParaRPr sz="2200"/>
+            <a:endParaRPr sz="2200">
+              <a:latin typeface="Calibri" pitchFamily="34" charset="0"/>
+              <a:cs typeface="Calibri" pitchFamily="34" charset="0"/>
+            </a:endParaRPr>
           </a:p>
         </p:txBody>
       </p:sp>
@@ -13260,7 +13282,10 @@
               </a:spcAft>
               <a:buNone/>
             </a:pPr>
-            <a:endParaRPr sz="2200"/>
+            <a:endParaRPr sz="2200">
+              <a:latin typeface="Calibri" pitchFamily="34" charset="0"/>
+              <a:cs typeface="Calibri" pitchFamily="34" charset="0"/>
+            </a:endParaRPr>
           </a:p>
         </p:txBody>
       </p:sp>
@@ -13300,7 +13325,10 @@
               </a:spcAft>
               <a:buNone/>
             </a:pPr>
-            <a:endParaRPr sz="2000"/>
+            <a:endParaRPr sz="2000">
+              <a:latin typeface="Calibri" pitchFamily="34" charset="0"/>
+              <a:cs typeface="Calibri" pitchFamily="34" charset="0"/>
+            </a:endParaRPr>
           </a:p>
         </p:txBody>
       </p:sp>
@@ -13678,7 +13706,8 @@
                 <a:solidFill>
                   <a:schemeClr val="tx1"/>
                 </a:solidFill>
-                <a:latin typeface="Times New Roman" pitchFamily="18" charset="0"/>
+                <a:latin typeface="Calibri" pitchFamily="34" charset="0"/>
+                <a:cs typeface="Calibri" pitchFamily="34" charset="0"/>
               </a:rPr>
               <a:t>I</a:t>
             </a:r>
@@ -13686,7 +13715,8 @@
               <a:solidFill>
                 <a:schemeClr val="tx1"/>
               </a:solidFill>
-              <a:latin typeface="Times New Roman" pitchFamily="18" charset="0"/>
+              <a:latin typeface="Calibri" pitchFamily="34" charset="0"/>
+              <a:cs typeface="Calibri" pitchFamily="34" charset="0"/>
             </a:endParaRPr>
           </a:p>
         </p:txBody>
@@ -13701,7 +13731,7 @@
         </p:nvSpPr>
         <p:spPr>
           <a:xfrm>
-            <a:off x="2850434" y="3447342"/>
+            <a:off x="2881465" y="3441942"/>
             <a:ext cx="543359" cy="432048"/>
           </a:xfrm>
           <a:prstGeom prst="rect">
@@ -13953,7 +13983,8 @@
                 <a:solidFill>
                   <a:schemeClr val="tx1"/>
                 </a:solidFill>
-                <a:latin typeface="Times New Roman" pitchFamily="18" charset="0"/>
+                <a:latin typeface="Calibri" pitchFamily="34" charset="0"/>
+                <a:cs typeface="Calibri" pitchFamily="34" charset="0"/>
               </a:rPr>
               <a:t>II</a:t>
             </a:r>
@@ -13961,7 +13992,8 @@
               <a:solidFill>
                 <a:schemeClr val="tx1"/>
               </a:solidFill>
-              <a:latin typeface="Times New Roman" pitchFamily="18" charset="0"/>
+              <a:latin typeface="Calibri" pitchFamily="34" charset="0"/>
+              <a:cs typeface="Calibri" pitchFamily="34" charset="0"/>
             </a:endParaRPr>
           </a:p>
         </p:txBody>
@@ -13976,8 +14008,8 @@
         </p:nvSpPr>
         <p:spPr>
           <a:xfrm>
-            <a:off x="4141185" y="2245141"/>
-            <a:ext cx="571545" cy="432048"/>
+            <a:off x="4207008" y="2248698"/>
+            <a:ext cx="430815" cy="413348"/>
           </a:xfrm>
           <a:prstGeom prst="rect">
             <a:avLst/>
@@ -14228,7 +14260,8 @@
                 <a:solidFill>
                   <a:schemeClr val="tx1"/>
                 </a:solidFill>
-                <a:latin typeface="Times New Roman" pitchFamily="18" charset="0"/>
+                <a:latin typeface="Calibri" pitchFamily="34" charset="0"/>
+                <a:cs typeface="Calibri" pitchFamily="34" charset="0"/>
               </a:rPr>
               <a:t>III</a:t>
             </a:r>
@@ -14236,7 +14269,8 @@
               <a:solidFill>
                 <a:schemeClr val="tx1"/>
               </a:solidFill>
-              <a:latin typeface="Times New Roman" pitchFamily="18" charset="0"/>
+              <a:latin typeface="Calibri" pitchFamily="34" charset="0"/>
+              <a:cs typeface="Calibri" pitchFamily="34" charset="0"/>
             </a:endParaRPr>
           </a:p>
         </p:txBody>
@@ -14503,7 +14537,8 @@
                 <a:solidFill>
                   <a:schemeClr val="tx1"/>
                 </a:solidFill>
-                <a:latin typeface="Times New Roman" pitchFamily="18" charset="0"/>
+                <a:latin typeface="Calibri" pitchFamily="34" charset="0"/>
+                <a:cs typeface="Calibri" pitchFamily="34" charset="0"/>
               </a:rPr>
               <a:t>IV</a:t>
             </a:r>
@@ -14511,7 +14546,8 @@
               <a:solidFill>
                 <a:schemeClr val="tx1"/>
               </a:solidFill>
-              <a:latin typeface="Times New Roman" pitchFamily="18" charset="0"/>
+              <a:latin typeface="Calibri" pitchFamily="34" charset="0"/>
+              <a:cs typeface="Calibri" pitchFamily="34" charset="0"/>
             </a:endParaRPr>
           </a:p>
         </p:txBody>
@@ -14526,8 +14562,8 @@
         </p:nvSpPr>
         <p:spPr>
           <a:xfrm>
-            <a:off x="579231" y="1307513"/>
-            <a:ext cx="2376265" cy="766462"/>
+            <a:off x="579232" y="1307513"/>
+            <a:ext cx="2026448" cy="766462"/>
           </a:xfrm>
           <a:prstGeom prst="rect">
             <a:avLst/>
@@ -14774,11 +14810,12 @@
               <a:buSzPct val="125000"/>
             </a:pPr>
             <a:r>
-              <a:rPr lang="en-IN" sz="2000" dirty="0">
+              <a:rPr lang="en-IN" sz="1600" dirty="0">
                 <a:solidFill>
                   <a:schemeClr val="tx1"/>
                 </a:solidFill>
-                <a:latin typeface="Times New Roman" pitchFamily="18" charset="0"/>
+                <a:latin typeface="Calibri" pitchFamily="34" charset="0"/>
+                <a:cs typeface="Calibri" pitchFamily="34" charset="0"/>
               </a:rPr>
               <a:t>Linear data with student and subjects</a:t>
             </a:r>
@@ -14796,7 +14833,7 @@
         <p:spPr>
           <a:xfrm>
             <a:off x="1326917" y="4139596"/>
-            <a:ext cx="3205072" cy="720080"/>
+            <a:ext cx="2814268" cy="720080"/>
           </a:xfrm>
           <a:prstGeom prst="rect">
             <a:avLst/>
@@ -15043,11 +15080,12 @@
               <a:buSzPct val="125000"/>
             </a:pPr>
             <a:r>
-              <a:rPr lang="en-IN" sz="2000" dirty="0">
+              <a:rPr lang="en-IN" sz="1600" dirty="0">
                 <a:solidFill>
                   <a:schemeClr val="tx1"/>
                 </a:solidFill>
-                <a:latin typeface="Times New Roman" pitchFamily="18" charset="0"/>
+                <a:latin typeface="Calibri" pitchFamily="34" charset="0"/>
+                <a:cs typeface="Calibri" pitchFamily="34" charset="0"/>
               </a:rPr>
               <a:t>Linear data with different number of subjects</a:t>
             </a:r>
@@ -15064,8 +15102,8 @@
         </p:nvSpPr>
         <p:spPr>
           <a:xfrm>
-            <a:off x="2929453" y="1306979"/>
-            <a:ext cx="3036242" cy="766463"/>
+            <a:off x="3111060" y="1306978"/>
+            <a:ext cx="2558973" cy="766463"/>
           </a:xfrm>
           <a:prstGeom prst="rect">
             <a:avLst/>
@@ -15312,11 +15350,12 @@
               <a:buSzPct val="125000"/>
             </a:pPr>
             <a:r>
-              <a:rPr lang="en-IN" sz="2000" dirty="0">
+              <a:rPr lang="en-IN" sz="1600" dirty="0">
                 <a:solidFill>
                   <a:schemeClr val="tx1"/>
                 </a:solidFill>
-                <a:latin typeface="Times New Roman" pitchFamily="18" charset="0"/>
+                <a:latin typeface="Calibri" pitchFamily="34" charset="0"/>
+                <a:cs typeface="Calibri" pitchFamily="34" charset="0"/>
               </a:rPr>
               <a:t>2D data with students, semesters and subjects</a:t>
             </a:r>
@@ -15333,8 +15372,8 @@
         </p:nvSpPr>
         <p:spPr>
           <a:xfrm>
-            <a:off x="4265459" y="4146222"/>
-            <a:ext cx="3143309" cy="713454"/>
+            <a:off x="4450207" y="4139596"/>
+            <a:ext cx="2570066" cy="713454"/>
           </a:xfrm>
           <a:prstGeom prst="rect">
             <a:avLst/>
@@ -15581,11 +15620,12 @@
               <a:buSzPct val="125000"/>
             </a:pPr>
             <a:r>
-              <a:rPr lang="en-IN" sz="2000" dirty="0">
+              <a:rPr lang="en-IN" sz="1600" dirty="0">
                 <a:solidFill>
                   <a:schemeClr val="tx1"/>
                 </a:solidFill>
-                <a:latin typeface="Times New Roman" pitchFamily="18" charset="0"/>
+                <a:latin typeface="Calibri" pitchFamily="34" charset="0"/>
+                <a:cs typeface="Calibri" pitchFamily="34" charset="0"/>
               </a:rPr>
               <a:t>2D data with unknown number of semesters</a:t>
             </a:r>
@@ -15602,8 +15642,8 @@
         </p:nvSpPr>
         <p:spPr>
           <a:xfrm>
-            <a:off x="6352322" y="1353361"/>
-            <a:ext cx="2112892" cy="648073"/>
+            <a:off x="6496338" y="1306978"/>
+            <a:ext cx="1820078" cy="648073"/>
           </a:xfrm>
           <a:prstGeom prst="rect">
             <a:avLst/>
@@ -15850,29 +15890,32 @@
               <a:buSzPct val="125000"/>
             </a:pPr>
             <a:r>
-              <a:rPr lang="en-IN" sz="2000" dirty="0">
+              <a:rPr lang="en-IN" sz="1600" dirty="0">
                 <a:solidFill>
                   <a:schemeClr val="tx1"/>
                 </a:solidFill>
-                <a:latin typeface="Times New Roman" pitchFamily="18" charset="0"/>
+                <a:latin typeface="Calibri" pitchFamily="34" charset="0"/>
+                <a:cs typeface="Calibri" pitchFamily="34" charset="0"/>
               </a:rPr>
               <a:t>Connecting it to the </a:t>
             </a:r>
             <a:r>
-              <a:rPr lang="en-IN" sz="2000" dirty="0" err="1">
+              <a:rPr lang="en-IN" sz="1600" dirty="0" err="1">
                 <a:solidFill>
                   <a:schemeClr val="tx1"/>
                 </a:solidFill>
-                <a:latin typeface="Times New Roman" pitchFamily="18" charset="0"/>
+                <a:latin typeface="Calibri" pitchFamily="34" charset="0"/>
+                <a:cs typeface="Calibri" pitchFamily="34" charset="0"/>
               </a:rPr>
               <a:t>oc</a:t>
             </a:r>
             <a:r>
-              <a:rPr lang="en-IN" sz="2000" dirty="0">
+              <a:rPr lang="en-IN" sz="1600" dirty="0">
                 <a:solidFill>
                   <a:schemeClr val="tx1"/>
                 </a:solidFill>
-                <a:latin typeface="Times New Roman" pitchFamily="18" charset="0"/>
+                <a:latin typeface="Calibri" pitchFamily="34" charset="0"/>
+                <a:cs typeface="Calibri" pitchFamily="34" charset="0"/>
               </a:rPr>
               <a:t> requirement</a:t>
             </a:r>
@@ -15889,7 +15932,7 @@
         </p:nvSpPr>
         <p:spPr>
           <a:xfrm>
-            <a:off x="7197418" y="2263840"/>
+            <a:off x="7233994" y="2263840"/>
             <a:ext cx="523734" cy="432048"/>
           </a:xfrm>
           <a:prstGeom prst="rect">
@@ -16141,7 +16184,8 @@
                 <a:solidFill>
                   <a:schemeClr val="tx1"/>
                 </a:solidFill>
-                <a:latin typeface="Times New Roman" pitchFamily="18" charset="0"/>
+                <a:latin typeface="Calibri" pitchFamily="34" charset="0"/>
+                <a:cs typeface="Calibri" pitchFamily="34" charset="0"/>
               </a:rPr>
               <a:t>V</a:t>
             </a:r>
@@ -16149,7 +16193,8 @@
               <a:solidFill>
                 <a:schemeClr val="tx1"/>
               </a:solidFill>
-              <a:latin typeface="Times New Roman" pitchFamily="18" charset="0"/>
+              <a:latin typeface="Calibri" pitchFamily="34" charset="0"/>
+              <a:cs typeface="Calibri" pitchFamily="34" charset="0"/>
             </a:endParaRPr>
           </a:p>
         </p:txBody>
@@ -16164,6 +16209,13 @@
   <p:clrMapOvr>
     <a:masterClrMapping/>
   </p:clrMapOvr>
+  <p:timing>
+    <p:tnLst>
+      <p:par>
+        <p:cTn id="1" dur="indefinite" restart="never" nodeType="tmRoot"/>
+      </p:par>
+    </p:tnLst>
+  </p:timing>
 </p:sld>
 </file>
 
@@ -16205,7 +16257,10 @@
           <a:lstStyle/>
           <a:p>
             <a:r>
-              <a:rPr lang="en-IN" dirty="0"/>
+              <a:rPr lang="en-IN" sz="2200" dirty="0">
+                <a:latin typeface="Calibri" pitchFamily="34" charset="0"/>
+                <a:cs typeface="Calibri" pitchFamily="34" charset="0"/>
+              </a:rPr>
               <a:t>Requirement 1</a:t>
             </a:r>
           </a:p>
@@ -16469,11 +16524,12 @@
               <a:buSzPct val="125000"/>
             </a:pPr>
             <a:r>
-              <a:rPr lang="en-IN" sz="1800" dirty="0">
+              <a:rPr lang="en-IN" sz="1600" dirty="0">
                 <a:solidFill>
                   <a:schemeClr val="tx1"/>
                 </a:solidFill>
-                <a:latin typeface="Times New Roman" pitchFamily="18" charset="0"/>
+                <a:latin typeface="Calibri" pitchFamily="34" charset="0"/>
+                <a:cs typeface="Calibri" pitchFamily="34" charset="0"/>
               </a:rPr>
               <a:t>Need to get agencies having all of it’s ids passed under all the forms.</a:t>
             </a:r>
@@ -16501,7 +16557,10 @@
           <a:lstStyle/>
           <a:p>
             <a:r>
-              <a:rPr lang="en-IN" dirty="0"/>
+              <a:rPr lang="en-IN" sz="2200" dirty="0">
+                <a:latin typeface="Calibri" pitchFamily="34" charset="0"/>
+                <a:cs typeface="Calibri" pitchFamily="34" charset="0"/>
+              </a:rPr>
               <a:t>Requirement 2</a:t>
             </a:r>
           </a:p>
@@ -16765,11 +16824,12 @@
               <a:buSzPct val="125000"/>
             </a:pPr>
             <a:r>
-              <a:rPr lang="en-IN" sz="1800" dirty="0">
+              <a:rPr lang="en-IN" sz="1600" dirty="0">
                 <a:solidFill>
                   <a:schemeClr val="tx1"/>
                 </a:solidFill>
-                <a:latin typeface="Times New Roman" pitchFamily="18" charset="0"/>
+                <a:latin typeface="Calibri" pitchFamily="34" charset="0"/>
+                <a:cs typeface="Calibri" pitchFamily="34" charset="0"/>
               </a:rPr>
               <a:t>Need to get forms having all of it’s ids passed</a:t>
             </a:r>
@@ -16797,7 +16857,10 @@
           <a:lstStyle/>
           <a:p>
             <a:r>
-              <a:rPr lang="en-IN" dirty="0"/>
+              <a:rPr lang="en-IN" sz="2200" dirty="0">
+                <a:latin typeface="Calibri" pitchFamily="34" charset="0"/>
+                <a:cs typeface="Calibri" pitchFamily="34" charset="0"/>
+              </a:rPr>
               <a:t>Requirement 3</a:t>
             </a:r>
           </a:p>
@@ -17061,11 +17124,12 @@
               <a:buSzPct val="125000"/>
             </a:pPr>
             <a:r>
-              <a:rPr lang="en-IN" sz="1800" dirty="0">
+              <a:rPr lang="en-IN" sz="1600" dirty="0">
                 <a:solidFill>
                   <a:schemeClr val="tx1"/>
                 </a:solidFill>
-                <a:latin typeface="Times New Roman" pitchFamily="18" charset="0"/>
+                <a:latin typeface="Calibri" pitchFamily="34" charset="0"/>
+                <a:cs typeface="Calibri" pitchFamily="34" charset="0"/>
               </a:rPr>
               <a:t>Get all the failed ids irrespective of the form and agency</a:t>
             </a:r>
@@ -17107,10 +17171,16 @@
               <a:buNone/>
             </a:pPr>
             <a:r>
-              <a:rPr lang="en" dirty="0"/>
+              <a:rPr lang="en" sz="3000" dirty="0">
+                <a:latin typeface="Calibri" pitchFamily="34" charset="0"/>
+                <a:cs typeface="Calibri" pitchFamily="34" charset="0"/>
+              </a:rPr>
               <a:t>Given Requirements</a:t>
             </a:r>
-            <a:endParaRPr dirty="0"/>
+            <a:endParaRPr sz="3000" dirty="0">
+              <a:latin typeface="Calibri" pitchFamily="34" charset="0"/>
+              <a:cs typeface="Calibri" pitchFamily="34" charset="0"/>
+            </a:endParaRPr>
           </a:p>
         </p:txBody>
       </p:sp>
@@ -17150,7 +17220,10 @@
               </a:spcAft>
               <a:buNone/>
             </a:pPr>
-            <a:endParaRPr/>
+            <a:endParaRPr>
+              <a:latin typeface="Calibri" pitchFamily="34" charset="0"/>
+              <a:cs typeface="Calibri" pitchFamily="34" charset="0"/>
+            </a:endParaRPr>
           </a:p>
         </p:txBody>
       </p:sp>
@@ -17164,6 +17237,13 @@
   <p:clrMapOvr>
     <a:masterClrMapping/>
   </p:clrMapOvr>
+  <p:timing>
+    <p:tnLst>
+      <p:par>
+        <p:cTn id="1" dur="indefinite" restart="never" nodeType="tmRoot"/>
+      </p:par>
+    </p:tnLst>
+  </p:timing>
 </p:sld>
 </file>
 
@@ -17211,10 +17291,16 @@
           <a:p>
             <a:pPr lvl="0"/>
             <a:r>
-              <a:rPr lang="en" dirty="0"/>
+              <a:rPr lang="en" sz="3000" dirty="0">
+                <a:latin typeface="Calibri" pitchFamily="34" charset="0"/>
+                <a:cs typeface="Calibri" pitchFamily="34" charset="0"/>
+              </a:rPr>
               <a:t>Requirement Querying</a:t>
             </a:r>
-            <a:endParaRPr dirty="0"/>
+            <a:endParaRPr sz="3000" dirty="0">
+              <a:latin typeface="Calibri" pitchFamily="34" charset="0"/>
+              <a:cs typeface="Calibri" pitchFamily="34" charset="0"/>
+            </a:endParaRPr>
           </a:p>
         </p:txBody>
       </p:sp>
@@ -17254,7 +17340,10 @@
               </a:spcAft>
               <a:buNone/>
             </a:pPr>
-            <a:endParaRPr/>
+            <a:endParaRPr>
+              <a:latin typeface="Calibri" pitchFamily="34" charset="0"/>
+              <a:cs typeface="Calibri" pitchFamily="34" charset="0"/>
+            </a:endParaRPr>
           </a:p>
         </p:txBody>
       </p:sp>
@@ -17269,7 +17358,7 @@
         <p:spPr>
           <a:xfrm>
             <a:off x="935832" y="1563638"/>
-            <a:ext cx="7884640" cy="3096344"/>
+            <a:ext cx="6732512" cy="3096344"/>
           </a:xfrm>
           <a:prstGeom prst="rect">
             <a:avLst/>
@@ -17509,7 +17598,7 @@
             </a:lvl9pPr>
           </a:lstStyle>
           <a:p>
-            <a:pPr marL="342900" indent="-342900">
+            <a:pPr marL="342900" indent="-342900" algn="just">
               <a:buClr>
                 <a:schemeClr val="tx1"/>
               </a:buClr>
@@ -17518,17 +17607,18 @@
               <a:buAutoNum type="arabicPeriod"/>
             </a:pPr>
             <a:r>
-              <a:rPr lang="en-IN" sz="1800" dirty="0">
+              <a:rPr lang="en-IN" sz="1600" dirty="0">
                 <a:solidFill>
                   <a:schemeClr val="tx1"/>
                 </a:solidFill>
-                <a:latin typeface="Times New Roman" pitchFamily="18" charset="0"/>
+                <a:latin typeface="Calibri" pitchFamily="34" charset="0"/>
+                <a:cs typeface="Calibri" pitchFamily="34" charset="0"/>
               </a:rPr>
               <a:t>Here used a “nested” mapping to store id and form level details, used bool query to check no error ids and an outer bool query to check all the forms are error free and a final bool query to display only the agencies with no errors.</a:t>
             </a:r>
           </a:p>
           <a:p>
-            <a:pPr marL="342900" indent="-342900">
+            <a:pPr marL="342900" indent="-342900" algn="just">
               <a:buClr>
                 <a:schemeClr val="tx1"/>
               </a:buClr>
@@ -17537,17 +17627,18 @@
               <a:buAutoNum type="arabicPeriod"/>
             </a:pPr>
             <a:r>
-              <a:rPr lang="en-IN" sz="1800" dirty="0">
+              <a:rPr lang="en-IN" sz="1600" dirty="0">
                 <a:solidFill>
                   <a:schemeClr val="tx1"/>
                 </a:solidFill>
-                <a:latin typeface="Times New Roman" pitchFamily="18" charset="0"/>
+                <a:latin typeface="Calibri" pitchFamily="34" charset="0"/>
+                <a:cs typeface="Calibri" pitchFamily="34" charset="0"/>
               </a:rPr>
               <a:t>Used inner hits in form level nested query and retrieved passed forms from the above query output, inner hits is used display content matched with the bool query in nested query.</a:t>
             </a:r>
           </a:p>
           <a:p>
-            <a:pPr marL="342900" indent="-342900">
+            <a:pPr marL="342900" indent="-342900" algn="just">
               <a:buClr>
                 <a:schemeClr val="tx1"/>
               </a:buClr>
@@ -17556,11 +17647,12 @@
               <a:buAutoNum type="arabicPeriod"/>
             </a:pPr>
             <a:r>
-              <a:rPr lang="en-IN" sz="1800" dirty="0">
+              <a:rPr lang="en-IN" sz="1600" dirty="0">
                 <a:solidFill>
                   <a:schemeClr val="tx1"/>
                 </a:solidFill>
-                <a:latin typeface="Times New Roman" pitchFamily="18" charset="0"/>
+                <a:latin typeface="Calibri" pitchFamily="34" charset="0"/>
+                <a:cs typeface="Calibri" pitchFamily="34" charset="0"/>
               </a:rPr>
               <a:t>Used inner hits in id level nested query and retrieved the failed id details.</a:t>
             </a:r>
@@ -17577,6 +17669,13 @@
   <p:clrMapOvr>
     <a:masterClrMapping/>
   </p:clrMapOvr>
+  <p:timing>
+    <p:tnLst>
+      <p:par>
+        <p:cTn id="1" dur="indefinite" restart="never" nodeType="tmRoot"/>
+      </p:par>
+    </p:tnLst>
+  </p:timing>
 </p:sld>
 </file>
 
@@ -17624,10 +17723,16 @@
           <a:p>
             <a:pPr lvl="0"/>
             <a:r>
-              <a:rPr lang="en-IN" dirty="0"/>
+              <a:rPr lang="en-IN" sz="3000" dirty="0">
+                <a:latin typeface="Calibri" pitchFamily="34" charset="0"/>
+                <a:cs typeface="Calibri" pitchFamily="34" charset="0"/>
+              </a:rPr>
               <a:t>Miscellaneous</a:t>
             </a:r>
-            <a:endParaRPr dirty="0"/>
+            <a:endParaRPr sz="3000" dirty="0">
+              <a:latin typeface="Calibri" pitchFamily="34" charset="0"/>
+              <a:cs typeface="Calibri" pitchFamily="34" charset="0"/>
+            </a:endParaRPr>
           </a:p>
         </p:txBody>
       </p:sp>
@@ -17667,7 +17772,10 @@
               </a:spcAft>
               <a:buNone/>
             </a:pPr>
-            <a:endParaRPr/>
+            <a:endParaRPr>
+              <a:latin typeface="Calibri" pitchFamily="34" charset="0"/>
+              <a:cs typeface="Calibri" pitchFamily="34" charset="0"/>
+            </a:endParaRPr>
           </a:p>
         </p:txBody>
       </p:sp>
@@ -17931,11 +18039,12 @@
               <a:buChar char="•"/>
             </a:pPr>
             <a:r>
-              <a:rPr lang="en-IN" sz="1800" dirty="0">
+              <a:rPr lang="en-IN" sz="1600" dirty="0">
                 <a:solidFill>
                   <a:schemeClr val="tx1"/>
                 </a:solidFill>
-                <a:latin typeface="Times New Roman" pitchFamily="18" charset="0"/>
+                <a:latin typeface="Calibri" pitchFamily="34" charset="0"/>
+                <a:cs typeface="Calibri" pitchFamily="34" charset="0"/>
               </a:rPr>
               <a:t>Worked on Python pandas to reduce the data while loading into the data frames.</a:t>
             </a:r>
@@ -17950,11 +18059,12 @@
               <a:buChar char="•"/>
             </a:pPr>
             <a:r>
-              <a:rPr lang="en-IN" sz="1800" dirty="0">
+              <a:rPr lang="en-IN" sz="1600" dirty="0">
                 <a:solidFill>
                   <a:schemeClr val="tx1"/>
                 </a:solidFill>
-                <a:latin typeface="Times New Roman" pitchFamily="18" charset="0"/>
+                <a:latin typeface="Calibri" pitchFamily="34" charset="0"/>
+                <a:cs typeface="Calibri" pitchFamily="34" charset="0"/>
               </a:rPr>
               <a:t>Created an AWS lambda function to convert CSV file into JSON file while uploaded into a S3 bucket.</a:t>
             </a:r>
@@ -17969,11 +18079,12 @@
               <a:buChar char="•"/>
             </a:pPr>
             <a:r>
-              <a:rPr lang="en-IN" sz="1800" dirty="0">
+              <a:rPr lang="en-IN" sz="1600" dirty="0">
                 <a:solidFill>
                   <a:schemeClr val="tx1"/>
                 </a:solidFill>
-                <a:latin typeface="Times New Roman" pitchFamily="18" charset="0"/>
+                <a:latin typeface="Calibri" pitchFamily="34" charset="0"/>
+                <a:cs typeface="Calibri" pitchFamily="34" charset="0"/>
               </a:rPr>
               <a:t>Learnt AWS cloud services S3, SQS, SES and database like Dynamo DB and OpenSearch.</a:t>
             </a:r>
@@ -17988,11 +18099,12 @@
               <a:buChar char="•"/>
             </a:pPr>
             <a:r>
-              <a:rPr lang="en-IN" sz="1800" dirty="0">
+              <a:rPr lang="en-IN" sz="1600" dirty="0">
                 <a:solidFill>
                   <a:schemeClr val="tx1"/>
                 </a:solidFill>
-                <a:latin typeface="Times New Roman" pitchFamily="18" charset="0"/>
+                <a:latin typeface="Calibri" pitchFamily="34" charset="0"/>
+                <a:cs typeface="Calibri" pitchFamily="34" charset="0"/>
               </a:rPr>
               <a:t>Token Validation for Aurora DB connection</a:t>
             </a:r>
@@ -18009,6 +18121,13 @@
   <p:clrMapOvr>
     <a:masterClrMapping/>
   </p:clrMapOvr>
+  <p:timing>
+    <p:tnLst>
+      <p:par>
+        <p:cTn id="1" dur="indefinite" restart="never" nodeType="tmRoot"/>
+      </p:par>
+    </p:tnLst>
+  </p:timing>
 </p:sld>
 </file>
 
@@ -18050,7 +18169,10 @@
           <a:lstStyle/>
           <a:p>
             <a:r>
-              <a:rPr lang="en-IN" sz="4500" b="1" dirty="0"/>
+              <a:rPr lang="en-IN" sz="4500" b="1" dirty="0">
+                <a:latin typeface="Calibri" pitchFamily="34" charset="0"/>
+                <a:cs typeface="Calibri" pitchFamily="34" charset="0"/>
+              </a:rPr>
               <a:t>Any Queries ?</a:t>
             </a:r>
           </a:p>
@@ -18096,6 +18218,13 @@
   <p:clrMapOvr>
     <a:masterClrMapping/>
   </p:clrMapOvr>
+  <p:timing>
+    <p:tnLst>
+      <p:par>
+        <p:cTn id="1" dur="indefinite" restart="never" nodeType="tmRoot"/>
+      </p:par>
+    </p:tnLst>
+  </p:timing>
 </p:sld>
 </file>
 
@@ -18165,6 +18294,13 @@
   <p:clrMapOvr>
     <a:masterClrMapping/>
   </p:clrMapOvr>
+  <p:timing>
+    <p:tnLst>
+      <p:par>
+        <p:cTn id="1" dur="indefinite" restart="never" nodeType="tmRoot"/>
+      </p:par>
+    </p:tnLst>
+  </p:timing>
 </p:sld>
 </file>
 
@@ -18201,7 +18337,10 @@
           <a:lstStyle/>
           <a:p>
             <a:r>
-              <a:rPr lang="en-IN" dirty="0"/>
+              <a:rPr lang="en-IN" sz="3000" dirty="0">
+                <a:latin typeface="Calibri" pitchFamily="34" charset="0"/>
+                <a:cs typeface="Calibri" pitchFamily="34" charset="0"/>
+              </a:rPr>
               <a:t>Data mapping</a:t>
             </a:r>
           </a:p>
@@ -18467,11 +18606,12 @@
               <a:buChar char="•"/>
             </a:pPr>
             <a:r>
-              <a:rPr lang="en-IN" sz="1800" dirty="0">
+              <a:rPr lang="en-IN" sz="1600" dirty="0">
                 <a:solidFill>
                   <a:schemeClr val="tx1"/>
                 </a:solidFill>
-                <a:latin typeface="Times New Roman" pitchFamily="18" charset="0"/>
+                <a:latin typeface="Calibri" pitchFamily="34" charset="0"/>
+                <a:cs typeface="Calibri" pitchFamily="34" charset="0"/>
               </a:rPr>
               <a:t>Selected a suitable mapping with nested structures.</a:t>
             </a:r>
@@ -18486,11 +18626,12 @@
               <a:buChar char="•"/>
             </a:pPr>
             <a:r>
-              <a:rPr lang="en-IN" sz="1800" dirty="0">
+              <a:rPr lang="en-IN" sz="1600" dirty="0">
                 <a:solidFill>
                   <a:schemeClr val="tx1"/>
                 </a:solidFill>
-                <a:latin typeface="Times New Roman" pitchFamily="18" charset="0"/>
+                <a:latin typeface="Calibri" pitchFamily="34" charset="0"/>
+                <a:cs typeface="Calibri" pitchFamily="34" charset="0"/>
               </a:rPr>
               <a:t>Level 1 with “agency_name” and array of “forms”.</a:t>
             </a:r>
@@ -18505,11 +18646,12 @@
               <a:buChar char="•"/>
             </a:pPr>
             <a:r>
-              <a:rPr lang="en-IN" sz="1800" dirty="0">
+              <a:rPr lang="en-IN" sz="1600" dirty="0">
                 <a:solidFill>
                   <a:schemeClr val="tx1"/>
                 </a:solidFill>
-                <a:latin typeface="Times New Roman" pitchFamily="18" charset="0"/>
+                <a:latin typeface="Calibri" pitchFamily="34" charset="0"/>
+                <a:cs typeface="Calibri" pitchFamily="34" charset="0"/>
               </a:rPr>
               <a:t>Level 2 with “form_name” and array of “ids” in array of forms.</a:t>
             </a:r>
@@ -18524,11 +18666,12 @@
               <a:buChar char="•"/>
             </a:pPr>
             <a:r>
-              <a:rPr lang="en-IN" sz="1800" dirty="0">
+              <a:rPr lang="en-IN" sz="1600" dirty="0">
                 <a:solidFill>
                   <a:schemeClr val="tx1"/>
                 </a:solidFill>
-                <a:latin typeface="Times New Roman" pitchFamily="18" charset="0"/>
+                <a:latin typeface="Calibri" pitchFamily="34" charset="0"/>
+                <a:cs typeface="Calibri" pitchFamily="34" charset="0"/>
               </a:rPr>
               <a:t>Level 3 with “id” and “no_error” in array of ids.</a:t>
             </a:r>
@@ -18571,7 +18714,10 @@
               </a:spcAft>
               <a:buNone/>
             </a:pPr>
-            <a:endParaRPr/>
+            <a:endParaRPr>
+              <a:latin typeface="Calibri" pitchFamily="34" charset="0"/>
+              <a:cs typeface="Calibri" pitchFamily="34" charset="0"/>
+            </a:endParaRPr>
           </a:p>
         </p:txBody>
       </p:sp>
@@ -18658,6 +18804,13 @@
   <p:clrMapOvr>
     <a:masterClrMapping/>
   </p:clrMapOvr>
+  <p:timing>
+    <p:tnLst>
+      <p:par>
+        <p:cTn id="1" dur="indefinite" restart="never" nodeType="tmRoot"/>
+      </p:par>
+    </p:tnLst>
+  </p:timing>
 </p:sld>
 </file>
 
@@ -18694,7 +18847,10 @@
           <a:lstStyle/>
           <a:p>
             <a:r>
-              <a:rPr lang="en-IN" dirty="0"/>
+              <a:rPr lang="en-IN" sz="3000" dirty="0">
+                <a:latin typeface="Calibri" pitchFamily="34" charset="0"/>
+                <a:cs typeface="Calibri" pitchFamily="34" charset="0"/>
+              </a:rPr>
               <a:t>Data Insertion</a:t>
             </a:r>
           </a:p>
@@ -18960,11 +19116,12 @@
               <a:buChar char="•"/>
             </a:pPr>
             <a:r>
-              <a:rPr lang="en-IN" sz="1800" dirty="0">
+              <a:rPr lang="en-IN" sz="1600" dirty="0">
                 <a:solidFill>
                   <a:schemeClr val="tx1"/>
                 </a:solidFill>
-                <a:latin typeface="Times New Roman" pitchFamily="18" charset="0"/>
+                <a:latin typeface="Calibri" pitchFamily="34" charset="0"/>
+                <a:cs typeface="Calibri" pitchFamily="34" charset="0"/>
               </a:rPr>
               <a:t>The data I will be having with columns</a:t>
             </a:r>
@@ -18977,11 +19134,12 @@
               <a:buSzPct val="125000"/>
             </a:pPr>
             <a:r>
-              <a:rPr lang="en-IN" sz="1800" dirty="0">
+              <a:rPr lang="en-IN" sz="1600" dirty="0">
                 <a:solidFill>
                   <a:schemeClr val="tx1"/>
                 </a:solidFill>
-                <a:latin typeface="Times New Roman" pitchFamily="18" charset="0"/>
+                <a:latin typeface="Calibri" pitchFamily="34" charset="0"/>
+                <a:cs typeface="Calibri" pitchFamily="34" charset="0"/>
               </a:rPr>
               <a:t>	agency_name</a:t>
             </a:r>
@@ -18994,11 +19152,12 @@
               <a:buSzPct val="125000"/>
             </a:pPr>
             <a:r>
-              <a:rPr lang="en-IN" sz="1800" dirty="0">
+              <a:rPr lang="en-IN" sz="1600" dirty="0">
                 <a:solidFill>
                   <a:schemeClr val="tx1"/>
                 </a:solidFill>
-                <a:latin typeface="Times New Roman" pitchFamily="18" charset="0"/>
+                <a:latin typeface="Calibri" pitchFamily="34" charset="0"/>
+                <a:cs typeface="Calibri" pitchFamily="34" charset="0"/>
               </a:rPr>
               <a:t>	form_name</a:t>
             </a:r>
@@ -19011,11 +19170,12 @@
               <a:buSzPct val="125000"/>
             </a:pPr>
             <a:r>
-              <a:rPr lang="en-IN" sz="1800" dirty="0">
+              <a:rPr lang="en-IN" sz="1600" dirty="0">
                 <a:solidFill>
                   <a:schemeClr val="tx1"/>
                 </a:solidFill>
-                <a:latin typeface="Times New Roman" pitchFamily="18" charset="0"/>
+                <a:latin typeface="Calibri" pitchFamily="34" charset="0"/>
+                <a:cs typeface="Calibri" pitchFamily="34" charset="0"/>
               </a:rPr>
               <a:t>	ids_with_errors</a:t>
             </a:r>
@@ -19028,11 +19188,12 @@
               <a:buSzPct val="125000"/>
             </a:pPr>
             <a:r>
-              <a:rPr lang="en-IN" sz="1800" dirty="0">
+              <a:rPr lang="en-IN" sz="1600" dirty="0">
                 <a:solidFill>
                   <a:schemeClr val="tx1"/>
                 </a:solidFill>
-                <a:latin typeface="Times New Roman" pitchFamily="18" charset="0"/>
+                <a:latin typeface="Calibri" pitchFamily="34" charset="0"/>
+                <a:cs typeface="Calibri" pitchFamily="34" charset="0"/>
               </a:rPr>
               <a:t>	ids_without_errors</a:t>
             </a:r>
@@ -19047,11 +19208,12 @@
               <a:buChar char="•"/>
             </a:pPr>
             <a:r>
-              <a:rPr lang="en-IN" sz="1800" dirty="0">
+              <a:rPr lang="en-IN" sz="1600" dirty="0">
                 <a:solidFill>
                   <a:schemeClr val="tx1"/>
                 </a:solidFill>
-                <a:latin typeface="Times New Roman" pitchFamily="18" charset="0"/>
+                <a:latin typeface="Calibri" pitchFamily="34" charset="0"/>
+                <a:cs typeface="Calibri" pitchFamily="34" charset="0"/>
               </a:rPr>
               <a:t>Firstly checking for the agency_name in the index.</a:t>
             </a:r>
@@ -19066,11 +19228,12 @@
               <a:buChar char="•"/>
             </a:pPr>
             <a:r>
-              <a:rPr lang="en-IN" sz="1800" dirty="0">
+              <a:rPr lang="en-IN" sz="1600" dirty="0">
                 <a:solidFill>
                   <a:schemeClr val="tx1"/>
                 </a:solidFill>
-                <a:latin typeface="Times New Roman" pitchFamily="18" charset="0"/>
+                <a:latin typeface="Calibri" pitchFamily="34" charset="0"/>
+                <a:cs typeface="Calibri" pitchFamily="34" charset="0"/>
               </a:rPr>
               <a:t>If agency_name is present in the index it will be retrieved and modified and inserted in the total document again using same document id. </a:t>
             </a:r>
@@ -19113,7 +19276,10 @@
               </a:spcAft>
               <a:buNone/>
             </a:pPr>
-            <a:endParaRPr/>
+            <a:endParaRPr>
+              <a:latin typeface="Calibri" pitchFamily="34" charset="0"/>
+              <a:cs typeface="Calibri" pitchFamily="34" charset="0"/>
+            </a:endParaRPr>
           </a:p>
         </p:txBody>
       </p:sp>
@@ -19380,7 +19546,8 @@
               <a:solidFill>
                 <a:schemeClr val="tx1"/>
               </a:solidFill>
-              <a:latin typeface="Times New Roman" pitchFamily="18" charset="0"/>
+              <a:latin typeface="Calibri" pitchFamily="34" charset="0"/>
+              <a:cs typeface="Calibri" pitchFamily="34" charset="0"/>
             </a:endParaRPr>
           </a:p>
         </p:txBody>
@@ -19645,11 +19812,12 @@
               <a:buChar char="•"/>
             </a:pPr>
             <a:r>
-              <a:rPr lang="en-IN" sz="1800" dirty="0">
+              <a:rPr lang="en-IN" sz="1600" dirty="0">
                 <a:solidFill>
                   <a:schemeClr val="tx1"/>
                 </a:solidFill>
-                <a:latin typeface="Times New Roman" pitchFamily="18" charset="0"/>
+                <a:latin typeface="Calibri" pitchFamily="34" charset="0"/>
+                <a:cs typeface="Calibri" pitchFamily="34" charset="0"/>
               </a:rPr>
               <a:t>If the agency_name is not present then the new document is created.</a:t>
             </a:r>
@@ -19664,11 +19832,12 @@
               <a:buChar char="•"/>
             </a:pPr>
             <a:r>
-              <a:rPr lang="en-IN" sz="1800" dirty="0">
+              <a:rPr lang="en-IN" sz="1600" dirty="0">
                 <a:solidFill>
                   <a:schemeClr val="tx1"/>
                 </a:solidFill>
-                <a:latin typeface="Times New Roman" pitchFamily="18" charset="0"/>
+                <a:latin typeface="Calibri" pitchFamily="34" charset="0"/>
+                <a:cs typeface="Calibri" pitchFamily="34" charset="0"/>
               </a:rPr>
               <a:t>If the agency_name is present and the form_name is not present in array of forms then it is added to the array and the document is inserted with the same document id</a:t>
             </a:r>
@@ -19683,11 +19852,12 @@
               <a:buChar char="•"/>
             </a:pPr>
             <a:r>
-              <a:rPr lang="en-IN" sz="1800" dirty="0">
+              <a:rPr lang="en-IN" sz="1600" dirty="0">
                 <a:solidFill>
                   <a:schemeClr val="tx1"/>
                 </a:solidFill>
-                <a:latin typeface="Times New Roman" pitchFamily="18" charset="0"/>
+                <a:latin typeface="Calibri" pitchFamily="34" charset="0"/>
+                <a:cs typeface="Calibri" pitchFamily="34" charset="0"/>
               </a:rPr>
               <a:t>Similarly all the data will be inserted in the index</a:t>
             </a:r>
@@ -19701,11 +19871,12 @@
               <a:buFont typeface="Arial" pitchFamily="34" charset="0"/>
               <a:buChar char="•"/>
             </a:pPr>
-            <a:endParaRPr lang="en-IN" sz="1800" dirty="0">
+            <a:endParaRPr lang="en-IN" sz="1600" dirty="0">
               <a:solidFill>
                 <a:schemeClr val="tx1"/>
               </a:solidFill>
-              <a:latin typeface="Times New Roman" pitchFamily="18" charset="0"/>
+              <a:latin typeface="Calibri" pitchFamily="34" charset="0"/>
+              <a:cs typeface="Calibri" pitchFamily="34" charset="0"/>
             </a:endParaRPr>
           </a:p>
         </p:txBody>
@@ -19756,7 +19927,10 @@
           <a:lstStyle/>
           <a:p>
             <a:r>
-              <a:rPr lang="en-IN" dirty="0"/>
+              <a:rPr lang="en-IN" sz="3000" dirty="0">
+                <a:latin typeface="Calibri" pitchFamily="34" charset="0"/>
+                <a:cs typeface="Calibri" pitchFamily="34" charset="0"/>
+              </a:rPr>
               <a:t>Querying</a:t>
             </a:r>
           </a:p>
@@ -20022,11 +20196,12 @@
               <a:buChar char="•"/>
             </a:pPr>
             <a:r>
-              <a:rPr lang="en-IN" sz="1800" dirty="0">
+              <a:rPr lang="en-IN" sz="1600" dirty="0">
                 <a:solidFill>
                   <a:schemeClr val="tx1"/>
                 </a:solidFill>
-                <a:latin typeface="Times New Roman" pitchFamily="18" charset="0"/>
+                <a:latin typeface="Calibri" pitchFamily="34" charset="0"/>
+                <a:cs typeface="Calibri" pitchFamily="34" charset="0"/>
               </a:rPr>
               <a:t>The query is to retrieve agency_name in which there are no id_with_errors</a:t>
             </a:r>
@@ -20041,11 +20216,12 @@
               <a:buChar char="•"/>
             </a:pPr>
             <a:r>
-              <a:rPr lang="en-IN" sz="1800" dirty="0">
+              <a:rPr lang="en-IN" sz="1600" dirty="0">
                 <a:solidFill>
                   <a:schemeClr val="tx1"/>
                 </a:solidFill>
-                <a:latin typeface="Times New Roman" pitchFamily="18" charset="0"/>
+                <a:latin typeface="Calibri" pitchFamily="34" charset="0"/>
+                <a:cs typeface="Calibri" pitchFamily="34" charset="0"/>
               </a:rPr>
               <a:t>I used nested query inside a bool query</a:t>
             </a:r>
@@ -20060,11 +20236,12 @@
               <a:buChar char="•"/>
             </a:pPr>
             <a:r>
-              <a:rPr lang="en-IN" sz="1800" dirty="0">
+              <a:rPr lang="en-IN" sz="1600" dirty="0">
                 <a:solidFill>
                   <a:schemeClr val="tx1"/>
                 </a:solidFill>
-                <a:latin typeface="Times New Roman" pitchFamily="18" charset="0"/>
+                <a:latin typeface="Calibri" pitchFamily="34" charset="0"/>
+                <a:cs typeface="Calibri" pitchFamily="34" charset="0"/>
               </a:rPr>
               <a:t>First checked that there is no id_with_errors in ids and then checked for no forms with failed checks in ids and finally for no form_name failure in forms</a:t>
             </a:r>
@@ -20079,11 +20256,12 @@
               <a:buChar char="•"/>
             </a:pPr>
             <a:r>
-              <a:rPr lang="en-IN" sz="1800" dirty="0">
+              <a:rPr lang="en-IN" sz="1600" dirty="0">
                 <a:solidFill>
                   <a:schemeClr val="tx1"/>
                 </a:solidFill>
-                <a:latin typeface="Times New Roman" pitchFamily="18" charset="0"/>
+                <a:latin typeface="Calibri" pitchFamily="34" charset="0"/>
+                <a:cs typeface="Calibri" pitchFamily="34" charset="0"/>
               </a:rPr>
               <a:t>Similarly other two queries are also done</a:t>
             </a:r>
@@ -20097,11 +20275,12 @@
               <a:buFont typeface="Arial" pitchFamily="34" charset="0"/>
               <a:buChar char="•"/>
             </a:pPr>
-            <a:endParaRPr lang="en-IN" sz="1800" dirty="0">
+            <a:endParaRPr lang="en-IN" sz="1600" dirty="0">
               <a:solidFill>
                 <a:schemeClr val="tx1"/>
               </a:solidFill>
-              <a:latin typeface="Times New Roman" pitchFamily="18" charset="0"/>
+              <a:latin typeface="Calibri" pitchFamily="34" charset="0"/>
+              <a:cs typeface="Calibri" pitchFamily="34" charset="0"/>
             </a:endParaRPr>
           </a:p>
         </p:txBody>
@@ -20206,7 +20385,10 @@
               </a:spcAft>
               <a:buNone/>
             </a:pPr>
-            <a:endParaRPr/>
+            <a:endParaRPr>
+              <a:latin typeface="Calibri" pitchFamily="34" charset="0"/>
+              <a:cs typeface="Calibri" pitchFamily="34" charset="0"/>
+            </a:endParaRPr>
           </a:p>
         </p:txBody>
       </p:sp>
@@ -20275,13 +20457,13 @@
               <a:buNone/>
             </a:pPr>
             <a:r>
-              <a:rPr lang="en" dirty="0">
+              <a:rPr lang="en" sz="3000" dirty="0">
                 <a:latin typeface="Calibri" panose="020F0502020204030204" pitchFamily="34" charset="0"/>
                 <a:cs typeface="Calibri" panose="020F0502020204030204" pitchFamily="34" charset="0"/>
               </a:rPr>
               <a:t>Contents</a:t>
             </a:r>
-            <a:endParaRPr dirty="0">
+            <a:endParaRPr sz="3000" dirty="0">
               <a:latin typeface="Calibri" panose="020F0502020204030204" pitchFamily="34" charset="0"/>
               <a:cs typeface="Calibri" panose="020F0502020204030204" pitchFamily="34" charset="0"/>
             </a:endParaRPr>
@@ -20588,7 +20770,7 @@
               <a:buChar char="•"/>
             </a:pPr>
             <a:r>
-              <a:rPr lang="en-IN" sz="1800" dirty="0">
+              <a:rPr lang="en-IN" sz="1600" dirty="0">
                 <a:solidFill>
                   <a:schemeClr val="tx1"/>
                 </a:solidFill>
@@ -20608,7 +20790,7 @@
               <a:buChar char="•"/>
             </a:pPr>
             <a:r>
-              <a:rPr lang="en-IN" sz="1800" dirty="0">
+              <a:rPr lang="en-IN" sz="1600" dirty="0">
                 <a:solidFill>
                   <a:schemeClr val="tx1"/>
                 </a:solidFill>
@@ -20628,7 +20810,7 @@
               <a:buChar char="•"/>
             </a:pPr>
             <a:r>
-              <a:rPr lang="en-IN" sz="1800" dirty="0">
+              <a:rPr lang="en-IN" sz="1600" dirty="0">
                 <a:solidFill>
                   <a:schemeClr val="tx1"/>
                 </a:solidFill>
@@ -20648,7 +20830,7 @@
               <a:buChar char="•"/>
             </a:pPr>
             <a:r>
-              <a:rPr lang="en-IN" sz="1800" dirty="0">
+              <a:rPr lang="en-IN" sz="1600" dirty="0">
                 <a:solidFill>
                   <a:schemeClr val="tx1"/>
                 </a:solidFill>
@@ -20668,7 +20850,7 @@
               <a:buChar char="•"/>
             </a:pPr>
             <a:r>
-              <a:rPr lang="en-IN" sz="1800" dirty="0">
+              <a:rPr lang="en-IN" sz="1600" dirty="0">
                 <a:solidFill>
                   <a:schemeClr val="tx1"/>
                 </a:solidFill>
@@ -20685,6 +20867,13 @@
   <p:clrMapOvr>
     <a:masterClrMapping/>
   </p:clrMapOvr>
+  <p:timing>
+    <p:tnLst>
+      <p:par>
+        <p:cTn id="1" dur="indefinite" restart="never" nodeType="tmRoot"/>
+      </p:par>
+    </p:tnLst>
+  </p:timing>
 </p:sld>
 </file>
 
@@ -20713,7 +20902,7 @@
         </p:nvSpPr>
         <p:spPr>
           <a:xfrm rot="2700000">
-            <a:off x="3477645" y="1477395"/>
+            <a:off x="4661911" y="1477395"/>
             <a:ext cx="626638" cy="626638"/>
           </a:xfrm>
           <a:prstGeom prst="rect">
@@ -20741,7 +20930,10 @@
               </a:spcAft>
               <a:buNone/>
             </a:pPr>
-            <a:endParaRPr/>
+            <a:endParaRPr>
+              <a:latin typeface="Calibri" pitchFamily="34" charset="0"/>
+              <a:cs typeface="Calibri" pitchFamily="34" charset="0"/>
+            </a:endParaRPr>
           </a:p>
         </p:txBody>
       </p:sp>
@@ -20780,13 +20972,13 @@
               <a:buNone/>
             </a:pPr>
             <a:r>
-              <a:rPr lang="en-IN" dirty="0">
+              <a:rPr lang="en-IN" sz="3000" dirty="0">
                 <a:latin typeface="Calibri" panose="020F0502020204030204" pitchFamily="34" charset="0"/>
                 <a:cs typeface="Calibri" panose="020F0502020204030204" pitchFamily="34" charset="0"/>
               </a:rPr>
               <a:t>Internship</a:t>
             </a:r>
-            <a:endParaRPr dirty="0">
+            <a:endParaRPr sz="3000" dirty="0">
               <a:latin typeface="Calibri" panose="020F0502020204030204" pitchFamily="34" charset="0"/>
               <a:cs typeface="Calibri" panose="020F0502020204030204" pitchFamily="34" charset="0"/>
             </a:endParaRPr>
@@ -20805,7 +20997,7 @@
         </p:nvSpPr>
         <p:spPr>
           <a:xfrm>
-            <a:off x="755576" y="2427734"/>
+            <a:off x="1339072" y="2427734"/>
             <a:ext cx="2080800" cy="487200"/>
           </a:xfrm>
           <a:prstGeom prst="rect">
@@ -20828,13 +21020,13 @@
               <a:buNone/>
             </a:pPr>
             <a:r>
-              <a:rPr lang="en" dirty="0">
+              <a:rPr lang="en" sz="2200" dirty="0">
                 <a:latin typeface="Calibri" panose="020F0502020204030204" pitchFamily="34" charset="0"/>
                 <a:cs typeface="Calibri" panose="020F0502020204030204" pitchFamily="34" charset="0"/>
               </a:rPr>
               <a:t>Project</a:t>
             </a:r>
-            <a:endParaRPr dirty="0">
+            <a:endParaRPr sz="2200" dirty="0">
               <a:latin typeface="Calibri" panose="020F0502020204030204" pitchFamily="34" charset="0"/>
               <a:cs typeface="Calibri" panose="020F0502020204030204" pitchFamily="34" charset="0"/>
             </a:endParaRPr>
@@ -20853,7 +21045,7 @@
         </p:nvSpPr>
         <p:spPr>
           <a:xfrm>
-            <a:off x="2843808" y="2423895"/>
+            <a:off x="4028074" y="2423895"/>
             <a:ext cx="2264648" cy="487200"/>
           </a:xfrm>
           <a:prstGeom prst="rect">
@@ -20876,13 +21068,13 @@
               <a:buNone/>
             </a:pPr>
             <a:r>
-              <a:rPr lang="en" dirty="0">
+              <a:rPr lang="en" sz="2200" dirty="0">
                 <a:latin typeface="Calibri" panose="020F0502020204030204" pitchFamily="34" charset="0"/>
                 <a:cs typeface="Calibri" panose="020F0502020204030204" pitchFamily="34" charset="0"/>
               </a:rPr>
               <a:t>Requirements</a:t>
             </a:r>
-            <a:endParaRPr dirty="0">
+            <a:endParaRPr sz="2200" dirty="0">
               <a:latin typeface="Calibri" panose="020F0502020204030204" pitchFamily="34" charset="0"/>
               <a:cs typeface="Calibri" panose="020F0502020204030204" pitchFamily="34" charset="0"/>
             </a:endParaRPr>
@@ -20901,7 +21093,7 @@
         </p:nvSpPr>
         <p:spPr>
           <a:xfrm>
-            <a:off x="611560" y="3003798"/>
+            <a:off x="1123348" y="3075806"/>
             <a:ext cx="2080500" cy="720080"/>
           </a:xfrm>
           <a:prstGeom prst="rect">
@@ -20949,7 +21141,7 @@
         </p:nvSpPr>
         <p:spPr>
           <a:xfrm>
-            <a:off x="2811670" y="3075806"/>
+            <a:off x="3995936" y="3075806"/>
             <a:ext cx="2624426" cy="1221674"/>
           </a:xfrm>
           <a:prstGeom prst="rect">
@@ -21007,53 +21199,13 @@
       </p:sp>
       <p:sp>
         <p:nvSpPr>
-          <p:cNvPr id="635" name="Google Shape;635;p60"/>
-          <p:cNvSpPr/>
-          <p:nvPr/>
-        </p:nvSpPr>
-        <p:spPr>
-          <a:xfrm rot="2700000">
-            <a:off x="5781901" y="1527299"/>
-            <a:ext cx="626638" cy="626638"/>
-          </a:xfrm>
-          <a:prstGeom prst="rect">
-            <a:avLst/>
-          </a:prstGeom>
-          <a:solidFill>
-            <a:schemeClr val="dk2"/>
-          </a:solidFill>
-          <a:ln>
-            <a:noFill/>
-          </a:ln>
-        </p:spPr>
-        <p:txBody>
-          <a:bodyPr spcFirstLastPara="1" wrap="square" lIns="91425" tIns="91425" rIns="91425" bIns="91425" anchor="ctr" anchorCtr="0">
-            <a:noAutofit/>
-          </a:bodyPr>
-          <a:lstStyle/>
-          <a:p>
-            <a:pPr marL="0" lvl="0" indent="0" algn="l" rtl="0">
-              <a:spcBef>
-                <a:spcPts val="0"/>
-              </a:spcBef>
-              <a:spcAft>
-                <a:spcPts val="0"/>
-              </a:spcAft>
-              <a:buNone/>
-            </a:pPr>
-            <a:endParaRPr/>
-          </a:p>
-        </p:txBody>
-      </p:sp>
-      <p:sp>
-        <p:nvSpPr>
           <p:cNvPr id="636" name="Google Shape;636;p60"/>
           <p:cNvSpPr/>
           <p:nvPr/>
         </p:nvSpPr>
         <p:spPr>
           <a:xfrm rot="2700000">
-            <a:off x="976656" y="1477395"/>
+            <a:off x="1511325" y="1477395"/>
             <a:ext cx="626638" cy="626638"/>
           </a:xfrm>
           <a:prstGeom prst="rect">
@@ -21081,7 +21233,10 @@
               </a:spcAft>
               <a:buNone/>
             </a:pPr>
-            <a:endParaRPr/>
+            <a:endParaRPr>
+              <a:latin typeface="Calibri" pitchFamily="34" charset="0"/>
+              <a:cs typeface="Calibri" pitchFamily="34" charset="0"/>
+            </a:endParaRPr>
           </a:p>
         </p:txBody>
       </p:sp>
@@ -21093,7 +21248,7 @@
         </p:nvGrpSpPr>
         <p:grpSpPr>
           <a:xfrm>
-            <a:off x="1100400" y="1635646"/>
+            <a:off x="1635069" y="1635646"/>
             <a:ext cx="379147" cy="375495"/>
             <a:chOff x="3860250" y="1427025"/>
             <a:chExt cx="487900" cy="483200"/>
@@ -21424,6 +21579,8 @@
                 <a:solidFill>
                   <a:srgbClr val="435D74"/>
                 </a:solidFill>
+                <a:latin typeface="Calibri" pitchFamily="34" charset="0"/>
+                <a:cs typeface="Calibri" pitchFamily="34" charset="0"/>
               </a:endParaRPr>
             </a:p>
           </p:txBody>
@@ -21511,6 +21668,8 @@
                 <a:solidFill>
                   <a:srgbClr val="435D74"/>
                 </a:solidFill>
+                <a:latin typeface="Calibri" pitchFamily="34" charset="0"/>
+                <a:cs typeface="Calibri" pitchFamily="34" charset="0"/>
               </a:endParaRPr>
             </a:p>
           </p:txBody>
@@ -21603,6 +21762,8 @@
                 <a:solidFill>
                   <a:srgbClr val="435D74"/>
                 </a:solidFill>
+                <a:latin typeface="Calibri" pitchFamily="34" charset="0"/>
+                <a:cs typeface="Calibri" pitchFamily="34" charset="0"/>
               </a:endParaRPr>
             </a:p>
           </p:txBody>
@@ -21616,7 +21777,7 @@
         </p:nvSpPr>
         <p:spPr>
           <a:xfrm>
-            <a:off x="3607094" y="1619910"/>
+            <a:off x="4791360" y="1619910"/>
             <a:ext cx="379147" cy="375456"/>
           </a:xfrm>
           <a:custGeom>
@@ -22046,6 +22207,8 @@
               <a:solidFill>
                 <a:srgbClr val="435D74"/>
               </a:solidFill>
+              <a:latin typeface="Calibri" pitchFamily="34" charset="0"/>
+              <a:cs typeface="Calibri" pitchFamily="34" charset="0"/>
             </a:endParaRPr>
           </a:p>
         </p:txBody>
@@ -22086,650 +22249,25 @@
               </a:spcAft>
               <a:buNone/>
             </a:pPr>
-            <a:endParaRPr/>
+            <a:endParaRPr>
+              <a:latin typeface="Calibri" pitchFamily="34" charset="0"/>
+              <a:cs typeface="Calibri" pitchFamily="34" charset="0"/>
+            </a:endParaRPr>
           </a:p>
         </p:txBody>
       </p:sp>
-      <p:grpSp>
-        <p:nvGrpSpPr>
-          <p:cNvPr id="30" name="Google Shape;10187;p116"/>
-          <p:cNvGrpSpPr/>
-          <p:nvPr/>
-        </p:nvGrpSpPr>
-        <p:grpSpPr>
-          <a:xfrm>
-            <a:off x="5940152" y="1663782"/>
-            <a:ext cx="352230" cy="348542"/>
-            <a:chOff x="1049375" y="2318350"/>
-            <a:chExt cx="298525" cy="295400"/>
-          </a:xfrm>
-        </p:grpSpPr>
-        <p:sp>
-          <p:nvSpPr>
-            <p:cNvPr id="31" name="Google Shape;10188;p116"/>
-            <p:cNvSpPr/>
-            <p:nvPr/>
-          </p:nvSpPr>
-          <p:spPr>
-            <a:xfrm>
-              <a:off x="1101350" y="2492325"/>
-              <a:ext cx="70125" cy="50525"/>
-            </a:xfrm>
-            <a:custGeom>
-              <a:avLst/>
-              <a:gdLst/>
-              <a:ahLst/>
-              <a:cxnLst/>
-              <a:rect l="l" t="t" r="r" b="b"/>
-              <a:pathLst>
-                <a:path w="2805" h="2021" extrusionOk="0">
-                  <a:moveTo>
-                    <a:pt x="2473" y="0"/>
-                  </a:moveTo>
-                  <a:cubicBezTo>
-                    <a:pt x="2377" y="0"/>
-                    <a:pt x="2273" y="32"/>
-                    <a:pt x="2206" y="99"/>
-                  </a:cubicBezTo>
-                  <a:lnTo>
-                    <a:pt x="1072" y="1233"/>
-                  </a:lnTo>
-                  <a:lnTo>
-                    <a:pt x="599" y="761"/>
-                  </a:lnTo>
-                  <a:cubicBezTo>
-                    <a:pt x="536" y="713"/>
-                    <a:pt x="449" y="690"/>
-                    <a:pt x="363" y="690"/>
-                  </a:cubicBezTo>
-                  <a:cubicBezTo>
-                    <a:pt x="276" y="690"/>
-                    <a:pt x="189" y="713"/>
-                    <a:pt x="126" y="761"/>
-                  </a:cubicBezTo>
-                  <a:cubicBezTo>
-                    <a:pt x="0" y="887"/>
-                    <a:pt x="0" y="1139"/>
-                    <a:pt x="126" y="1233"/>
-                  </a:cubicBezTo>
-                  <a:lnTo>
-                    <a:pt x="820" y="1958"/>
-                  </a:lnTo>
-                  <a:cubicBezTo>
-                    <a:pt x="914" y="2021"/>
-                    <a:pt x="977" y="2021"/>
-                    <a:pt x="1072" y="2021"/>
-                  </a:cubicBezTo>
-                  <a:cubicBezTo>
-                    <a:pt x="1135" y="2021"/>
-                    <a:pt x="1261" y="1989"/>
-                    <a:pt x="1292" y="1926"/>
-                  </a:cubicBezTo>
-                  <a:lnTo>
-                    <a:pt x="2678" y="540"/>
-                  </a:lnTo>
-                  <a:cubicBezTo>
-                    <a:pt x="2804" y="414"/>
-                    <a:pt x="2804" y="162"/>
-                    <a:pt x="2678" y="68"/>
-                  </a:cubicBezTo>
-                  <a:cubicBezTo>
-                    <a:pt x="2634" y="24"/>
-                    <a:pt x="2557" y="0"/>
-                    <a:pt x="2473" y="0"/>
-                  </a:cubicBezTo>
-                  <a:close/>
-                </a:path>
-              </a:pathLst>
-            </a:custGeom>
-            <a:solidFill>
-              <a:schemeClr val="tx1"/>
-            </a:solidFill>
-            <a:ln>
-              <a:noFill/>
-            </a:ln>
-          </p:spPr>
-          <p:txBody>
-            <a:bodyPr spcFirstLastPara="1" wrap="square" lIns="91425" tIns="91425" rIns="91425" bIns="91425" anchor="ctr" anchorCtr="0">
-              <a:noAutofit/>
-            </a:bodyPr>
-            <a:lstStyle/>
-            <a:p>
-              <a:pPr marL="0" lvl="0" indent="0" algn="l" rtl="0">
-                <a:spcBef>
-                  <a:spcPts val="0"/>
-                </a:spcBef>
-                <a:spcAft>
-                  <a:spcPts val="0"/>
-                </a:spcAft>
-                <a:buNone/>
-              </a:pPr>
-              <a:endParaRPr/>
-            </a:p>
-          </p:txBody>
-        </p:sp>
-        <p:sp>
-          <p:nvSpPr>
-            <p:cNvPr id="32" name="Google Shape;10189;p116"/>
-            <p:cNvSpPr/>
-            <p:nvPr/>
-          </p:nvSpPr>
-          <p:spPr>
-            <a:xfrm>
-              <a:off x="1101350" y="2440525"/>
-              <a:ext cx="70125" cy="51150"/>
-            </a:xfrm>
-            <a:custGeom>
-              <a:avLst/>
-              <a:gdLst/>
-              <a:ahLst/>
-              <a:cxnLst/>
-              <a:rect l="l" t="t" r="r" b="b"/>
-              <a:pathLst>
-                <a:path w="2805" h="2046" extrusionOk="0">
-                  <a:moveTo>
-                    <a:pt x="2469" y="1"/>
-                  </a:moveTo>
-                  <a:cubicBezTo>
-                    <a:pt x="2374" y="1"/>
-                    <a:pt x="2272" y="40"/>
-                    <a:pt x="2206" y="123"/>
-                  </a:cubicBezTo>
-                  <a:lnTo>
-                    <a:pt x="1072" y="1257"/>
-                  </a:lnTo>
-                  <a:lnTo>
-                    <a:pt x="599" y="785"/>
-                  </a:lnTo>
-                  <a:cubicBezTo>
-                    <a:pt x="536" y="738"/>
-                    <a:pt x="449" y="714"/>
-                    <a:pt x="363" y="714"/>
-                  </a:cubicBezTo>
-                  <a:cubicBezTo>
-                    <a:pt x="276" y="714"/>
-                    <a:pt x="189" y="738"/>
-                    <a:pt x="126" y="785"/>
-                  </a:cubicBezTo>
-                  <a:cubicBezTo>
-                    <a:pt x="0" y="911"/>
-                    <a:pt x="0" y="1163"/>
-                    <a:pt x="126" y="1257"/>
-                  </a:cubicBezTo>
-                  <a:lnTo>
-                    <a:pt x="820" y="1982"/>
-                  </a:lnTo>
-                  <a:cubicBezTo>
-                    <a:pt x="914" y="2045"/>
-                    <a:pt x="977" y="2045"/>
-                    <a:pt x="1072" y="2045"/>
-                  </a:cubicBezTo>
-                  <a:cubicBezTo>
-                    <a:pt x="1135" y="2045"/>
-                    <a:pt x="1261" y="2014"/>
-                    <a:pt x="1292" y="1951"/>
-                  </a:cubicBezTo>
-                  <a:lnTo>
-                    <a:pt x="2678" y="564"/>
-                  </a:lnTo>
-                  <a:cubicBezTo>
-                    <a:pt x="2804" y="438"/>
-                    <a:pt x="2804" y="186"/>
-                    <a:pt x="2678" y="92"/>
-                  </a:cubicBezTo>
-                  <a:cubicBezTo>
-                    <a:pt x="2634" y="32"/>
-                    <a:pt x="2554" y="1"/>
-                    <a:pt x="2469" y="1"/>
-                  </a:cubicBezTo>
-                  <a:close/>
-                </a:path>
-              </a:pathLst>
-            </a:custGeom>
-            <a:solidFill>
-              <a:schemeClr val="tx1"/>
-            </a:solidFill>
-            <a:ln>
-              <a:noFill/>
-            </a:ln>
-          </p:spPr>
-          <p:txBody>
-            <a:bodyPr spcFirstLastPara="1" wrap="square" lIns="91425" tIns="91425" rIns="91425" bIns="91425" anchor="ctr" anchorCtr="0">
-              <a:noAutofit/>
-            </a:bodyPr>
-            <a:lstStyle/>
-            <a:p>
-              <a:pPr marL="0" lvl="0" indent="0" algn="l" rtl="0">
-                <a:spcBef>
-                  <a:spcPts val="0"/>
-                </a:spcBef>
-                <a:spcAft>
-                  <a:spcPts val="0"/>
-                </a:spcAft>
-                <a:buNone/>
-              </a:pPr>
-              <a:endParaRPr/>
-            </a:p>
-          </p:txBody>
-        </p:sp>
-        <p:sp>
-          <p:nvSpPr>
-            <p:cNvPr id="33" name="Google Shape;10190;p116"/>
-            <p:cNvSpPr/>
-            <p:nvPr/>
-          </p:nvSpPr>
-          <p:spPr>
-            <a:xfrm>
-              <a:off x="1101350" y="2388550"/>
-              <a:ext cx="70125" cy="51125"/>
-            </a:xfrm>
-            <a:custGeom>
-              <a:avLst/>
-              <a:gdLst/>
-              <a:ahLst/>
-              <a:cxnLst/>
-              <a:rect l="l" t="t" r="r" b="b"/>
-              <a:pathLst>
-                <a:path w="2805" h="2045" extrusionOk="0">
-                  <a:moveTo>
-                    <a:pt x="2469" y="1"/>
-                  </a:moveTo>
-                  <a:cubicBezTo>
-                    <a:pt x="2374" y="1"/>
-                    <a:pt x="2272" y="40"/>
-                    <a:pt x="2206" y="123"/>
-                  </a:cubicBezTo>
-                  <a:lnTo>
-                    <a:pt x="1072" y="1257"/>
-                  </a:lnTo>
-                  <a:lnTo>
-                    <a:pt x="599" y="785"/>
-                  </a:lnTo>
-                  <a:cubicBezTo>
-                    <a:pt x="536" y="722"/>
-                    <a:pt x="449" y="690"/>
-                    <a:pt x="363" y="690"/>
-                  </a:cubicBezTo>
-                  <a:cubicBezTo>
-                    <a:pt x="276" y="690"/>
-                    <a:pt x="189" y="722"/>
-                    <a:pt x="126" y="785"/>
-                  </a:cubicBezTo>
-                  <a:cubicBezTo>
-                    <a:pt x="0" y="911"/>
-                    <a:pt x="0" y="1131"/>
-                    <a:pt x="126" y="1257"/>
-                  </a:cubicBezTo>
-                  <a:lnTo>
-                    <a:pt x="820" y="1982"/>
-                  </a:lnTo>
-                  <a:cubicBezTo>
-                    <a:pt x="914" y="2045"/>
-                    <a:pt x="977" y="2045"/>
-                    <a:pt x="1072" y="2045"/>
-                  </a:cubicBezTo>
-                  <a:cubicBezTo>
-                    <a:pt x="1135" y="2045"/>
-                    <a:pt x="1261" y="2013"/>
-                    <a:pt x="1292" y="1919"/>
-                  </a:cubicBezTo>
-                  <a:lnTo>
-                    <a:pt x="2678" y="532"/>
-                  </a:lnTo>
-                  <a:cubicBezTo>
-                    <a:pt x="2804" y="438"/>
-                    <a:pt x="2804" y="186"/>
-                    <a:pt x="2678" y="91"/>
-                  </a:cubicBezTo>
-                  <a:cubicBezTo>
-                    <a:pt x="2634" y="32"/>
-                    <a:pt x="2554" y="1"/>
-                    <a:pt x="2469" y="1"/>
-                  </a:cubicBezTo>
-                  <a:close/>
-                </a:path>
-              </a:pathLst>
-            </a:custGeom>
-            <a:solidFill>
-              <a:schemeClr val="tx1"/>
-            </a:solidFill>
-            <a:ln>
-              <a:noFill/>
-            </a:ln>
-          </p:spPr>
-          <p:txBody>
-            <a:bodyPr spcFirstLastPara="1" wrap="square" lIns="91425" tIns="91425" rIns="91425" bIns="91425" anchor="ctr" anchorCtr="0">
-              <a:noAutofit/>
-            </a:bodyPr>
-            <a:lstStyle/>
-            <a:p>
-              <a:pPr marL="0" lvl="0" indent="0" algn="l" rtl="0">
-                <a:spcBef>
-                  <a:spcPts val="0"/>
-                </a:spcBef>
-                <a:spcAft>
-                  <a:spcPts val="0"/>
-                </a:spcAft>
-                <a:buNone/>
-              </a:pPr>
-              <a:endParaRPr/>
-            </a:p>
-          </p:txBody>
-        </p:sp>
-        <p:sp>
-          <p:nvSpPr>
-            <p:cNvPr id="34" name="Google Shape;10191;p116"/>
-            <p:cNvSpPr/>
-            <p:nvPr/>
-          </p:nvSpPr>
-          <p:spPr>
-            <a:xfrm>
-              <a:off x="1049375" y="2318350"/>
-              <a:ext cx="298525" cy="295400"/>
-            </a:xfrm>
-            <a:custGeom>
-              <a:avLst/>
-              <a:gdLst/>
-              <a:ahLst/>
-              <a:cxnLst/>
-              <a:rect l="l" t="t" r="r" b="b"/>
-              <a:pathLst>
-                <a:path w="11941" h="11816" extrusionOk="0">
-                  <a:moveTo>
-                    <a:pt x="6963" y="1198"/>
-                  </a:moveTo>
-                  <a:lnTo>
-                    <a:pt x="7876" y="2143"/>
-                  </a:lnTo>
-                  <a:lnTo>
-                    <a:pt x="6963" y="2143"/>
-                  </a:lnTo>
-                  <a:lnTo>
-                    <a:pt x="6963" y="1198"/>
-                  </a:lnTo>
-                  <a:close/>
-                  <a:moveTo>
-                    <a:pt x="10286" y="3498"/>
-                  </a:moveTo>
-                  <a:cubicBezTo>
-                    <a:pt x="10373" y="3498"/>
-                    <a:pt x="10460" y="3530"/>
-                    <a:pt x="10523" y="3593"/>
-                  </a:cubicBezTo>
-                  <a:lnTo>
-                    <a:pt x="10995" y="4065"/>
-                  </a:lnTo>
-                  <a:cubicBezTo>
-                    <a:pt x="11184" y="4223"/>
-                    <a:pt x="11184" y="4475"/>
-                    <a:pt x="11027" y="4569"/>
-                  </a:cubicBezTo>
-                  <a:lnTo>
-                    <a:pt x="10806" y="4821"/>
-                  </a:lnTo>
-                  <a:lnTo>
-                    <a:pt x="9798" y="3845"/>
-                  </a:lnTo>
-                  <a:lnTo>
-                    <a:pt x="10050" y="3593"/>
-                  </a:lnTo>
-                  <a:cubicBezTo>
-                    <a:pt x="10113" y="3530"/>
-                    <a:pt x="10200" y="3498"/>
-                    <a:pt x="10286" y="3498"/>
-                  </a:cubicBezTo>
-                  <a:close/>
-                  <a:moveTo>
-                    <a:pt x="9294" y="4349"/>
-                  </a:moveTo>
-                  <a:lnTo>
-                    <a:pt x="10271" y="5325"/>
-                  </a:lnTo>
-                  <a:lnTo>
-                    <a:pt x="7845" y="7783"/>
-                  </a:lnTo>
-                  <a:lnTo>
-                    <a:pt x="6868" y="6774"/>
-                  </a:lnTo>
-                  <a:lnTo>
-                    <a:pt x="9294" y="4349"/>
-                  </a:lnTo>
-                  <a:close/>
-                  <a:moveTo>
-                    <a:pt x="6585" y="7499"/>
-                  </a:moveTo>
-                  <a:lnTo>
-                    <a:pt x="7183" y="8098"/>
-                  </a:lnTo>
-                  <a:lnTo>
-                    <a:pt x="6427" y="8255"/>
-                  </a:lnTo>
-                  <a:lnTo>
-                    <a:pt x="6585" y="7499"/>
-                  </a:lnTo>
-                  <a:close/>
-                  <a:moveTo>
-                    <a:pt x="6994" y="10398"/>
-                  </a:moveTo>
-                  <a:lnTo>
-                    <a:pt x="6994" y="10776"/>
-                  </a:lnTo>
-                  <a:cubicBezTo>
-                    <a:pt x="6994" y="10870"/>
-                    <a:pt x="7057" y="10996"/>
-                    <a:pt x="7089" y="11122"/>
-                  </a:cubicBezTo>
-                  <a:lnTo>
-                    <a:pt x="1071" y="11122"/>
-                  </a:lnTo>
-                  <a:cubicBezTo>
-                    <a:pt x="882" y="11122"/>
-                    <a:pt x="693" y="10965"/>
-                    <a:pt x="693" y="10776"/>
-                  </a:cubicBezTo>
-                  <a:lnTo>
-                    <a:pt x="693" y="10398"/>
-                  </a:lnTo>
-                  <a:close/>
-                  <a:moveTo>
-                    <a:pt x="6270" y="663"/>
-                  </a:moveTo>
-                  <a:lnTo>
-                    <a:pt x="6270" y="2458"/>
-                  </a:lnTo>
-                  <a:cubicBezTo>
-                    <a:pt x="6270" y="2647"/>
-                    <a:pt x="6427" y="2805"/>
-                    <a:pt x="6616" y="2805"/>
-                  </a:cubicBezTo>
-                  <a:lnTo>
-                    <a:pt x="8349" y="2805"/>
-                  </a:lnTo>
-                  <a:lnTo>
-                    <a:pt x="8349" y="4286"/>
-                  </a:lnTo>
-                  <a:lnTo>
-                    <a:pt x="6112" y="6554"/>
-                  </a:lnTo>
-                  <a:cubicBezTo>
-                    <a:pt x="6081" y="6585"/>
-                    <a:pt x="6018" y="6680"/>
-                    <a:pt x="6018" y="6711"/>
-                  </a:cubicBezTo>
-                  <a:lnTo>
-                    <a:pt x="5608" y="8633"/>
-                  </a:lnTo>
-                  <a:cubicBezTo>
-                    <a:pt x="5545" y="8759"/>
-                    <a:pt x="5608" y="8885"/>
-                    <a:pt x="5671" y="8948"/>
-                  </a:cubicBezTo>
-                  <a:cubicBezTo>
-                    <a:pt x="5742" y="9019"/>
-                    <a:pt x="5813" y="9055"/>
-                    <a:pt x="5897" y="9055"/>
-                  </a:cubicBezTo>
-                  <a:cubicBezTo>
-                    <a:pt x="5925" y="9055"/>
-                    <a:pt x="5955" y="9051"/>
-                    <a:pt x="5986" y="9043"/>
-                  </a:cubicBezTo>
-                  <a:lnTo>
-                    <a:pt x="7908" y="8602"/>
-                  </a:lnTo>
-                  <a:cubicBezTo>
-                    <a:pt x="8002" y="8602"/>
-                    <a:pt x="8034" y="8570"/>
-                    <a:pt x="8065" y="8507"/>
-                  </a:cubicBezTo>
-                  <a:lnTo>
-                    <a:pt x="8349" y="8255"/>
-                  </a:lnTo>
-                  <a:lnTo>
-                    <a:pt x="8349" y="10807"/>
-                  </a:lnTo>
-                  <a:lnTo>
-                    <a:pt x="8380" y="10807"/>
-                  </a:lnTo>
-                  <a:cubicBezTo>
-                    <a:pt x="8380" y="10996"/>
-                    <a:pt x="8223" y="11154"/>
-                    <a:pt x="8034" y="11154"/>
-                  </a:cubicBezTo>
-                  <a:cubicBezTo>
-                    <a:pt x="7845" y="11154"/>
-                    <a:pt x="7687" y="10996"/>
-                    <a:pt x="7687" y="10807"/>
-                  </a:cubicBezTo>
-                  <a:lnTo>
-                    <a:pt x="7687" y="10083"/>
-                  </a:lnTo>
-                  <a:cubicBezTo>
-                    <a:pt x="7687" y="9893"/>
-                    <a:pt x="7530" y="9736"/>
-                    <a:pt x="7309" y="9736"/>
-                  </a:cubicBezTo>
-                  <a:lnTo>
-                    <a:pt x="1386" y="9736"/>
-                  </a:lnTo>
-                  <a:lnTo>
-                    <a:pt x="1386" y="663"/>
-                  </a:lnTo>
-                  <a:close/>
-                  <a:moveTo>
-                    <a:pt x="1071" y="1"/>
-                  </a:moveTo>
-                  <a:cubicBezTo>
-                    <a:pt x="882" y="1"/>
-                    <a:pt x="693" y="158"/>
-                    <a:pt x="693" y="379"/>
-                  </a:cubicBezTo>
-                  <a:lnTo>
-                    <a:pt x="693" y="9736"/>
-                  </a:lnTo>
-                  <a:lnTo>
-                    <a:pt x="347" y="9736"/>
-                  </a:lnTo>
-                  <a:cubicBezTo>
-                    <a:pt x="158" y="9736"/>
-                    <a:pt x="0" y="9893"/>
-                    <a:pt x="0" y="10083"/>
-                  </a:cubicBezTo>
-                  <a:lnTo>
-                    <a:pt x="0" y="10807"/>
-                  </a:lnTo>
-                  <a:cubicBezTo>
-                    <a:pt x="0" y="11406"/>
-                    <a:pt x="473" y="11815"/>
-                    <a:pt x="1008" y="11815"/>
-                  </a:cubicBezTo>
-                  <a:lnTo>
-                    <a:pt x="8002" y="11815"/>
-                  </a:lnTo>
-                  <a:cubicBezTo>
-                    <a:pt x="8569" y="11815"/>
-                    <a:pt x="9011" y="11343"/>
-                    <a:pt x="9011" y="10807"/>
-                  </a:cubicBezTo>
-                  <a:lnTo>
-                    <a:pt x="9011" y="7562"/>
-                  </a:lnTo>
-                  <a:lnTo>
-                    <a:pt x="11499" y="5105"/>
-                  </a:lnTo>
-                  <a:cubicBezTo>
-                    <a:pt x="11940" y="4664"/>
-                    <a:pt x="11940" y="4034"/>
-                    <a:pt x="11531" y="3593"/>
-                  </a:cubicBezTo>
-                  <a:lnTo>
-                    <a:pt x="11058" y="3120"/>
-                  </a:lnTo>
-                  <a:cubicBezTo>
-                    <a:pt x="10869" y="2931"/>
-                    <a:pt x="10609" y="2836"/>
-                    <a:pt x="10346" y="2836"/>
-                  </a:cubicBezTo>
-                  <a:cubicBezTo>
-                    <a:pt x="10082" y="2836"/>
-                    <a:pt x="9814" y="2931"/>
-                    <a:pt x="9609" y="3120"/>
-                  </a:cubicBezTo>
-                  <a:lnTo>
-                    <a:pt x="9105" y="3624"/>
-                  </a:lnTo>
-                  <a:lnTo>
-                    <a:pt x="9105" y="2490"/>
-                  </a:lnTo>
-                  <a:cubicBezTo>
-                    <a:pt x="9105" y="2427"/>
-                    <a:pt x="9074" y="2332"/>
-                    <a:pt x="8979" y="2269"/>
-                  </a:cubicBezTo>
-                  <a:lnTo>
-                    <a:pt x="6900" y="127"/>
-                  </a:lnTo>
-                  <a:cubicBezTo>
-                    <a:pt x="6805" y="64"/>
-                    <a:pt x="6742" y="1"/>
-                    <a:pt x="6648" y="1"/>
-                  </a:cubicBezTo>
-                  <a:close/>
-                </a:path>
-              </a:pathLst>
-            </a:custGeom>
-            <a:solidFill>
-              <a:schemeClr val="tx1"/>
-            </a:solidFill>
-            <a:ln>
-              <a:noFill/>
-            </a:ln>
-          </p:spPr>
-          <p:txBody>
-            <a:bodyPr spcFirstLastPara="1" wrap="square" lIns="91425" tIns="91425" rIns="91425" bIns="91425" anchor="ctr" anchorCtr="0">
-              <a:noAutofit/>
-            </a:bodyPr>
-            <a:lstStyle/>
-            <a:p>
-              <a:pPr marL="0" lvl="0" indent="0" algn="l" rtl="0">
-                <a:spcBef>
-                  <a:spcPts val="0"/>
-                </a:spcBef>
-                <a:spcAft>
-                  <a:spcPts val="0"/>
-                </a:spcAft>
-                <a:buNone/>
-              </a:pPr>
-              <a:endParaRPr/>
-            </a:p>
-          </p:txBody>
-        </p:sp>
-      </p:grpSp>
     </p:spTree>
   </p:cSld>
   <p:clrMapOvr>
     <a:masterClrMapping/>
   </p:clrMapOvr>
+  <p:timing>
+    <p:tnLst>
+      <p:par>
+        <p:cTn id="1" dur="indefinite" restart="never" nodeType="tmRoot"/>
+      </p:par>
+    </p:tnLst>
+  </p:timing>
 </p:sld>
 </file>
 
@@ -22785,10 +22323,16 @@
               <a:buNone/>
             </a:pPr>
             <a:r>
-              <a:rPr lang="en" dirty="0"/>
+              <a:rPr lang="en" sz="3000" dirty="0">
+                <a:latin typeface="Calibri" pitchFamily="34" charset="0"/>
+                <a:cs typeface="Calibri" pitchFamily="34" charset="0"/>
+              </a:rPr>
               <a:t>Technical stack</a:t>
             </a:r>
-            <a:endParaRPr dirty="0"/>
+            <a:endParaRPr sz="3000" dirty="0">
+              <a:latin typeface="Calibri" pitchFamily="34" charset="0"/>
+              <a:cs typeface="Calibri" pitchFamily="34" charset="0"/>
+            </a:endParaRPr>
           </a:p>
         </p:txBody>
       </p:sp>
@@ -22828,12 +22372,14 @@
             </a:pPr>
             <a:r>
               <a:rPr lang="en-IN" dirty="0">
-                <a:latin typeface="Times New Roman" pitchFamily="18" charset="0"/>
+                <a:latin typeface="Calibri" pitchFamily="34" charset="0"/>
+                <a:cs typeface="Calibri" pitchFamily="34" charset="0"/>
               </a:rPr>
               <a:t>Implementing elastic search to storing 2D data</a:t>
             </a:r>
             <a:endParaRPr dirty="0">
-              <a:latin typeface="Times New Roman" pitchFamily="18" charset="0"/>
+              <a:latin typeface="Calibri" pitchFamily="34" charset="0"/>
+              <a:cs typeface="Calibri" pitchFamily="34" charset="0"/>
             </a:endParaRPr>
           </a:p>
         </p:txBody>
@@ -22874,12 +22420,14 @@
             </a:pPr>
             <a:r>
               <a:rPr lang="en" dirty="0">
-                <a:latin typeface="Times New Roman" pitchFamily="18" charset="0"/>
+                <a:latin typeface="Calibri" pitchFamily="34" charset="0"/>
+                <a:cs typeface="Calibri" pitchFamily="34" charset="0"/>
               </a:rPr>
               <a:t>Understand DB like OpenSearch, DynamoDB and Aurora DB</a:t>
             </a:r>
             <a:endParaRPr dirty="0">
-              <a:latin typeface="Times New Roman" pitchFamily="18" charset="0"/>
+              <a:latin typeface="Calibri" pitchFamily="34" charset="0"/>
+              <a:cs typeface="Calibri" pitchFamily="34" charset="0"/>
             </a:endParaRPr>
           </a:p>
         </p:txBody>
@@ -22920,12 +22468,14 @@
             </a:pPr>
             <a:r>
               <a:rPr lang="en-IN" dirty="0">
-                <a:latin typeface="Times New Roman" pitchFamily="18" charset="0"/>
+                <a:latin typeface="Calibri" pitchFamily="34" charset="0"/>
+                <a:cs typeface="Calibri" pitchFamily="34" charset="0"/>
               </a:rPr>
               <a:t>boto3,pandas,open search</a:t>
             </a:r>
             <a:endParaRPr dirty="0">
-              <a:latin typeface="Times New Roman" pitchFamily="18" charset="0"/>
+              <a:latin typeface="Calibri" pitchFamily="34" charset="0"/>
+              <a:cs typeface="Calibri" pitchFamily="34" charset="0"/>
             </a:endParaRPr>
           </a:p>
         </p:txBody>
@@ -22966,12 +22516,14 @@
             </a:pPr>
             <a:r>
               <a:rPr lang="en" dirty="0">
-                <a:latin typeface="Times New Roman" pitchFamily="18" charset="0"/>
+                <a:latin typeface="Calibri" pitchFamily="34" charset="0"/>
+                <a:cs typeface="Calibri" pitchFamily="34" charset="0"/>
               </a:rPr>
               <a:t>Understand and implement pytests to increase test coverage</a:t>
             </a:r>
             <a:endParaRPr dirty="0">
-              <a:latin typeface="Times New Roman" pitchFamily="18" charset="0"/>
+              <a:latin typeface="Calibri" pitchFamily="34" charset="0"/>
+              <a:cs typeface="Calibri" pitchFamily="34" charset="0"/>
             </a:endParaRPr>
           </a:p>
         </p:txBody>
@@ -23012,7 +22564,8 @@
             </a:pPr>
             <a:r>
               <a:rPr lang="en-IN" dirty="0">
-                <a:latin typeface="Times New Roman" pitchFamily="18" charset="0"/>
+                <a:latin typeface="Calibri" pitchFamily="34" charset="0"/>
+                <a:cs typeface="Calibri" pitchFamily="34" charset="0"/>
               </a:rPr>
               <a:t>JIRA (Story management),</a:t>
             </a:r>
@@ -23029,12 +22582,14 @@
             </a:pPr>
             <a:r>
               <a:rPr lang="en-IN" dirty="0">
-                <a:latin typeface="Times New Roman" pitchFamily="18" charset="0"/>
+                <a:latin typeface="Calibri" pitchFamily="34" charset="0"/>
+                <a:cs typeface="Calibri" pitchFamily="34" charset="0"/>
               </a:rPr>
               <a:t>GIT (code versioning)</a:t>
             </a:r>
             <a:endParaRPr dirty="0">
-              <a:latin typeface="Times New Roman" pitchFamily="18" charset="0"/>
+              <a:latin typeface="Calibri" pitchFamily="34" charset="0"/>
+              <a:cs typeface="Calibri" pitchFamily="34" charset="0"/>
             </a:endParaRPr>
           </a:p>
         </p:txBody>
@@ -23075,12 +22630,14 @@
             </a:pPr>
             <a:r>
               <a:rPr lang="en-IN" dirty="0">
-                <a:latin typeface="Times New Roman" pitchFamily="18" charset="0"/>
+                <a:latin typeface="Calibri" pitchFamily="34" charset="0"/>
+                <a:cs typeface="Calibri" pitchFamily="34" charset="0"/>
               </a:rPr>
               <a:t>AWS serverless services like Lambda,S3,SQS,SES</a:t>
             </a:r>
             <a:endParaRPr dirty="0">
-              <a:latin typeface="Times New Roman" pitchFamily="18" charset="0"/>
+              <a:latin typeface="Calibri" pitchFamily="34" charset="0"/>
+              <a:cs typeface="Calibri" pitchFamily="34" charset="0"/>
             </a:endParaRPr>
           </a:p>
         </p:txBody>
@@ -23120,13 +22677,15 @@
               <a:buNone/>
             </a:pPr>
             <a:r>
-              <a:rPr lang="en" dirty="0">
-                <a:latin typeface="DM Serif Display" charset="0"/>
+              <a:rPr lang="en" sz="2200" dirty="0">
+                <a:latin typeface="Calibri" pitchFamily="34" charset="0"/>
+                <a:cs typeface="Calibri" pitchFamily="34" charset="0"/>
               </a:rPr>
               <a:t>ELK</a:t>
             </a:r>
-            <a:endParaRPr dirty="0">
-              <a:latin typeface="DM Serif Display" charset="0"/>
+            <a:endParaRPr sz="2200" dirty="0">
+              <a:latin typeface="Calibri" pitchFamily="34" charset="0"/>
+              <a:cs typeface="Calibri" pitchFamily="34" charset="0"/>
             </a:endParaRPr>
           </a:p>
         </p:txBody>
@@ -23166,13 +22725,15 @@
               <a:buNone/>
             </a:pPr>
             <a:r>
-              <a:rPr lang="en" dirty="0">
-                <a:latin typeface="DM Serif Display" charset="0"/>
+              <a:rPr lang="en" sz="2200" dirty="0">
+                <a:latin typeface="Calibri" pitchFamily="34" charset="0"/>
+                <a:cs typeface="Calibri" pitchFamily="34" charset="0"/>
               </a:rPr>
               <a:t>Database</a:t>
             </a:r>
-            <a:endParaRPr dirty="0">
-              <a:latin typeface="DM Serif Display" charset="0"/>
+            <a:endParaRPr sz="2200" dirty="0">
+              <a:latin typeface="Calibri" pitchFamily="34" charset="0"/>
+              <a:cs typeface="Calibri" pitchFamily="34" charset="0"/>
             </a:endParaRPr>
           </a:p>
         </p:txBody>
@@ -23212,13 +22773,15 @@
               <a:buNone/>
             </a:pPr>
             <a:r>
-              <a:rPr lang="en" dirty="0">
-                <a:latin typeface="DM Serif Display" charset="0"/>
+              <a:rPr lang="en" sz="2200" dirty="0">
+                <a:latin typeface="Calibri" pitchFamily="34" charset="0"/>
+                <a:cs typeface="Calibri" pitchFamily="34" charset="0"/>
               </a:rPr>
               <a:t>Python</a:t>
             </a:r>
-            <a:endParaRPr dirty="0">
-              <a:latin typeface="DM Serif Display" charset="0"/>
+            <a:endParaRPr sz="2200" dirty="0">
+              <a:latin typeface="Calibri" pitchFamily="34" charset="0"/>
+              <a:cs typeface="Calibri" pitchFamily="34" charset="0"/>
             </a:endParaRPr>
           </a:p>
         </p:txBody>
@@ -23258,13 +22821,15 @@
               <a:buNone/>
             </a:pPr>
             <a:r>
-              <a:rPr lang="en" dirty="0">
-                <a:latin typeface="DM Serif Display" charset="0"/>
+              <a:rPr lang="en" sz="2200" dirty="0">
+                <a:latin typeface="Calibri" pitchFamily="34" charset="0"/>
+                <a:cs typeface="Calibri" pitchFamily="34" charset="0"/>
               </a:rPr>
               <a:t>Testing</a:t>
             </a:r>
-            <a:endParaRPr dirty="0">
-              <a:latin typeface="DM Serif Display" charset="0"/>
+            <a:endParaRPr sz="2200" dirty="0">
+              <a:latin typeface="Calibri" pitchFamily="34" charset="0"/>
+              <a:cs typeface="Calibri" pitchFamily="34" charset="0"/>
             </a:endParaRPr>
           </a:p>
         </p:txBody>
@@ -23304,19 +22869,22 @@
               <a:buNone/>
             </a:pPr>
             <a:r>
-              <a:rPr lang="en-IN" dirty="0">
-                <a:latin typeface="DM Serif Display" charset="0"/>
+              <a:rPr lang="en-IN" sz="2200" dirty="0">
+                <a:latin typeface="Calibri" pitchFamily="34" charset="0"/>
+                <a:cs typeface="Calibri" pitchFamily="34" charset="0"/>
               </a:rPr>
               <a:t>T</a:t>
             </a:r>
             <a:r>
-              <a:rPr lang="en" dirty="0">
-                <a:latin typeface="DM Serif Display" charset="0"/>
+              <a:rPr lang="en" sz="2200" dirty="0">
+                <a:latin typeface="Calibri" pitchFamily="34" charset="0"/>
+                <a:cs typeface="Calibri" pitchFamily="34" charset="0"/>
               </a:rPr>
               <a:t>ools</a:t>
             </a:r>
-            <a:endParaRPr dirty="0">
-              <a:latin typeface="DM Serif Display" charset="0"/>
+            <a:endParaRPr sz="2200" dirty="0">
+              <a:latin typeface="Calibri" pitchFamily="34" charset="0"/>
+              <a:cs typeface="Calibri" pitchFamily="34" charset="0"/>
             </a:endParaRPr>
           </a:p>
         </p:txBody>
@@ -23356,13 +22924,22 @@
               <a:buNone/>
             </a:pPr>
             <a:r>
-              <a:rPr lang="en" dirty="0">
-                <a:latin typeface="DM Serif Display" charset="0"/>
+              <a:rPr lang="en" sz="2200" dirty="0" smtClean="0">
+                <a:latin typeface="Calibri" pitchFamily="34" charset="0"/>
+                <a:cs typeface="Calibri" pitchFamily="34" charset="0"/>
               </a:rPr>
-              <a:t>Aws cloud</a:t>
+              <a:t>AWS </a:t>
             </a:r>
-            <a:endParaRPr dirty="0">
-              <a:latin typeface="DM Serif Display" charset="0"/>
+            <a:r>
+              <a:rPr lang="en" sz="2200" dirty="0">
+                <a:latin typeface="Calibri" pitchFamily="34" charset="0"/>
+                <a:cs typeface="Calibri" pitchFamily="34" charset="0"/>
+              </a:rPr>
+              <a:t>cloud</a:t>
+            </a:r>
+            <a:endParaRPr sz="2200" dirty="0">
+              <a:latin typeface="Calibri" pitchFamily="34" charset="0"/>
+              <a:cs typeface="Calibri" pitchFamily="34" charset="0"/>
             </a:endParaRPr>
           </a:p>
         </p:txBody>
@@ -23403,7 +22980,10 @@
               </a:spcAft>
               <a:buNone/>
             </a:pPr>
-            <a:endParaRPr/>
+            <a:endParaRPr>
+              <a:latin typeface="Calibri" pitchFamily="34" charset="0"/>
+              <a:cs typeface="Calibri" pitchFamily="34" charset="0"/>
+            </a:endParaRPr>
           </a:p>
         </p:txBody>
       </p:sp>
@@ -23412,6 +22992,13 @@
   <p:clrMapOvr>
     <a:masterClrMapping/>
   </p:clrMapOvr>
+  <p:timing>
+    <p:tnLst>
+      <p:par>
+        <p:cTn id="1" dur="indefinite" restart="never" nodeType="tmRoot"/>
+      </p:par>
+    </p:tnLst>
+  </p:timing>
 </p:sld>
 </file>
 
@@ -23434,7 +23021,7 @@
       </p:grpSpPr>
       <p:sp>
         <p:nvSpPr>
-          <p:cNvPr id="24" name="Google Shape;764;p70"/>
+          <p:cNvPr id="17" name="Google Shape;764;p70"/>
           <p:cNvSpPr txBox="1">
             <a:spLocks noGrp="1"/>
           </p:cNvSpPr>
@@ -23467,16 +23054,22 @@
               <a:buNone/>
             </a:pPr>
             <a:r>
-              <a:rPr lang="en-IN" dirty="0"/>
+              <a:rPr lang="en-IN" sz="3000" dirty="0">
+                <a:latin typeface="Calibri" pitchFamily="34" charset="0"/>
+                <a:cs typeface="Calibri" pitchFamily="34" charset="0"/>
+              </a:rPr>
               <a:t>Requirement</a:t>
             </a:r>
-            <a:endParaRPr dirty="0"/>
+            <a:endParaRPr sz="3000" dirty="0">
+              <a:latin typeface="Calibri" pitchFamily="34" charset="0"/>
+              <a:cs typeface="Calibri" pitchFamily="34" charset="0"/>
+            </a:endParaRPr>
           </a:p>
         </p:txBody>
       </p:sp>
       <p:sp>
         <p:nvSpPr>
-          <p:cNvPr id="25" name="Google Shape;783;p70"/>
+          <p:cNvPr id="18" name="Google Shape;783;p70"/>
           <p:cNvSpPr/>
           <p:nvPr/>
         </p:nvSpPr>
@@ -23510,13 +23103,16 @@
               </a:spcAft>
               <a:buNone/>
             </a:pPr>
-            <a:endParaRPr/>
+            <a:endParaRPr>
+              <a:latin typeface="Calibri" pitchFamily="34" charset="0"/>
+              <a:cs typeface="Calibri" pitchFamily="34" charset="0"/>
+            </a:endParaRPr>
           </a:p>
         </p:txBody>
       </p:sp>
       <p:sp>
         <p:nvSpPr>
-          <p:cNvPr id="27" name="Google Shape;630;p60"/>
+          <p:cNvPr id="19" name="Google Shape;630;p60"/>
           <p:cNvSpPr txBox="1">
             <a:spLocks/>
           </p:cNvSpPr>
@@ -23993,7 +23589,7 @@
       </p:sp>
       <p:sp>
         <p:nvSpPr>
-          <p:cNvPr id="7" name="Google Shape;666;p62"/>
+          <p:cNvPr id="20" name="Google Shape;666;p62"/>
           <p:cNvSpPr txBox="1">
             <a:spLocks noGrp="1"/>
           </p:cNvSpPr>
@@ -24026,13 +23622,15 @@
               <a:buNone/>
             </a:pPr>
             <a:r>
-              <a:rPr lang="en" dirty="0">
-                <a:latin typeface="DM Serif Display" charset="0"/>
+              <a:rPr lang="en" sz="2200" dirty="0">
+                <a:latin typeface="Calibri" pitchFamily="34" charset="0"/>
+                <a:cs typeface="Calibri" pitchFamily="34" charset="0"/>
               </a:rPr>
               <a:t>Phase I</a:t>
             </a:r>
-            <a:endParaRPr dirty="0">
-              <a:latin typeface="DM Serif Display" charset="0"/>
+            <a:endParaRPr sz="2200" dirty="0">
+              <a:latin typeface="Calibri" pitchFamily="34" charset="0"/>
+              <a:cs typeface="Calibri" pitchFamily="34" charset="0"/>
             </a:endParaRPr>
           </a:p>
         </p:txBody>
@@ -24102,10 +23700,16 @@
               <a:buNone/>
             </a:pPr>
             <a:r>
-              <a:rPr lang="en-IN" dirty="0"/>
+              <a:rPr lang="en-IN" sz="3000" dirty="0">
+                <a:latin typeface="Calibri" pitchFamily="34" charset="0"/>
+                <a:cs typeface="Calibri" pitchFamily="34" charset="0"/>
+              </a:rPr>
               <a:t>Requirement</a:t>
             </a:r>
-            <a:endParaRPr dirty="0"/>
+            <a:endParaRPr sz="3000" dirty="0">
+              <a:latin typeface="Calibri" pitchFamily="34" charset="0"/>
+              <a:cs typeface="Calibri" pitchFamily="34" charset="0"/>
+            </a:endParaRPr>
           </a:p>
         </p:txBody>
       </p:sp>
@@ -24145,7 +23749,10 @@
               </a:spcAft>
               <a:buNone/>
             </a:pPr>
-            <a:endParaRPr/>
+            <a:endParaRPr>
+              <a:latin typeface="Calibri" pitchFamily="34" charset="0"/>
+              <a:cs typeface="Calibri" pitchFamily="34" charset="0"/>
+            </a:endParaRPr>
           </a:p>
         </p:txBody>
       </p:sp>
@@ -24409,11 +24016,12 @@
               <a:buChar char="•"/>
             </a:pPr>
             <a:r>
-              <a:rPr lang="en-IN" sz="1800" b="1" dirty="0">
+              <a:rPr lang="en-IN" sz="1600" b="1" dirty="0">
                 <a:solidFill>
                   <a:schemeClr val="tx1"/>
                 </a:solidFill>
-                <a:latin typeface="Times New Roman" pitchFamily="18" charset="0"/>
+                <a:latin typeface="Calibri" pitchFamily="34" charset="0"/>
+                <a:cs typeface="Calibri" pitchFamily="34" charset="0"/>
               </a:rPr>
               <a:t>Requirement:</a:t>
             </a:r>
@@ -24426,28 +24034,31 @@
               <a:buSzPct val="125000"/>
             </a:pPr>
             <a:r>
-              <a:rPr lang="en-IN" sz="1800" b="1" dirty="0">
+              <a:rPr lang="en-IN" sz="1600" b="1" dirty="0">
                 <a:solidFill>
                   <a:schemeClr val="tx1"/>
                 </a:solidFill>
-                <a:latin typeface="Times New Roman" pitchFamily="18" charset="0"/>
+                <a:latin typeface="Calibri" pitchFamily="34" charset="0"/>
+                <a:cs typeface="Calibri" pitchFamily="34" charset="0"/>
               </a:rPr>
               <a:t>	</a:t>
             </a:r>
             <a:r>
-              <a:rPr lang="en-IN" sz="1800" dirty="0">
+              <a:rPr lang="en-IN" sz="1600" dirty="0">
                 <a:solidFill>
                   <a:schemeClr val="tx1"/>
                 </a:solidFill>
-                <a:latin typeface="Times New Roman" pitchFamily="18" charset="0"/>
+                <a:latin typeface="Calibri" pitchFamily="34" charset="0"/>
+                <a:cs typeface="Calibri" pitchFamily="34" charset="0"/>
               </a:rPr>
               <a:t>Show all the students with every subject passed, Here manual querying is not possible by checking every subject with its name.</a:t>
             </a:r>
-            <a:endParaRPr lang="en-IN" sz="1800" b="1" dirty="0">
+            <a:endParaRPr lang="en-IN" sz="1600" b="1" dirty="0">
               <a:solidFill>
                 <a:schemeClr val="tx1"/>
               </a:solidFill>
-              <a:latin typeface="Times New Roman" pitchFamily="18" charset="0"/>
+              <a:latin typeface="Calibri" pitchFamily="34" charset="0"/>
+              <a:cs typeface="Calibri" pitchFamily="34" charset="0"/>
             </a:endParaRPr>
           </a:p>
           <a:p>
@@ -24460,11 +24071,12 @@
               <a:buChar char="•"/>
             </a:pPr>
             <a:r>
-              <a:rPr lang="en-IN" sz="1800" b="1" dirty="0">
+              <a:rPr lang="en-IN" sz="1600" b="1" dirty="0">
                 <a:solidFill>
                   <a:schemeClr val="tx1"/>
                 </a:solidFill>
-                <a:latin typeface="Times New Roman" pitchFamily="18" charset="0"/>
+                <a:latin typeface="Calibri" pitchFamily="34" charset="0"/>
+                <a:cs typeface="Calibri" pitchFamily="34" charset="0"/>
               </a:rPr>
               <a:t>Data:</a:t>
             </a:r>
@@ -24477,20 +24089,22 @@
               <a:buSzPct val="125000"/>
             </a:pPr>
             <a:r>
-              <a:rPr lang="en-IN" sz="1800" b="1" dirty="0">
+              <a:rPr lang="en-IN" sz="1600" b="1" dirty="0">
                 <a:solidFill>
                   <a:schemeClr val="tx1"/>
                 </a:solidFill>
-                <a:latin typeface="Times New Roman" pitchFamily="18" charset="0"/>
+                <a:latin typeface="Calibri" pitchFamily="34" charset="0"/>
+                <a:cs typeface="Calibri" pitchFamily="34" charset="0"/>
               </a:rPr>
               <a:t>	</a:t>
             </a:r>
             <a:r>
-              <a:rPr lang="en-IN" sz="1800" dirty="0">
+              <a:rPr lang="en-IN" sz="1600" dirty="0">
                 <a:solidFill>
                   <a:schemeClr val="tx1"/>
                 </a:solidFill>
-                <a:latin typeface="Times New Roman" pitchFamily="18" charset="0"/>
+                <a:latin typeface="Calibri" pitchFamily="34" charset="0"/>
+                <a:cs typeface="Calibri" pitchFamily="34" charset="0"/>
               </a:rPr>
               <a:t>Added complexity to Phase I, subjects and number of subjects are different for each student.</a:t>
             </a:r>
@@ -24505,11 +24119,12 @@
               <a:buChar char="•"/>
             </a:pPr>
             <a:r>
-              <a:rPr lang="en-IN" sz="1800" b="1" dirty="0">
+              <a:rPr lang="en-IN" sz="1600" b="1" dirty="0">
                 <a:solidFill>
                   <a:schemeClr val="tx1"/>
                 </a:solidFill>
-                <a:latin typeface="Times New Roman" pitchFamily="18" charset="0"/>
+                <a:latin typeface="Calibri" pitchFamily="34" charset="0"/>
+                <a:cs typeface="Calibri" pitchFamily="34" charset="0"/>
               </a:rPr>
               <a:t>Approach:</a:t>
             </a:r>
@@ -24522,11 +24137,12 @@
               <a:buSzPct val="125000"/>
             </a:pPr>
             <a:r>
-              <a:rPr lang="en-IN" sz="1800" dirty="0">
+              <a:rPr lang="en-IN" sz="1600" dirty="0">
                 <a:solidFill>
                   <a:schemeClr val="tx1"/>
                 </a:solidFill>
-                <a:latin typeface="Times New Roman" pitchFamily="18" charset="0"/>
+                <a:latin typeface="Calibri" pitchFamily="34" charset="0"/>
+                <a:cs typeface="Calibri" pitchFamily="34" charset="0"/>
               </a:rPr>
               <a:t>	Here used a “nested” structure for mapping in which we can store array of values(subject details) and using bool query to show only passed students</a:t>
             </a:r>
@@ -24568,13 +24184,15 @@
               <a:buNone/>
             </a:pPr>
             <a:r>
-              <a:rPr lang="en" dirty="0">
-                <a:latin typeface="DM Serif Display" charset="0"/>
+              <a:rPr lang="en" sz="2200" dirty="0">
+                <a:latin typeface="Calibri" pitchFamily="34" charset="0"/>
+                <a:cs typeface="Calibri" pitchFamily="34" charset="0"/>
               </a:rPr>
               <a:t>Phase II</a:t>
             </a:r>
-            <a:endParaRPr dirty="0">
-              <a:latin typeface="DM Serif Display" charset="0"/>
+            <a:endParaRPr sz="2200" dirty="0">
+              <a:latin typeface="Calibri" pitchFamily="34" charset="0"/>
+              <a:cs typeface="Calibri" pitchFamily="34" charset="0"/>
             </a:endParaRPr>
           </a:p>
         </p:txBody>
@@ -24644,10 +24262,16 @@
               <a:buNone/>
             </a:pPr>
             <a:r>
-              <a:rPr lang="en-IN" dirty="0"/>
+              <a:rPr lang="en-IN" sz="3000" dirty="0">
+                <a:latin typeface="Calibri" pitchFamily="34" charset="0"/>
+                <a:cs typeface="Calibri" pitchFamily="34" charset="0"/>
+              </a:rPr>
               <a:t>Requirement</a:t>
             </a:r>
-            <a:endParaRPr dirty="0"/>
+            <a:endParaRPr sz="3000" dirty="0">
+              <a:latin typeface="Calibri" pitchFamily="34" charset="0"/>
+              <a:cs typeface="Calibri" pitchFamily="34" charset="0"/>
+            </a:endParaRPr>
           </a:p>
         </p:txBody>
       </p:sp>
@@ -24687,7 +24311,10 @@
               </a:spcAft>
               <a:buNone/>
             </a:pPr>
-            <a:endParaRPr/>
+            <a:endParaRPr>
+              <a:latin typeface="Calibri" pitchFamily="34" charset="0"/>
+              <a:cs typeface="Calibri" pitchFamily="34" charset="0"/>
+            </a:endParaRPr>
           </a:p>
         </p:txBody>
       </p:sp>
@@ -24951,11 +24578,12 @@
               <a:buChar char="•"/>
             </a:pPr>
             <a:r>
-              <a:rPr lang="en-IN" sz="1800" b="1" dirty="0">
+              <a:rPr lang="en-IN" sz="1600" b="1" dirty="0">
                 <a:solidFill>
                   <a:schemeClr val="tx1"/>
                 </a:solidFill>
-                <a:latin typeface="Times New Roman" pitchFamily="18" charset="0"/>
+                <a:latin typeface="Calibri" pitchFamily="34" charset="0"/>
+                <a:cs typeface="Calibri" pitchFamily="34" charset="0"/>
               </a:rPr>
               <a:t>Requirement:</a:t>
             </a:r>
@@ -24968,28 +24596,31 @@
               <a:buSzPct val="125000"/>
             </a:pPr>
             <a:r>
-              <a:rPr lang="en-IN" sz="1800" b="1" dirty="0">
+              <a:rPr lang="en-IN" sz="1600" b="1" dirty="0">
                 <a:solidFill>
                   <a:schemeClr val="tx1"/>
                 </a:solidFill>
-                <a:latin typeface="Times New Roman" pitchFamily="18" charset="0"/>
+                <a:latin typeface="Calibri" pitchFamily="34" charset="0"/>
+                <a:cs typeface="Calibri" pitchFamily="34" charset="0"/>
               </a:rPr>
               <a:t>	</a:t>
             </a:r>
             <a:r>
-              <a:rPr lang="en-IN" sz="1800" dirty="0">
+              <a:rPr lang="en-IN" sz="1600" dirty="0">
                 <a:solidFill>
                   <a:schemeClr val="tx1"/>
                 </a:solidFill>
-                <a:latin typeface="Times New Roman" pitchFamily="18" charset="0"/>
+                <a:latin typeface="Calibri" pitchFamily="34" charset="0"/>
+                <a:cs typeface="Calibri" pitchFamily="34" charset="0"/>
               </a:rPr>
               <a:t>Query for the students who passed the all semesters.</a:t>
             </a:r>
-            <a:endParaRPr lang="en-IN" sz="1800" b="1" dirty="0">
+            <a:endParaRPr lang="en-IN" sz="1600" b="1" dirty="0">
               <a:solidFill>
                 <a:schemeClr val="tx1"/>
               </a:solidFill>
-              <a:latin typeface="Times New Roman" pitchFamily="18" charset="0"/>
+              <a:latin typeface="Calibri" pitchFamily="34" charset="0"/>
+              <a:cs typeface="Calibri" pitchFamily="34" charset="0"/>
             </a:endParaRPr>
           </a:p>
           <a:p>
@@ -25002,11 +24633,12 @@
               <a:buChar char="•"/>
             </a:pPr>
             <a:r>
-              <a:rPr lang="en-IN" sz="1800" b="1" dirty="0">
+              <a:rPr lang="en-IN" sz="1600" b="1" dirty="0">
                 <a:solidFill>
                   <a:schemeClr val="tx1"/>
                 </a:solidFill>
-                <a:latin typeface="Times New Roman" pitchFamily="18" charset="0"/>
+                <a:latin typeface="Calibri" pitchFamily="34" charset="0"/>
+                <a:cs typeface="Calibri" pitchFamily="34" charset="0"/>
               </a:rPr>
               <a:t>Data:</a:t>
             </a:r>
@@ -25019,20 +24651,22 @@
               <a:buSzPct val="125000"/>
             </a:pPr>
             <a:r>
-              <a:rPr lang="en-IN" sz="1800" b="1" dirty="0">
+              <a:rPr lang="en-IN" sz="1600" b="1" dirty="0">
                 <a:solidFill>
                   <a:schemeClr val="tx1"/>
                 </a:solidFill>
-                <a:latin typeface="Times New Roman" pitchFamily="18" charset="0"/>
+                <a:latin typeface="Calibri" pitchFamily="34" charset="0"/>
+                <a:cs typeface="Calibri" pitchFamily="34" charset="0"/>
               </a:rPr>
               <a:t>	</a:t>
             </a:r>
             <a:r>
-              <a:rPr lang="en-IN" sz="1800" dirty="0">
+              <a:rPr lang="en-IN" sz="1600" dirty="0">
                 <a:solidFill>
                   <a:schemeClr val="tx1"/>
                 </a:solidFill>
-                <a:latin typeface="Times New Roman" pitchFamily="18" charset="0"/>
+                <a:latin typeface="Calibri" pitchFamily="34" charset="0"/>
+                <a:cs typeface="Calibri" pitchFamily="34" charset="0"/>
               </a:rPr>
               <a:t>Added a field semesters under student, semesters will contain subjects details.</a:t>
             </a:r>
@@ -25047,11 +24681,12 @@
               <a:buChar char="•"/>
             </a:pPr>
             <a:r>
-              <a:rPr lang="en-IN" sz="1800" b="1" dirty="0">
+              <a:rPr lang="en-IN" sz="1600" b="1" dirty="0">
                 <a:solidFill>
                   <a:schemeClr val="tx1"/>
                 </a:solidFill>
-                <a:latin typeface="Times New Roman" pitchFamily="18" charset="0"/>
+                <a:latin typeface="Calibri" pitchFamily="34" charset="0"/>
+                <a:cs typeface="Calibri" pitchFamily="34" charset="0"/>
               </a:rPr>
               <a:t>Approach:</a:t>
             </a:r>
@@ -25064,13 +24699,54 @@
               <a:buSzPct val="125000"/>
             </a:pPr>
             <a:r>
-              <a:rPr lang="en-IN" sz="1800" dirty="0">
+              <a:rPr lang="en-IN" sz="1600" dirty="0">
                 <a:solidFill>
                   <a:schemeClr val="tx1"/>
                 </a:solidFill>
-                <a:latin typeface="Times New Roman" pitchFamily="18" charset="0"/>
+                <a:latin typeface="Calibri" pitchFamily="34" charset="0"/>
+                <a:cs typeface="Calibri" pitchFamily="34" charset="0"/>
               </a:rPr>
-              <a:t>	Here used a “nested” mapping to store subject level details 	and used bool query to check passed subjects and an outer 	bool query for every semester pass checking.</a:t>
+              <a:t>	Here used a “nested” mapping to store subject level details </a:t>
+            </a:r>
+            <a:r>
+              <a:rPr lang="en-IN" sz="1600" dirty="0" smtClean="0">
+                <a:solidFill>
+                  <a:schemeClr val="tx1"/>
+                </a:solidFill>
+                <a:latin typeface="Calibri" pitchFamily="34" charset="0"/>
+                <a:cs typeface="Calibri" pitchFamily="34" charset="0"/>
+              </a:rPr>
+              <a:t>and </a:t>
+            </a:r>
+            <a:r>
+              <a:rPr lang="en-IN" sz="1600" dirty="0">
+                <a:solidFill>
+                  <a:schemeClr val="tx1"/>
+                </a:solidFill>
+                <a:latin typeface="Calibri" pitchFamily="34" charset="0"/>
+                <a:cs typeface="Calibri" pitchFamily="34" charset="0"/>
+              </a:rPr>
+              <a:t>used bool query to check passed subjects and an outer </a:t>
+            </a:r>
+            <a:r>
+              <a:rPr lang="en-IN" sz="1600" dirty="0" smtClean="0">
+                <a:solidFill>
+                  <a:schemeClr val="tx1"/>
+                </a:solidFill>
+                <a:latin typeface="Calibri" pitchFamily="34" charset="0"/>
+                <a:cs typeface="Calibri" pitchFamily="34" charset="0"/>
+              </a:rPr>
+              <a:t>bool </a:t>
+            </a:r>
+            <a:r>
+              <a:rPr lang="en-IN" sz="1600" dirty="0">
+                <a:solidFill>
+                  <a:schemeClr val="tx1"/>
+                </a:solidFill>
+                <a:latin typeface="Calibri" pitchFamily="34" charset="0"/>
+                <a:cs typeface="Calibri" pitchFamily="34" charset="0"/>
+              </a:rPr>
+              <a:t>query for every semester pass checking.</a:t>
             </a:r>
           </a:p>
         </p:txBody>
@@ -25110,13 +24786,15 @@
               <a:buNone/>
             </a:pPr>
             <a:r>
-              <a:rPr lang="en" dirty="0">
-                <a:latin typeface="DM Serif Display" charset="0"/>
+              <a:rPr lang="en" sz="2200" dirty="0">
+                <a:latin typeface="Calibri" pitchFamily="34" charset="0"/>
+                <a:cs typeface="Calibri" pitchFamily="34" charset="0"/>
               </a:rPr>
               <a:t>Phase III</a:t>
             </a:r>
-            <a:endParaRPr dirty="0">
-              <a:latin typeface="DM Serif Display" charset="0"/>
+            <a:endParaRPr sz="2200" dirty="0">
+              <a:latin typeface="Calibri" pitchFamily="34" charset="0"/>
+              <a:cs typeface="Calibri" pitchFamily="34" charset="0"/>
             </a:endParaRPr>
           </a:p>
         </p:txBody>
@@ -25186,10 +24864,16 @@
               <a:buNone/>
             </a:pPr>
             <a:r>
-              <a:rPr lang="en-IN" dirty="0"/>
+              <a:rPr lang="en-IN" sz="3000" dirty="0">
+                <a:latin typeface="Calibri" pitchFamily="34" charset="0"/>
+                <a:cs typeface="Calibri" pitchFamily="34" charset="0"/>
+              </a:rPr>
               <a:t>Requirement</a:t>
             </a:r>
-            <a:endParaRPr dirty="0"/>
+            <a:endParaRPr sz="3000" dirty="0">
+              <a:latin typeface="Calibri" pitchFamily="34" charset="0"/>
+              <a:cs typeface="Calibri" pitchFamily="34" charset="0"/>
+            </a:endParaRPr>
           </a:p>
         </p:txBody>
       </p:sp>
@@ -25229,7 +24913,10 @@
               </a:spcAft>
               <a:buNone/>
             </a:pPr>
-            <a:endParaRPr/>
+            <a:endParaRPr>
+              <a:latin typeface="Calibri" pitchFamily="34" charset="0"/>
+              <a:cs typeface="Calibri" pitchFamily="34" charset="0"/>
+            </a:endParaRPr>
           </a:p>
         </p:txBody>
       </p:sp>
@@ -25493,11 +25180,12 @@
               <a:buChar char="•"/>
             </a:pPr>
             <a:r>
-              <a:rPr lang="en-IN" sz="1800" b="1" dirty="0">
+              <a:rPr lang="en-IN" sz="1600" b="1" dirty="0">
                 <a:solidFill>
                   <a:schemeClr val="tx1"/>
                 </a:solidFill>
-                <a:latin typeface="Times New Roman" pitchFamily="18" charset="0"/>
+                <a:latin typeface="Calibri" pitchFamily="34" charset="0"/>
+                <a:cs typeface="Calibri" pitchFamily="34" charset="0"/>
               </a:rPr>
               <a:t>Requirement:</a:t>
             </a:r>
@@ -25510,28 +25198,31 @@
               <a:buSzPct val="125000"/>
             </a:pPr>
             <a:r>
-              <a:rPr lang="en-IN" sz="1800" b="1" dirty="0">
+              <a:rPr lang="en-IN" sz="1600" b="1" dirty="0">
                 <a:solidFill>
                   <a:schemeClr val="tx1"/>
                 </a:solidFill>
-                <a:latin typeface="Times New Roman" pitchFamily="18" charset="0"/>
+                <a:latin typeface="Calibri" pitchFamily="34" charset="0"/>
+                <a:cs typeface="Calibri" pitchFamily="34" charset="0"/>
               </a:rPr>
               <a:t>	</a:t>
             </a:r>
             <a:r>
-              <a:rPr lang="en-IN" sz="1800" dirty="0">
+              <a:rPr lang="en-IN" sz="1600" dirty="0">
                 <a:solidFill>
                   <a:schemeClr val="tx1"/>
                 </a:solidFill>
-                <a:latin typeface="Times New Roman" pitchFamily="18" charset="0"/>
+                <a:latin typeface="Calibri" pitchFamily="34" charset="0"/>
+                <a:cs typeface="Calibri" pitchFamily="34" charset="0"/>
               </a:rPr>
               <a:t>Query for the students who passed the all semesters</a:t>
             </a:r>
-            <a:endParaRPr lang="en-IN" sz="1800" b="1" dirty="0">
+            <a:endParaRPr lang="en-IN" sz="1600" b="1" dirty="0">
               <a:solidFill>
                 <a:schemeClr val="tx1"/>
               </a:solidFill>
-              <a:latin typeface="Times New Roman" pitchFamily="18" charset="0"/>
+              <a:latin typeface="Calibri" pitchFamily="34" charset="0"/>
+              <a:cs typeface="Calibri" pitchFamily="34" charset="0"/>
             </a:endParaRPr>
           </a:p>
           <a:p>
@@ -25544,11 +25235,12 @@
               <a:buChar char="•"/>
             </a:pPr>
             <a:r>
-              <a:rPr lang="en-IN" sz="1800" b="1" dirty="0">
+              <a:rPr lang="en-IN" sz="1600" b="1" dirty="0">
                 <a:solidFill>
                   <a:schemeClr val="tx1"/>
                 </a:solidFill>
-                <a:latin typeface="Times New Roman" pitchFamily="18" charset="0"/>
+                <a:latin typeface="Calibri" pitchFamily="34" charset="0"/>
+                <a:cs typeface="Calibri" pitchFamily="34" charset="0"/>
               </a:rPr>
               <a:t>Data:</a:t>
             </a:r>
@@ -25561,20 +25253,22 @@
               <a:buSzPct val="125000"/>
             </a:pPr>
             <a:r>
-              <a:rPr lang="en-IN" sz="1800" b="1" dirty="0">
+              <a:rPr lang="en-IN" sz="1600" b="1" dirty="0">
                 <a:solidFill>
                   <a:schemeClr val="tx1"/>
                 </a:solidFill>
-                <a:latin typeface="Times New Roman" pitchFamily="18" charset="0"/>
+                <a:latin typeface="Calibri" pitchFamily="34" charset="0"/>
+                <a:cs typeface="Calibri" pitchFamily="34" charset="0"/>
               </a:rPr>
               <a:t>	</a:t>
             </a:r>
             <a:r>
-              <a:rPr lang="en-IN" sz="1800" dirty="0">
+              <a:rPr lang="en-IN" sz="1600" dirty="0">
                 <a:solidFill>
                   <a:schemeClr val="tx1"/>
                 </a:solidFill>
-                <a:latin typeface="Times New Roman" pitchFamily="18" charset="0"/>
+                <a:latin typeface="Calibri" pitchFamily="34" charset="0"/>
+                <a:cs typeface="Calibri" pitchFamily="34" charset="0"/>
               </a:rPr>
               <a:t>The may be unknown number of semesters under student. </a:t>
             </a:r>
@@ -25589,11 +25283,12 @@
               <a:buChar char="•"/>
             </a:pPr>
             <a:r>
-              <a:rPr lang="en-IN" sz="1800" b="1" dirty="0">
+              <a:rPr lang="en-IN" sz="1600" b="1" dirty="0">
                 <a:solidFill>
                   <a:schemeClr val="tx1"/>
                 </a:solidFill>
-                <a:latin typeface="Times New Roman" pitchFamily="18" charset="0"/>
+                <a:latin typeface="Calibri" pitchFamily="34" charset="0"/>
+                <a:cs typeface="Calibri" pitchFamily="34" charset="0"/>
               </a:rPr>
               <a:t>Approach:</a:t>
             </a:r>
@@ -25606,11 +25301,12 @@
               <a:buSzPct val="125000"/>
             </a:pPr>
             <a:r>
-              <a:rPr lang="en-IN" sz="1800" dirty="0">
+              <a:rPr lang="en-IN" sz="1600" dirty="0">
                 <a:solidFill>
                   <a:schemeClr val="tx1"/>
                 </a:solidFill>
-                <a:latin typeface="Times New Roman" pitchFamily="18" charset="0"/>
+                <a:latin typeface="Calibri" pitchFamily="34" charset="0"/>
+                <a:cs typeface="Calibri" pitchFamily="34" charset="0"/>
               </a:rPr>
               <a:t>	Here used a “nested” mapping to store subject and semester level details, used bool query to check passed ids and an outer bool query for every semester pass checking and a final bool query to display the passed students.</a:t>
             </a:r>
@@ -25652,13 +25348,15 @@
               <a:buNone/>
             </a:pPr>
             <a:r>
-              <a:rPr lang="en" dirty="0">
-                <a:latin typeface="DM Serif Display" charset="0"/>
+              <a:rPr lang="en" sz="2200" dirty="0">
+                <a:latin typeface="Calibri" pitchFamily="34" charset="0"/>
+                <a:cs typeface="Calibri" pitchFamily="34" charset="0"/>
               </a:rPr>
               <a:t>Phase IV</a:t>
             </a:r>
-            <a:endParaRPr dirty="0">
-              <a:latin typeface="DM Serif Display" charset="0"/>
+            <a:endParaRPr sz="2200" dirty="0">
+              <a:latin typeface="Calibri" pitchFamily="34" charset="0"/>
+              <a:cs typeface="Calibri" pitchFamily="34" charset="0"/>
             </a:endParaRPr>
           </a:p>
         </p:txBody>
@@ -25705,7 +25403,7 @@
         </p:nvSpPr>
         <p:spPr>
           <a:xfrm>
-            <a:off x="713250" y="539500"/>
+            <a:off x="755576" y="411510"/>
             <a:ext cx="7387142" cy="539400"/>
           </a:xfrm>
           <a:prstGeom prst="rect">
@@ -25728,10 +25426,16 @@
               <a:buNone/>
             </a:pPr>
             <a:r>
-              <a:rPr lang="en-IN" sz="3000" dirty="0"/>
+              <a:rPr lang="en-IN" sz="3000" dirty="0">
+                <a:latin typeface="Calibri" pitchFamily="34" charset="0"/>
+                <a:cs typeface="Calibri" pitchFamily="34" charset="0"/>
+              </a:rPr>
               <a:t>Student Example to actual requirement</a:t>
             </a:r>
-            <a:endParaRPr sz="3000" dirty="0"/>
+            <a:endParaRPr sz="3000" dirty="0">
+              <a:latin typeface="Calibri" pitchFamily="34" charset="0"/>
+              <a:cs typeface="Calibri" pitchFamily="34" charset="0"/>
+            </a:endParaRPr>
           </a:p>
         </p:txBody>
       </p:sp>
@@ -25743,7 +25447,7 @@
         </p:nvSpPr>
         <p:spPr>
           <a:xfrm rot="5400000">
-            <a:off x="1796284" y="183909"/>
+            <a:off x="1796284" y="18874"/>
             <a:ext cx="43200" cy="1980600"/>
           </a:xfrm>
           <a:prstGeom prst="rect">
@@ -25771,7 +25475,10 @@
               </a:spcAft>
               <a:buNone/>
             </a:pPr>
-            <a:endParaRPr/>
+            <a:endParaRPr>
+              <a:latin typeface="Calibri" pitchFamily="34" charset="0"/>
+              <a:cs typeface="Calibri" pitchFamily="34" charset="0"/>
+            </a:endParaRPr>
           </a:p>
         </p:txBody>
       </p:sp>
@@ -26035,11 +25742,12 @@
               <a:buChar char="•"/>
             </a:pPr>
             <a:r>
-              <a:rPr lang="en-IN" sz="1800" dirty="0">
+              <a:rPr lang="en-IN" sz="1600" dirty="0">
                 <a:solidFill>
                   <a:schemeClr val="tx1"/>
                 </a:solidFill>
-                <a:latin typeface="Times New Roman" pitchFamily="18" charset="0"/>
+                <a:latin typeface="Calibri" pitchFamily="34" charset="0"/>
+                <a:cs typeface="Calibri" pitchFamily="34" charset="0"/>
               </a:rPr>
               <a:t>Student is considered as “agency_name”</a:t>
             </a:r>
@@ -26054,11 +25762,12 @@
               <a:buChar char="•"/>
             </a:pPr>
             <a:r>
-              <a:rPr lang="en-IN" sz="1800" dirty="0">
+              <a:rPr lang="en-IN" sz="1600" dirty="0">
                 <a:solidFill>
                   <a:schemeClr val="tx1"/>
                 </a:solidFill>
-                <a:latin typeface="Times New Roman" pitchFamily="18" charset="0"/>
+                <a:latin typeface="Calibri" pitchFamily="34" charset="0"/>
+                <a:cs typeface="Calibri" pitchFamily="34" charset="0"/>
               </a:rPr>
               <a:t>Semester will be as “form_name”</a:t>
             </a:r>
@@ -26073,11 +25782,12 @@
               <a:buChar char="•"/>
             </a:pPr>
             <a:r>
-              <a:rPr lang="en-IN" sz="1800" dirty="0">
+              <a:rPr lang="en-IN" sz="1600" dirty="0">
                 <a:solidFill>
                   <a:schemeClr val="tx1"/>
                 </a:solidFill>
-                <a:latin typeface="Times New Roman" pitchFamily="18" charset="0"/>
+                <a:latin typeface="Calibri" pitchFamily="34" charset="0"/>
+                <a:cs typeface="Calibri" pitchFamily="34" charset="0"/>
               </a:rPr>
               <a:t>Here there will be unknown number of forms in one agency.</a:t>
             </a:r>
@@ -26092,11 +25802,12 @@
               <a:buChar char="•"/>
             </a:pPr>
             <a:r>
-              <a:rPr lang="en-IN" sz="1800" dirty="0">
+              <a:rPr lang="en-IN" sz="1600" dirty="0">
                 <a:solidFill>
                   <a:schemeClr val="tx1"/>
                 </a:solidFill>
-                <a:latin typeface="Times New Roman" pitchFamily="18" charset="0"/>
+                <a:latin typeface="Calibri" pitchFamily="34" charset="0"/>
+                <a:cs typeface="Calibri" pitchFamily="34" charset="0"/>
               </a:rPr>
               <a:t>Hence will use a nested structure to store each form and its inner data.</a:t>
             </a:r>
@@ -26111,11 +25822,12 @@
               <a:buChar char="•"/>
             </a:pPr>
             <a:r>
-              <a:rPr lang="en-IN" sz="1800" dirty="0">
+              <a:rPr lang="en-IN" sz="1600" dirty="0">
                 <a:solidFill>
                   <a:schemeClr val="tx1"/>
                 </a:solidFill>
-                <a:latin typeface="Times New Roman" pitchFamily="18" charset="0"/>
+                <a:latin typeface="Calibri" pitchFamily="34" charset="0"/>
+                <a:cs typeface="Calibri" pitchFamily="34" charset="0"/>
               </a:rPr>
               <a:t>There will be unknown number of ids in each form same as subjects in one semester.</a:t>
             </a:r>
@@ -26130,11 +25842,12 @@
               <a:buChar char="•"/>
             </a:pPr>
             <a:r>
-              <a:rPr lang="en-IN" sz="1800" dirty="0">
+              <a:rPr lang="en-IN" sz="1600" dirty="0">
                 <a:solidFill>
                   <a:schemeClr val="tx1"/>
                 </a:solidFill>
-                <a:latin typeface="Times New Roman" pitchFamily="18" charset="0"/>
+                <a:latin typeface="Calibri" pitchFamily="34" charset="0"/>
+                <a:cs typeface="Calibri" pitchFamily="34" charset="0"/>
               </a:rPr>
               <a:t>To store these ids we will use an another nested structure inside each form it contains “id” as subject and “no_error” as pass (Boolean)</a:t>
             </a:r>
@@ -26176,13 +25889,15 @@
               <a:buNone/>
             </a:pPr>
             <a:r>
-              <a:rPr lang="en" dirty="0">
-                <a:latin typeface="DM Serif Display" charset="0"/>
+              <a:rPr lang="en" sz="2200" dirty="0">
+                <a:latin typeface="Calibri" pitchFamily="34" charset="0"/>
+                <a:cs typeface="Calibri" pitchFamily="34" charset="0"/>
               </a:rPr>
               <a:t>Phase V</a:t>
             </a:r>
-            <a:endParaRPr dirty="0">
-              <a:latin typeface="DM Serif Display" charset="0"/>
+            <a:endParaRPr sz="2200" dirty="0">
+              <a:latin typeface="Calibri" pitchFamily="34" charset="0"/>
+              <a:cs typeface="Calibri" pitchFamily="34" charset="0"/>
             </a:endParaRPr>
           </a:p>
         </p:txBody>
@@ -26197,6 +25912,13 @@
   <p:clrMapOvr>
     <a:masterClrMapping/>
   </p:clrMapOvr>
+  <p:timing>
+    <p:tnLst>
+      <p:par>
+        <p:cTn id="1" dur="indefinite" restart="never" nodeType="tmRoot"/>
+      </p:par>
+    </p:tnLst>
+  </p:timing>
 </p:sld>
 </file>
 

--- a/Internship.pptx
+++ b/Internship.pptx
@@ -18030,7 +18030,7 @@
             </a:lvl9pPr>
           </a:lstStyle>
           <a:p>
-            <a:pPr marL="342900" indent="-342900">
+            <a:pPr marL="342900" indent="-342900" algn="just">
               <a:buClr>
                 <a:schemeClr val="tx1"/>
               </a:buClr>
@@ -18050,7 +18050,7 @@
             </a:r>
           </a:p>
           <a:p>
-            <a:pPr marL="342900" indent="-342900">
+            <a:pPr marL="342900" indent="-342900" algn="just">
               <a:buClr>
                 <a:schemeClr val="tx1"/>
               </a:buClr>
@@ -18070,7 +18070,7 @@
             </a:r>
           </a:p>
           <a:p>
-            <a:pPr marL="342900" indent="-342900">
+            <a:pPr marL="342900" indent="-342900" algn="just">
               <a:buClr>
                 <a:schemeClr val="tx1"/>
               </a:buClr>
@@ -18090,7 +18090,7 @@
             </a:r>
           </a:p>
           <a:p>
-            <a:pPr marL="342900" indent="-342900">
+            <a:pPr marL="342900" indent="-342900" algn="just">
               <a:buClr>
                 <a:schemeClr val="tx1"/>
               </a:buClr>
@@ -20790,15 +20790,22 @@
               <a:buChar char="•"/>
             </a:pPr>
             <a:r>
-              <a:rPr lang="en-IN" sz="1600" dirty="0">
+              <a:rPr lang="en-IN" sz="1600" dirty="0" smtClean="0">
                 <a:solidFill>
                   <a:schemeClr val="tx1"/>
                 </a:solidFill>
                 <a:latin typeface="Calibri" panose="020F0502020204030204" pitchFamily="34" charset="0"/>
                 <a:cs typeface="Calibri" panose="020F0502020204030204" pitchFamily="34" charset="0"/>
               </a:rPr>
-              <a:t>Area of study</a:t>
+              <a:t>Technical stack</a:t>
             </a:r>
+            <a:endParaRPr lang="en-IN" sz="1600" dirty="0">
+              <a:solidFill>
+                <a:schemeClr val="tx1"/>
+              </a:solidFill>
+              <a:latin typeface="Calibri" panose="020F0502020204030204" pitchFamily="34" charset="0"/>
+              <a:cs typeface="Calibri" panose="020F0502020204030204" pitchFamily="34" charset="0"/>
+            </a:endParaRPr>
           </a:p>
           <a:p>
             <a:pPr marL="285750" indent="-285750">
@@ -23121,7 +23128,7 @@
         <p:spPr>
           <a:xfrm>
             <a:off x="971600" y="1635646"/>
-            <a:ext cx="7560840" cy="3312368"/>
+            <a:ext cx="6696744" cy="3312368"/>
           </a:xfrm>
           <a:prstGeom prst="rect">
             <a:avLst/>
@@ -23361,7 +23368,7 @@
             </a:lvl9pPr>
           </a:lstStyle>
           <a:p>
-            <a:pPr marL="285750" lvl="1" indent="-285750">
+            <a:pPr marL="285750" lvl="1" indent="-285750" algn="just">
               <a:buClr>
                 <a:schemeClr val="tx1"/>
               </a:buClr>
@@ -23381,7 +23388,7 @@
             </a:r>
           </a:p>
           <a:p>
-            <a:pPr lvl="1">
+            <a:pPr lvl="1" algn="just">
               <a:buClr>
                 <a:schemeClr val="tx1"/>
               </a:buClr>
@@ -23416,7 +23423,7 @@
             </a:endParaRPr>
           </a:p>
           <a:p>
-            <a:pPr marL="342900" lvl="1" indent="-342900">
+            <a:pPr marL="342900" lvl="1" indent="-342900" algn="just">
               <a:buClr>
                 <a:schemeClr val="tx1"/>
               </a:buClr>
@@ -23436,7 +23443,7 @@
             </a:r>
           </a:p>
           <a:p>
-            <a:pPr lvl="2">
+            <a:pPr lvl="2" algn="just">
               <a:buClr>
                 <a:schemeClr val="tx1"/>
               </a:buClr>
@@ -23464,7 +23471,7 @@
             </a:r>
           </a:p>
           <a:p>
-            <a:pPr lvl="2">
+            <a:pPr lvl="2" algn="just">
               <a:buClr>
                 <a:schemeClr val="tx1"/>
               </a:buClr>
@@ -23482,7 +23489,7 @@
             </a:r>
           </a:p>
           <a:p>
-            <a:pPr lvl="2">
+            <a:pPr lvl="2" algn="just">
               <a:buClr>
                 <a:schemeClr val="tx1"/>
               </a:buClr>
@@ -23500,7 +23507,7 @@
             </a:r>
           </a:p>
           <a:p>
-            <a:pPr marL="285750" indent="-285750">
+            <a:pPr marL="285750" indent="-285750" algn="just">
               <a:buClr>
                 <a:schemeClr val="tx1"/>
               </a:buClr>
@@ -23520,7 +23527,7 @@
             </a:r>
           </a:p>
           <a:p>
-            <a:pPr lvl="1">
+            <a:pPr lvl="1" algn="just">
               <a:buClr>
                 <a:schemeClr val="tx1"/>
               </a:buClr>
@@ -23548,7 +23555,7 @@
             </a:r>
           </a:p>
           <a:p>
-            <a:pPr marL="285750" lvl="1" indent="-285750">
+            <a:pPr marL="285750" lvl="1" indent="-285750" algn="just">
               <a:buClr>
                 <a:schemeClr val="tx1"/>
               </a:buClr>
@@ -23568,7 +23575,7 @@
             </a:r>
           </a:p>
           <a:p>
-            <a:pPr>
+            <a:pPr algn="just">
               <a:buClr>
                 <a:schemeClr val="tx1"/>
               </a:buClr>
@@ -23767,7 +23774,7 @@
         <p:spPr>
           <a:xfrm>
             <a:off x="971600" y="1635646"/>
-            <a:ext cx="7632848" cy="3240360"/>
+            <a:ext cx="6624736" cy="3240360"/>
           </a:xfrm>
           <a:prstGeom prst="rect">
             <a:avLst/>
@@ -24007,7 +24014,7 @@
             </a:lvl9pPr>
           </a:lstStyle>
           <a:p>
-            <a:pPr marL="285750" lvl="1" indent="-285750">
+            <a:pPr marL="285750" lvl="1" indent="-285750" algn="just">
               <a:buClr>
                 <a:schemeClr val="tx1"/>
               </a:buClr>
@@ -24027,7 +24034,7 @@
             </a:r>
           </a:p>
           <a:p>
-            <a:pPr lvl="1">
+            <a:pPr lvl="1" algn="just">
               <a:buClr>
                 <a:schemeClr val="tx1"/>
               </a:buClr>
@@ -24062,7 +24069,7 @@
             </a:endParaRPr>
           </a:p>
           <a:p>
-            <a:pPr marL="285750" indent="-285750">
+            <a:pPr marL="285750" indent="-285750" algn="just">
               <a:buClr>
                 <a:schemeClr val="tx1"/>
               </a:buClr>
@@ -24082,7 +24089,7 @@
             </a:r>
           </a:p>
           <a:p>
-            <a:pPr lvl="1">
+            <a:pPr lvl="1" algn="just">
               <a:buClr>
                 <a:schemeClr val="tx1"/>
               </a:buClr>
@@ -24110,7 +24117,7 @@
             </a:r>
           </a:p>
           <a:p>
-            <a:pPr marL="285750" lvl="1" indent="-285750">
+            <a:pPr marL="285750" lvl="1" indent="-285750" algn="just">
               <a:buClr>
                 <a:schemeClr val="tx1"/>
               </a:buClr>
@@ -24130,7 +24137,7 @@
             </a:r>
           </a:p>
           <a:p>
-            <a:pPr>
+            <a:pPr algn="just">
               <a:buClr>
                 <a:schemeClr val="tx1"/>
               </a:buClr>
@@ -24329,7 +24336,7 @@
         <p:spPr>
           <a:xfrm>
             <a:off x="971600" y="1635646"/>
-            <a:ext cx="7704856" cy="3024336"/>
+            <a:ext cx="6624736" cy="3024336"/>
           </a:xfrm>
           <a:prstGeom prst="rect">
             <a:avLst/>
@@ -24569,7 +24576,7 @@
             </a:lvl9pPr>
           </a:lstStyle>
           <a:p>
-            <a:pPr marL="285750" lvl="1" indent="-285750">
+            <a:pPr marL="285750" lvl="1" indent="-285750" algn="just">
               <a:buClr>
                 <a:schemeClr val="tx1"/>
               </a:buClr>
@@ -24589,7 +24596,7 @@
             </a:r>
           </a:p>
           <a:p>
-            <a:pPr lvl="1">
+            <a:pPr lvl="1" algn="just">
               <a:buClr>
                 <a:schemeClr val="tx1"/>
               </a:buClr>
@@ -24624,7 +24631,7 @@
             </a:endParaRPr>
           </a:p>
           <a:p>
-            <a:pPr marL="285750" indent="-285750">
+            <a:pPr marL="285750" indent="-285750" algn="just">
               <a:buClr>
                 <a:schemeClr val="tx1"/>
               </a:buClr>
@@ -24644,7 +24651,7 @@
             </a:r>
           </a:p>
           <a:p>
-            <a:pPr lvl="1">
+            <a:pPr lvl="1" algn="just">
               <a:buClr>
                 <a:schemeClr val="tx1"/>
               </a:buClr>
@@ -24672,7 +24679,7 @@
             </a:r>
           </a:p>
           <a:p>
-            <a:pPr marL="285750" lvl="1" indent="-285750">
+            <a:pPr marL="285750" lvl="1" indent="-285750" algn="just">
               <a:buClr>
                 <a:schemeClr val="tx1"/>
               </a:buClr>
@@ -24692,7 +24699,7 @@
             </a:r>
           </a:p>
           <a:p>
-            <a:pPr>
+            <a:pPr algn="just">
               <a:buClr>
                 <a:schemeClr val="tx1"/>
               </a:buClr>
@@ -24931,7 +24938,7 @@
         <p:spPr>
           <a:xfrm>
             <a:off x="971600" y="1635646"/>
-            <a:ext cx="7776864" cy="3024336"/>
+            <a:ext cx="6696744" cy="3024336"/>
           </a:xfrm>
           <a:prstGeom prst="rect">
             <a:avLst/>
@@ -25171,7 +25178,7 @@
             </a:lvl9pPr>
           </a:lstStyle>
           <a:p>
-            <a:pPr marL="285750" lvl="1" indent="-285750">
+            <a:pPr marL="285750" lvl="1" indent="-285750" algn="just">
               <a:buClr>
                 <a:schemeClr val="tx1"/>
               </a:buClr>
@@ -25191,7 +25198,7 @@
             </a:r>
           </a:p>
           <a:p>
-            <a:pPr lvl="1">
+            <a:pPr lvl="1" algn="just">
               <a:buClr>
                 <a:schemeClr val="tx1"/>
               </a:buClr>
@@ -25226,7 +25233,7 @@
             </a:endParaRPr>
           </a:p>
           <a:p>
-            <a:pPr marL="285750" indent="-285750">
+            <a:pPr marL="285750" indent="-285750" algn="just">
               <a:buClr>
                 <a:schemeClr val="tx1"/>
               </a:buClr>
@@ -25246,7 +25253,7 @@
             </a:r>
           </a:p>
           <a:p>
-            <a:pPr lvl="1">
+            <a:pPr lvl="1" algn="just">
               <a:buClr>
                 <a:schemeClr val="tx1"/>
               </a:buClr>
@@ -25274,7 +25281,7 @@
             </a:r>
           </a:p>
           <a:p>
-            <a:pPr marL="285750" lvl="1" indent="-285750">
+            <a:pPr marL="285750" lvl="1" indent="-285750" algn="just">
               <a:buClr>
                 <a:schemeClr val="tx1"/>
               </a:buClr>
@@ -25294,7 +25301,7 @@
             </a:r>
           </a:p>
           <a:p>
-            <a:pPr>
+            <a:pPr algn="just">
               <a:buClr>
                 <a:schemeClr val="tx1"/>
               </a:buClr>
@@ -25493,7 +25500,7 @@
         <p:spPr>
           <a:xfrm>
             <a:off x="755576" y="1851670"/>
-            <a:ext cx="7920880" cy="2664296"/>
+            <a:ext cx="6912768" cy="2664296"/>
           </a:xfrm>
           <a:prstGeom prst="rect">
             <a:avLst/>
@@ -25733,7 +25740,7 @@
             </a:lvl9pPr>
           </a:lstStyle>
           <a:p>
-            <a:pPr marL="285750" lvl="1" indent="-285750">
+            <a:pPr marL="285750" lvl="1" indent="-285750" algn="just">
               <a:buClr>
                 <a:schemeClr val="tx1"/>
               </a:buClr>
@@ -25753,7 +25760,7 @@
             </a:r>
           </a:p>
           <a:p>
-            <a:pPr marL="285750" lvl="1" indent="-285750">
+            <a:pPr marL="285750" lvl="1" indent="-285750" algn="just">
               <a:buClr>
                 <a:schemeClr val="tx1"/>
               </a:buClr>
@@ -25773,7 +25780,7 @@
             </a:r>
           </a:p>
           <a:p>
-            <a:pPr marL="285750" lvl="1" indent="-285750">
+            <a:pPr marL="285750" lvl="1" indent="-285750" algn="just">
               <a:buClr>
                 <a:schemeClr val="tx1"/>
               </a:buClr>
@@ -25793,7 +25800,7 @@
             </a:r>
           </a:p>
           <a:p>
-            <a:pPr marL="285750" lvl="1" indent="-285750">
+            <a:pPr marL="285750" lvl="1" indent="-285750" algn="just">
               <a:buClr>
                 <a:schemeClr val="tx1"/>
               </a:buClr>
@@ -25813,7 +25820,7 @@
             </a:r>
           </a:p>
           <a:p>
-            <a:pPr marL="285750" lvl="1" indent="-285750">
+            <a:pPr marL="285750" lvl="1" indent="-285750" algn="just">
               <a:buClr>
                 <a:schemeClr val="tx1"/>
               </a:buClr>
@@ -25833,7 +25840,7 @@
             </a:r>
           </a:p>
           <a:p>
-            <a:pPr marL="285750" lvl="1" indent="-285750">
+            <a:pPr marL="285750" lvl="1" indent="-285750" algn="just">
               <a:buClr>
                 <a:schemeClr val="tx1"/>
               </a:buClr>

--- a/Internship.pptx
+++ b/Internship.pptx
@@ -5,7 +5,7 @@
     <p:sldMasterId id="2147483683" r:id="rId1"/>
   </p:sldMasterIdLst>
   <p:notesMasterIdLst>
-    <p:notesMasterId r:id="rId20"/>
+    <p:notesMasterId r:id="rId25"/>
   </p:notesMasterIdLst>
   <p:sldIdLst>
     <p:sldId id="256" r:id="rId2"/>
@@ -13,59 +13,64 @@
     <p:sldId id="278" r:id="rId4"/>
     <p:sldId id="280" r:id="rId5"/>
     <p:sldId id="324" r:id="rId6"/>
-    <p:sldId id="330" r:id="rId7"/>
-    <p:sldId id="331" r:id="rId8"/>
-    <p:sldId id="332" r:id="rId9"/>
-    <p:sldId id="328" r:id="rId10"/>
-    <p:sldId id="327" r:id="rId11"/>
-    <p:sldId id="316" r:id="rId12"/>
-    <p:sldId id="333" r:id="rId13"/>
-    <p:sldId id="334" r:id="rId14"/>
-    <p:sldId id="322" r:id="rId15"/>
-    <p:sldId id="318" r:id="rId16"/>
-    <p:sldId id="319" r:id="rId17"/>
-    <p:sldId id="320" r:id="rId18"/>
-    <p:sldId id="321" r:id="rId19"/>
+    <p:sldId id="335" r:id="rId7"/>
+    <p:sldId id="330" r:id="rId8"/>
+    <p:sldId id="336" r:id="rId9"/>
+    <p:sldId id="331" r:id="rId10"/>
+    <p:sldId id="337" r:id="rId11"/>
+    <p:sldId id="332" r:id="rId12"/>
+    <p:sldId id="338" r:id="rId13"/>
+    <p:sldId id="328" r:id="rId14"/>
+    <p:sldId id="327" r:id="rId15"/>
+    <p:sldId id="316" r:id="rId16"/>
+    <p:sldId id="334" r:id="rId17"/>
+    <p:sldId id="322" r:id="rId18"/>
+    <p:sldId id="318" r:id="rId19"/>
+    <p:sldId id="340" r:id="rId20"/>
+    <p:sldId id="319" r:id="rId21"/>
+    <p:sldId id="320" r:id="rId22"/>
+    <p:sldId id="321" r:id="rId23"/>
+    <p:sldId id="333" r:id="rId24"/>
   </p:sldIdLst>
   <p:sldSz cx="9144000" cy="5143500" type="screen16x9"/>
   <p:notesSz cx="6858000" cy="9144000"/>
   <p:embeddedFontLst>
     <p:embeddedFont>
       <p:font typeface="DM Serif Display" charset="0"/>
-      <p:regular r:id="rId21"/>
-      <p:italic r:id="rId22"/>
+      <p:regular r:id="rId26"/>
+      <p:italic r:id="rId27"/>
     </p:embeddedFont>
     <p:embeddedFont>
       <p:font typeface="Caveat" charset="0"/>
-      <p:regular r:id="rId23"/>
-      <p:bold r:id="rId24"/>
+      <p:regular r:id="rId28"/>
+      <p:bold r:id="rId29"/>
     </p:embeddedFont>
     <p:embeddedFont>
       <p:font typeface="Yanone Kaffeesatz" charset="0"/>
-      <p:regular r:id="rId25"/>
-      <p:bold r:id="rId26"/>
+      <p:regular r:id="rId30"/>
+      <p:bold r:id="rId31"/>
     </p:embeddedFont>
     <p:embeddedFont>
       <p:font typeface="Francois One" charset="0"/>
-      <p:regular r:id="rId27"/>
+      <p:regular r:id="rId32"/>
     </p:embeddedFont>
     <p:embeddedFont>
       <p:font typeface="Calibri" pitchFamily="34" charset="0"/>
-      <p:regular r:id="rId28"/>
-      <p:bold r:id="rId29"/>
-      <p:italic r:id="rId30"/>
-      <p:boldItalic r:id="rId31"/>
+      <p:regular r:id="rId33"/>
+      <p:bold r:id="rId34"/>
+      <p:italic r:id="rId35"/>
+      <p:boldItalic r:id="rId36"/>
     </p:embeddedFont>
     <p:embeddedFont>
       <p:font typeface="Josefin Slab" charset="0"/>
-      <p:regular r:id="rId32"/>
-      <p:bold r:id="rId33"/>
-      <p:italic r:id="rId34"/>
-      <p:boldItalic r:id="rId35"/>
+      <p:regular r:id="rId37"/>
+      <p:bold r:id="rId38"/>
+      <p:italic r:id="rId39"/>
+      <p:boldItalic r:id="rId40"/>
     </p:embeddedFont>
     <p:embeddedFont>
       <p:font typeface="Actor" charset="0"/>
-      <p:regular r:id="rId36"/>
+      <p:regular r:id="rId41"/>
     </p:embeddedFont>
   </p:embeddedFontLst>
   <p:defaultTextStyle>
@@ -13051,6 +13056,1458 @@
       </p:grpSpPr>
       <p:sp>
         <p:nvSpPr>
+          <p:cNvPr id="12" name="Google Shape;666;p62"/>
+          <p:cNvSpPr txBox="1">
+            <a:spLocks noGrp="1"/>
+          </p:cNvSpPr>
+          <p:nvPr>
+            <p:ph type="subTitle" idx="1"/>
+          </p:nvPr>
+        </p:nvSpPr>
+        <p:spPr>
+          <a:xfrm>
+            <a:off x="485652" y="627534"/>
+            <a:ext cx="2214140" cy="539400"/>
+          </a:xfrm>
+          <a:prstGeom prst="rect">
+            <a:avLst/>
+          </a:prstGeom>
+        </p:spPr>
+        <p:txBody>
+          <a:bodyPr spcFirstLastPara="1" wrap="square" lIns="91425" tIns="91425" rIns="91425" bIns="91425" anchor="ctr" anchorCtr="0">
+            <a:noAutofit/>
+          </a:bodyPr>
+          <a:lstStyle/>
+          <a:p>
+            <a:pPr marL="0" lvl="0" indent="0" algn="ctr" rtl="0">
+              <a:spcBef>
+                <a:spcPts val="0"/>
+              </a:spcBef>
+              <a:spcAft>
+                <a:spcPts val="0"/>
+              </a:spcAft>
+              <a:buNone/>
+            </a:pPr>
+            <a:r>
+              <a:rPr lang="en" sz="2200" dirty="0">
+                <a:latin typeface="Calibri" pitchFamily="34" charset="0"/>
+                <a:cs typeface="Calibri" pitchFamily="34" charset="0"/>
+              </a:rPr>
+              <a:t>Phase </a:t>
+            </a:r>
+            <a:r>
+              <a:rPr lang="en" sz="2200" dirty="0" smtClean="0">
+                <a:latin typeface="Calibri" pitchFamily="34" charset="0"/>
+                <a:cs typeface="Calibri" pitchFamily="34" charset="0"/>
+              </a:rPr>
+              <a:t>III Query: </a:t>
+            </a:r>
+            <a:endParaRPr sz="2200" dirty="0">
+              <a:latin typeface="Calibri" pitchFamily="34" charset="0"/>
+              <a:cs typeface="Calibri" pitchFamily="34" charset="0"/>
+            </a:endParaRPr>
+          </a:p>
+        </p:txBody>
+      </p:sp>
+      <p:pic>
+        <p:nvPicPr>
+          <p:cNvPr id="4098" name="Picture 2"/>
+          <p:cNvPicPr>
+            <a:picLocks noChangeAspect="1" noChangeArrowheads="1"/>
+          </p:cNvPicPr>
+          <p:nvPr/>
+        </p:nvPicPr>
+        <p:blipFill>
+          <a:blip r:embed="rId2">
+            <a:extLst>
+              <a:ext uri="{28A0092B-C50C-407E-A947-70E740481C1C}">
+                <a14:useLocalDpi xmlns:a14="http://schemas.microsoft.com/office/drawing/2010/main" val="0"/>
+              </a:ext>
+            </a:extLst>
+          </a:blip>
+          <a:srcRect/>
+          <a:stretch>
+            <a:fillRect/>
+          </a:stretch>
+        </p:blipFill>
+        <p:spPr bwMode="auto">
+          <a:xfrm>
+            <a:off x="2771800" y="915566"/>
+            <a:ext cx="3965052" cy="3795886"/>
+          </a:xfrm>
+          <a:prstGeom prst="rect">
+            <a:avLst/>
+          </a:prstGeom>
+          <a:noFill/>
+          <a:ln>
+            <a:noFill/>
+          </a:ln>
+          <a:effectLst/>
+          <a:extLst>
+            <a:ext uri="{909E8E84-426E-40DD-AFC4-6F175D3DCCD1}">
+              <a14:hiddenFill xmlns:a14="http://schemas.microsoft.com/office/drawing/2010/main">
+                <a:solidFill>
+                  <a:schemeClr val="accent1"/>
+                </a:solidFill>
+              </a14:hiddenFill>
+            </a:ext>
+            <a:ext uri="{91240B29-F687-4F45-9708-019B960494DF}">
+              <a14:hiddenLine xmlns:a14="http://schemas.microsoft.com/office/drawing/2010/main" w="9525">
+                <a:solidFill>
+                  <a:schemeClr val="tx1"/>
+                </a:solidFill>
+                <a:miter lim="800000"/>
+                <a:headEnd/>
+                <a:tailEnd/>
+              </a14:hiddenLine>
+            </a:ext>
+            <a:ext uri="{AF507438-7753-43E0-B8FC-AC1667EBCBE1}">
+              <a14:hiddenEffects xmlns:a14="http://schemas.microsoft.com/office/drawing/2010/main">
+                <a:effectLst>
+                  <a:outerShdw dist="35921" dir="2700000" algn="ctr" rotWithShape="0">
+                    <a:schemeClr val="bg2"/>
+                  </a:outerShdw>
+                </a:effectLst>
+              </a14:hiddenEffects>
+            </a:ext>
+          </a:extLst>
+        </p:spPr>
+      </p:pic>
+    </p:spTree>
+    <p:extLst>
+      <p:ext uri="{BB962C8B-B14F-4D97-AF65-F5344CB8AC3E}">
+        <p14:creationId xmlns:p14="http://schemas.microsoft.com/office/powerpoint/2010/main" val="1911423771"/>
+      </p:ext>
+    </p:extLst>
+  </p:cSld>
+  <p:clrMapOvr>
+    <a:masterClrMapping/>
+  </p:clrMapOvr>
+</p:sld>
+</file>
+
+<file path=ppt/slides/slide11.xml><?xml version="1.0" encoding="utf-8"?>
+<p:sld xmlns:a="http://schemas.openxmlformats.org/drawingml/2006/main" xmlns:r="http://schemas.openxmlformats.org/officeDocument/2006/relationships" xmlns:p="http://schemas.openxmlformats.org/presentationml/2006/main">
+  <p:cSld>
+    <p:spTree>
+      <p:nvGrpSpPr>
+        <p:cNvPr id="1" name=""/>
+        <p:cNvGrpSpPr/>
+        <p:nvPr/>
+      </p:nvGrpSpPr>
+      <p:grpSpPr>
+        <a:xfrm>
+          <a:off x="0" y="0"/>
+          <a:ext cx="0" cy="0"/>
+          <a:chOff x="0" y="0"/>
+          <a:chExt cx="0" cy="0"/>
+        </a:xfrm>
+      </p:grpSpPr>
+      <p:sp>
+        <p:nvSpPr>
+          <p:cNvPr id="11" name="Google Shape;764;p70"/>
+          <p:cNvSpPr txBox="1">
+            <a:spLocks noGrp="1"/>
+          </p:cNvSpPr>
+          <p:nvPr>
+            <p:ph type="title"/>
+          </p:nvPr>
+        </p:nvSpPr>
+        <p:spPr>
+          <a:xfrm>
+            <a:off x="713250" y="395484"/>
+            <a:ext cx="3858750" cy="539400"/>
+          </a:xfrm>
+          <a:prstGeom prst="rect">
+            <a:avLst/>
+          </a:prstGeom>
+        </p:spPr>
+        <p:txBody>
+          <a:bodyPr spcFirstLastPara="1" wrap="square" lIns="91425" tIns="91425" rIns="91425" bIns="91425" anchor="ctr" anchorCtr="0">
+            <a:noAutofit/>
+          </a:bodyPr>
+          <a:lstStyle/>
+          <a:p>
+            <a:pPr marL="0" lvl="0" indent="0" algn="l" rtl="0">
+              <a:spcBef>
+                <a:spcPts val="0"/>
+              </a:spcBef>
+              <a:spcAft>
+                <a:spcPts val="0"/>
+              </a:spcAft>
+              <a:buNone/>
+            </a:pPr>
+            <a:r>
+              <a:rPr lang="en-IN" sz="3000" dirty="0">
+                <a:latin typeface="Calibri" pitchFamily="34" charset="0"/>
+                <a:cs typeface="Calibri" pitchFamily="34" charset="0"/>
+              </a:rPr>
+              <a:t>Requirement</a:t>
+            </a:r>
+            <a:endParaRPr sz="3000" dirty="0">
+              <a:latin typeface="Calibri" pitchFamily="34" charset="0"/>
+              <a:cs typeface="Calibri" pitchFamily="34" charset="0"/>
+            </a:endParaRPr>
+          </a:p>
+        </p:txBody>
+      </p:sp>
+      <p:sp>
+        <p:nvSpPr>
+          <p:cNvPr id="12" name="Google Shape;783;p70"/>
+          <p:cNvSpPr/>
+          <p:nvPr/>
+        </p:nvSpPr>
+        <p:spPr>
+          <a:xfrm rot="5400000">
+            <a:off x="1796284" y="39893"/>
+            <a:ext cx="43200" cy="1980600"/>
+          </a:xfrm>
+          <a:prstGeom prst="rect">
+            <a:avLst/>
+          </a:prstGeom>
+          <a:solidFill>
+            <a:schemeClr val="lt2"/>
+          </a:solidFill>
+          <a:ln>
+            <a:noFill/>
+          </a:ln>
+        </p:spPr>
+        <p:txBody>
+          <a:bodyPr spcFirstLastPara="1" wrap="square" lIns="91425" tIns="91425" rIns="91425" bIns="91425" anchor="ctr" anchorCtr="0">
+            <a:noAutofit/>
+          </a:bodyPr>
+          <a:lstStyle/>
+          <a:p>
+            <a:pPr marL="0" lvl="0" indent="0" algn="l" rtl="0">
+              <a:spcBef>
+                <a:spcPts val="0"/>
+              </a:spcBef>
+              <a:spcAft>
+                <a:spcPts val="0"/>
+              </a:spcAft>
+              <a:buNone/>
+            </a:pPr>
+            <a:endParaRPr>
+              <a:latin typeface="Calibri" pitchFamily="34" charset="0"/>
+              <a:cs typeface="Calibri" pitchFamily="34" charset="0"/>
+            </a:endParaRPr>
+          </a:p>
+        </p:txBody>
+      </p:sp>
+      <p:sp>
+        <p:nvSpPr>
+          <p:cNvPr id="13" name="Google Shape;630;p60"/>
+          <p:cNvSpPr txBox="1">
+            <a:spLocks/>
+          </p:cNvSpPr>
+          <p:nvPr/>
+        </p:nvSpPr>
+        <p:spPr>
+          <a:xfrm>
+            <a:off x="971600" y="1635646"/>
+            <a:ext cx="6696744" cy="3024336"/>
+          </a:xfrm>
+          <a:prstGeom prst="rect">
+            <a:avLst/>
+          </a:prstGeom>
+        </p:spPr>
+        <p:txBody>
+          <a:bodyPr spcFirstLastPara="1" wrap="square" lIns="91425" tIns="91425" rIns="91425" bIns="91425" anchor="t" anchorCtr="0">
+            <a:noAutofit/>
+          </a:bodyPr>
+          <a:lstStyle>
+            <a:defPPr marR="0" lvl="0" algn="l" rtl="0">
+              <a:lnSpc>
+                <a:spcPct val="100000"/>
+              </a:lnSpc>
+              <a:spcBef>
+                <a:spcPts val="0"/>
+              </a:spcBef>
+              <a:spcAft>
+                <a:spcPts val="0"/>
+              </a:spcAft>
+            </a:defPPr>
+            <a:lvl1pPr marR="0" lvl="0" algn="l" rtl="0">
+              <a:lnSpc>
+                <a:spcPct val="100000"/>
+              </a:lnSpc>
+              <a:spcBef>
+                <a:spcPts val="0"/>
+              </a:spcBef>
+              <a:spcAft>
+                <a:spcPts val="0"/>
+              </a:spcAft>
+              <a:buClr>
+                <a:srgbClr val="000000"/>
+              </a:buClr>
+              <a:buFont typeface="Arial"/>
+              <a:defRPr sz="1400" b="0" i="0" u="none" strike="noStrike" cap="none">
+                <a:solidFill>
+                  <a:srgbClr val="000000"/>
+                </a:solidFill>
+                <a:latin typeface="Arial"/>
+                <a:ea typeface="Arial"/>
+                <a:cs typeface="Arial"/>
+                <a:sym typeface="Arial"/>
+              </a:defRPr>
+            </a:lvl1pPr>
+            <a:lvl2pPr marR="0" lvl="1" algn="l" rtl="0">
+              <a:lnSpc>
+                <a:spcPct val="100000"/>
+              </a:lnSpc>
+              <a:spcBef>
+                <a:spcPts val="0"/>
+              </a:spcBef>
+              <a:spcAft>
+                <a:spcPts val="0"/>
+              </a:spcAft>
+              <a:buClr>
+                <a:srgbClr val="000000"/>
+              </a:buClr>
+              <a:buFont typeface="Arial"/>
+              <a:defRPr sz="1400" b="0" i="0" u="none" strike="noStrike" cap="none">
+                <a:solidFill>
+                  <a:srgbClr val="000000"/>
+                </a:solidFill>
+                <a:latin typeface="Arial"/>
+                <a:ea typeface="Arial"/>
+                <a:cs typeface="Arial"/>
+                <a:sym typeface="Arial"/>
+              </a:defRPr>
+            </a:lvl2pPr>
+            <a:lvl3pPr marR="0" lvl="2" algn="l" rtl="0">
+              <a:lnSpc>
+                <a:spcPct val="100000"/>
+              </a:lnSpc>
+              <a:spcBef>
+                <a:spcPts val="0"/>
+              </a:spcBef>
+              <a:spcAft>
+                <a:spcPts val="0"/>
+              </a:spcAft>
+              <a:buClr>
+                <a:srgbClr val="000000"/>
+              </a:buClr>
+              <a:buFont typeface="Arial"/>
+              <a:defRPr sz="1400" b="0" i="0" u="none" strike="noStrike" cap="none">
+                <a:solidFill>
+                  <a:srgbClr val="000000"/>
+                </a:solidFill>
+                <a:latin typeface="Arial"/>
+                <a:ea typeface="Arial"/>
+                <a:cs typeface="Arial"/>
+                <a:sym typeface="Arial"/>
+              </a:defRPr>
+            </a:lvl3pPr>
+            <a:lvl4pPr marR="0" lvl="3" algn="l" rtl="0">
+              <a:lnSpc>
+                <a:spcPct val="100000"/>
+              </a:lnSpc>
+              <a:spcBef>
+                <a:spcPts val="0"/>
+              </a:spcBef>
+              <a:spcAft>
+                <a:spcPts val="0"/>
+              </a:spcAft>
+              <a:buClr>
+                <a:srgbClr val="000000"/>
+              </a:buClr>
+              <a:buFont typeface="Arial"/>
+              <a:defRPr sz="1400" b="0" i="0" u="none" strike="noStrike" cap="none">
+                <a:solidFill>
+                  <a:srgbClr val="000000"/>
+                </a:solidFill>
+                <a:latin typeface="Arial"/>
+                <a:ea typeface="Arial"/>
+                <a:cs typeface="Arial"/>
+                <a:sym typeface="Arial"/>
+              </a:defRPr>
+            </a:lvl4pPr>
+            <a:lvl5pPr marR="0" lvl="4" algn="l" rtl="0">
+              <a:lnSpc>
+                <a:spcPct val="100000"/>
+              </a:lnSpc>
+              <a:spcBef>
+                <a:spcPts val="0"/>
+              </a:spcBef>
+              <a:spcAft>
+                <a:spcPts val="0"/>
+              </a:spcAft>
+              <a:buClr>
+                <a:srgbClr val="000000"/>
+              </a:buClr>
+              <a:buFont typeface="Arial"/>
+              <a:defRPr sz="1400" b="0" i="0" u="none" strike="noStrike" cap="none">
+                <a:solidFill>
+                  <a:srgbClr val="000000"/>
+                </a:solidFill>
+                <a:latin typeface="Arial"/>
+                <a:ea typeface="Arial"/>
+                <a:cs typeface="Arial"/>
+                <a:sym typeface="Arial"/>
+              </a:defRPr>
+            </a:lvl5pPr>
+            <a:lvl6pPr marR="0" lvl="5" algn="l" rtl="0">
+              <a:lnSpc>
+                <a:spcPct val="100000"/>
+              </a:lnSpc>
+              <a:spcBef>
+                <a:spcPts val="0"/>
+              </a:spcBef>
+              <a:spcAft>
+                <a:spcPts val="0"/>
+              </a:spcAft>
+              <a:buClr>
+                <a:srgbClr val="000000"/>
+              </a:buClr>
+              <a:buFont typeface="Arial"/>
+              <a:defRPr sz="1400" b="0" i="0" u="none" strike="noStrike" cap="none">
+                <a:solidFill>
+                  <a:srgbClr val="000000"/>
+                </a:solidFill>
+                <a:latin typeface="Arial"/>
+                <a:ea typeface="Arial"/>
+                <a:cs typeface="Arial"/>
+                <a:sym typeface="Arial"/>
+              </a:defRPr>
+            </a:lvl6pPr>
+            <a:lvl7pPr marR="0" lvl="6" algn="l" rtl="0">
+              <a:lnSpc>
+                <a:spcPct val="100000"/>
+              </a:lnSpc>
+              <a:spcBef>
+                <a:spcPts val="0"/>
+              </a:spcBef>
+              <a:spcAft>
+                <a:spcPts val="0"/>
+              </a:spcAft>
+              <a:buClr>
+                <a:srgbClr val="000000"/>
+              </a:buClr>
+              <a:buFont typeface="Arial"/>
+              <a:defRPr sz="1400" b="0" i="0" u="none" strike="noStrike" cap="none">
+                <a:solidFill>
+                  <a:srgbClr val="000000"/>
+                </a:solidFill>
+                <a:latin typeface="Arial"/>
+                <a:ea typeface="Arial"/>
+                <a:cs typeface="Arial"/>
+                <a:sym typeface="Arial"/>
+              </a:defRPr>
+            </a:lvl7pPr>
+            <a:lvl8pPr marR="0" lvl="7" algn="l" rtl="0">
+              <a:lnSpc>
+                <a:spcPct val="100000"/>
+              </a:lnSpc>
+              <a:spcBef>
+                <a:spcPts val="0"/>
+              </a:spcBef>
+              <a:spcAft>
+                <a:spcPts val="0"/>
+              </a:spcAft>
+              <a:buClr>
+                <a:srgbClr val="000000"/>
+              </a:buClr>
+              <a:buFont typeface="Arial"/>
+              <a:defRPr sz="1400" b="0" i="0" u="none" strike="noStrike" cap="none">
+                <a:solidFill>
+                  <a:srgbClr val="000000"/>
+                </a:solidFill>
+                <a:latin typeface="Arial"/>
+                <a:ea typeface="Arial"/>
+                <a:cs typeface="Arial"/>
+                <a:sym typeface="Arial"/>
+              </a:defRPr>
+            </a:lvl8pPr>
+            <a:lvl9pPr marR="0" lvl="8" algn="l" rtl="0">
+              <a:lnSpc>
+                <a:spcPct val="100000"/>
+              </a:lnSpc>
+              <a:spcBef>
+                <a:spcPts val="0"/>
+              </a:spcBef>
+              <a:spcAft>
+                <a:spcPts val="0"/>
+              </a:spcAft>
+              <a:buClr>
+                <a:srgbClr val="000000"/>
+              </a:buClr>
+              <a:buFont typeface="Arial"/>
+              <a:defRPr sz="1400" b="0" i="0" u="none" strike="noStrike" cap="none">
+                <a:solidFill>
+                  <a:srgbClr val="000000"/>
+                </a:solidFill>
+                <a:latin typeface="Arial"/>
+                <a:ea typeface="Arial"/>
+                <a:cs typeface="Arial"/>
+                <a:sym typeface="Arial"/>
+              </a:defRPr>
+            </a:lvl9pPr>
+          </a:lstStyle>
+          <a:p>
+            <a:pPr marL="285750" lvl="1" indent="-285750" algn="just">
+              <a:buClr>
+                <a:schemeClr val="tx1"/>
+              </a:buClr>
+              <a:buSzPct val="125000"/>
+              <a:buFont typeface="Arial" pitchFamily="34" charset="0"/>
+              <a:buChar char="•"/>
+            </a:pPr>
+            <a:r>
+              <a:rPr lang="en-IN" sz="1600" b="1" dirty="0">
+                <a:solidFill>
+                  <a:schemeClr val="tx1"/>
+                </a:solidFill>
+                <a:latin typeface="Calibri" pitchFamily="34" charset="0"/>
+                <a:cs typeface="Calibri" pitchFamily="34" charset="0"/>
+              </a:rPr>
+              <a:t>Requirement:</a:t>
+            </a:r>
+          </a:p>
+          <a:p>
+            <a:pPr lvl="1" algn="just">
+              <a:buClr>
+                <a:schemeClr val="tx1"/>
+              </a:buClr>
+              <a:buSzPct val="125000"/>
+            </a:pPr>
+            <a:r>
+              <a:rPr lang="en-IN" sz="1600" b="1" dirty="0">
+                <a:solidFill>
+                  <a:schemeClr val="tx1"/>
+                </a:solidFill>
+                <a:latin typeface="Calibri" pitchFamily="34" charset="0"/>
+                <a:cs typeface="Calibri" pitchFamily="34" charset="0"/>
+              </a:rPr>
+              <a:t>	</a:t>
+            </a:r>
+            <a:r>
+              <a:rPr lang="en-IN" sz="1600" dirty="0">
+                <a:solidFill>
+                  <a:schemeClr val="tx1"/>
+                </a:solidFill>
+                <a:latin typeface="Calibri" pitchFamily="34" charset="0"/>
+                <a:cs typeface="Calibri" pitchFamily="34" charset="0"/>
+              </a:rPr>
+              <a:t>Query for the students who passed the all semesters</a:t>
+            </a:r>
+            <a:endParaRPr lang="en-IN" sz="1600" b="1" dirty="0">
+              <a:solidFill>
+                <a:schemeClr val="tx1"/>
+              </a:solidFill>
+              <a:latin typeface="Calibri" pitchFamily="34" charset="0"/>
+              <a:cs typeface="Calibri" pitchFamily="34" charset="0"/>
+            </a:endParaRPr>
+          </a:p>
+          <a:p>
+            <a:pPr marL="285750" indent="-285750" algn="just">
+              <a:buClr>
+                <a:schemeClr val="tx1"/>
+              </a:buClr>
+              <a:buSzPct val="125000"/>
+              <a:buFont typeface="Arial" pitchFamily="34" charset="0"/>
+              <a:buChar char="•"/>
+            </a:pPr>
+            <a:r>
+              <a:rPr lang="en-IN" sz="1600" b="1" dirty="0">
+                <a:solidFill>
+                  <a:schemeClr val="tx1"/>
+                </a:solidFill>
+                <a:latin typeface="Calibri" pitchFamily="34" charset="0"/>
+                <a:cs typeface="Calibri" pitchFamily="34" charset="0"/>
+              </a:rPr>
+              <a:t>Data:</a:t>
+            </a:r>
+          </a:p>
+          <a:p>
+            <a:pPr lvl="1" algn="just">
+              <a:buClr>
+                <a:schemeClr val="tx1"/>
+              </a:buClr>
+              <a:buSzPct val="125000"/>
+            </a:pPr>
+            <a:r>
+              <a:rPr lang="en-IN" sz="1600" b="1" dirty="0">
+                <a:solidFill>
+                  <a:schemeClr val="tx1"/>
+                </a:solidFill>
+                <a:latin typeface="Calibri" pitchFamily="34" charset="0"/>
+                <a:cs typeface="Calibri" pitchFamily="34" charset="0"/>
+              </a:rPr>
+              <a:t>	</a:t>
+            </a:r>
+            <a:r>
+              <a:rPr lang="en-IN" sz="1600" dirty="0">
+                <a:solidFill>
+                  <a:schemeClr val="tx1"/>
+                </a:solidFill>
+                <a:latin typeface="Calibri" pitchFamily="34" charset="0"/>
+                <a:cs typeface="Calibri" pitchFamily="34" charset="0"/>
+              </a:rPr>
+              <a:t>The may be unknown number of semesters under student. </a:t>
+            </a:r>
+          </a:p>
+          <a:p>
+            <a:pPr marL="285750" lvl="1" indent="-285750" algn="just">
+              <a:buClr>
+                <a:schemeClr val="tx1"/>
+              </a:buClr>
+              <a:buSzPct val="125000"/>
+              <a:buFont typeface="Arial" pitchFamily="34" charset="0"/>
+              <a:buChar char="•"/>
+            </a:pPr>
+            <a:r>
+              <a:rPr lang="en-IN" sz="1600" b="1" dirty="0">
+                <a:solidFill>
+                  <a:schemeClr val="tx1"/>
+                </a:solidFill>
+                <a:latin typeface="Calibri" pitchFamily="34" charset="0"/>
+                <a:cs typeface="Calibri" pitchFamily="34" charset="0"/>
+              </a:rPr>
+              <a:t>Approach:</a:t>
+            </a:r>
+          </a:p>
+          <a:p>
+            <a:pPr algn="just">
+              <a:buClr>
+                <a:schemeClr val="tx1"/>
+              </a:buClr>
+              <a:buSzPct val="125000"/>
+            </a:pPr>
+            <a:r>
+              <a:rPr lang="en-IN" sz="1600" dirty="0">
+                <a:solidFill>
+                  <a:schemeClr val="tx1"/>
+                </a:solidFill>
+                <a:latin typeface="Calibri" pitchFamily="34" charset="0"/>
+                <a:cs typeface="Calibri" pitchFamily="34" charset="0"/>
+              </a:rPr>
+              <a:t>	Here used a “nested” mapping to store subject and semester level details, used bool query to check passed ids and an outer bool query for every semester pass checking and a final bool query to display the passed students.</a:t>
+            </a:r>
+          </a:p>
+        </p:txBody>
+      </p:sp>
+      <p:sp>
+        <p:nvSpPr>
+          <p:cNvPr id="14" name="Google Shape;666;p62"/>
+          <p:cNvSpPr txBox="1">
+            <a:spLocks noGrp="1"/>
+          </p:cNvSpPr>
+          <p:nvPr>
+            <p:ph type="subTitle" idx="1"/>
+          </p:nvPr>
+        </p:nvSpPr>
+        <p:spPr>
+          <a:xfrm>
+            <a:off x="2788643" y="1131590"/>
+            <a:ext cx="2214140" cy="539400"/>
+          </a:xfrm>
+          <a:prstGeom prst="rect">
+            <a:avLst/>
+          </a:prstGeom>
+        </p:spPr>
+        <p:txBody>
+          <a:bodyPr spcFirstLastPara="1" wrap="square" lIns="91425" tIns="91425" rIns="91425" bIns="91425" anchor="ctr" anchorCtr="0">
+            <a:noAutofit/>
+          </a:bodyPr>
+          <a:lstStyle/>
+          <a:p>
+            <a:pPr marL="0" lvl="0" indent="0" algn="ctr" rtl="0">
+              <a:spcBef>
+                <a:spcPts val="0"/>
+              </a:spcBef>
+              <a:spcAft>
+                <a:spcPts val="0"/>
+              </a:spcAft>
+              <a:buNone/>
+            </a:pPr>
+            <a:r>
+              <a:rPr lang="en" sz="2200" dirty="0">
+                <a:latin typeface="Calibri" pitchFamily="34" charset="0"/>
+                <a:cs typeface="Calibri" pitchFamily="34" charset="0"/>
+              </a:rPr>
+              <a:t>Phase IV</a:t>
+            </a:r>
+            <a:endParaRPr sz="2200" dirty="0">
+              <a:latin typeface="Calibri" pitchFamily="34" charset="0"/>
+              <a:cs typeface="Calibri" pitchFamily="34" charset="0"/>
+            </a:endParaRPr>
+          </a:p>
+        </p:txBody>
+      </p:sp>
+    </p:spTree>
+    <p:extLst>
+      <p:ext uri="{BB962C8B-B14F-4D97-AF65-F5344CB8AC3E}">
+        <p14:creationId xmlns:p14="http://schemas.microsoft.com/office/powerpoint/2010/main" val="1384370780"/>
+      </p:ext>
+    </p:extLst>
+  </p:cSld>
+  <p:clrMapOvr>
+    <a:masterClrMapping/>
+  </p:clrMapOvr>
+  <p:timing>
+    <p:tnLst>
+      <p:par>
+        <p:cTn id="1" dur="indefinite" restart="never" nodeType="tmRoot"/>
+      </p:par>
+    </p:tnLst>
+  </p:timing>
+</p:sld>
+</file>
+
+<file path=ppt/slides/slide12.xml><?xml version="1.0" encoding="utf-8"?>
+<p:sld xmlns:a="http://schemas.openxmlformats.org/drawingml/2006/main" xmlns:r="http://schemas.openxmlformats.org/officeDocument/2006/relationships" xmlns:p="http://schemas.openxmlformats.org/presentationml/2006/main">
+  <p:cSld>
+    <p:spTree>
+      <p:nvGrpSpPr>
+        <p:cNvPr id="1" name=""/>
+        <p:cNvGrpSpPr/>
+        <p:nvPr/>
+      </p:nvGrpSpPr>
+      <p:grpSpPr>
+        <a:xfrm>
+          <a:off x="0" y="0"/>
+          <a:ext cx="0" cy="0"/>
+          <a:chOff x="0" y="0"/>
+          <a:chExt cx="0" cy="0"/>
+        </a:xfrm>
+      </p:grpSpPr>
+      <p:sp>
+        <p:nvSpPr>
+          <p:cNvPr id="12" name="Google Shape;666;p62"/>
+          <p:cNvSpPr txBox="1">
+            <a:spLocks noGrp="1"/>
+          </p:cNvSpPr>
+          <p:nvPr>
+            <p:ph type="subTitle" idx="1"/>
+          </p:nvPr>
+        </p:nvSpPr>
+        <p:spPr>
+          <a:xfrm>
+            <a:off x="485652" y="627534"/>
+            <a:ext cx="2214140" cy="539400"/>
+          </a:xfrm>
+          <a:prstGeom prst="rect">
+            <a:avLst/>
+          </a:prstGeom>
+        </p:spPr>
+        <p:txBody>
+          <a:bodyPr spcFirstLastPara="1" wrap="square" lIns="91425" tIns="91425" rIns="91425" bIns="91425" anchor="ctr" anchorCtr="0">
+            <a:noAutofit/>
+          </a:bodyPr>
+          <a:lstStyle/>
+          <a:p>
+            <a:pPr marL="0" lvl="0" indent="0" algn="ctr" rtl="0">
+              <a:spcBef>
+                <a:spcPts val="0"/>
+              </a:spcBef>
+              <a:spcAft>
+                <a:spcPts val="0"/>
+              </a:spcAft>
+              <a:buNone/>
+            </a:pPr>
+            <a:r>
+              <a:rPr lang="en" sz="2200" dirty="0">
+                <a:latin typeface="Calibri" pitchFamily="34" charset="0"/>
+                <a:cs typeface="Calibri" pitchFamily="34" charset="0"/>
+              </a:rPr>
+              <a:t>Phase </a:t>
+            </a:r>
+            <a:r>
+              <a:rPr lang="en" sz="2200" dirty="0" smtClean="0">
+                <a:latin typeface="Calibri" pitchFamily="34" charset="0"/>
+                <a:cs typeface="Calibri" pitchFamily="34" charset="0"/>
+              </a:rPr>
+              <a:t>IV Query: </a:t>
+            </a:r>
+            <a:endParaRPr sz="2200" dirty="0">
+              <a:latin typeface="Calibri" pitchFamily="34" charset="0"/>
+              <a:cs typeface="Calibri" pitchFamily="34" charset="0"/>
+            </a:endParaRPr>
+          </a:p>
+        </p:txBody>
+      </p:sp>
+      <p:pic>
+        <p:nvPicPr>
+          <p:cNvPr id="5122" name="Picture 2"/>
+          <p:cNvPicPr>
+            <a:picLocks noChangeAspect="1" noChangeArrowheads="1"/>
+          </p:cNvPicPr>
+          <p:nvPr/>
+        </p:nvPicPr>
+        <p:blipFill>
+          <a:blip r:embed="rId2">
+            <a:extLst>
+              <a:ext uri="{28A0092B-C50C-407E-A947-70E740481C1C}">
+                <a14:useLocalDpi xmlns:a14="http://schemas.microsoft.com/office/drawing/2010/main" val="0"/>
+              </a:ext>
+            </a:extLst>
+          </a:blip>
+          <a:srcRect/>
+          <a:stretch>
+            <a:fillRect/>
+          </a:stretch>
+        </p:blipFill>
+        <p:spPr bwMode="auto">
+          <a:xfrm>
+            <a:off x="2987824" y="843558"/>
+            <a:ext cx="4180763" cy="3888432"/>
+          </a:xfrm>
+          <a:prstGeom prst="rect">
+            <a:avLst/>
+          </a:prstGeom>
+          <a:noFill/>
+          <a:ln>
+            <a:noFill/>
+          </a:ln>
+          <a:effectLst/>
+          <a:extLst>
+            <a:ext uri="{909E8E84-426E-40DD-AFC4-6F175D3DCCD1}">
+              <a14:hiddenFill xmlns:a14="http://schemas.microsoft.com/office/drawing/2010/main">
+                <a:solidFill>
+                  <a:schemeClr val="accent1"/>
+                </a:solidFill>
+              </a14:hiddenFill>
+            </a:ext>
+            <a:ext uri="{91240B29-F687-4F45-9708-019B960494DF}">
+              <a14:hiddenLine xmlns:a14="http://schemas.microsoft.com/office/drawing/2010/main" w="9525">
+                <a:solidFill>
+                  <a:schemeClr val="tx1"/>
+                </a:solidFill>
+                <a:miter lim="800000"/>
+                <a:headEnd/>
+                <a:tailEnd/>
+              </a14:hiddenLine>
+            </a:ext>
+            <a:ext uri="{AF507438-7753-43E0-B8FC-AC1667EBCBE1}">
+              <a14:hiddenEffects xmlns:a14="http://schemas.microsoft.com/office/drawing/2010/main">
+                <a:effectLst>
+                  <a:outerShdw dist="35921" dir="2700000" algn="ctr" rotWithShape="0">
+                    <a:schemeClr val="bg2"/>
+                  </a:outerShdw>
+                </a:effectLst>
+              </a14:hiddenEffects>
+            </a:ext>
+          </a:extLst>
+        </p:spPr>
+      </p:pic>
+    </p:spTree>
+    <p:extLst>
+      <p:ext uri="{BB962C8B-B14F-4D97-AF65-F5344CB8AC3E}">
+        <p14:creationId xmlns:p14="http://schemas.microsoft.com/office/powerpoint/2010/main" val="1458051634"/>
+      </p:ext>
+    </p:extLst>
+  </p:cSld>
+  <p:clrMapOvr>
+    <a:masterClrMapping/>
+  </p:clrMapOvr>
+</p:sld>
+</file>
+
+<file path=ppt/slides/slide13.xml><?xml version="1.0" encoding="utf-8"?>
+<p:sld xmlns:a="http://schemas.openxmlformats.org/drawingml/2006/main" xmlns:r="http://schemas.openxmlformats.org/officeDocument/2006/relationships" xmlns:p="http://schemas.openxmlformats.org/presentationml/2006/main">
+  <p:cSld>
+    <p:spTree>
+      <p:nvGrpSpPr>
+        <p:cNvPr id="1" name=""/>
+        <p:cNvGrpSpPr/>
+        <p:nvPr/>
+      </p:nvGrpSpPr>
+      <p:grpSpPr>
+        <a:xfrm>
+          <a:off x="0" y="0"/>
+          <a:ext cx="0" cy="0"/>
+          <a:chOff x="0" y="0"/>
+          <a:chExt cx="0" cy="0"/>
+        </a:xfrm>
+      </p:grpSpPr>
+      <p:sp>
+        <p:nvSpPr>
+          <p:cNvPr id="24" name="Google Shape;764;p70"/>
+          <p:cNvSpPr txBox="1">
+            <a:spLocks noGrp="1"/>
+          </p:cNvSpPr>
+          <p:nvPr>
+            <p:ph type="title"/>
+          </p:nvPr>
+        </p:nvSpPr>
+        <p:spPr>
+          <a:xfrm>
+            <a:off x="755576" y="411510"/>
+            <a:ext cx="7387142" cy="539400"/>
+          </a:xfrm>
+          <a:prstGeom prst="rect">
+            <a:avLst/>
+          </a:prstGeom>
+        </p:spPr>
+        <p:txBody>
+          <a:bodyPr spcFirstLastPara="1" wrap="square" lIns="91425" tIns="91425" rIns="91425" bIns="91425" anchor="ctr" anchorCtr="0">
+            <a:noAutofit/>
+          </a:bodyPr>
+          <a:lstStyle/>
+          <a:p>
+            <a:pPr marL="0" lvl="0" indent="0" algn="l" rtl="0">
+              <a:spcBef>
+                <a:spcPts val="0"/>
+              </a:spcBef>
+              <a:spcAft>
+                <a:spcPts val="0"/>
+              </a:spcAft>
+              <a:buNone/>
+            </a:pPr>
+            <a:r>
+              <a:rPr lang="en-IN" sz="3000" dirty="0">
+                <a:latin typeface="Calibri" pitchFamily="34" charset="0"/>
+                <a:cs typeface="Calibri" pitchFamily="34" charset="0"/>
+              </a:rPr>
+              <a:t>Student Example to actual requirement</a:t>
+            </a:r>
+            <a:endParaRPr sz="3000" dirty="0">
+              <a:latin typeface="Calibri" pitchFamily="34" charset="0"/>
+              <a:cs typeface="Calibri" pitchFamily="34" charset="0"/>
+            </a:endParaRPr>
+          </a:p>
+        </p:txBody>
+      </p:sp>
+      <p:sp>
+        <p:nvSpPr>
+          <p:cNvPr id="25" name="Google Shape;783;p70"/>
+          <p:cNvSpPr/>
+          <p:nvPr/>
+        </p:nvSpPr>
+        <p:spPr>
+          <a:xfrm rot="5400000">
+            <a:off x="1796284" y="18874"/>
+            <a:ext cx="43200" cy="1980600"/>
+          </a:xfrm>
+          <a:prstGeom prst="rect">
+            <a:avLst/>
+          </a:prstGeom>
+          <a:solidFill>
+            <a:schemeClr val="lt2"/>
+          </a:solidFill>
+          <a:ln>
+            <a:noFill/>
+          </a:ln>
+        </p:spPr>
+        <p:txBody>
+          <a:bodyPr spcFirstLastPara="1" wrap="square" lIns="91425" tIns="91425" rIns="91425" bIns="91425" anchor="ctr" anchorCtr="0">
+            <a:noAutofit/>
+          </a:bodyPr>
+          <a:lstStyle/>
+          <a:p>
+            <a:pPr marL="0" lvl="0" indent="0" algn="l" rtl="0">
+              <a:spcBef>
+                <a:spcPts val="0"/>
+              </a:spcBef>
+              <a:spcAft>
+                <a:spcPts val="0"/>
+              </a:spcAft>
+              <a:buNone/>
+            </a:pPr>
+            <a:endParaRPr>
+              <a:latin typeface="Calibri" pitchFamily="34" charset="0"/>
+              <a:cs typeface="Calibri" pitchFamily="34" charset="0"/>
+            </a:endParaRPr>
+          </a:p>
+        </p:txBody>
+      </p:sp>
+      <p:sp>
+        <p:nvSpPr>
+          <p:cNvPr id="26" name="Google Shape;630;p60"/>
+          <p:cNvSpPr txBox="1">
+            <a:spLocks/>
+          </p:cNvSpPr>
+          <p:nvPr/>
+        </p:nvSpPr>
+        <p:spPr>
+          <a:xfrm>
+            <a:off x="755576" y="1851670"/>
+            <a:ext cx="6912768" cy="2664296"/>
+          </a:xfrm>
+          <a:prstGeom prst="rect">
+            <a:avLst/>
+          </a:prstGeom>
+        </p:spPr>
+        <p:txBody>
+          <a:bodyPr spcFirstLastPara="1" wrap="square" lIns="91425" tIns="91425" rIns="91425" bIns="91425" anchor="t" anchorCtr="0">
+            <a:noAutofit/>
+          </a:bodyPr>
+          <a:lstStyle>
+            <a:defPPr marR="0" lvl="0" algn="l" rtl="0">
+              <a:lnSpc>
+                <a:spcPct val="100000"/>
+              </a:lnSpc>
+              <a:spcBef>
+                <a:spcPts val="0"/>
+              </a:spcBef>
+              <a:spcAft>
+                <a:spcPts val="0"/>
+              </a:spcAft>
+            </a:defPPr>
+            <a:lvl1pPr marR="0" lvl="0" algn="l" rtl="0">
+              <a:lnSpc>
+                <a:spcPct val="100000"/>
+              </a:lnSpc>
+              <a:spcBef>
+                <a:spcPts val="0"/>
+              </a:spcBef>
+              <a:spcAft>
+                <a:spcPts val="0"/>
+              </a:spcAft>
+              <a:buClr>
+                <a:srgbClr val="000000"/>
+              </a:buClr>
+              <a:buFont typeface="Arial"/>
+              <a:defRPr sz="1400" b="0" i="0" u="none" strike="noStrike" cap="none">
+                <a:solidFill>
+                  <a:srgbClr val="000000"/>
+                </a:solidFill>
+                <a:latin typeface="Arial"/>
+                <a:ea typeface="Arial"/>
+                <a:cs typeface="Arial"/>
+                <a:sym typeface="Arial"/>
+              </a:defRPr>
+            </a:lvl1pPr>
+            <a:lvl2pPr marR="0" lvl="1" algn="l" rtl="0">
+              <a:lnSpc>
+                <a:spcPct val="100000"/>
+              </a:lnSpc>
+              <a:spcBef>
+                <a:spcPts val="0"/>
+              </a:spcBef>
+              <a:spcAft>
+                <a:spcPts val="0"/>
+              </a:spcAft>
+              <a:buClr>
+                <a:srgbClr val="000000"/>
+              </a:buClr>
+              <a:buFont typeface="Arial"/>
+              <a:defRPr sz="1400" b="0" i="0" u="none" strike="noStrike" cap="none">
+                <a:solidFill>
+                  <a:srgbClr val="000000"/>
+                </a:solidFill>
+                <a:latin typeface="Arial"/>
+                <a:ea typeface="Arial"/>
+                <a:cs typeface="Arial"/>
+                <a:sym typeface="Arial"/>
+              </a:defRPr>
+            </a:lvl2pPr>
+            <a:lvl3pPr marR="0" lvl="2" algn="l" rtl="0">
+              <a:lnSpc>
+                <a:spcPct val="100000"/>
+              </a:lnSpc>
+              <a:spcBef>
+                <a:spcPts val="0"/>
+              </a:spcBef>
+              <a:spcAft>
+                <a:spcPts val="0"/>
+              </a:spcAft>
+              <a:buClr>
+                <a:srgbClr val="000000"/>
+              </a:buClr>
+              <a:buFont typeface="Arial"/>
+              <a:defRPr sz="1400" b="0" i="0" u="none" strike="noStrike" cap="none">
+                <a:solidFill>
+                  <a:srgbClr val="000000"/>
+                </a:solidFill>
+                <a:latin typeface="Arial"/>
+                <a:ea typeface="Arial"/>
+                <a:cs typeface="Arial"/>
+                <a:sym typeface="Arial"/>
+              </a:defRPr>
+            </a:lvl3pPr>
+            <a:lvl4pPr marR="0" lvl="3" algn="l" rtl="0">
+              <a:lnSpc>
+                <a:spcPct val="100000"/>
+              </a:lnSpc>
+              <a:spcBef>
+                <a:spcPts val="0"/>
+              </a:spcBef>
+              <a:spcAft>
+                <a:spcPts val="0"/>
+              </a:spcAft>
+              <a:buClr>
+                <a:srgbClr val="000000"/>
+              </a:buClr>
+              <a:buFont typeface="Arial"/>
+              <a:defRPr sz="1400" b="0" i="0" u="none" strike="noStrike" cap="none">
+                <a:solidFill>
+                  <a:srgbClr val="000000"/>
+                </a:solidFill>
+                <a:latin typeface="Arial"/>
+                <a:ea typeface="Arial"/>
+                <a:cs typeface="Arial"/>
+                <a:sym typeface="Arial"/>
+              </a:defRPr>
+            </a:lvl4pPr>
+            <a:lvl5pPr marR="0" lvl="4" algn="l" rtl="0">
+              <a:lnSpc>
+                <a:spcPct val="100000"/>
+              </a:lnSpc>
+              <a:spcBef>
+                <a:spcPts val="0"/>
+              </a:spcBef>
+              <a:spcAft>
+                <a:spcPts val="0"/>
+              </a:spcAft>
+              <a:buClr>
+                <a:srgbClr val="000000"/>
+              </a:buClr>
+              <a:buFont typeface="Arial"/>
+              <a:defRPr sz="1400" b="0" i="0" u="none" strike="noStrike" cap="none">
+                <a:solidFill>
+                  <a:srgbClr val="000000"/>
+                </a:solidFill>
+                <a:latin typeface="Arial"/>
+                <a:ea typeface="Arial"/>
+                <a:cs typeface="Arial"/>
+                <a:sym typeface="Arial"/>
+              </a:defRPr>
+            </a:lvl5pPr>
+            <a:lvl6pPr marR="0" lvl="5" algn="l" rtl="0">
+              <a:lnSpc>
+                <a:spcPct val="100000"/>
+              </a:lnSpc>
+              <a:spcBef>
+                <a:spcPts val="0"/>
+              </a:spcBef>
+              <a:spcAft>
+                <a:spcPts val="0"/>
+              </a:spcAft>
+              <a:buClr>
+                <a:srgbClr val="000000"/>
+              </a:buClr>
+              <a:buFont typeface="Arial"/>
+              <a:defRPr sz="1400" b="0" i="0" u="none" strike="noStrike" cap="none">
+                <a:solidFill>
+                  <a:srgbClr val="000000"/>
+                </a:solidFill>
+                <a:latin typeface="Arial"/>
+                <a:ea typeface="Arial"/>
+                <a:cs typeface="Arial"/>
+                <a:sym typeface="Arial"/>
+              </a:defRPr>
+            </a:lvl6pPr>
+            <a:lvl7pPr marR="0" lvl="6" algn="l" rtl="0">
+              <a:lnSpc>
+                <a:spcPct val="100000"/>
+              </a:lnSpc>
+              <a:spcBef>
+                <a:spcPts val="0"/>
+              </a:spcBef>
+              <a:spcAft>
+                <a:spcPts val="0"/>
+              </a:spcAft>
+              <a:buClr>
+                <a:srgbClr val="000000"/>
+              </a:buClr>
+              <a:buFont typeface="Arial"/>
+              <a:defRPr sz="1400" b="0" i="0" u="none" strike="noStrike" cap="none">
+                <a:solidFill>
+                  <a:srgbClr val="000000"/>
+                </a:solidFill>
+                <a:latin typeface="Arial"/>
+                <a:ea typeface="Arial"/>
+                <a:cs typeface="Arial"/>
+                <a:sym typeface="Arial"/>
+              </a:defRPr>
+            </a:lvl7pPr>
+            <a:lvl8pPr marR="0" lvl="7" algn="l" rtl="0">
+              <a:lnSpc>
+                <a:spcPct val="100000"/>
+              </a:lnSpc>
+              <a:spcBef>
+                <a:spcPts val="0"/>
+              </a:spcBef>
+              <a:spcAft>
+                <a:spcPts val="0"/>
+              </a:spcAft>
+              <a:buClr>
+                <a:srgbClr val="000000"/>
+              </a:buClr>
+              <a:buFont typeface="Arial"/>
+              <a:defRPr sz="1400" b="0" i="0" u="none" strike="noStrike" cap="none">
+                <a:solidFill>
+                  <a:srgbClr val="000000"/>
+                </a:solidFill>
+                <a:latin typeface="Arial"/>
+                <a:ea typeface="Arial"/>
+                <a:cs typeface="Arial"/>
+                <a:sym typeface="Arial"/>
+              </a:defRPr>
+            </a:lvl8pPr>
+            <a:lvl9pPr marR="0" lvl="8" algn="l" rtl="0">
+              <a:lnSpc>
+                <a:spcPct val="100000"/>
+              </a:lnSpc>
+              <a:spcBef>
+                <a:spcPts val="0"/>
+              </a:spcBef>
+              <a:spcAft>
+                <a:spcPts val="0"/>
+              </a:spcAft>
+              <a:buClr>
+                <a:srgbClr val="000000"/>
+              </a:buClr>
+              <a:buFont typeface="Arial"/>
+              <a:defRPr sz="1400" b="0" i="0" u="none" strike="noStrike" cap="none">
+                <a:solidFill>
+                  <a:srgbClr val="000000"/>
+                </a:solidFill>
+                <a:latin typeface="Arial"/>
+                <a:ea typeface="Arial"/>
+                <a:cs typeface="Arial"/>
+                <a:sym typeface="Arial"/>
+              </a:defRPr>
+            </a:lvl9pPr>
+          </a:lstStyle>
+          <a:p>
+            <a:pPr marL="285750" lvl="1" indent="-285750" algn="just">
+              <a:buClr>
+                <a:schemeClr val="tx1"/>
+              </a:buClr>
+              <a:buSzPct val="125000"/>
+              <a:buFont typeface="Arial" pitchFamily="34" charset="0"/>
+              <a:buChar char="•"/>
+            </a:pPr>
+            <a:r>
+              <a:rPr lang="en-IN" sz="1600" dirty="0">
+                <a:solidFill>
+                  <a:schemeClr val="tx1"/>
+                </a:solidFill>
+                <a:latin typeface="Calibri" pitchFamily="34" charset="0"/>
+                <a:cs typeface="Calibri" pitchFamily="34" charset="0"/>
+              </a:rPr>
+              <a:t>Student is considered as </a:t>
+            </a:r>
+            <a:r>
+              <a:rPr lang="en-IN" sz="1600" dirty="0" smtClean="0">
+                <a:solidFill>
+                  <a:schemeClr val="tx1"/>
+                </a:solidFill>
+                <a:latin typeface="Calibri" pitchFamily="34" charset="0"/>
+                <a:cs typeface="Calibri" pitchFamily="34" charset="0"/>
+              </a:rPr>
+              <a:t>“</a:t>
+            </a:r>
+            <a:r>
+              <a:rPr lang="en-IN" sz="1600" dirty="0" smtClean="0">
+                <a:solidFill>
+                  <a:schemeClr val="tx1"/>
+                </a:solidFill>
+                <a:latin typeface="Calibri" pitchFamily="34" charset="0"/>
+                <a:cs typeface="Calibri" pitchFamily="34" charset="0"/>
+              </a:rPr>
+              <a:t>company</a:t>
+            </a:r>
+            <a:r>
+              <a:rPr lang="en-IN" sz="1600" dirty="0" smtClean="0">
+                <a:solidFill>
+                  <a:schemeClr val="tx1"/>
+                </a:solidFill>
+                <a:latin typeface="Calibri" pitchFamily="34" charset="0"/>
+                <a:cs typeface="Calibri" pitchFamily="34" charset="0"/>
+              </a:rPr>
+              <a:t>_name</a:t>
+            </a:r>
+            <a:r>
+              <a:rPr lang="en-IN" sz="1600" dirty="0">
+                <a:solidFill>
+                  <a:schemeClr val="tx1"/>
+                </a:solidFill>
+                <a:latin typeface="Calibri" pitchFamily="34" charset="0"/>
+                <a:cs typeface="Calibri" pitchFamily="34" charset="0"/>
+              </a:rPr>
+              <a:t>”</a:t>
+            </a:r>
+          </a:p>
+          <a:p>
+            <a:pPr marL="285750" lvl="1" indent="-285750" algn="just">
+              <a:buClr>
+                <a:schemeClr val="tx1"/>
+              </a:buClr>
+              <a:buSzPct val="125000"/>
+              <a:buFont typeface="Arial" pitchFamily="34" charset="0"/>
+              <a:buChar char="•"/>
+            </a:pPr>
+            <a:r>
+              <a:rPr lang="en-IN" sz="1600" dirty="0">
+                <a:solidFill>
+                  <a:schemeClr val="tx1"/>
+                </a:solidFill>
+                <a:latin typeface="Calibri" pitchFamily="34" charset="0"/>
+                <a:cs typeface="Calibri" pitchFamily="34" charset="0"/>
+              </a:rPr>
+              <a:t>Semester will be as </a:t>
+            </a:r>
+            <a:r>
+              <a:rPr lang="en-IN" sz="1600" dirty="0" smtClean="0">
+                <a:solidFill>
+                  <a:schemeClr val="tx1"/>
+                </a:solidFill>
+                <a:latin typeface="Calibri" pitchFamily="34" charset="0"/>
+                <a:cs typeface="Calibri" pitchFamily="34" charset="0"/>
+              </a:rPr>
+              <a:t>“</a:t>
+            </a:r>
+            <a:r>
+              <a:rPr lang="en-IN" sz="1600" dirty="0" smtClean="0">
+                <a:solidFill>
+                  <a:schemeClr val="tx1"/>
+                </a:solidFill>
+                <a:latin typeface="Calibri" pitchFamily="34" charset="0"/>
+                <a:cs typeface="Calibri" pitchFamily="34" charset="0"/>
+              </a:rPr>
+              <a:t>agency</a:t>
+            </a:r>
+            <a:r>
+              <a:rPr lang="en-IN" sz="1600" dirty="0" smtClean="0">
+                <a:solidFill>
+                  <a:schemeClr val="tx1"/>
+                </a:solidFill>
+                <a:latin typeface="Calibri" pitchFamily="34" charset="0"/>
+                <a:cs typeface="Calibri" pitchFamily="34" charset="0"/>
+              </a:rPr>
+              <a:t>_name”</a:t>
+            </a:r>
+          </a:p>
+          <a:p>
+            <a:pPr marL="285750" lvl="1" indent="-285750" algn="just">
+              <a:buClr>
+                <a:schemeClr val="tx1"/>
+              </a:buClr>
+              <a:buSzPct val="125000"/>
+              <a:buFont typeface="Arial" pitchFamily="34" charset="0"/>
+              <a:buChar char="•"/>
+            </a:pPr>
+            <a:r>
+              <a:rPr lang="en-IN" sz="1600" dirty="0" smtClean="0">
+                <a:solidFill>
+                  <a:schemeClr val="tx1"/>
+                </a:solidFill>
+                <a:latin typeface="Calibri" pitchFamily="34" charset="0"/>
+                <a:cs typeface="Calibri" pitchFamily="34" charset="0"/>
+              </a:rPr>
+              <a:t>Subject will be “form_name”</a:t>
+            </a:r>
+          </a:p>
+          <a:p>
+            <a:pPr marL="285750" lvl="1" indent="-285750" algn="just">
+              <a:buClr>
+                <a:schemeClr val="tx1"/>
+              </a:buClr>
+              <a:buSzPct val="125000"/>
+              <a:buFont typeface="Arial" pitchFamily="34" charset="0"/>
+              <a:buChar char="•"/>
+            </a:pPr>
+            <a:r>
+              <a:rPr lang="en-IN" sz="1600" dirty="0" smtClean="0">
+                <a:solidFill>
+                  <a:schemeClr val="tx1"/>
+                </a:solidFill>
+                <a:latin typeface="Calibri" pitchFamily="34" charset="0"/>
+                <a:cs typeface="Calibri" pitchFamily="34" charset="0"/>
+              </a:rPr>
+              <a:t>Changed implementation to match the exact requirement</a:t>
+            </a:r>
+            <a:endParaRPr lang="en-IN" sz="1600" dirty="0">
+              <a:solidFill>
+                <a:schemeClr val="tx1"/>
+              </a:solidFill>
+              <a:latin typeface="Calibri" pitchFamily="34" charset="0"/>
+              <a:cs typeface="Calibri" pitchFamily="34" charset="0"/>
+            </a:endParaRPr>
+          </a:p>
+        </p:txBody>
+      </p:sp>
+      <p:sp>
+        <p:nvSpPr>
+          <p:cNvPr id="5" name="Google Shape;666;p62"/>
+          <p:cNvSpPr txBox="1">
+            <a:spLocks noGrp="1"/>
+          </p:cNvSpPr>
+          <p:nvPr>
+            <p:ph type="subTitle" idx="1"/>
+          </p:nvPr>
+        </p:nvSpPr>
+        <p:spPr>
+          <a:xfrm>
+            <a:off x="2788643" y="1242427"/>
+            <a:ext cx="2214140" cy="539400"/>
+          </a:xfrm>
+          <a:prstGeom prst="rect">
+            <a:avLst/>
+          </a:prstGeom>
+        </p:spPr>
+        <p:txBody>
+          <a:bodyPr spcFirstLastPara="1" wrap="square" lIns="91425" tIns="91425" rIns="91425" bIns="91425" anchor="ctr" anchorCtr="0">
+            <a:noAutofit/>
+          </a:bodyPr>
+          <a:lstStyle/>
+          <a:p>
+            <a:pPr marL="0" lvl="0" indent="0" algn="ctr" rtl="0">
+              <a:spcBef>
+                <a:spcPts val="0"/>
+              </a:spcBef>
+              <a:spcAft>
+                <a:spcPts val="0"/>
+              </a:spcAft>
+              <a:buNone/>
+            </a:pPr>
+            <a:r>
+              <a:rPr lang="en" sz="2200" dirty="0">
+                <a:latin typeface="Calibri" pitchFamily="34" charset="0"/>
+                <a:cs typeface="Calibri" pitchFamily="34" charset="0"/>
+              </a:rPr>
+              <a:t>Phase V</a:t>
+            </a:r>
+            <a:endParaRPr sz="2200" dirty="0">
+              <a:latin typeface="Calibri" pitchFamily="34" charset="0"/>
+              <a:cs typeface="Calibri" pitchFamily="34" charset="0"/>
+            </a:endParaRPr>
+          </a:p>
+        </p:txBody>
+      </p:sp>
+    </p:spTree>
+    <p:extLst>
+      <p:ext uri="{BB962C8B-B14F-4D97-AF65-F5344CB8AC3E}">
+        <p14:creationId xmlns:p14="http://schemas.microsoft.com/office/powerpoint/2010/main" val="3242014532"/>
+      </p:ext>
+    </p:extLst>
+  </p:cSld>
+  <p:clrMapOvr>
+    <a:masterClrMapping/>
+  </p:clrMapOvr>
+  <p:timing>
+    <p:tnLst>
+      <p:par>
+        <p:cTn id="1" dur="indefinite" restart="never" nodeType="tmRoot"/>
+      </p:par>
+    </p:tnLst>
+  </p:timing>
+</p:sld>
+</file>
+
+<file path=ppt/slides/slide14.xml><?xml version="1.0" encoding="utf-8"?>
+<p:sld xmlns:a="http://schemas.openxmlformats.org/drawingml/2006/main" xmlns:r="http://schemas.openxmlformats.org/officeDocument/2006/relationships" xmlns:p="http://schemas.openxmlformats.org/presentationml/2006/main">
+  <p:cSld>
+    <p:spTree>
+      <p:nvGrpSpPr>
+        <p:cNvPr id="1" name=""/>
+        <p:cNvGrpSpPr/>
+        <p:nvPr/>
+      </p:nvGrpSpPr>
+      <p:grpSpPr>
+        <a:xfrm>
+          <a:off x="0" y="0"/>
+          <a:ext cx="0" cy="0"/>
+          <a:chOff x="0" y="0"/>
+          <a:chExt cx="0" cy="0"/>
+        </a:xfrm>
+      </p:grpSpPr>
+      <p:sp>
+        <p:nvSpPr>
           <p:cNvPr id="3" name="Title 2"/>
           <p:cNvSpPr>
             <a:spLocks noGrp="1"/>
@@ -13424,7 +14881,7 @@
         </p:nvCxnSpPr>
         <p:spPr>
           <a:xfrm rot="10800000" flipV="1">
-            <a:off x="6142992" y="2959642"/>
+            <a:off x="6131940" y="2959642"/>
             <a:ext cx="1248372" cy="743480"/>
           </a:xfrm>
           <a:prstGeom prst="bentConnector3">
@@ -14562,8 +16019,8 @@
         </p:nvSpPr>
         <p:spPr>
           <a:xfrm>
-            <a:off x="579232" y="1307513"/>
-            <a:ext cx="2026448" cy="766462"/>
+            <a:off x="63204" y="1308750"/>
+            <a:ext cx="2987396" cy="766462"/>
           </a:xfrm>
           <a:prstGeom prst="rect">
             <a:avLst/>
@@ -14817,8 +16274,25 @@
                 <a:latin typeface="Calibri" pitchFamily="34" charset="0"/>
                 <a:cs typeface="Calibri" pitchFamily="34" charset="0"/>
               </a:rPr>
-              <a:t>Linear data with student and subjects</a:t>
+              <a:t>Linear data with student and </a:t>
             </a:r>
+            <a:r>
+              <a:rPr lang="en-IN" sz="1600" dirty="0" smtClean="0">
+                <a:solidFill>
+                  <a:schemeClr val="tx1"/>
+                </a:solidFill>
+                <a:latin typeface="Calibri" pitchFamily="34" charset="0"/>
+                <a:cs typeface="Calibri" pitchFamily="34" charset="0"/>
+              </a:rPr>
+              <a:t>fixed subjects in single semester</a:t>
+            </a:r>
+            <a:endParaRPr lang="en-IN" sz="1600" dirty="0">
+              <a:solidFill>
+                <a:schemeClr val="tx1"/>
+              </a:solidFill>
+              <a:latin typeface="Calibri" pitchFamily="34" charset="0"/>
+              <a:cs typeface="Calibri" pitchFamily="34" charset="0"/>
+            </a:endParaRPr>
           </a:p>
         </p:txBody>
       </p:sp>
@@ -14832,8 +16306,8 @@
         </p:nvSpPr>
         <p:spPr>
           <a:xfrm>
-            <a:off x="1326917" y="4139596"/>
-            <a:ext cx="2814268" cy="720080"/>
+            <a:off x="1326916" y="4139596"/>
+            <a:ext cx="3245083" cy="720080"/>
           </a:xfrm>
           <a:prstGeom prst="rect">
             <a:avLst/>
@@ -15087,8 +16561,25 @@
                 <a:latin typeface="Calibri" pitchFamily="34" charset="0"/>
                 <a:cs typeface="Calibri" pitchFamily="34" charset="0"/>
               </a:rPr>
-              <a:t>Linear data with different number of subjects</a:t>
+              <a:t>Linear data with different number of </a:t>
             </a:r>
+            <a:r>
+              <a:rPr lang="en-IN" sz="1600" dirty="0" smtClean="0">
+                <a:solidFill>
+                  <a:schemeClr val="tx1"/>
+                </a:solidFill>
+                <a:latin typeface="Calibri" pitchFamily="34" charset="0"/>
+                <a:cs typeface="Calibri" pitchFamily="34" charset="0"/>
+              </a:rPr>
+              <a:t>subjects in single semester</a:t>
+            </a:r>
+            <a:endParaRPr lang="en-IN" sz="1600" dirty="0">
+              <a:solidFill>
+                <a:schemeClr val="tx1"/>
+              </a:solidFill>
+              <a:latin typeface="Calibri" pitchFamily="34" charset="0"/>
+              <a:cs typeface="Calibri" pitchFamily="34" charset="0"/>
+            </a:endParaRPr>
           </a:p>
         </p:txBody>
       </p:sp>
@@ -15102,8 +16593,8 @@
         </p:nvSpPr>
         <p:spPr>
           <a:xfrm>
-            <a:off x="3111060" y="1306978"/>
-            <a:ext cx="2558973" cy="766463"/>
+            <a:off x="3289710" y="1306978"/>
+            <a:ext cx="2181020" cy="766463"/>
           </a:xfrm>
           <a:prstGeom prst="rect">
             <a:avLst/>
@@ -15357,8 +16848,35 @@
                 <a:latin typeface="Calibri" pitchFamily="34" charset="0"/>
                 <a:cs typeface="Calibri" pitchFamily="34" charset="0"/>
               </a:rPr>
-              <a:t>2D data with students, semesters and subjects</a:t>
+              <a:t>2D data with </a:t>
             </a:r>
+            <a:r>
+              <a:rPr lang="en-IN" sz="1600" dirty="0" smtClean="0">
+                <a:solidFill>
+                  <a:schemeClr val="tx1"/>
+                </a:solidFill>
+                <a:latin typeface="Calibri" pitchFamily="34" charset="0"/>
+                <a:cs typeface="Calibri" pitchFamily="34" charset="0"/>
+              </a:rPr>
+              <a:t>students and </a:t>
+            </a:r>
+            <a:r>
+              <a:rPr lang="en-IN" sz="1600" dirty="0" smtClean="0">
+                <a:solidFill>
+                  <a:schemeClr val="tx1"/>
+                </a:solidFill>
+                <a:latin typeface="Calibri" pitchFamily="34" charset="0"/>
+                <a:cs typeface="Calibri" pitchFamily="34" charset="0"/>
+              </a:rPr>
+              <a:t>fixed semesters</a:t>
+            </a:r>
+            <a:endParaRPr lang="en-IN" sz="1600" dirty="0">
+              <a:solidFill>
+                <a:schemeClr val="tx1"/>
+              </a:solidFill>
+              <a:latin typeface="Calibri" pitchFamily="34" charset="0"/>
+              <a:cs typeface="Calibri" pitchFamily="34" charset="0"/>
+            </a:endParaRPr>
           </a:p>
         </p:txBody>
       </p:sp>
@@ -15372,7 +16890,7 @@
         </p:nvSpPr>
         <p:spPr>
           <a:xfrm>
-            <a:off x="4450207" y="4139596"/>
+            <a:off x="4522214" y="4139596"/>
             <a:ext cx="2570066" cy="713454"/>
           </a:xfrm>
           <a:prstGeom prst="rect">
@@ -15897,27 +17415,7 @@
                 <a:latin typeface="Calibri" pitchFamily="34" charset="0"/>
                 <a:cs typeface="Calibri" pitchFamily="34" charset="0"/>
               </a:rPr>
-              <a:t>Connecting it to the </a:t>
-            </a:r>
-            <a:r>
-              <a:rPr lang="en-IN" sz="1600" dirty="0" err="1">
-                <a:solidFill>
-                  <a:schemeClr val="tx1"/>
-                </a:solidFill>
-                <a:latin typeface="Calibri" pitchFamily="34" charset="0"/>
-                <a:cs typeface="Calibri" pitchFamily="34" charset="0"/>
-              </a:rPr>
-              <a:t>oc</a:t>
-            </a:r>
-            <a:r>
-              <a:rPr lang="en-IN" sz="1600" dirty="0">
-                <a:solidFill>
-                  <a:schemeClr val="tx1"/>
-                </a:solidFill>
-                <a:latin typeface="Calibri" pitchFamily="34" charset="0"/>
-                <a:cs typeface="Calibri" pitchFamily="34" charset="0"/>
-              </a:rPr>
-              <a:t> requirement</a:t>
+              <a:t>Connecting it to the oc requirement</a:t>
             </a:r>
           </a:p>
         </p:txBody>
@@ -16219,7 +17717,7 @@
 </p:sld>
 </file>
 
-<file path=ppt/slides/slide11.xml><?xml version="1.0" encoding="utf-8"?>
+<file path=ppt/slides/slide15.xml><?xml version="1.0" encoding="utf-8"?>
 <p:sld xmlns:a="http://schemas.openxmlformats.org/drawingml/2006/main" xmlns:r="http://schemas.openxmlformats.org/officeDocument/2006/relationships" xmlns:p="http://schemas.openxmlformats.org/presentationml/2006/main">
   <p:cSld>
     <p:spTree>
@@ -16248,7 +17746,7 @@
         </p:nvSpPr>
         <p:spPr>
           <a:xfrm>
-            <a:off x="827584" y="1347614"/>
+            <a:off x="1043608" y="1347614"/>
             <a:ext cx="2448272" cy="539400"/>
           </a:xfrm>
         </p:spPr>
@@ -16276,8 +17774,8 @@
         </p:nvSpPr>
         <p:spPr>
           <a:xfrm>
-            <a:off x="611560" y="1887014"/>
-            <a:ext cx="3600400" cy="900760"/>
+            <a:off x="539552" y="1887014"/>
+            <a:ext cx="3240360" cy="900760"/>
           </a:xfrm>
           <a:prstGeom prst="rect">
             <a:avLst/>
@@ -16531,7 +18029,67 @@
                 <a:latin typeface="Calibri" pitchFamily="34" charset="0"/>
                 <a:cs typeface="Calibri" pitchFamily="34" charset="0"/>
               </a:rPr>
-              <a:t>Need to get agencies having all of it’s ids passed under all the forms.</a:t>
+              <a:t>Need to get </a:t>
+            </a:r>
+            <a:r>
+              <a:rPr lang="en-IN" sz="1600" dirty="0" smtClean="0">
+                <a:solidFill>
+                  <a:schemeClr val="tx1"/>
+                </a:solidFill>
+                <a:latin typeface="Calibri" pitchFamily="34" charset="0"/>
+                <a:cs typeface="Calibri" pitchFamily="34" charset="0"/>
+              </a:rPr>
+              <a:t>ids</a:t>
+            </a:r>
+            <a:r>
+              <a:rPr lang="en-IN" sz="1600" dirty="0" smtClean="0">
+                <a:solidFill>
+                  <a:schemeClr val="tx1"/>
+                </a:solidFill>
+                <a:latin typeface="Calibri" pitchFamily="34" charset="0"/>
+                <a:cs typeface="Calibri" pitchFamily="34" charset="0"/>
+              </a:rPr>
+              <a:t> </a:t>
+            </a:r>
+            <a:r>
+              <a:rPr lang="en-IN" sz="1600" dirty="0">
+                <a:solidFill>
+                  <a:schemeClr val="tx1"/>
+                </a:solidFill>
+                <a:latin typeface="Calibri" pitchFamily="34" charset="0"/>
+                <a:cs typeface="Calibri" pitchFamily="34" charset="0"/>
+              </a:rPr>
+              <a:t>having all of it’s </a:t>
+            </a:r>
+            <a:r>
+              <a:rPr lang="en-IN" sz="1600" dirty="0" smtClean="0">
+                <a:solidFill>
+                  <a:schemeClr val="tx1"/>
+                </a:solidFill>
+                <a:latin typeface="Calibri" pitchFamily="34" charset="0"/>
+                <a:cs typeface="Calibri" pitchFamily="34" charset="0"/>
+              </a:rPr>
+              <a:t>forms</a:t>
+            </a:r>
+            <a:r>
+              <a:rPr lang="en-IN" sz="1600" dirty="0" smtClean="0">
+                <a:solidFill>
+                  <a:schemeClr val="tx1"/>
+                </a:solidFill>
+                <a:latin typeface="Calibri" pitchFamily="34" charset="0"/>
+                <a:cs typeface="Calibri" pitchFamily="34" charset="0"/>
+              </a:rPr>
+              <a:t> </a:t>
+            </a:r>
+            <a:r>
+              <a:rPr lang="en-IN" sz="1600" dirty="0">
+                <a:solidFill>
+                  <a:schemeClr val="tx1"/>
+                </a:solidFill>
+                <a:latin typeface="Calibri" pitchFamily="34" charset="0"/>
+                <a:cs typeface="Calibri" pitchFamily="34" charset="0"/>
+              </a:rPr>
+              <a:t>passed under all the forms.</a:t>
             </a:r>
           </a:p>
         </p:txBody>
@@ -16576,8 +18134,8 @@
         </p:nvSpPr>
         <p:spPr>
           <a:xfrm>
-            <a:off x="5000780" y="1852379"/>
-            <a:ext cx="3171620" cy="1143744"/>
+            <a:off x="4932040" y="1852379"/>
+            <a:ext cx="2523548" cy="863387"/>
           </a:xfrm>
           <a:prstGeom prst="rect">
             <a:avLst/>
@@ -16831,8 +18389,25 @@
                 <a:latin typeface="Calibri" pitchFamily="34" charset="0"/>
                 <a:cs typeface="Calibri" pitchFamily="34" charset="0"/>
               </a:rPr>
-              <a:t>Need to get forms having all of it’s ids passed</a:t>
+              <a:t>Need to get </a:t>
             </a:r>
+            <a:r>
+              <a:rPr lang="en-IN" sz="1600" dirty="0" smtClean="0">
+                <a:solidFill>
+                  <a:schemeClr val="tx1"/>
+                </a:solidFill>
+                <a:latin typeface="Calibri" pitchFamily="34" charset="0"/>
+                <a:cs typeface="Calibri" pitchFamily="34" charset="0"/>
+              </a:rPr>
+              <a:t>passed forms form a particular id.</a:t>
+            </a:r>
+            <a:endParaRPr lang="en-IN" sz="1600" dirty="0">
+              <a:solidFill>
+                <a:schemeClr val="tx1"/>
+              </a:solidFill>
+              <a:latin typeface="Calibri" pitchFamily="34" charset="0"/>
+              <a:cs typeface="Calibri" pitchFamily="34" charset="0"/>
+            </a:endParaRPr>
           </a:p>
         </p:txBody>
       </p:sp>
@@ -16877,7 +18452,7 @@
         <p:spPr>
           <a:xfrm>
             <a:off x="2915816" y="3300214"/>
-            <a:ext cx="3171620" cy="927720"/>
+            <a:ext cx="2880320" cy="927720"/>
           </a:xfrm>
           <a:prstGeom prst="rect">
             <a:avLst/>
@@ -17124,15 +18699,52 @@
               <a:buSzPct val="125000"/>
             </a:pPr>
             <a:r>
-              <a:rPr lang="en-IN" sz="1600" dirty="0">
+              <a:rPr lang="en-IN" sz="1600" dirty="0" smtClean="0">
                 <a:solidFill>
                   <a:schemeClr val="tx1"/>
                 </a:solidFill>
                 <a:latin typeface="Calibri" pitchFamily="34" charset="0"/>
                 <a:cs typeface="Calibri" pitchFamily="34" charset="0"/>
               </a:rPr>
-              <a:t>Get all the failed ids irrespective of the form and agency</a:t>
+              <a:t>Need to g</a:t>
             </a:r>
+            <a:r>
+              <a:rPr lang="en-IN" sz="1600" dirty="0" smtClean="0">
+                <a:solidFill>
+                  <a:schemeClr val="tx1"/>
+                </a:solidFill>
+                <a:latin typeface="Calibri" pitchFamily="34" charset="0"/>
+                <a:cs typeface="Calibri" pitchFamily="34" charset="0"/>
+              </a:rPr>
+              <a:t>et </a:t>
+            </a:r>
+            <a:r>
+              <a:rPr lang="en-IN" sz="1600" dirty="0">
+                <a:solidFill>
+                  <a:schemeClr val="tx1"/>
+                </a:solidFill>
+                <a:latin typeface="Calibri" pitchFamily="34" charset="0"/>
+                <a:cs typeface="Calibri" pitchFamily="34" charset="0"/>
+              </a:rPr>
+              <a:t>all the failed ids </a:t>
+            </a:r>
+            <a:r>
+              <a:rPr lang="en-IN" sz="1600" dirty="0" smtClean="0">
+                <a:solidFill>
+                  <a:schemeClr val="tx1"/>
+                </a:solidFill>
+                <a:latin typeface="Calibri" pitchFamily="34" charset="0"/>
+                <a:cs typeface="Calibri" pitchFamily="34" charset="0"/>
+              </a:rPr>
+              <a:t>from the id selected</a:t>
+            </a:r>
+            <a:endParaRPr lang="en-IN" sz="1600" dirty="0">
+              <a:solidFill>
+                <a:schemeClr val="tx1"/>
+              </a:solidFill>
+              <a:latin typeface="Calibri" pitchFamily="34" charset="0"/>
+              <a:cs typeface="Calibri" pitchFamily="34" charset="0"/>
+            </a:endParaRPr>
           </a:p>
         </p:txBody>
       </p:sp>
@@ -17171,11 +18783,18 @@
               <a:buNone/>
             </a:pPr>
             <a:r>
-              <a:rPr lang="en" sz="3000" dirty="0">
+              <a:rPr lang="en" sz="3000" dirty="0" smtClean="0">
                 <a:latin typeface="Calibri" pitchFamily="34" charset="0"/>
                 <a:cs typeface="Calibri" pitchFamily="34" charset="0"/>
               </a:rPr>
-              <a:t>Given Requirements</a:t>
+              <a:t>Report</a:t>
+            </a:r>
+            <a:r>
+              <a:rPr lang="en" sz="3000" dirty="0" smtClean="0">
+                <a:latin typeface="Calibri" pitchFamily="34" charset="0"/>
+                <a:cs typeface="Calibri" pitchFamily="34" charset="0"/>
+              </a:rPr>
+              <a:t>s</a:t>
             </a:r>
             <a:endParaRPr sz="3000" dirty="0">
               <a:latin typeface="Calibri" pitchFamily="34" charset="0"/>
@@ -17247,439 +18866,7 @@
 </p:sld>
 </file>
 
-<file path=ppt/slides/slide12.xml><?xml version="1.0" encoding="utf-8"?>
-<p:sld xmlns:a="http://schemas.openxmlformats.org/drawingml/2006/main" xmlns:r="http://schemas.openxmlformats.org/officeDocument/2006/relationships" xmlns:p="http://schemas.openxmlformats.org/presentationml/2006/main">
-  <p:cSld>
-    <p:spTree>
-      <p:nvGrpSpPr>
-        <p:cNvPr id="1" name=""/>
-        <p:cNvGrpSpPr/>
-        <p:nvPr/>
-      </p:nvGrpSpPr>
-      <p:grpSpPr>
-        <a:xfrm>
-          <a:off x="0" y="0"/>
-          <a:ext cx="0" cy="0"/>
-          <a:chOff x="0" y="0"/>
-          <a:chExt cx="0" cy="0"/>
-        </a:xfrm>
-      </p:grpSpPr>
-      <p:sp>
-        <p:nvSpPr>
-          <p:cNvPr id="24" name="Google Shape;659;p62"/>
-          <p:cNvSpPr txBox="1">
-            <a:spLocks noGrp="1"/>
-          </p:cNvSpPr>
-          <p:nvPr>
-            <p:ph type="title"/>
-          </p:nvPr>
-        </p:nvSpPr>
-        <p:spPr>
-          <a:xfrm>
-            <a:off x="670924" y="448174"/>
-            <a:ext cx="7717500" cy="539400"/>
-          </a:xfrm>
-          <a:prstGeom prst="rect">
-            <a:avLst/>
-          </a:prstGeom>
-        </p:spPr>
-        <p:txBody>
-          <a:bodyPr spcFirstLastPara="1" wrap="square" lIns="91425" tIns="91425" rIns="91425" bIns="91425" anchor="ctr" anchorCtr="0">
-            <a:noAutofit/>
-          </a:bodyPr>
-          <a:lstStyle/>
-          <a:p>
-            <a:pPr lvl="0"/>
-            <a:r>
-              <a:rPr lang="en" sz="3000" dirty="0">
-                <a:latin typeface="Calibri" pitchFamily="34" charset="0"/>
-                <a:cs typeface="Calibri" pitchFamily="34" charset="0"/>
-              </a:rPr>
-              <a:t>Requirement Querying</a:t>
-            </a:r>
-            <a:endParaRPr sz="3000" dirty="0">
-              <a:latin typeface="Calibri" pitchFamily="34" charset="0"/>
-              <a:cs typeface="Calibri" pitchFamily="34" charset="0"/>
-            </a:endParaRPr>
-          </a:p>
-        </p:txBody>
-      </p:sp>
-      <p:sp>
-        <p:nvSpPr>
-          <p:cNvPr id="25" name="Google Shape;645;p60"/>
-          <p:cNvSpPr/>
-          <p:nvPr/>
-        </p:nvSpPr>
-        <p:spPr>
-          <a:xfrm rot="5400000">
-            <a:off x="1724276" y="90882"/>
-            <a:ext cx="43200" cy="1980600"/>
-          </a:xfrm>
-          <a:prstGeom prst="rect">
-            <a:avLst/>
-          </a:prstGeom>
-          <a:solidFill>
-            <a:schemeClr val="lt2"/>
-          </a:solidFill>
-          <a:ln>
-            <a:noFill/>
-          </a:ln>
-        </p:spPr>
-        <p:txBody>
-          <a:bodyPr spcFirstLastPara="1" wrap="square" lIns="91425" tIns="91425" rIns="91425" bIns="91425" anchor="ctr" anchorCtr="0">
-            <a:noAutofit/>
-          </a:bodyPr>
-          <a:lstStyle/>
-          <a:p>
-            <a:pPr marL="0" lvl="0" indent="0" algn="l" rtl="0">
-              <a:spcBef>
-                <a:spcPts val="0"/>
-              </a:spcBef>
-              <a:spcAft>
-                <a:spcPts val="0"/>
-              </a:spcAft>
-              <a:buNone/>
-            </a:pPr>
-            <a:endParaRPr>
-              <a:latin typeface="Calibri" pitchFamily="34" charset="0"/>
-              <a:cs typeface="Calibri" pitchFamily="34" charset="0"/>
-            </a:endParaRPr>
-          </a:p>
-        </p:txBody>
-      </p:sp>
-      <p:sp>
-        <p:nvSpPr>
-          <p:cNvPr id="27" name="Google Shape;630;p60"/>
-          <p:cNvSpPr txBox="1">
-            <a:spLocks/>
-          </p:cNvSpPr>
-          <p:nvPr/>
-        </p:nvSpPr>
-        <p:spPr>
-          <a:xfrm>
-            <a:off x="935832" y="1563638"/>
-            <a:ext cx="6732512" cy="3096344"/>
-          </a:xfrm>
-          <a:prstGeom prst="rect">
-            <a:avLst/>
-          </a:prstGeom>
-        </p:spPr>
-        <p:txBody>
-          <a:bodyPr spcFirstLastPara="1" wrap="square" lIns="91425" tIns="91425" rIns="91425" bIns="91425" anchor="t" anchorCtr="0">
-            <a:noAutofit/>
-          </a:bodyPr>
-          <a:lstStyle>
-            <a:defPPr marR="0" lvl="0" algn="l" rtl="0">
-              <a:lnSpc>
-                <a:spcPct val="100000"/>
-              </a:lnSpc>
-              <a:spcBef>
-                <a:spcPts val="0"/>
-              </a:spcBef>
-              <a:spcAft>
-                <a:spcPts val="0"/>
-              </a:spcAft>
-            </a:defPPr>
-            <a:lvl1pPr marR="0" lvl="0" algn="l" rtl="0">
-              <a:lnSpc>
-                <a:spcPct val="100000"/>
-              </a:lnSpc>
-              <a:spcBef>
-                <a:spcPts val="0"/>
-              </a:spcBef>
-              <a:spcAft>
-                <a:spcPts val="0"/>
-              </a:spcAft>
-              <a:buClr>
-                <a:srgbClr val="000000"/>
-              </a:buClr>
-              <a:buFont typeface="Arial"/>
-              <a:defRPr sz="1400" b="0" i="0" u="none" strike="noStrike" cap="none">
-                <a:solidFill>
-                  <a:srgbClr val="000000"/>
-                </a:solidFill>
-                <a:latin typeface="Arial"/>
-                <a:ea typeface="Arial"/>
-                <a:cs typeface="Arial"/>
-                <a:sym typeface="Arial"/>
-              </a:defRPr>
-            </a:lvl1pPr>
-            <a:lvl2pPr marR="0" lvl="1" algn="l" rtl="0">
-              <a:lnSpc>
-                <a:spcPct val="100000"/>
-              </a:lnSpc>
-              <a:spcBef>
-                <a:spcPts val="0"/>
-              </a:spcBef>
-              <a:spcAft>
-                <a:spcPts val="0"/>
-              </a:spcAft>
-              <a:buClr>
-                <a:srgbClr val="000000"/>
-              </a:buClr>
-              <a:buFont typeface="Arial"/>
-              <a:defRPr sz="1400" b="0" i="0" u="none" strike="noStrike" cap="none">
-                <a:solidFill>
-                  <a:srgbClr val="000000"/>
-                </a:solidFill>
-                <a:latin typeface="Arial"/>
-                <a:ea typeface="Arial"/>
-                <a:cs typeface="Arial"/>
-                <a:sym typeface="Arial"/>
-              </a:defRPr>
-            </a:lvl2pPr>
-            <a:lvl3pPr marR="0" lvl="2" algn="l" rtl="0">
-              <a:lnSpc>
-                <a:spcPct val="100000"/>
-              </a:lnSpc>
-              <a:spcBef>
-                <a:spcPts val="0"/>
-              </a:spcBef>
-              <a:spcAft>
-                <a:spcPts val="0"/>
-              </a:spcAft>
-              <a:buClr>
-                <a:srgbClr val="000000"/>
-              </a:buClr>
-              <a:buFont typeface="Arial"/>
-              <a:defRPr sz="1400" b="0" i="0" u="none" strike="noStrike" cap="none">
-                <a:solidFill>
-                  <a:srgbClr val="000000"/>
-                </a:solidFill>
-                <a:latin typeface="Arial"/>
-                <a:ea typeface="Arial"/>
-                <a:cs typeface="Arial"/>
-                <a:sym typeface="Arial"/>
-              </a:defRPr>
-            </a:lvl3pPr>
-            <a:lvl4pPr marR="0" lvl="3" algn="l" rtl="0">
-              <a:lnSpc>
-                <a:spcPct val="100000"/>
-              </a:lnSpc>
-              <a:spcBef>
-                <a:spcPts val="0"/>
-              </a:spcBef>
-              <a:spcAft>
-                <a:spcPts val="0"/>
-              </a:spcAft>
-              <a:buClr>
-                <a:srgbClr val="000000"/>
-              </a:buClr>
-              <a:buFont typeface="Arial"/>
-              <a:defRPr sz="1400" b="0" i="0" u="none" strike="noStrike" cap="none">
-                <a:solidFill>
-                  <a:srgbClr val="000000"/>
-                </a:solidFill>
-                <a:latin typeface="Arial"/>
-                <a:ea typeface="Arial"/>
-                <a:cs typeface="Arial"/>
-                <a:sym typeface="Arial"/>
-              </a:defRPr>
-            </a:lvl4pPr>
-            <a:lvl5pPr marR="0" lvl="4" algn="l" rtl="0">
-              <a:lnSpc>
-                <a:spcPct val="100000"/>
-              </a:lnSpc>
-              <a:spcBef>
-                <a:spcPts val="0"/>
-              </a:spcBef>
-              <a:spcAft>
-                <a:spcPts val="0"/>
-              </a:spcAft>
-              <a:buClr>
-                <a:srgbClr val="000000"/>
-              </a:buClr>
-              <a:buFont typeface="Arial"/>
-              <a:defRPr sz="1400" b="0" i="0" u="none" strike="noStrike" cap="none">
-                <a:solidFill>
-                  <a:srgbClr val="000000"/>
-                </a:solidFill>
-                <a:latin typeface="Arial"/>
-                <a:ea typeface="Arial"/>
-                <a:cs typeface="Arial"/>
-                <a:sym typeface="Arial"/>
-              </a:defRPr>
-            </a:lvl5pPr>
-            <a:lvl6pPr marR="0" lvl="5" algn="l" rtl="0">
-              <a:lnSpc>
-                <a:spcPct val="100000"/>
-              </a:lnSpc>
-              <a:spcBef>
-                <a:spcPts val="0"/>
-              </a:spcBef>
-              <a:spcAft>
-                <a:spcPts val="0"/>
-              </a:spcAft>
-              <a:buClr>
-                <a:srgbClr val="000000"/>
-              </a:buClr>
-              <a:buFont typeface="Arial"/>
-              <a:defRPr sz="1400" b="0" i="0" u="none" strike="noStrike" cap="none">
-                <a:solidFill>
-                  <a:srgbClr val="000000"/>
-                </a:solidFill>
-                <a:latin typeface="Arial"/>
-                <a:ea typeface="Arial"/>
-                <a:cs typeface="Arial"/>
-                <a:sym typeface="Arial"/>
-              </a:defRPr>
-            </a:lvl6pPr>
-            <a:lvl7pPr marR="0" lvl="6" algn="l" rtl="0">
-              <a:lnSpc>
-                <a:spcPct val="100000"/>
-              </a:lnSpc>
-              <a:spcBef>
-                <a:spcPts val="0"/>
-              </a:spcBef>
-              <a:spcAft>
-                <a:spcPts val="0"/>
-              </a:spcAft>
-              <a:buClr>
-                <a:srgbClr val="000000"/>
-              </a:buClr>
-              <a:buFont typeface="Arial"/>
-              <a:defRPr sz="1400" b="0" i="0" u="none" strike="noStrike" cap="none">
-                <a:solidFill>
-                  <a:srgbClr val="000000"/>
-                </a:solidFill>
-                <a:latin typeface="Arial"/>
-                <a:ea typeface="Arial"/>
-                <a:cs typeface="Arial"/>
-                <a:sym typeface="Arial"/>
-              </a:defRPr>
-            </a:lvl7pPr>
-            <a:lvl8pPr marR="0" lvl="7" algn="l" rtl="0">
-              <a:lnSpc>
-                <a:spcPct val="100000"/>
-              </a:lnSpc>
-              <a:spcBef>
-                <a:spcPts val="0"/>
-              </a:spcBef>
-              <a:spcAft>
-                <a:spcPts val="0"/>
-              </a:spcAft>
-              <a:buClr>
-                <a:srgbClr val="000000"/>
-              </a:buClr>
-              <a:buFont typeface="Arial"/>
-              <a:defRPr sz="1400" b="0" i="0" u="none" strike="noStrike" cap="none">
-                <a:solidFill>
-                  <a:srgbClr val="000000"/>
-                </a:solidFill>
-                <a:latin typeface="Arial"/>
-                <a:ea typeface="Arial"/>
-                <a:cs typeface="Arial"/>
-                <a:sym typeface="Arial"/>
-              </a:defRPr>
-            </a:lvl8pPr>
-            <a:lvl9pPr marR="0" lvl="8" algn="l" rtl="0">
-              <a:lnSpc>
-                <a:spcPct val="100000"/>
-              </a:lnSpc>
-              <a:spcBef>
-                <a:spcPts val="0"/>
-              </a:spcBef>
-              <a:spcAft>
-                <a:spcPts val="0"/>
-              </a:spcAft>
-              <a:buClr>
-                <a:srgbClr val="000000"/>
-              </a:buClr>
-              <a:buFont typeface="Arial"/>
-              <a:defRPr sz="1400" b="0" i="0" u="none" strike="noStrike" cap="none">
-                <a:solidFill>
-                  <a:srgbClr val="000000"/>
-                </a:solidFill>
-                <a:latin typeface="Arial"/>
-                <a:ea typeface="Arial"/>
-                <a:cs typeface="Arial"/>
-                <a:sym typeface="Arial"/>
-              </a:defRPr>
-            </a:lvl9pPr>
-          </a:lstStyle>
-          <a:p>
-            <a:pPr marL="342900" indent="-342900" algn="just">
-              <a:buClr>
-                <a:schemeClr val="tx1"/>
-              </a:buClr>
-              <a:buSzPct val="125000"/>
-              <a:buFont typeface="+mj-lt"/>
-              <a:buAutoNum type="arabicPeriod"/>
-            </a:pPr>
-            <a:r>
-              <a:rPr lang="en-IN" sz="1600" dirty="0">
-                <a:solidFill>
-                  <a:schemeClr val="tx1"/>
-                </a:solidFill>
-                <a:latin typeface="Calibri" pitchFamily="34" charset="0"/>
-                <a:cs typeface="Calibri" pitchFamily="34" charset="0"/>
-              </a:rPr>
-              <a:t>Here used a “nested” mapping to store id and form level details, used bool query to check no error ids and an outer bool query to check all the forms are error free and a final bool query to display only the agencies with no errors.</a:t>
-            </a:r>
-          </a:p>
-          <a:p>
-            <a:pPr marL="342900" indent="-342900" algn="just">
-              <a:buClr>
-                <a:schemeClr val="tx1"/>
-              </a:buClr>
-              <a:buSzPct val="125000"/>
-              <a:buFont typeface="+mj-lt"/>
-              <a:buAutoNum type="arabicPeriod"/>
-            </a:pPr>
-            <a:r>
-              <a:rPr lang="en-IN" sz="1600" dirty="0">
-                <a:solidFill>
-                  <a:schemeClr val="tx1"/>
-                </a:solidFill>
-                <a:latin typeface="Calibri" pitchFamily="34" charset="0"/>
-                <a:cs typeface="Calibri" pitchFamily="34" charset="0"/>
-              </a:rPr>
-              <a:t>Used inner hits in form level nested query and retrieved passed forms from the above query output, inner hits is used display content matched with the bool query in nested query.</a:t>
-            </a:r>
-          </a:p>
-          <a:p>
-            <a:pPr marL="342900" indent="-342900" algn="just">
-              <a:buClr>
-                <a:schemeClr val="tx1"/>
-              </a:buClr>
-              <a:buSzPct val="125000"/>
-              <a:buFont typeface="+mj-lt"/>
-              <a:buAutoNum type="arabicPeriod"/>
-            </a:pPr>
-            <a:r>
-              <a:rPr lang="en-IN" sz="1600" dirty="0">
-                <a:solidFill>
-                  <a:schemeClr val="tx1"/>
-                </a:solidFill>
-                <a:latin typeface="Calibri" pitchFamily="34" charset="0"/>
-                <a:cs typeface="Calibri" pitchFamily="34" charset="0"/>
-              </a:rPr>
-              <a:t>Used inner hits in id level nested query and retrieved the failed id details.</a:t>
-            </a:r>
-          </a:p>
-        </p:txBody>
-      </p:sp>
-    </p:spTree>
-    <p:extLst>
-      <p:ext uri="{BB962C8B-B14F-4D97-AF65-F5344CB8AC3E}">
-        <p14:creationId xmlns:p14="http://schemas.microsoft.com/office/powerpoint/2010/main" val="3016268412"/>
-      </p:ext>
-    </p:extLst>
-  </p:cSld>
-  <p:clrMapOvr>
-    <a:masterClrMapping/>
-  </p:clrMapOvr>
-  <p:timing>
-    <p:tnLst>
-      <p:par>
-        <p:cTn id="1" dur="indefinite" restart="never" nodeType="tmRoot"/>
-      </p:par>
-    </p:tnLst>
-  </p:timing>
-</p:sld>
-</file>
-
-<file path=ppt/slides/slide13.xml><?xml version="1.0" encoding="utf-8"?>
+<file path=ppt/slides/slide16.xml><?xml version="1.0" encoding="utf-8"?>
 <p:sld xmlns:a="http://schemas.openxmlformats.org/drawingml/2006/main" xmlns:r="http://schemas.openxmlformats.org/officeDocument/2006/relationships" xmlns:p="http://schemas.openxmlformats.org/presentationml/2006/main">
   <p:cSld>
     <p:spTree>
@@ -18046,7 +19233,37 @@
                 <a:latin typeface="Calibri" pitchFamily="34" charset="0"/>
                 <a:cs typeface="Calibri" pitchFamily="34" charset="0"/>
               </a:rPr>
-              <a:t>Worked on Python pandas to reduce the data while loading into the data frames.</a:t>
+              <a:t>Worked on Python pandas to reduce the </a:t>
+            </a:r>
+            <a:r>
+              <a:rPr lang="en-IN" sz="1600" dirty="0" smtClean="0">
+                <a:solidFill>
+                  <a:schemeClr val="tx1"/>
+                </a:solidFill>
+                <a:latin typeface="Calibri" pitchFamily="34" charset="0"/>
+                <a:cs typeface="Calibri" pitchFamily="34" charset="0"/>
+              </a:rPr>
+              <a:t>memory consumption</a:t>
+            </a:r>
+            <a:r>
+              <a:rPr lang="en-IN" sz="1600" dirty="0" smtClean="0">
+                <a:solidFill>
+                  <a:schemeClr val="tx1"/>
+                </a:solidFill>
+                <a:latin typeface="Calibri" pitchFamily="34" charset="0"/>
+                <a:cs typeface="Calibri" pitchFamily="34" charset="0"/>
+              </a:rPr>
+              <a:t> </a:t>
+            </a:r>
+            <a:r>
+              <a:rPr lang="en-IN" sz="1600" dirty="0">
+                <a:solidFill>
+                  <a:schemeClr val="tx1"/>
+                </a:solidFill>
+                <a:latin typeface="Calibri" pitchFamily="34" charset="0"/>
+                <a:cs typeface="Calibri" pitchFamily="34" charset="0"/>
+              </a:rPr>
+              <a:t>while loading into the data frames.</a:t>
             </a:r>
           </a:p>
           <a:p>
@@ -18066,7 +19283,27 @@
                 <a:latin typeface="Calibri" pitchFamily="34" charset="0"/>
                 <a:cs typeface="Calibri" pitchFamily="34" charset="0"/>
               </a:rPr>
-              <a:t>Created an AWS lambda function to convert CSV file into JSON file while uploaded into a S3 bucket.</a:t>
+              <a:t>Created an AWS lambda function to convert CSV file into JSON file </a:t>
+            </a:r>
+            <a:r>
+              <a:rPr lang="en-IN" sz="1600" dirty="0" smtClean="0">
+                <a:solidFill>
+                  <a:schemeClr val="tx1"/>
+                </a:solidFill>
+                <a:latin typeface="Calibri" pitchFamily="34" charset="0"/>
+                <a:cs typeface="Calibri" pitchFamily="34" charset="0"/>
+              </a:rPr>
+              <a:t>when </a:t>
+            </a:r>
+            <a:r>
+              <a:rPr lang="en-IN" sz="1600" dirty="0">
+                <a:solidFill>
+                  <a:schemeClr val="tx1"/>
+                </a:solidFill>
+                <a:latin typeface="Calibri" pitchFamily="34" charset="0"/>
+                <a:cs typeface="Calibri" pitchFamily="34" charset="0"/>
+              </a:rPr>
+              <a:t>uploaded into a S3 bucket.</a:t>
             </a:r>
           </a:p>
           <a:p>
@@ -18106,8 +19343,45 @@
                 <a:latin typeface="Calibri" pitchFamily="34" charset="0"/>
                 <a:cs typeface="Calibri" pitchFamily="34" charset="0"/>
               </a:rPr>
-              <a:t>Token Validation for Aurora DB connection</a:t>
+              <a:t>Token Validation for Aurora DB </a:t>
             </a:r>
+            <a:r>
+              <a:rPr lang="en-IN" sz="1600" dirty="0" smtClean="0">
+                <a:solidFill>
+                  <a:schemeClr val="tx1"/>
+                </a:solidFill>
+                <a:latin typeface="Calibri" pitchFamily="34" charset="0"/>
+                <a:cs typeface="Calibri" pitchFamily="34" charset="0"/>
+              </a:rPr>
+              <a:t>connection</a:t>
+            </a:r>
+          </a:p>
+          <a:p>
+            <a:pPr marL="342900" indent="-342900" algn="just">
+              <a:buClr>
+                <a:schemeClr val="tx1"/>
+              </a:buClr>
+              <a:buSzPct val="125000"/>
+              <a:buFont typeface="Arial" pitchFamily="34" charset="0"/>
+              <a:buChar char="•"/>
+            </a:pPr>
+            <a:r>
+              <a:rPr lang="en-IN" sz="1600" dirty="0" smtClean="0">
+                <a:solidFill>
+                  <a:schemeClr val="tx1"/>
+                </a:solidFill>
+                <a:latin typeface="Calibri" pitchFamily="34" charset="0"/>
+                <a:cs typeface="Calibri" pitchFamily="34" charset="0"/>
+              </a:rPr>
+              <a:t>Observed the code coverage by running pytests</a:t>
+            </a:r>
+            <a:endParaRPr lang="en-IN" sz="1600" dirty="0">
+              <a:solidFill>
+                <a:schemeClr val="tx1"/>
+              </a:solidFill>
+              <a:latin typeface="Calibri" pitchFamily="34" charset="0"/>
+              <a:cs typeface="Calibri" pitchFamily="34" charset="0"/>
+            </a:endParaRPr>
           </a:p>
         </p:txBody>
       </p:sp>
@@ -18131,7 +19405,7 @@
 </p:sld>
 </file>
 
-<file path=ppt/slides/slide14.xml><?xml version="1.0" encoding="utf-8"?>
+<file path=ppt/slides/slide17.xml><?xml version="1.0" encoding="utf-8"?>
 <p:sld xmlns:a="http://schemas.openxmlformats.org/drawingml/2006/main" xmlns:r="http://schemas.openxmlformats.org/officeDocument/2006/relationships" xmlns:p="http://schemas.openxmlformats.org/presentationml/2006/main">
   <p:cSld>
     <p:spTree>
@@ -18228,7 +19502,7 @@
 </p:sld>
 </file>
 
-<file path=ppt/slides/slide15.xml><?xml version="1.0" encoding="utf-8"?>
+<file path=ppt/slides/slide18.xml><?xml version="1.0" encoding="utf-8"?>
 <p:sld xmlns:a="http://schemas.openxmlformats.org/drawingml/2006/main" xmlns:r="http://schemas.openxmlformats.org/officeDocument/2006/relationships" xmlns:p="http://schemas.openxmlformats.org/presentationml/2006/main">
   <p:cSld>
     <p:spTree>
@@ -18304,7 +19578,557 @@
 </p:sld>
 </file>
 
-<file path=ppt/slides/slide16.xml><?xml version="1.0" encoding="utf-8"?>
+<file path=ppt/slides/slide19.xml><?xml version="1.0" encoding="utf-8"?>
+<p:sld xmlns:a="http://schemas.openxmlformats.org/drawingml/2006/main" xmlns:r="http://schemas.openxmlformats.org/officeDocument/2006/relationships" xmlns:p="http://schemas.openxmlformats.org/presentationml/2006/main">
+  <p:cSld>
+    <p:spTree>
+      <p:nvGrpSpPr>
+        <p:cNvPr id="1" name=""/>
+        <p:cNvGrpSpPr/>
+        <p:nvPr/>
+      </p:nvGrpSpPr>
+      <p:grpSpPr>
+        <a:xfrm>
+          <a:off x="0" y="0"/>
+          <a:ext cx="0" cy="0"/>
+          <a:chOff x="0" y="0"/>
+          <a:chExt cx="0" cy="0"/>
+        </a:xfrm>
+      </p:grpSpPr>
+      <p:sp>
+        <p:nvSpPr>
+          <p:cNvPr id="15" name="Title 14"/>
+          <p:cNvSpPr>
+            <a:spLocks noGrp="1"/>
+          </p:cNvSpPr>
+          <p:nvPr>
+            <p:ph type="title"/>
+          </p:nvPr>
+        </p:nvSpPr>
+        <p:spPr>
+          <a:xfrm>
+            <a:off x="4355976" y="2211710"/>
+            <a:ext cx="4427984" cy="1512168"/>
+          </a:xfrm>
+        </p:spPr>
+        <p:txBody>
+          <a:bodyPr/>
+          <a:lstStyle/>
+          <a:p>
+            <a:r>
+              <a:rPr lang="en-IN" sz="4500" b="1" dirty="0" smtClean="0">
+                <a:latin typeface="Calibri" pitchFamily="34" charset="0"/>
+                <a:cs typeface="Calibri" pitchFamily="34" charset="0"/>
+              </a:rPr>
+              <a:t>Annexure</a:t>
+            </a:r>
+            <a:endParaRPr lang="en-IN" sz="4500" b="1" dirty="0">
+              <a:latin typeface="Calibri" pitchFamily="34" charset="0"/>
+              <a:cs typeface="Calibri" pitchFamily="34" charset="0"/>
+            </a:endParaRPr>
+          </a:p>
+        </p:txBody>
+      </p:sp>
+    </p:spTree>
+    <p:extLst>
+      <p:ext uri="{BB962C8B-B14F-4D97-AF65-F5344CB8AC3E}">
+        <p14:creationId xmlns:p14="http://schemas.microsoft.com/office/powerpoint/2010/main" val="3475098867"/>
+      </p:ext>
+    </p:extLst>
+  </p:cSld>
+  <p:clrMapOvr>
+    <a:masterClrMapping/>
+  </p:clrMapOvr>
+  <p:timing>
+    <p:tnLst>
+      <p:par>
+        <p:cTn id="1" dur="indefinite" restart="never" nodeType="tmRoot"/>
+      </p:par>
+    </p:tnLst>
+  </p:timing>
+</p:sld>
+</file>
+
+<file path=ppt/slides/slide2.xml><?xml version="1.0" encoding="utf-8"?>
+<p:sld xmlns:a="http://schemas.openxmlformats.org/drawingml/2006/main" xmlns:r="http://schemas.openxmlformats.org/officeDocument/2006/relationships" xmlns:p="http://schemas.openxmlformats.org/presentationml/2006/main">
+  <p:cSld>
+    <p:spTree>
+      <p:nvGrpSpPr>
+        <p:cNvPr id="1" name="Shape 452"/>
+        <p:cNvGrpSpPr/>
+        <p:nvPr/>
+      </p:nvGrpSpPr>
+      <p:grpSpPr>
+        <a:xfrm>
+          <a:off x="0" y="0"/>
+          <a:ext cx="0" cy="0"/>
+          <a:chOff x="0" y="0"/>
+          <a:chExt cx="0" cy="0"/>
+        </a:xfrm>
+      </p:grpSpPr>
+      <p:sp>
+        <p:nvSpPr>
+          <p:cNvPr id="453" name="Google Shape;453;p44"/>
+          <p:cNvSpPr txBox="1">
+            <a:spLocks noGrp="1"/>
+          </p:cNvSpPr>
+          <p:nvPr>
+            <p:ph type="title"/>
+          </p:nvPr>
+        </p:nvSpPr>
+        <p:spPr>
+          <a:xfrm>
+            <a:off x="4558082" y="771550"/>
+            <a:ext cx="3858900" cy="592800"/>
+          </a:xfrm>
+          <a:prstGeom prst="rect">
+            <a:avLst/>
+          </a:prstGeom>
+        </p:spPr>
+        <p:txBody>
+          <a:bodyPr spcFirstLastPara="1" wrap="square" lIns="91425" tIns="91425" rIns="91425" bIns="91425" anchor="ctr" anchorCtr="0">
+            <a:noAutofit/>
+          </a:bodyPr>
+          <a:lstStyle/>
+          <a:p>
+            <a:pPr marL="0" lvl="0" indent="0" algn="l" rtl="0">
+              <a:spcBef>
+                <a:spcPts val="0"/>
+              </a:spcBef>
+              <a:spcAft>
+                <a:spcPts val="0"/>
+              </a:spcAft>
+              <a:buNone/>
+            </a:pPr>
+            <a:r>
+              <a:rPr lang="en" sz="3000" dirty="0">
+                <a:latin typeface="Calibri" panose="020F0502020204030204" pitchFamily="34" charset="0"/>
+                <a:cs typeface="Calibri" panose="020F0502020204030204" pitchFamily="34" charset="0"/>
+              </a:rPr>
+              <a:t>Contents</a:t>
+            </a:r>
+            <a:endParaRPr sz="3000" dirty="0">
+              <a:latin typeface="Calibri" panose="020F0502020204030204" pitchFamily="34" charset="0"/>
+              <a:cs typeface="Calibri" panose="020F0502020204030204" pitchFamily="34" charset="0"/>
+            </a:endParaRPr>
+          </a:p>
+        </p:txBody>
+      </p:sp>
+      <p:sp>
+        <p:nvSpPr>
+          <p:cNvPr id="455" name="Google Shape;455;p44"/>
+          <p:cNvSpPr/>
+          <p:nvPr/>
+        </p:nvSpPr>
+        <p:spPr>
+          <a:xfrm rot="5400000">
+            <a:off x="5540700" y="443116"/>
+            <a:ext cx="43200" cy="1980600"/>
+          </a:xfrm>
+          <a:prstGeom prst="rect">
+            <a:avLst/>
+          </a:prstGeom>
+          <a:solidFill>
+            <a:schemeClr val="lt2"/>
+          </a:solidFill>
+          <a:ln>
+            <a:noFill/>
+          </a:ln>
+        </p:spPr>
+        <p:txBody>
+          <a:bodyPr spcFirstLastPara="1" wrap="square" lIns="91425" tIns="91425" rIns="91425" bIns="91425" anchor="ctr" anchorCtr="0">
+            <a:noAutofit/>
+          </a:bodyPr>
+          <a:lstStyle/>
+          <a:p>
+            <a:pPr marL="0" lvl="0" indent="0" algn="l" rtl="0">
+              <a:spcBef>
+                <a:spcPts val="0"/>
+              </a:spcBef>
+              <a:spcAft>
+                <a:spcPts val="0"/>
+              </a:spcAft>
+              <a:buNone/>
+            </a:pPr>
+            <a:endParaRPr/>
+          </a:p>
+        </p:txBody>
+      </p:sp>
+      <p:sp>
+        <p:nvSpPr>
+          <p:cNvPr id="5" name="Google Shape;630;p60"/>
+          <p:cNvSpPr txBox="1">
+            <a:spLocks/>
+          </p:cNvSpPr>
+          <p:nvPr/>
+        </p:nvSpPr>
+        <p:spPr>
+          <a:xfrm>
+            <a:off x="4678129" y="1851670"/>
+            <a:ext cx="3594141" cy="2592288"/>
+          </a:xfrm>
+          <a:prstGeom prst="rect">
+            <a:avLst/>
+          </a:prstGeom>
+        </p:spPr>
+        <p:txBody>
+          <a:bodyPr spcFirstLastPara="1" wrap="square" lIns="91425" tIns="91425" rIns="91425" bIns="91425" anchor="t" anchorCtr="0">
+            <a:noAutofit/>
+          </a:bodyPr>
+          <a:lstStyle>
+            <a:defPPr marR="0" lvl="0" algn="l" rtl="0">
+              <a:lnSpc>
+                <a:spcPct val="100000"/>
+              </a:lnSpc>
+              <a:spcBef>
+                <a:spcPts val="0"/>
+              </a:spcBef>
+              <a:spcAft>
+                <a:spcPts val="0"/>
+              </a:spcAft>
+            </a:defPPr>
+            <a:lvl1pPr marR="0" lvl="0" algn="l" rtl="0">
+              <a:lnSpc>
+                <a:spcPct val="100000"/>
+              </a:lnSpc>
+              <a:spcBef>
+                <a:spcPts val="0"/>
+              </a:spcBef>
+              <a:spcAft>
+                <a:spcPts val="0"/>
+              </a:spcAft>
+              <a:buClr>
+                <a:srgbClr val="000000"/>
+              </a:buClr>
+              <a:buFont typeface="Arial"/>
+              <a:defRPr sz="1400" b="0" i="0" u="none" strike="noStrike" cap="none">
+                <a:solidFill>
+                  <a:srgbClr val="000000"/>
+                </a:solidFill>
+                <a:latin typeface="Arial"/>
+                <a:ea typeface="Arial"/>
+                <a:cs typeface="Arial"/>
+                <a:sym typeface="Arial"/>
+              </a:defRPr>
+            </a:lvl1pPr>
+            <a:lvl2pPr marR="0" lvl="1" algn="l" rtl="0">
+              <a:lnSpc>
+                <a:spcPct val="100000"/>
+              </a:lnSpc>
+              <a:spcBef>
+                <a:spcPts val="0"/>
+              </a:spcBef>
+              <a:spcAft>
+                <a:spcPts val="0"/>
+              </a:spcAft>
+              <a:buClr>
+                <a:srgbClr val="000000"/>
+              </a:buClr>
+              <a:buFont typeface="Arial"/>
+              <a:defRPr sz="1400" b="0" i="0" u="none" strike="noStrike" cap="none">
+                <a:solidFill>
+                  <a:srgbClr val="000000"/>
+                </a:solidFill>
+                <a:latin typeface="Arial"/>
+                <a:ea typeface="Arial"/>
+                <a:cs typeface="Arial"/>
+                <a:sym typeface="Arial"/>
+              </a:defRPr>
+            </a:lvl2pPr>
+            <a:lvl3pPr marR="0" lvl="2" algn="l" rtl="0">
+              <a:lnSpc>
+                <a:spcPct val="100000"/>
+              </a:lnSpc>
+              <a:spcBef>
+                <a:spcPts val="0"/>
+              </a:spcBef>
+              <a:spcAft>
+                <a:spcPts val="0"/>
+              </a:spcAft>
+              <a:buClr>
+                <a:srgbClr val="000000"/>
+              </a:buClr>
+              <a:buFont typeface="Arial"/>
+              <a:defRPr sz="1400" b="0" i="0" u="none" strike="noStrike" cap="none">
+                <a:solidFill>
+                  <a:srgbClr val="000000"/>
+                </a:solidFill>
+                <a:latin typeface="Arial"/>
+                <a:ea typeface="Arial"/>
+                <a:cs typeface="Arial"/>
+                <a:sym typeface="Arial"/>
+              </a:defRPr>
+            </a:lvl3pPr>
+            <a:lvl4pPr marR="0" lvl="3" algn="l" rtl="0">
+              <a:lnSpc>
+                <a:spcPct val="100000"/>
+              </a:lnSpc>
+              <a:spcBef>
+                <a:spcPts val="0"/>
+              </a:spcBef>
+              <a:spcAft>
+                <a:spcPts val="0"/>
+              </a:spcAft>
+              <a:buClr>
+                <a:srgbClr val="000000"/>
+              </a:buClr>
+              <a:buFont typeface="Arial"/>
+              <a:defRPr sz="1400" b="0" i="0" u="none" strike="noStrike" cap="none">
+                <a:solidFill>
+                  <a:srgbClr val="000000"/>
+                </a:solidFill>
+                <a:latin typeface="Arial"/>
+                <a:ea typeface="Arial"/>
+                <a:cs typeface="Arial"/>
+                <a:sym typeface="Arial"/>
+              </a:defRPr>
+            </a:lvl4pPr>
+            <a:lvl5pPr marR="0" lvl="4" algn="l" rtl="0">
+              <a:lnSpc>
+                <a:spcPct val="100000"/>
+              </a:lnSpc>
+              <a:spcBef>
+                <a:spcPts val="0"/>
+              </a:spcBef>
+              <a:spcAft>
+                <a:spcPts val="0"/>
+              </a:spcAft>
+              <a:buClr>
+                <a:srgbClr val="000000"/>
+              </a:buClr>
+              <a:buFont typeface="Arial"/>
+              <a:defRPr sz="1400" b="0" i="0" u="none" strike="noStrike" cap="none">
+                <a:solidFill>
+                  <a:srgbClr val="000000"/>
+                </a:solidFill>
+                <a:latin typeface="Arial"/>
+                <a:ea typeface="Arial"/>
+                <a:cs typeface="Arial"/>
+                <a:sym typeface="Arial"/>
+              </a:defRPr>
+            </a:lvl5pPr>
+            <a:lvl6pPr marR="0" lvl="5" algn="l" rtl="0">
+              <a:lnSpc>
+                <a:spcPct val="100000"/>
+              </a:lnSpc>
+              <a:spcBef>
+                <a:spcPts val="0"/>
+              </a:spcBef>
+              <a:spcAft>
+                <a:spcPts val="0"/>
+              </a:spcAft>
+              <a:buClr>
+                <a:srgbClr val="000000"/>
+              </a:buClr>
+              <a:buFont typeface="Arial"/>
+              <a:defRPr sz="1400" b="0" i="0" u="none" strike="noStrike" cap="none">
+                <a:solidFill>
+                  <a:srgbClr val="000000"/>
+                </a:solidFill>
+                <a:latin typeface="Arial"/>
+                <a:ea typeface="Arial"/>
+                <a:cs typeface="Arial"/>
+                <a:sym typeface="Arial"/>
+              </a:defRPr>
+            </a:lvl6pPr>
+            <a:lvl7pPr marR="0" lvl="6" algn="l" rtl="0">
+              <a:lnSpc>
+                <a:spcPct val="100000"/>
+              </a:lnSpc>
+              <a:spcBef>
+                <a:spcPts val="0"/>
+              </a:spcBef>
+              <a:spcAft>
+                <a:spcPts val="0"/>
+              </a:spcAft>
+              <a:buClr>
+                <a:srgbClr val="000000"/>
+              </a:buClr>
+              <a:buFont typeface="Arial"/>
+              <a:defRPr sz="1400" b="0" i="0" u="none" strike="noStrike" cap="none">
+                <a:solidFill>
+                  <a:srgbClr val="000000"/>
+                </a:solidFill>
+                <a:latin typeface="Arial"/>
+                <a:ea typeface="Arial"/>
+                <a:cs typeface="Arial"/>
+                <a:sym typeface="Arial"/>
+              </a:defRPr>
+            </a:lvl7pPr>
+            <a:lvl8pPr marR="0" lvl="7" algn="l" rtl="0">
+              <a:lnSpc>
+                <a:spcPct val="100000"/>
+              </a:lnSpc>
+              <a:spcBef>
+                <a:spcPts val="0"/>
+              </a:spcBef>
+              <a:spcAft>
+                <a:spcPts val="0"/>
+              </a:spcAft>
+              <a:buClr>
+                <a:srgbClr val="000000"/>
+              </a:buClr>
+              <a:buFont typeface="Arial"/>
+              <a:defRPr sz="1400" b="0" i="0" u="none" strike="noStrike" cap="none">
+                <a:solidFill>
+                  <a:srgbClr val="000000"/>
+                </a:solidFill>
+                <a:latin typeface="Arial"/>
+                <a:ea typeface="Arial"/>
+                <a:cs typeface="Arial"/>
+                <a:sym typeface="Arial"/>
+              </a:defRPr>
+            </a:lvl8pPr>
+            <a:lvl9pPr marR="0" lvl="8" algn="l" rtl="0">
+              <a:lnSpc>
+                <a:spcPct val="100000"/>
+              </a:lnSpc>
+              <a:spcBef>
+                <a:spcPts val="0"/>
+              </a:spcBef>
+              <a:spcAft>
+                <a:spcPts val="0"/>
+              </a:spcAft>
+              <a:buClr>
+                <a:srgbClr val="000000"/>
+              </a:buClr>
+              <a:buFont typeface="Arial"/>
+              <a:defRPr sz="1400" b="0" i="0" u="none" strike="noStrike" cap="none">
+                <a:solidFill>
+                  <a:srgbClr val="000000"/>
+                </a:solidFill>
+                <a:latin typeface="Arial"/>
+                <a:ea typeface="Arial"/>
+                <a:cs typeface="Arial"/>
+                <a:sym typeface="Arial"/>
+              </a:defRPr>
+            </a:lvl9pPr>
+          </a:lstStyle>
+          <a:p>
+            <a:pPr marL="285750" indent="-285750">
+              <a:buClr>
+                <a:schemeClr val="tx1"/>
+              </a:buClr>
+              <a:buSzPct val="125000"/>
+              <a:buFont typeface="Arial" pitchFamily="34" charset="0"/>
+              <a:buChar char="•"/>
+            </a:pPr>
+            <a:r>
+              <a:rPr lang="en-IN" sz="1600" dirty="0">
+                <a:solidFill>
+                  <a:schemeClr val="tx1"/>
+                </a:solidFill>
+                <a:latin typeface="Calibri" panose="020F0502020204030204" pitchFamily="34" charset="0"/>
+                <a:cs typeface="Calibri" panose="020F0502020204030204" pitchFamily="34" charset="0"/>
+              </a:rPr>
+              <a:t>Internship</a:t>
+            </a:r>
+          </a:p>
+          <a:p>
+            <a:pPr marL="285750" indent="-285750">
+              <a:buClr>
+                <a:schemeClr val="tx1"/>
+              </a:buClr>
+              <a:buSzPct val="125000"/>
+              <a:buFont typeface="Arial" pitchFamily="34" charset="0"/>
+              <a:buChar char="•"/>
+            </a:pPr>
+            <a:r>
+              <a:rPr lang="en-IN" sz="1600" dirty="0" smtClean="0">
+                <a:solidFill>
+                  <a:schemeClr val="tx1"/>
+                </a:solidFill>
+                <a:latin typeface="Calibri" panose="020F0502020204030204" pitchFamily="34" charset="0"/>
+                <a:cs typeface="Calibri" panose="020F0502020204030204" pitchFamily="34" charset="0"/>
+              </a:rPr>
+              <a:t>Technical stack</a:t>
+            </a:r>
+            <a:endParaRPr lang="en-IN" sz="1600" dirty="0">
+              <a:solidFill>
+                <a:schemeClr val="tx1"/>
+              </a:solidFill>
+              <a:latin typeface="Calibri" panose="020F0502020204030204" pitchFamily="34" charset="0"/>
+              <a:cs typeface="Calibri" panose="020F0502020204030204" pitchFamily="34" charset="0"/>
+            </a:endParaRPr>
+          </a:p>
+          <a:p>
+            <a:pPr marL="285750" indent="-285750">
+              <a:buClr>
+                <a:schemeClr val="tx1"/>
+              </a:buClr>
+              <a:buSzPct val="125000"/>
+              <a:buFont typeface="Arial" pitchFamily="34" charset="0"/>
+              <a:buChar char="•"/>
+            </a:pPr>
+            <a:r>
+              <a:rPr lang="en-IN" sz="1600" dirty="0">
+                <a:solidFill>
+                  <a:schemeClr val="tx1"/>
+                </a:solidFill>
+                <a:latin typeface="Calibri" panose="020F0502020204030204" pitchFamily="34" charset="0"/>
+                <a:cs typeface="Calibri" panose="020F0502020204030204" pitchFamily="34" charset="0"/>
+              </a:rPr>
+              <a:t>Requirement</a:t>
+            </a:r>
+          </a:p>
+          <a:p>
+            <a:pPr marL="285750" indent="-285750">
+              <a:buClr>
+                <a:schemeClr val="tx1"/>
+              </a:buClr>
+              <a:buSzPct val="125000"/>
+              <a:buFont typeface="Arial" pitchFamily="34" charset="0"/>
+              <a:buChar char="•"/>
+            </a:pPr>
+            <a:r>
+              <a:rPr lang="en-IN" sz="1600" dirty="0">
+                <a:solidFill>
+                  <a:schemeClr val="tx1"/>
+                </a:solidFill>
+                <a:latin typeface="Calibri" panose="020F0502020204030204" pitchFamily="34" charset="0"/>
+                <a:cs typeface="Calibri" panose="020F0502020204030204" pitchFamily="34" charset="0"/>
+              </a:rPr>
+              <a:t>Miscellaneous</a:t>
+            </a:r>
+          </a:p>
+          <a:p>
+            <a:pPr marL="285750" indent="-285750">
+              <a:buClr>
+                <a:schemeClr val="tx1"/>
+              </a:buClr>
+              <a:buSzPct val="125000"/>
+              <a:buFont typeface="Arial" pitchFamily="34" charset="0"/>
+              <a:buChar char="•"/>
+            </a:pPr>
+            <a:r>
+              <a:rPr lang="en-IN" sz="1600" dirty="0">
+                <a:solidFill>
+                  <a:schemeClr val="tx1"/>
+                </a:solidFill>
+                <a:latin typeface="Calibri" panose="020F0502020204030204" pitchFamily="34" charset="0"/>
+                <a:cs typeface="Calibri" panose="020F0502020204030204" pitchFamily="34" charset="0"/>
+              </a:rPr>
+              <a:t>Questions</a:t>
+            </a:r>
+          </a:p>
+        </p:txBody>
+      </p:sp>
+    </p:spTree>
+  </p:cSld>
+  <p:clrMapOvr>
+    <a:masterClrMapping/>
+  </p:clrMapOvr>
+  <p:timing>
+    <p:tnLst>
+      <p:par>
+        <p:cTn id="1" dur="indefinite" restart="never" nodeType="tmRoot"/>
+      </p:par>
+    </p:tnLst>
+  </p:timing>
+</p:sld>
+</file>
+
+<file path=ppt/slides/slide20.xml><?xml version="1.0" encoding="utf-8"?>
 <p:sld xmlns:a="http://schemas.openxmlformats.org/drawingml/2006/main" xmlns:r="http://schemas.openxmlformats.org/officeDocument/2006/relationships" xmlns:p="http://schemas.openxmlformats.org/presentationml/2006/main">
   <p:cSld>
     <p:spTree>
@@ -18814,7 +20638,7 @@
 </p:sld>
 </file>
 
-<file path=ppt/slides/slide17.xml><?xml version="1.0" encoding="utf-8"?>
+<file path=ppt/slides/slide21.xml><?xml version="1.0" encoding="utf-8"?>
 <p:sld xmlns:a="http://schemas.openxmlformats.org/drawingml/2006/main" xmlns:r="http://schemas.openxmlformats.org/officeDocument/2006/relationships" xmlns:p="http://schemas.openxmlformats.org/presentationml/2006/main">
   <p:cSld>
     <p:spTree>
@@ -19894,7 +21718,7 @@
 </p:sld>
 </file>
 
-<file path=ppt/slides/slide18.xml><?xml version="1.0" encoding="utf-8"?>
+<file path=ppt/slides/slide22.xml><?xml version="1.0" encoding="utf-8"?>
 <p:sld xmlns:a="http://schemas.openxmlformats.org/drawingml/2006/main" xmlns:r="http://schemas.openxmlformats.org/officeDocument/2006/relationships" xmlns:p="http://schemas.openxmlformats.org/presentationml/2006/main">
   <p:cSld>
     <p:spTree>
@@ -20405,12 +22229,12 @@
 </p:sld>
 </file>
 
-<file path=ppt/slides/slide2.xml><?xml version="1.0" encoding="utf-8"?>
+<file path=ppt/slides/slide23.xml><?xml version="1.0" encoding="utf-8"?>
 <p:sld xmlns:a="http://schemas.openxmlformats.org/drawingml/2006/main" xmlns:r="http://schemas.openxmlformats.org/officeDocument/2006/relationships" xmlns:p="http://schemas.openxmlformats.org/presentationml/2006/main">
   <p:cSld>
     <p:spTree>
       <p:nvGrpSpPr>
-        <p:cNvPr id="1" name="Shape 452"/>
+        <p:cNvPr id="1" name=""/>
         <p:cNvGrpSpPr/>
         <p:nvPr/>
       </p:nvGrpSpPr>
@@ -20424,7 +22248,7 @@
       </p:grpSpPr>
       <p:sp>
         <p:nvSpPr>
-          <p:cNvPr id="453" name="Google Shape;453;p44"/>
+          <p:cNvPr id="24" name="Google Shape;659;p62"/>
           <p:cNvSpPr txBox="1">
             <a:spLocks noGrp="1"/>
           </p:cNvSpPr>
@@ -20434,8 +22258,8 @@
         </p:nvSpPr>
         <p:spPr>
           <a:xfrm>
-            <a:off x="4558082" y="771550"/>
-            <a:ext cx="3858900" cy="592800"/>
+            <a:off x="670924" y="448174"/>
+            <a:ext cx="7717500" cy="539400"/>
           </a:xfrm>
           <a:prstGeom prst="rect">
             <a:avLst/>
@@ -20447,38 +22271,30 @@
           </a:bodyPr>
           <a:lstStyle/>
           <a:p>
-            <a:pPr marL="0" lvl="0" indent="0" algn="l" rtl="0">
-              <a:spcBef>
-                <a:spcPts val="0"/>
-              </a:spcBef>
-              <a:spcAft>
-                <a:spcPts val="0"/>
-              </a:spcAft>
-              <a:buNone/>
-            </a:pPr>
+            <a:pPr lvl="0"/>
             <a:r>
               <a:rPr lang="en" sz="3000" dirty="0">
-                <a:latin typeface="Calibri" panose="020F0502020204030204" pitchFamily="34" charset="0"/>
-                <a:cs typeface="Calibri" panose="020F0502020204030204" pitchFamily="34" charset="0"/>
+                <a:latin typeface="Calibri" pitchFamily="34" charset="0"/>
+                <a:cs typeface="Calibri" pitchFamily="34" charset="0"/>
               </a:rPr>
-              <a:t>Contents</a:t>
+              <a:t>Requirement Querying</a:t>
             </a:r>
             <a:endParaRPr sz="3000" dirty="0">
-              <a:latin typeface="Calibri" panose="020F0502020204030204" pitchFamily="34" charset="0"/>
-              <a:cs typeface="Calibri" panose="020F0502020204030204" pitchFamily="34" charset="0"/>
+              <a:latin typeface="Calibri" pitchFamily="34" charset="0"/>
+              <a:cs typeface="Calibri" pitchFamily="34" charset="0"/>
             </a:endParaRPr>
           </a:p>
         </p:txBody>
       </p:sp>
       <p:sp>
         <p:nvSpPr>
-          <p:cNvPr id="455" name="Google Shape;455;p44"/>
+          <p:cNvPr id="25" name="Google Shape;645;p60"/>
           <p:cNvSpPr/>
           <p:nvPr/>
         </p:nvSpPr>
         <p:spPr>
           <a:xfrm rot="5400000">
-            <a:off x="5540700" y="443116"/>
+            <a:off x="1724276" y="90882"/>
             <a:ext cx="43200" cy="1980600"/>
           </a:xfrm>
           <a:prstGeom prst="rect">
@@ -20506,13 +22322,16 @@
               </a:spcAft>
               <a:buNone/>
             </a:pPr>
-            <a:endParaRPr/>
+            <a:endParaRPr>
+              <a:latin typeface="Calibri" pitchFamily="34" charset="0"/>
+              <a:cs typeface="Calibri" pitchFamily="34" charset="0"/>
+            </a:endParaRPr>
           </a:p>
         </p:txBody>
       </p:sp>
       <p:sp>
         <p:nvSpPr>
-          <p:cNvPr id="5" name="Google Shape;630;p60"/>
+          <p:cNvPr id="27" name="Google Shape;630;p60"/>
           <p:cNvSpPr txBox="1">
             <a:spLocks/>
           </p:cNvSpPr>
@@ -20520,8 +22339,8 @@
         </p:nvSpPr>
         <p:spPr>
           <a:xfrm>
-            <a:off x="4678129" y="1851670"/>
-            <a:ext cx="3594141" cy="2592288"/>
+            <a:off x="935832" y="1563638"/>
+            <a:ext cx="6732512" cy="3096344"/>
           </a:xfrm>
           <a:prstGeom prst="rect">
             <a:avLst/>
@@ -20761,115 +22580,73 @@
             </a:lvl9pPr>
           </a:lstStyle>
           <a:p>
-            <a:pPr marL="285750" indent="-285750">
+            <a:pPr marL="342900" indent="-342900" algn="just">
               <a:buClr>
                 <a:schemeClr val="tx1"/>
               </a:buClr>
               <a:buSzPct val="125000"/>
-              <a:buFont typeface="Arial" pitchFamily="34" charset="0"/>
-              <a:buChar char="•"/>
+              <a:buFont typeface="+mj-lt"/>
+              <a:buAutoNum type="arabicPeriod"/>
             </a:pPr>
             <a:r>
               <a:rPr lang="en-IN" sz="1600" dirty="0">
                 <a:solidFill>
                   <a:schemeClr val="tx1"/>
                 </a:solidFill>
-                <a:latin typeface="Calibri" panose="020F0502020204030204" pitchFamily="34" charset="0"/>
-                <a:cs typeface="Calibri" panose="020F0502020204030204" pitchFamily="34" charset="0"/>
+                <a:latin typeface="Calibri" pitchFamily="34" charset="0"/>
+                <a:cs typeface="Calibri" pitchFamily="34" charset="0"/>
               </a:rPr>
-              <a:t>Internship</a:t>
+              <a:t>Here used a “nested” mapping to store id and form level details, used bool query to check no error ids and an outer bool query to check all the forms are error free and a final bool query to display only the agencies with no errors.</a:t>
             </a:r>
           </a:p>
           <a:p>
-            <a:pPr marL="285750" indent="-285750">
+            <a:pPr marL="342900" indent="-342900" algn="just">
               <a:buClr>
                 <a:schemeClr val="tx1"/>
               </a:buClr>
               <a:buSzPct val="125000"/>
-              <a:buFont typeface="Arial" pitchFamily="34" charset="0"/>
-              <a:buChar char="•"/>
-            </a:pPr>
-            <a:r>
-              <a:rPr lang="en-IN" sz="1600" dirty="0" smtClean="0">
-                <a:solidFill>
-                  <a:schemeClr val="tx1"/>
-                </a:solidFill>
-                <a:latin typeface="Calibri" panose="020F0502020204030204" pitchFamily="34" charset="0"/>
-                <a:cs typeface="Calibri" panose="020F0502020204030204" pitchFamily="34" charset="0"/>
-              </a:rPr>
-              <a:t>Technical stack</a:t>
-            </a:r>
-            <a:endParaRPr lang="en-IN" sz="1600" dirty="0">
-              <a:solidFill>
-                <a:schemeClr val="tx1"/>
-              </a:solidFill>
-              <a:latin typeface="Calibri" panose="020F0502020204030204" pitchFamily="34" charset="0"/>
-              <a:cs typeface="Calibri" panose="020F0502020204030204" pitchFamily="34" charset="0"/>
-            </a:endParaRPr>
-          </a:p>
-          <a:p>
-            <a:pPr marL="285750" indent="-285750">
-              <a:buClr>
-                <a:schemeClr val="tx1"/>
-              </a:buClr>
-              <a:buSzPct val="125000"/>
-              <a:buFont typeface="Arial" pitchFamily="34" charset="0"/>
-              <a:buChar char="•"/>
+              <a:buFont typeface="+mj-lt"/>
+              <a:buAutoNum type="arabicPeriod"/>
             </a:pPr>
             <a:r>
               <a:rPr lang="en-IN" sz="1600" dirty="0">
                 <a:solidFill>
                   <a:schemeClr val="tx1"/>
                 </a:solidFill>
-                <a:latin typeface="Calibri" panose="020F0502020204030204" pitchFamily="34" charset="0"/>
-                <a:cs typeface="Calibri" panose="020F0502020204030204" pitchFamily="34" charset="0"/>
+                <a:latin typeface="Calibri" pitchFamily="34" charset="0"/>
+                <a:cs typeface="Calibri" pitchFamily="34" charset="0"/>
               </a:rPr>
-              <a:t>Requirement</a:t>
+              <a:t>Used inner hits in form level nested query and retrieved passed forms from the above query output, inner hits is used display content matched with the bool query in nested query.</a:t>
             </a:r>
           </a:p>
           <a:p>
-            <a:pPr marL="285750" indent="-285750">
+            <a:pPr marL="342900" indent="-342900" algn="just">
               <a:buClr>
                 <a:schemeClr val="tx1"/>
               </a:buClr>
               <a:buSzPct val="125000"/>
-              <a:buFont typeface="Arial" pitchFamily="34" charset="0"/>
-              <a:buChar char="•"/>
+              <a:buFont typeface="+mj-lt"/>
+              <a:buAutoNum type="arabicPeriod"/>
             </a:pPr>
             <a:r>
               <a:rPr lang="en-IN" sz="1600" dirty="0">
                 <a:solidFill>
                   <a:schemeClr val="tx1"/>
                 </a:solidFill>
-                <a:latin typeface="Calibri" panose="020F0502020204030204" pitchFamily="34" charset="0"/>
-                <a:cs typeface="Calibri" panose="020F0502020204030204" pitchFamily="34" charset="0"/>
+                <a:latin typeface="Calibri" pitchFamily="34" charset="0"/>
+                <a:cs typeface="Calibri" pitchFamily="34" charset="0"/>
               </a:rPr>
-              <a:t>Miscellaneous</a:t>
-            </a:r>
-          </a:p>
-          <a:p>
-            <a:pPr marL="285750" indent="-285750">
-              <a:buClr>
-                <a:schemeClr val="tx1"/>
-              </a:buClr>
-              <a:buSzPct val="125000"/>
-              <a:buFont typeface="Arial" pitchFamily="34" charset="0"/>
-              <a:buChar char="•"/>
-            </a:pPr>
-            <a:r>
-              <a:rPr lang="en-IN" sz="1600" dirty="0">
-                <a:solidFill>
-                  <a:schemeClr val="tx1"/>
-                </a:solidFill>
-                <a:latin typeface="Calibri" panose="020F0502020204030204" pitchFamily="34" charset="0"/>
-                <a:cs typeface="Calibri" panose="020F0502020204030204" pitchFamily="34" charset="0"/>
-              </a:rPr>
-              <a:t>Questions</a:t>
+              <a:t>Used inner hits in id level nested query and retrieved the failed id details.</a:t>
             </a:r>
           </a:p>
         </p:txBody>
       </p:sp>
     </p:spTree>
+    <p:extLst>
+      <p:ext uri="{BB962C8B-B14F-4D97-AF65-F5344CB8AC3E}">
+        <p14:creationId xmlns:p14="http://schemas.microsoft.com/office/powerpoint/2010/main" val="3016268412"/>
+      </p:ext>
+    </p:extLst>
   </p:cSld>
   <p:clrMapOvr>
     <a:masterClrMapping/>
@@ -21176,8 +22953,19 @@
                 <a:latin typeface="Calibri" panose="020F0502020204030204" pitchFamily="34" charset="0"/>
                 <a:cs typeface="Calibri" panose="020F0502020204030204" pitchFamily="34" charset="0"/>
               </a:rPr>
-              <a:t>Pull insights from output compare results at client level</a:t>
+              <a:t>Pull </a:t>
             </a:r>
+            <a:r>
+              <a:rPr lang="en-IN" dirty="0" smtClean="0">
+                <a:latin typeface="Calibri" panose="020F0502020204030204" pitchFamily="34" charset="0"/>
+                <a:cs typeface="Calibri" panose="020F0502020204030204" pitchFamily="34" charset="0"/>
+              </a:rPr>
+              <a:t>client level data from batch runs</a:t>
+            </a:r>
+            <a:endParaRPr lang="en-IN" dirty="0">
+              <a:latin typeface="Calibri" panose="020F0502020204030204" pitchFamily="34" charset="0"/>
+              <a:cs typeface="Calibri" panose="020F0502020204030204" pitchFamily="34" charset="0"/>
+            </a:endParaRPr>
           </a:p>
           <a:p>
             <a:pPr marL="285750" lvl="0" indent="-285750" rtl="0">
@@ -21190,12 +22978,19 @@
               <a:buFont typeface="Arial" panose="020B0604020202020204" pitchFamily="34" charset="0"/>
               <a:buChar char="•"/>
             </a:pPr>
+            <a:r>
+              <a:rPr lang="en-IN" dirty="0" smtClean="0">
+                <a:latin typeface="Calibri" panose="020F0502020204030204" pitchFamily="34" charset="0"/>
+                <a:cs typeface="Calibri" panose="020F0502020204030204" pitchFamily="34" charset="0"/>
+              </a:rPr>
+              <a:t>Increase </a:t>
+            </a:r>
             <a:r>
               <a:rPr lang="en-IN" dirty="0">
                 <a:latin typeface="Calibri" panose="020F0502020204030204" pitchFamily="34" charset="0"/>
                 <a:cs typeface="Calibri" panose="020F0502020204030204" pitchFamily="34" charset="0"/>
               </a:rPr>
-              <a:t>Increased code coverage</a:t>
+              <a:t>code coverage</a:t>
             </a:r>
             <a:endParaRPr dirty="0">
               <a:latin typeface="Calibri" panose="020F0502020204030204" pitchFamily="34" charset="0"/>
@@ -23652,6 +25447,13 @@
   <p:clrMapOvr>
     <a:masterClrMapping/>
   </p:clrMapOvr>
+  <p:timing>
+    <p:tnLst>
+      <p:par>
+        <p:cTn id="1" dur="indefinite" restart="never" nodeType="tmRoot"/>
+      </p:par>
+    </p:tnLst>
+  </p:timing>
 </p:sld>
 </file>
 
@@ -23672,493 +25474,73 @@
           <a:chExt cx="0" cy="0"/>
         </a:xfrm>
       </p:grpSpPr>
-      <p:sp>
-        <p:nvSpPr>
-          <p:cNvPr id="11" name="Google Shape;764;p70"/>
-          <p:cNvSpPr txBox="1">
-            <a:spLocks noGrp="1"/>
-          </p:cNvSpPr>
-          <p:nvPr>
-            <p:ph type="title"/>
-          </p:nvPr>
-        </p:nvSpPr>
-        <p:spPr>
+      <p:pic>
+        <p:nvPicPr>
+          <p:cNvPr id="1026" name="Picture 2"/>
+          <p:cNvPicPr>
+            <a:picLocks noChangeAspect="1" noChangeArrowheads="1"/>
+          </p:cNvPicPr>
+          <p:nvPr/>
+        </p:nvPicPr>
+        <p:blipFill>
+          <a:blip r:embed="rId2">
+            <a:extLst>
+              <a:ext uri="{28A0092B-C50C-407E-A947-70E740481C1C}">
+                <a14:useLocalDpi xmlns:a14="http://schemas.microsoft.com/office/drawing/2010/main" val="0"/>
+              </a:ext>
+            </a:extLst>
+          </a:blip>
+          <a:srcRect/>
+          <a:stretch>
+            <a:fillRect/>
+          </a:stretch>
+        </p:blipFill>
+        <p:spPr bwMode="auto">
           <a:xfrm>
-            <a:off x="713250" y="395484"/>
-            <a:ext cx="3858750" cy="539400"/>
+            <a:off x="2771800" y="1347614"/>
+            <a:ext cx="3085504" cy="3276600"/>
           </a:xfrm>
           <a:prstGeom prst="rect">
             <a:avLst/>
           </a:prstGeom>
-        </p:spPr>
-        <p:txBody>
-          <a:bodyPr spcFirstLastPara="1" wrap="square" lIns="91425" tIns="91425" rIns="91425" bIns="91425" anchor="ctr" anchorCtr="0">
-            <a:noAutofit/>
-          </a:bodyPr>
-          <a:lstStyle/>
-          <a:p>
-            <a:pPr marL="0" lvl="0" indent="0" algn="l" rtl="0">
-              <a:spcBef>
-                <a:spcPts val="0"/>
-              </a:spcBef>
-              <a:spcAft>
-                <a:spcPts val="0"/>
-              </a:spcAft>
-              <a:buNone/>
-            </a:pPr>
-            <a:r>
-              <a:rPr lang="en-IN" sz="3000" dirty="0">
-                <a:latin typeface="Calibri" pitchFamily="34" charset="0"/>
-                <a:cs typeface="Calibri" pitchFamily="34" charset="0"/>
-              </a:rPr>
-              <a:t>Requirement</a:t>
-            </a:r>
-            <a:endParaRPr sz="3000" dirty="0">
-              <a:latin typeface="Calibri" pitchFamily="34" charset="0"/>
-              <a:cs typeface="Calibri" pitchFamily="34" charset="0"/>
-            </a:endParaRPr>
-          </a:p>
-        </p:txBody>
-      </p:sp>
-      <p:sp>
-        <p:nvSpPr>
-          <p:cNvPr id="12" name="Google Shape;783;p70"/>
-          <p:cNvSpPr/>
-          <p:nvPr/>
-        </p:nvSpPr>
-        <p:spPr>
-          <a:xfrm rot="5400000">
-            <a:off x="1796284" y="39893"/>
-            <a:ext cx="43200" cy="1980600"/>
-          </a:xfrm>
-          <a:prstGeom prst="rect">
-            <a:avLst/>
-          </a:prstGeom>
-          <a:solidFill>
-            <a:schemeClr val="lt2"/>
-          </a:solidFill>
+          <a:noFill/>
           <a:ln>
             <a:noFill/>
           </a:ln>
+          <a:effectLst/>
+          <a:extLst>
+            <a:ext uri="{909E8E84-426E-40DD-AFC4-6F175D3DCCD1}">
+              <a14:hiddenFill xmlns:a14="http://schemas.microsoft.com/office/drawing/2010/main">
+                <a:solidFill>
+                  <a:schemeClr val="accent1"/>
+                </a:solidFill>
+              </a14:hiddenFill>
+            </a:ext>
+            <a:ext uri="{91240B29-F687-4F45-9708-019B960494DF}">
+              <a14:hiddenLine xmlns:a14="http://schemas.microsoft.com/office/drawing/2010/main" w="9525">
+                <a:solidFill>
+                  <a:schemeClr val="tx1"/>
+                </a:solidFill>
+                <a:miter lim="800000"/>
+                <a:headEnd/>
+                <a:tailEnd/>
+              </a14:hiddenLine>
+            </a:ext>
+            <a:ext uri="{AF507438-7753-43E0-B8FC-AC1667EBCBE1}">
+              <a14:hiddenEffects xmlns:a14="http://schemas.microsoft.com/office/drawing/2010/main">
+                <a:effectLst>
+                  <a:outerShdw dist="35921" dir="2700000" algn="ctr" rotWithShape="0">
+                    <a:schemeClr val="bg2"/>
+                  </a:outerShdw>
+                </a:effectLst>
+              </a14:hiddenEffects>
+            </a:ext>
+          </a:extLst>
         </p:spPr>
-        <p:txBody>
-          <a:bodyPr spcFirstLastPara="1" wrap="square" lIns="91425" tIns="91425" rIns="91425" bIns="91425" anchor="ctr" anchorCtr="0">
-            <a:noAutofit/>
-          </a:bodyPr>
-          <a:lstStyle/>
-          <a:p>
-            <a:pPr marL="0" lvl="0" indent="0" algn="l" rtl="0">
-              <a:spcBef>
-                <a:spcPts val="0"/>
-              </a:spcBef>
-              <a:spcAft>
-                <a:spcPts val="0"/>
-              </a:spcAft>
-              <a:buNone/>
-            </a:pPr>
-            <a:endParaRPr>
-              <a:latin typeface="Calibri" pitchFamily="34" charset="0"/>
-              <a:cs typeface="Calibri" pitchFamily="34" charset="0"/>
-            </a:endParaRPr>
-          </a:p>
-        </p:txBody>
-      </p:sp>
+      </p:pic>
       <p:sp>
         <p:nvSpPr>
-          <p:cNvPr id="13" name="Google Shape;630;p60"/>
-          <p:cNvSpPr txBox="1">
-            <a:spLocks/>
-          </p:cNvSpPr>
-          <p:nvPr/>
-        </p:nvSpPr>
-        <p:spPr>
-          <a:xfrm>
-            <a:off x="971600" y="1635646"/>
-            <a:ext cx="6624736" cy="3240360"/>
-          </a:xfrm>
-          <a:prstGeom prst="rect">
-            <a:avLst/>
-          </a:prstGeom>
-        </p:spPr>
-        <p:txBody>
-          <a:bodyPr spcFirstLastPara="1" wrap="square" lIns="91425" tIns="91425" rIns="91425" bIns="91425" anchor="t" anchorCtr="0">
-            <a:noAutofit/>
-          </a:bodyPr>
-          <a:lstStyle>
-            <a:defPPr marR="0" lvl="0" algn="l" rtl="0">
-              <a:lnSpc>
-                <a:spcPct val="100000"/>
-              </a:lnSpc>
-              <a:spcBef>
-                <a:spcPts val="0"/>
-              </a:spcBef>
-              <a:spcAft>
-                <a:spcPts val="0"/>
-              </a:spcAft>
-            </a:defPPr>
-            <a:lvl1pPr marR="0" lvl="0" algn="l" rtl="0">
-              <a:lnSpc>
-                <a:spcPct val="100000"/>
-              </a:lnSpc>
-              <a:spcBef>
-                <a:spcPts val="0"/>
-              </a:spcBef>
-              <a:spcAft>
-                <a:spcPts val="0"/>
-              </a:spcAft>
-              <a:buClr>
-                <a:srgbClr val="000000"/>
-              </a:buClr>
-              <a:buFont typeface="Arial"/>
-              <a:defRPr sz="1400" b="0" i="0" u="none" strike="noStrike" cap="none">
-                <a:solidFill>
-                  <a:srgbClr val="000000"/>
-                </a:solidFill>
-                <a:latin typeface="Arial"/>
-                <a:ea typeface="Arial"/>
-                <a:cs typeface="Arial"/>
-                <a:sym typeface="Arial"/>
-              </a:defRPr>
-            </a:lvl1pPr>
-            <a:lvl2pPr marR="0" lvl="1" algn="l" rtl="0">
-              <a:lnSpc>
-                <a:spcPct val="100000"/>
-              </a:lnSpc>
-              <a:spcBef>
-                <a:spcPts val="0"/>
-              </a:spcBef>
-              <a:spcAft>
-                <a:spcPts val="0"/>
-              </a:spcAft>
-              <a:buClr>
-                <a:srgbClr val="000000"/>
-              </a:buClr>
-              <a:buFont typeface="Arial"/>
-              <a:defRPr sz="1400" b="0" i="0" u="none" strike="noStrike" cap="none">
-                <a:solidFill>
-                  <a:srgbClr val="000000"/>
-                </a:solidFill>
-                <a:latin typeface="Arial"/>
-                <a:ea typeface="Arial"/>
-                <a:cs typeface="Arial"/>
-                <a:sym typeface="Arial"/>
-              </a:defRPr>
-            </a:lvl2pPr>
-            <a:lvl3pPr marR="0" lvl="2" algn="l" rtl="0">
-              <a:lnSpc>
-                <a:spcPct val="100000"/>
-              </a:lnSpc>
-              <a:spcBef>
-                <a:spcPts val="0"/>
-              </a:spcBef>
-              <a:spcAft>
-                <a:spcPts val="0"/>
-              </a:spcAft>
-              <a:buClr>
-                <a:srgbClr val="000000"/>
-              </a:buClr>
-              <a:buFont typeface="Arial"/>
-              <a:defRPr sz="1400" b="0" i="0" u="none" strike="noStrike" cap="none">
-                <a:solidFill>
-                  <a:srgbClr val="000000"/>
-                </a:solidFill>
-                <a:latin typeface="Arial"/>
-                <a:ea typeface="Arial"/>
-                <a:cs typeface="Arial"/>
-                <a:sym typeface="Arial"/>
-              </a:defRPr>
-            </a:lvl3pPr>
-            <a:lvl4pPr marR="0" lvl="3" algn="l" rtl="0">
-              <a:lnSpc>
-                <a:spcPct val="100000"/>
-              </a:lnSpc>
-              <a:spcBef>
-                <a:spcPts val="0"/>
-              </a:spcBef>
-              <a:spcAft>
-                <a:spcPts val="0"/>
-              </a:spcAft>
-              <a:buClr>
-                <a:srgbClr val="000000"/>
-              </a:buClr>
-              <a:buFont typeface="Arial"/>
-              <a:defRPr sz="1400" b="0" i="0" u="none" strike="noStrike" cap="none">
-                <a:solidFill>
-                  <a:srgbClr val="000000"/>
-                </a:solidFill>
-                <a:latin typeface="Arial"/>
-                <a:ea typeface="Arial"/>
-                <a:cs typeface="Arial"/>
-                <a:sym typeface="Arial"/>
-              </a:defRPr>
-            </a:lvl4pPr>
-            <a:lvl5pPr marR="0" lvl="4" algn="l" rtl="0">
-              <a:lnSpc>
-                <a:spcPct val="100000"/>
-              </a:lnSpc>
-              <a:spcBef>
-                <a:spcPts val="0"/>
-              </a:spcBef>
-              <a:spcAft>
-                <a:spcPts val="0"/>
-              </a:spcAft>
-              <a:buClr>
-                <a:srgbClr val="000000"/>
-              </a:buClr>
-              <a:buFont typeface="Arial"/>
-              <a:defRPr sz="1400" b="0" i="0" u="none" strike="noStrike" cap="none">
-                <a:solidFill>
-                  <a:srgbClr val="000000"/>
-                </a:solidFill>
-                <a:latin typeface="Arial"/>
-                <a:ea typeface="Arial"/>
-                <a:cs typeface="Arial"/>
-                <a:sym typeface="Arial"/>
-              </a:defRPr>
-            </a:lvl5pPr>
-            <a:lvl6pPr marR="0" lvl="5" algn="l" rtl="0">
-              <a:lnSpc>
-                <a:spcPct val="100000"/>
-              </a:lnSpc>
-              <a:spcBef>
-                <a:spcPts val="0"/>
-              </a:spcBef>
-              <a:spcAft>
-                <a:spcPts val="0"/>
-              </a:spcAft>
-              <a:buClr>
-                <a:srgbClr val="000000"/>
-              </a:buClr>
-              <a:buFont typeface="Arial"/>
-              <a:defRPr sz="1400" b="0" i="0" u="none" strike="noStrike" cap="none">
-                <a:solidFill>
-                  <a:srgbClr val="000000"/>
-                </a:solidFill>
-                <a:latin typeface="Arial"/>
-                <a:ea typeface="Arial"/>
-                <a:cs typeface="Arial"/>
-                <a:sym typeface="Arial"/>
-              </a:defRPr>
-            </a:lvl6pPr>
-            <a:lvl7pPr marR="0" lvl="6" algn="l" rtl="0">
-              <a:lnSpc>
-                <a:spcPct val="100000"/>
-              </a:lnSpc>
-              <a:spcBef>
-                <a:spcPts val="0"/>
-              </a:spcBef>
-              <a:spcAft>
-                <a:spcPts val="0"/>
-              </a:spcAft>
-              <a:buClr>
-                <a:srgbClr val="000000"/>
-              </a:buClr>
-              <a:buFont typeface="Arial"/>
-              <a:defRPr sz="1400" b="0" i="0" u="none" strike="noStrike" cap="none">
-                <a:solidFill>
-                  <a:srgbClr val="000000"/>
-                </a:solidFill>
-                <a:latin typeface="Arial"/>
-                <a:ea typeface="Arial"/>
-                <a:cs typeface="Arial"/>
-                <a:sym typeface="Arial"/>
-              </a:defRPr>
-            </a:lvl7pPr>
-            <a:lvl8pPr marR="0" lvl="7" algn="l" rtl="0">
-              <a:lnSpc>
-                <a:spcPct val="100000"/>
-              </a:lnSpc>
-              <a:spcBef>
-                <a:spcPts val="0"/>
-              </a:spcBef>
-              <a:spcAft>
-                <a:spcPts val="0"/>
-              </a:spcAft>
-              <a:buClr>
-                <a:srgbClr val="000000"/>
-              </a:buClr>
-              <a:buFont typeface="Arial"/>
-              <a:defRPr sz="1400" b="0" i="0" u="none" strike="noStrike" cap="none">
-                <a:solidFill>
-                  <a:srgbClr val="000000"/>
-                </a:solidFill>
-                <a:latin typeface="Arial"/>
-                <a:ea typeface="Arial"/>
-                <a:cs typeface="Arial"/>
-                <a:sym typeface="Arial"/>
-              </a:defRPr>
-            </a:lvl8pPr>
-            <a:lvl9pPr marR="0" lvl="8" algn="l" rtl="0">
-              <a:lnSpc>
-                <a:spcPct val="100000"/>
-              </a:lnSpc>
-              <a:spcBef>
-                <a:spcPts val="0"/>
-              </a:spcBef>
-              <a:spcAft>
-                <a:spcPts val="0"/>
-              </a:spcAft>
-              <a:buClr>
-                <a:srgbClr val="000000"/>
-              </a:buClr>
-              <a:buFont typeface="Arial"/>
-              <a:defRPr sz="1400" b="0" i="0" u="none" strike="noStrike" cap="none">
-                <a:solidFill>
-                  <a:srgbClr val="000000"/>
-                </a:solidFill>
-                <a:latin typeface="Arial"/>
-                <a:ea typeface="Arial"/>
-                <a:cs typeface="Arial"/>
-                <a:sym typeface="Arial"/>
-              </a:defRPr>
-            </a:lvl9pPr>
-          </a:lstStyle>
-          <a:p>
-            <a:pPr marL="285750" lvl="1" indent="-285750" algn="just">
-              <a:buClr>
-                <a:schemeClr val="tx1"/>
-              </a:buClr>
-              <a:buSzPct val="125000"/>
-              <a:buFont typeface="Arial" pitchFamily="34" charset="0"/>
-              <a:buChar char="•"/>
-            </a:pPr>
-            <a:r>
-              <a:rPr lang="en-IN" sz="1600" b="1" dirty="0">
-                <a:solidFill>
-                  <a:schemeClr val="tx1"/>
-                </a:solidFill>
-                <a:latin typeface="Calibri" pitchFamily="34" charset="0"/>
-                <a:cs typeface="Calibri" pitchFamily="34" charset="0"/>
-              </a:rPr>
-              <a:t>Requirement:</a:t>
-            </a:r>
-          </a:p>
-          <a:p>
-            <a:pPr lvl="1" algn="just">
-              <a:buClr>
-                <a:schemeClr val="tx1"/>
-              </a:buClr>
-              <a:buSzPct val="125000"/>
-            </a:pPr>
-            <a:r>
-              <a:rPr lang="en-IN" sz="1600" b="1" dirty="0">
-                <a:solidFill>
-                  <a:schemeClr val="tx1"/>
-                </a:solidFill>
-                <a:latin typeface="Calibri" pitchFamily="34" charset="0"/>
-                <a:cs typeface="Calibri" pitchFamily="34" charset="0"/>
-              </a:rPr>
-              <a:t>	</a:t>
-            </a:r>
-            <a:r>
-              <a:rPr lang="en-IN" sz="1600" dirty="0">
-                <a:solidFill>
-                  <a:schemeClr val="tx1"/>
-                </a:solidFill>
-                <a:latin typeface="Calibri" pitchFamily="34" charset="0"/>
-                <a:cs typeface="Calibri" pitchFamily="34" charset="0"/>
-              </a:rPr>
-              <a:t>Show all the students with every subject passed, Here manual querying is not possible by checking every subject with its name.</a:t>
-            </a:r>
-            <a:endParaRPr lang="en-IN" sz="1600" b="1" dirty="0">
-              <a:solidFill>
-                <a:schemeClr val="tx1"/>
-              </a:solidFill>
-              <a:latin typeface="Calibri" pitchFamily="34" charset="0"/>
-              <a:cs typeface="Calibri" pitchFamily="34" charset="0"/>
-            </a:endParaRPr>
-          </a:p>
-          <a:p>
-            <a:pPr marL="285750" indent="-285750" algn="just">
-              <a:buClr>
-                <a:schemeClr val="tx1"/>
-              </a:buClr>
-              <a:buSzPct val="125000"/>
-              <a:buFont typeface="Arial" pitchFamily="34" charset="0"/>
-              <a:buChar char="•"/>
-            </a:pPr>
-            <a:r>
-              <a:rPr lang="en-IN" sz="1600" b="1" dirty="0">
-                <a:solidFill>
-                  <a:schemeClr val="tx1"/>
-                </a:solidFill>
-                <a:latin typeface="Calibri" pitchFamily="34" charset="0"/>
-                <a:cs typeface="Calibri" pitchFamily="34" charset="0"/>
-              </a:rPr>
-              <a:t>Data:</a:t>
-            </a:r>
-          </a:p>
-          <a:p>
-            <a:pPr lvl="1" algn="just">
-              <a:buClr>
-                <a:schemeClr val="tx1"/>
-              </a:buClr>
-              <a:buSzPct val="125000"/>
-            </a:pPr>
-            <a:r>
-              <a:rPr lang="en-IN" sz="1600" b="1" dirty="0">
-                <a:solidFill>
-                  <a:schemeClr val="tx1"/>
-                </a:solidFill>
-                <a:latin typeface="Calibri" pitchFamily="34" charset="0"/>
-                <a:cs typeface="Calibri" pitchFamily="34" charset="0"/>
-              </a:rPr>
-              <a:t>	</a:t>
-            </a:r>
-            <a:r>
-              <a:rPr lang="en-IN" sz="1600" dirty="0">
-                <a:solidFill>
-                  <a:schemeClr val="tx1"/>
-                </a:solidFill>
-                <a:latin typeface="Calibri" pitchFamily="34" charset="0"/>
-                <a:cs typeface="Calibri" pitchFamily="34" charset="0"/>
-              </a:rPr>
-              <a:t>Added complexity to Phase I, subjects and number of subjects are different for each student.</a:t>
-            </a:r>
-          </a:p>
-          <a:p>
-            <a:pPr marL="285750" lvl="1" indent="-285750" algn="just">
-              <a:buClr>
-                <a:schemeClr val="tx1"/>
-              </a:buClr>
-              <a:buSzPct val="125000"/>
-              <a:buFont typeface="Arial" pitchFamily="34" charset="0"/>
-              <a:buChar char="•"/>
-            </a:pPr>
-            <a:r>
-              <a:rPr lang="en-IN" sz="1600" b="1" dirty="0">
-                <a:solidFill>
-                  <a:schemeClr val="tx1"/>
-                </a:solidFill>
-                <a:latin typeface="Calibri" pitchFamily="34" charset="0"/>
-                <a:cs typeface="Calibri" pitchFamily="34" charset="0"/>
-              </a:rPr>
-              <a:t>Approach:</a:t>
-            </a:r>
-          </a:p>
-          <a:p>
-            <a:pPr algn="just">
-              <a:buClr>
-                <a:schemeClr val="tx1"/>
-              </a:buClr>
-              <a:buSzPct val="125000"/>
-            </a:pPr>
-            <a:r>
-              <a:rPr lang="en-IN" sz="1600" dirty="0">
-                <a:solidFill>
-                  <a:schemeClr val="tx1"/>
-                </a:solidFill>
-                <a:latin typeface="Calibri" pitchFamily="34" charset="0"/>
-                <a:cs typeface="Calibri" pitchFamily="34" charset="0"/>
-              </a:rPr>
-              <a:t>	Here used a “nested” structure for mapping in which we can store array of values(subject details) and using bool query to show only passed students</a:t>
-            </a:r>
-          </a:p>
-        </p:txBody>
-      </p:sp>
-      <p:sp>
-        <p:nvSpPr>
-          <p:cNvPr id="14" name="Google Shape;666;p62"/>
+          <p:cNvPr id="12" name="Google Shape;666;p62"/>
           <p:cNvSpPr txBox="1">
             <a:spLocks noGrp="1"/>
           </p:cNvSpPr>
@@ -24168,7 +25550,7 @@
         </p:nvSpPr>
         <p:spPr>
           <a:xfrm>
-            <a:off x="2788643" y="1131590"/>
+            <a:off x="485652" y="627534"/>
             <a:ext cx="2214140" cy="539400"/>
           </a:xfrm>
           <a:prstGeom prst="rect">
@@ -24195,7 +25577,14 @@
                 <a:latin typeface="Calibri" pitchFamily="34" charset="0"/>
                 <a:cs typeface="Calibri" pitchFamily="34" charset="0"/>
               </a:rPr>
-              <a:t>Phase II</a:t>
+              <a:t>Phase </a:t>
+            </a:r>
+            <a:r>
+              <a:rPr lang="en" sz="2200" dirty="0" smtClean="0">
+                <a:latin typeface="Calibri" pitchFamily="34" charset="0"/>
+                <a:cs typeface="Calibri" pitchFamily="34" charset="0"/>
+              </a:rPr>
+              <a:t>I Query: </a:t>
             </a:r>
             <a:endParaRPr sz="2200" dirty="0">
               <a:latin typeface="Calibri" pitchFamily="34" charset="0"/>
@@ -24207,7 +25596,7 @@
     </p:spTree>
     <p:extLst>
       <p:ext uri="{BB962C8B-B14F-4D97-AF65-F5344CB8AC3E}">
-        <p14:creationId xmlns:p14="http://schemas.microsoft.com/office/powerpoint/2010/main" val="1699616071"/>
+        <p14:creationId xmlns:p14="http://schemas.microsoft.com/office/powerpoint/2010/main" val="3563235921"/>
       </p:ext>
     </p:extLst>
   </p:cSld>
@@ -24336,7 +25725,7 @@
         <p:spPr>
           <a:xfrm>
             <a:off x="971600" y="1635646"/>
-            <a:ext cx="6624736" cy="3024336"/>
+            <a:ext cx="6624736" cy="3240360"/>
           </a:xfrm>
           <a:prstGeom prst="rect">
             <a:avLst/>
@@ -24620,7 +26009,47 @@
                 <a:latin typeface="Calibri" pitchFamily="34" charset="0"/>
                 <a:cs typeface="Calibri" pitchFamily="34" charset="0"/>
               </a:rPr>
-              <a:t>Query for the students who passed the all semesters.</a:t>
+              <a:t>Show all the students with every subject passed, Here </a:t>
+            </a:r>
+            <a:r>
+              <a:rPr lang="en-IN" sz="1600" dirty="0" smtClean="0">
+                <a:solidFill>
+                  <a:schemeClr val="tx1"/>
+                </a:solidFill>
+                <a:latin typeface="Calibri" pitchFamily="34" charset="0"/>
+                <a:cs typeface="Calibri" pitchFamily="34" charset="0"/>
+              </a:rPr>
+              <a:t>bool </a:t>
+            </a:r>
+            <a:r>
+              <a:rPr lang="en-IN" sz="1600" dirty="0">
+                <a:solidFill>
+                  <a:schemeClr val="tx1"/>
+                </a:solidFill>
+                <a:latin typeface="Calibri" pitchFamily="34" charset="0"/>
+                <a:cs typeface="Calibri" pitchFamily="34" charset="0"/>
+              </a:rPr>
+              <a:t>querying is not possible by checking every subject with </a:t>
+            </a:r>
+            <a:r>
+              <a:rPr lang="en-IN" sz="1600" dirty="0" smtClean="0">
+                <a:solidFill>
+                  <a:schemeClr val="tx1"/>
+                </a:solidFill>
+                <a:latin typeface="Calibri" pitchFamily="34" charset="0"/>
+                <a:cs typeface="Calibri" pitchFamily="34" charset="0"/>
+              </a:rPr>
+              <a:t>it’s </a:t>
+            </a:r>
+            <a:r>
+              <a:rPr lang="en-IN" sz="1600" dirty="0">
+                <a:solidFill>
+                  <a:schemeClr val="tx1"/>
+                </a:solidFill>
+                <a:latin typeface="Calibri" pitchFamily="34" charset="0"/>
+                <a:cs typeface="Calibri" pitchFamily="34" charset="0"/>
+              </a:rPr>
+              <a:t>name.</a:t>
             </a:r>
             <a:endParaRPr lang="en-IN" sz="1600" b="1" dirty="0">
               <a:solidFill>
@@ -24675,7 +26104,7 @@
                 <a:latin typeface="Calibri" pitchFamily="34" charset="0"/>
                 <a:cs typeface="Calibri" pitchFamily="34" charset="0"/>
               </a:rPr>
-              <a:t>Added a field semesters under student, semesters will contain subjects details.</a:t>
+              <a:t>Added complexity to Phase I, subjects and number of subjects are different for each student.</a:t>
             </a:r>
           </a:p>
           <a:p>
@@ -24713,47 +26142,7 @@
                 <a:latin typeface="Calibri" pitchFamily="34" charset="0"/>
                 <a:cs typeface="Calibri" pitchFamily="34" charset="0"/>
               </a:rPr>
-              <a:t>	Here used a “nested” mapping to store subject level details </a:t>
-            </a:r>
-            <a:r>
-              <a:rPr lang="en-IN" sz="1600" dirty="0" smtClean="0">
-                <a:solidFill>
-                  <a:schemeClr val="tx1"/>
-                </a:solidFill>
-                <a:latin typeface="Calibri" pitchFamily="34" charset="0"/>
-                <a:cs typeface="Calibri" pitchFamily="34" charset="0"/>
-              </a:rPr>
-              <a:t>and </a:t>
-            </a:r>
-            <a:r>
-              <a:rPr lang="en-IN" sz="1600" dirty="0">
-                <a:solidFill>
-                  <a:schemeClr val="tx1"/>
-                </a:solidFill>
-                <a:latin typeface="Calibri" pitchFamily="34" charset="0"/>
-                <a:cs typeface="Calibri" pitchFamily="34" charset="0"/>
-              </a:rPr>
-              <a:t>used bool query to check passed subjects and an outer </a:t>
-            </a:r>
-            <a:r>
-              <a:rPr lang="en-IN" sz="1600" dirty="0" smtClean="0">
-                <a:solidFill>
-                  <a:schemeClr val="tx1"/>
-                </a:solidFill>
-                <a:latin typeface="Calibri" pitchFamily="34" charset="0"/>
-                <a:cs typeface="Calibri" pitchFamily="34" charset="0"/>
-              </a:rPr>
-              <a:t>bool </a:t>
-            </a:r>
-            <a:r>
-              <a:rPr lang="en-IN" sz="1600" dirty="0">
-                <a:solidFill>
-                  <a:schemeClr val="tx1"/>
-                </a:solidFill>
-                <a:latin typeface="Calibri" pitchFamily="34" charset="0"/>
-                <a:cs typeface="Calibri" pitchFamily="34" charset="0"/>
-              </a:rPr>
-              <a:t>query for every semester pass checking.</a:t>
+              <a:t>	Here used a “nested” structure for mapping in which we can store array of values(subject details) and using bool query to show only passed students</a:t>
             </a:r>
           </a:p>
         </p:txBody>
@@ -24797,7 +26186,7 @@
                 <a:latin typeface="Calibri" pitchFamily="34" charset="0"/>
                 <a:cs typeface="Calibri" pitchFamily="34" charset="0"/>
               </a:rPr>
-              <a:t>Phase III</a:t>
+              <a:t>Phase II</a:t>
             </a:r>
             <a:endParaRPr sz="2200" dirty="0">
               <a:latin typeface="Calibri" pitchFamily="34" charset="0"/>
@@ -24809,7 +26198,163 @@
     </p:spTree>
     <p:extLst>
       <p:ext uri="{BB962C8B-B14F-4D97-AF65-F5344CB8AC3E}">
-        <p14:creationId xmlns:p14="http://schemas.microsoft.com/office/powerpoint/2010/main" val="2101114594"/>
+        <p14:creationId xmlns:p14="http://schemas.microsoft.com/office/powerpoint/2010/main" val="1699616071"/>
+      </p:ext>
+    </p:extLst>
+  </p:cSld>
+  <p:clrMapOvr>
+    <a:masterClrMapping/>
+  </p:clrMapOvr>
+  <p:timing>
+    <p:tnLst>
+      <p:par>
+        <p:cTn id="1" dur="indefinite" restart="never" nodeType="tmRoot"/>
+      </p:par>
+    </p:tnLst>
+  </p:timing>
+</p:sld>
+</file>
+
+<file path=ppt/slides/slide8.xml><?xml version="1.0" encoding="utf-8"?>
+<p:sld xmlns:a="http://schemas.openxmlformats.org/drawingml/2006/main" xmlns:r="http://schemas.openxmlformats.org/officeDocument/2006/relationships" xmlns:p="http://schemas.openxmlformats.org/presentationml/2006/main">
+  <p:cSld>
+    <p:spTree>
+      <p:nvGrpSpPr>
+        <p:cNvPr id="1" name=""/>
+        <p:cNvGrpSpPr/>
+        <p:nvPr/>
+      </p:nvGrpSpPr>
+      <p:grpSpPr>
+        <a:xfrm>
+          <a:off x="0" y="0"/>
+          <a:ext cx="0" cy="0"/>
+          <a:chOff x="0" y="0"/>
+          <a:chExt cx="0" cy="0"/>
+        </a:xfrm>
+      </p:grpSpPr>
+      <p:sp>
+        <p:nvSpPr>
+          <p:cNvPr id="12" name="Google Shape;666;p62"/>
+          <p:cNvSpPr txBox="1">
+            <a:spLocks noGrp="1"/>
+          </p:cNvSpPr>
+          <p:nvPr>
+            <p:ph type="subTitle" idx="1"/>
+          </p:nvPr>
+        </p:nvSpPr>
+        <p:spPr>
+          <a:xfrm>
+            <a:off x="485652" y="627534"/>
+            <a:ext cx="2214140" cy="539400"/>
+          </a:xfrm>
+          <a:prstGeom prst="rect">
+            <a:avLst/>
+          </a:prstGeom>
+        </p:spPr>
+        <p:txBody>
+          <a:bodyPr spcFirstLastPara="1" wrap="square" lIns="91425" tIns="91425" rIns="91425" bIns="91425" anchor="ctr" anchorCtr="0">
+            <a:noAutofit/>
+          </a:bodyPr>
+          <a:lstStyle/>
+          <a:p>
+            <a:pPr marL="0" lvl="0" indent="0" algn="ctr" rtl="0">
+              <a:spcBef>
+                <a:spcPts val="0"/>
+              </a:spcBef>
+              <a:spcAft>
+                <a:spcPts val="0"/>
+              </a:spcAft>
+              <a:buNone/>
+            </a:pPr>
+            <a:r>
+              <a:rPr lang="en" sz="2200" dirty="0">
+                <a:latin typeface="Calibri" pitchFamily="34" charset="0"/>
+                <a:cs typeface="Calibri" pitchFamily="34" charset="0"/>
+              </a:rPr>
+              <a:t>Phase </a:t>
+            </a:r>
+            <a:r>
+              <a:rPr lang="en" sz="2200" dirty="0" smtClean="0">
+                <a:latin typeface="Calibri" pitchFamily="34" charset="0"/>
+                <a:cs typeface="Calibri" pitchFamily="34" charset="0"/>
+              </a:rPr>
+              <a:t>II Query: </a:t>
+            </a:r>
+            <a:endParaRPr sz="2200" dirty="0">
+              <a:latin typeface="Calibri" pitchFamily="34" charset="0"/>
+              <a:cs typeface="Calibri" pitchFamily="34" charset="0"/>
+            </a:endParaRPr>
+          </a:p>
+        </p:txBody>
+      </p:sp>
+      <p:pic>
+        <p:nvPicPr>
+          <p:cNvPr id="3074" name="Picture 2"/>
+          <p:cNvPicPr>
+            <a:picLocks noChangeAspect="1" noChangeArrowheads="1"/>
+          </p:cNvPicPr>
+          <p:nvPr/>
+        </p:nvPicPr>
+        <p:blipFill>
+          <a:blip r:embed="rId2">
+            <a:extLst>
+              <a:ext uri="{28A0092B-C50C-407E-A947-70E740481C1C}">
+                <a14:useLocalDpi xmlns:a14="http://schemas.microsoft.com/office/drawing/2010/main" val="0"/>
+              </a:ext>
+            </a:extLst>
+          </a:blip>
+          <a:srcRect/>
+          <a:stretch>
+            <a:fillRect/>
+          </a:stretch>
+        </p:blipFill>
+        <p:spPr bwMode="auto">
+          <a:xfrm>
+            <a:off x="2627784" y="1347614"/>
+            <a:ext cx="3450114" cy="3086596"/>
+          </a:xfrm>
+          <a:prstGeom prst="rect">
+            <a:avLst/>
+          </a:prstGeom>
+          <a:noFill/>
+          <a:ln>
+            <a:noFill/>
+          </a:ln>
+          <a:effectLst/>
+          <a:extLst>
+            <a:ext uri="{909E8E84-426E-40DD-AFC4-6F175D3DCCD1}">
+              <a14:hiddenFill xmlns:a14="http://schemas.microsoft.com/office/drawing/2010/main">
+                <a:solidFill>
+                  <a:schemeClr val="accent1"/>
+                </a:solidFill>
+              </a14:hiddenFill>
+            </a:ext>
+            <a:ext uri="{91240B29-F687-4F45-9708-019B960494DF}">
+              <a14:hiddenLine xmlns:a14="http://schemas.microsoft.com/office/drawing/2010/main" w="9525">
+                <a:solidFill>
+                  <a:schemeClr val="tx1"/>
+                </a:solidFill>
+                <a:miter lim="800000"/>
+                <a:headEnd/>
+                <a:tailEnd/>
+              </a14:hiddenLine>
+            </a:ext>
+            <a:ext uri="{AF507438-7753-43E0-B8FC-AC1667EBCBE1}">
+              <a14:hiddenEffects xmlns:a14="http://schemas.microsoft.com/office/drawing/2010/main">
+                <a:effectLst>
+                  <a:outerShdw dist="35921" dir="2700000" algn="ctr" rotWithShape="0">
+                    <a:schemeClr val="bg2"/>
+                  </a:outerShdw>
+                </a:effectLst>
+              </a14:hiddenEffects>
+            </a:ext>
+          </a:extLst>
+        </p:spPr>
+      </p:pic>
+    </p:spTree>
+    <p:extLst>
+      <p:ext uri="{BB962C8B-B14F-4D97-AF65-F5344CB8AC3E}">
+        <p14:creationId xmlns:p14="http://schemas.microsoft.com/office/powerpoint/2010/main" val="3256375839"/>
       </p:ext>
     </p:extLst>
   </p:cSld>
@@ -24819,7 +26364,7 @@
 </p:sld>
 </file>
 
-<file path=ppt/slides/slide8.xml><?xml version="1.0" encoding="utf-8"?>
+<file path=ppt/slides/slide9.xml><?xml version="1.0" encoding="utf-8"?>
 <p:sld xmlns:a="http://schemas.openxmlformats.org/drawingml/2006/main" xmlns:r="http://schemas.openxmlformats.org/officeDocument/2006/relationships" xmlns:p="http://schemas.openxmlformats.org/presentationml/2006/main">
   <p:cSld>
     <p:spTree>
@@ -24938,7 +26483,7 @@
         <p:spPr>
           <a:xfrm>
             <a:off x="971600" y="1635646"/>
-            <a:ext cx="6696744" cy="3024336"/>
+            <a:ext cx="6624736" cy="3024336"/>
           </a:xfrm>
           <a:prstGeom prst="rect">
             <a:avLst/>
@@ -25222,7 +26767,7 @@
                 <a:latin typeface="Calibri" pitchFamily="34" charset="0"/>
                 <a:cs typeface="Calibri" pitchFamily="34" charset="0"/>
               </a:rPr>
-              <a:t>Query for the students who passed the all semesters</a:t>
+              <a:t>Query for the students who passed the all semesters.</a:t>
             </a:r>
             <a:endParaRPr lang="en-IN" sz="1600" b="1" dirty="0">
               <a:solidFill>
@@ -25277,7 +26822,37 @@
                 <a:latin typeface="Calibri" pitchFamily="34" charset="0"/>
                 <a:cs typeface="Calibri" pitchFamily="34" charset="0"/>
               </a:rPr>
-              <a:t>The may be unknown number of semesters under student. </a:t>
+              <a:t>Added a </a:t>
+            </a:r>
+            <a:r>
+              <a:rPr lang="en-IN" sz="1600" dirty="0" smtClean="0">
+                <a:solidFill>
+                  <a:schemeClr val="tx1"/>
+                </a:solidFill>
+                <a:latin typeface="Calibri" pitchFamily="34" charset="0"/>
+                <a:cs typeface="Calibri" pitchFamily="34" charset="0"/>
+              </a:rPr>
+              <a:t>more semesters</a:t>
+            </a:r>
+            <a:r>
+              <a:rPr lang="en-IN" sz="1600" dirty="0" smtClean="0">
+                <a:solidFill>
+                  <a:schemeClr val="tx1"/>
+                </a:solidFill>
+                <a:latin typeface="Calibri" pitchFamily="34" charset="0"/>
+                <a:cs typeface="Calibri" pitchFamily="34" charset="0"/>
+              </a:rPr>
+              <a:t> </a:t>
+            </a:r>
+            <a:r>
+              <a:rPr lang="en-IN" sz="1600" dirty="0">
+                <a:solidFill>
+                  <a:schemeClr val="tx1"/>
+                </a:solidFill>
+                <a:latin typeface="Calibri" pitchFamily="34" charset="0"/>
+                <a:cs typeface="Calibri" pitchFamily="34" charset="0"/>
+              </a:rPr>
+              <a:t>under student, semesters will contain subjects details.</a:t>
             </a:r>
           </a:p>
           <a:p>
@@ -25315,7 +26890,47 @@
                 <a:latin typeface="Calibri" pitchFamily="34" charset="0"/>
                 <a:cs typeface="Calibri" pitchFamily="34" charset="0"/>
               </a:rPr>
-              <a:t>	Here used a “nested” mapping to store subject and semester level details, used bool query to check passed ids and an outer bool query for every semester pass checking and a final bool query to display the passed students.</a:t>
+              <a:t>	Here used a “nested” mapping to store subject level details </a:t>
+            </a:r>
+            <a:r>
+              <a:rPr lang="en-IN" sz="1600" dirty="0" smtClean="0">
+                <a:solidFill>
+                  <a:schemeClr val="tx1"/>
+                </a:solidFill>
+                <a:latin typeface="Calibri" pitchFamily="34" charset="0"/>
+                <a:cs typeface="Calibri" pitchFamily="34" charset="0"/>
+              </a:rPr>
+              <a:t>and </a:t>
+            </a:r>
+            <a:r>
+              <a:rPr lang="en-IN" sz="1600" dirty="0">
+                <a:solidFill>
+                  <a:schemeClr val="tx1"/>
+                </a:solidFill>
+                <a:latin typeface="Calibri" pitchFamily="34" charset="0"/>
+                <a:cs typeface="Calibri" pitchFamily="34" charset="0"/>
+              </a:rPr>
+              <a:t>used bool query to check passed subjects and an outer </a:t>
+            </a:r>
+            <a:r>
+              <a:rPr lang="en-IN" sz="1600" dirty="0" smtClean="0">
+                <a:solidFill>
+                  <a:schemeClr val="tx1"/>
+                </a:solidFill>
+                <a:latin typeface="Calibri" pitchFamily="34" charset="0"/>
+                <a:cs typeface="Calibri" pitchFamily="34" charset="0"/>
+              </a:rPr>
+              <a:t>bool </a:t>
+            </a:r>
+            <a:r>
+              <a:rPr lang="en-IN" sz="1600" dirty="0">
+                <a:solidFill>
+                  <a:schemeClr val="tx1"/>
+                </a:solidFill>
+                <a:latin typeface="Calibri" pitchFamily="34" charset="0"/>
+                <a:cs typeface="Calibri" pitchFamily="34" charset="0"/>
+              </a:rPr>
+              <a:t>query for every semester pass checking.</a:t>
             </a:r>
           </a:p>
         </p:txBody>
@@ -25359,7 +26974,7 @@
                 <a:latin typeface="Calibri" pitchFamily="34" charset="0"/>
                 <a:cs typeface="Calibri" pitchFamily="34" charset="0"/>
               </a:rPr>
-              <a:t>Phase IV</a:t>
+              <a:t>Phase III</a:t>
             </a:r>
             <a:endParaRPr sz="2200" dirty="0">
               <a:latin typeface="Calibri" pitchFamily="34" charset="0"/>
@@ -25371,548 +26986,7 @@
     </p:spTree>
     <p:extLst>
       <p:ext uri="{BB962C8B-B14F-4D97-AF65-F5344CB8AC3E}">
-        <p14:creationId xmlns:p14="http://schemas.microsoft.com/office/powerpoint/2010/main" val="1384370780"/>
-      </p:ext>
-    </p:extLst>
-  </p:cSld>
-  <p:clrMapOvr>
-    <a:masterClrMapping/>
-  </p:clrMapOvr>
-</p:sld>
-</file>
-
-<file path=ppt/slides/slide9.xml><?xml version="1.0" encoding="utf-8"?>
-<p:sld xmlns:a="http://schemas.openxmlformats.org/drawingml/2006/main" xmlns:r="http://schemas.openxmlformats.org/officeDocument/2006/relationships" xmlns:p="http://schemas.openxmlformats.org/presentationml/2006/main">
-  <p:cSld>
-    <p:spTree>
-      <p:nvGrpSpPr>
-        <p:cNvPr id="1" name=""/>
-        <p:cNvGrpSpPr/>
-        <p:nvPr/>
-      </p:nvGrpSpPr>
-      <p:grpSpPr>
-        <a:xfrm>
-          <a:off x="0" y="0"/>
-          <a:ext cx="0" cy="0"/>
-          <a:chOff x="0" y="0"/>
-          <a:chExt cx="0" cy="0"/>
-        </a:xfrm>
-      </p:grpSpPr>
-      <p:sp>
-        <p:nvSpPr>
-          <p:cNvPr id="24" name="Google Shape;764;p70"/>
-          <p:cNvSpPr txBox="1">
-            <a:spLocks noGrp="1"/>
-          </p:cNvSpPr>
-          <p:nvPr>
-            <p:ph type="title"/>
-          </p:nvPr>
-        </p:nvSpPr>
-        <p:spPr>
-          <a:xfrm>
-            <a:off x="755576" y="411510"/>
-            <a:ext cx="7387142" cy="539400"/>
-          </a:xfrm>
-          <a:prstGeom prst="rect">
-            <a:avLst/>
-          </a:prstGeom>
-        </p:spPr>
-        <p:txBody>
-          <a:bodyPr spcFirstLastPara="1" wrap="square" lIns="91425" tIns="91425" rIns="91425" bIns="91425" anchor="ctr" anchorCtr="0">
-            <a:noAutofit/>
-          </a:bodyPr>
-          <a:lstStyle/>
-          <a:p>
-            <a:pPr marL="0" lvl="0" indent="0" algn="l" rtl="0">
-              <a:spcBef>
-                <a:spcPts val="0"/>
-              </a:spcBef>
-              <a:spcAft>
-                <a:spcPts val="0"/>
-              </a:spcAft>
-              <a:buNone/>
-            </a:pPr>
-            <a:r>
-              <a:rPr lang="en-IN" sz="3000" dirty="0">
-                <a:latin typeface="Calibri" pitchFamily="34" charset="0"/>
-                <a:cs typeface="Calibri" pitchFamily="34" charset="0"/>
-              </a:rPr>
-              <a:t>Student Example to actual requirement</a:t>
-            </a:r>
-            <a:endParaRPr sz="3000" dirty="0">
-              <a:latin typeface="Calibri" pitchFamily="34" charset="0"/>
-              <a:cs typeface="Calibri" pitchFamily="34" charset="0"/>
-            </a:endParaRPr>
-          </a:p>
-        </p:txBody>
-      </p:sp>
-      <p:sp>
-        <p:nvSpPr>
-          <p:cNvPr id="25" name="Google Shape;783;p70"/>
-          <p:cNvSpPr/>
-          <p:nvPr/>
-        </p:nvSpPr>
-        <p:spPr>
-          <a:xfrm rot="5400000">
-            <a:off x="1796284" y="18874"/>
-            <a:ext cx="43200" cy="1980600"/>
-          </a:xfrm>
-          <a:prstGeom prst="rect">
-            <a:avLst/>
-          </a:prstGeom>
-          <a:solidFill>
-            <a:schemeClr val="lt2"/>
-          </a:solidFill>
-          <a:ln>
-            <a:noFill/>
-          </a:ln>
-        </p:spPr>
-        <p:txBody>
-          <a:bodyPr spcFirstLastPara="1" wrap="square" lIns="91425" tIns="91425" rIns="91425" bIns="91425" anchor="ctr" anchorCtr="0">
-            <a:noAutofit/>
-          </a:bodyPr>
-          <a:lstStyle/>
-          <a:p>
-            <a:pPr marL="0" lvl="0" indent="0" algn="l" rtl="0">
-              <a:spcBef>
-                <a:spcPts val="0"/>
-              </a:spcBef>
-              <a:spcAft>
-                <a:spcPts val="0"/>
-              </a:spcAft>
-              <a:buNone/>
-            </a:pPr>
-            <a:endParaRPr>
-              <a:latin typeface="Calibri" pitchFamily="34" charset="0"/>
-              <a:cs typeface="Calibri" pitchFamily="34" charset="0"/>
-            </a:endParaRPr>
-          </a:p>
-        </p:txBody>
-      </p:sp>
-      <p:sp>
-        <p:nvSpPr>
-          <p:cNvPr id="26" name="Google Shape;630;p60"/>
-          <p:cNvSpPr txBox="1">
-            <a:spLocks/>
-          </p:cNvSpPr>
-          <p:nvPr/>
-        </p:nvSpPr>
-        <p:spPr>
-          <a:xfrm>
-            <a:off x="755576" y="1851670"/>
-            <a:ext cx="6912768" cy="2664296"/>
-          </a:xfrm>
-          <a:prstGeom prst="rect">
-            <a:avLst/>
-          </a:prstGeom>
-        </p:spPr>
-        <p:txBody>
-          <a:bodyPr spcFirstLastPara="1" wrap="square" lIns="91425" tIns="91425" rIns="91425" bIns="91425" anchor="t" anchorCtr="0">
-            <a:noAutofit/>
-          </a:bodyPr>
-          <a:lstStyle>
-            <a:defPPr marR="0" lvl="0" algn="l" rtl="0">
-              <a:lnSpc>
-                <a:spcPct val="100000"/>
-              </a:lnSpc>
-              <a:spcBef>
-                <a:spcPts val="0"/>
-              </a:spcBef>
-              <a:spcAft>
-                <a:spcPts val="0"/>
-              </a:spcAft>
-            </a:defPPr>
-            <a:lvl1pPr marR="0" lvl="0" algn="l" rtl="0">
-              <a:lnSpc>
-                <a:spcPct val="100000"/>
-              </a:lnSpc>
-              <a:spcBef>
-                <a:spcPts val="0"/>
-              </a:spcBef>
-              <a:spcAft>
-                <a:spcPts val="0"/>
-              </a:spcAft>
-              <a:buClr>
-                <a:srgbClr val="000000"/>
-              </a:buClr>
-              <a:buFont typeface="Arial"/>
-              <a:defRPr sz="1400" b="0" i="0" u="none" strike="noStrike" cap="none">
-                <a:solidFill>
-                  <a:srgbClr val="000000"/>
-                </a:solidFill>
-                <a:latin typeface="Arial"/>
-                <a:ea typeface="Arial"/>
-                <a:cs typeface="Arial"/>
-                <a:sym typeface="Arial"/>
-              </a:defRPr>
-            </a:lvl1pPr>
-            <a:lvl2pPr marR="0" lvl="1" algn="l" rtl="0">
-              <a:lnSpc>
-                <a:spcPct val="100000"/>
-              </a:lnSpc>
-              <a:spcBef>
-                <a:spcPts val="0"/>
-              </a:spcBef>
-              <a:spcAft>
-                <a:spcPts val="0"/>
-              </a:spcAft>
-              <a:buClr>
-                <a:srgbClr val="000000"/>
-              </a:buClr>
-              <a:buFont typeface="Arial"/>
-              <a:defRPr sz="1400" b="0" i="0" u="none" strike="noStrike" cap="none">
-                <a:solidFill>
-                  <a:srgbClr val="000000"/>
-                </a:solidFill>
-                <a:latin typeface="Arial"/>
-                <a:ea typeface="Arial"/>
-                <a:cs typeface="Arial"/>
-                <a:sym typeface="Arial"/>
-              </a:defRPr>
-            </a:lvl2pPr>
-            <a:lvl3pPr marR="0" lvl="2" algn="l" rtl="0">
-              <a:lnSpc>
-                <a:spcPct val="100000"/>
-              </a:lnSpc>
-              <a:spcBef>
-                <a:spcPts val="0"/>
-              </a:spcBef>
-              <a:spcAft>
-                <a:spcPts val="0"/>
-              </a:spcAft>
-              <a:buClr>
-                <a:srgbClr val="000000"/>
-              </a:buClr>
-              <a:buFont typeface="Arial"/>
-              <a:defRPr sz="1400" b="0" i="0" u="none" strike="noStrike" cap="none">
-                <a:solidFill>
-                  <a:srgbClr val="000000"/>
-                </a:solidFill>
-                <a:latin typeface="Arial"/>
-                <a:ea typeface="Arial"/>
-                <a:cs typeface="Arial"/>
-                <a:sym typeface="Arial"/>
-              </a:defRPr>
-            </a:lvl3pPr>
-            <a:lvl4pPr marR="0" lvl="3" algn="l" rtl="0">
-              <a:lnSpc>
-                <a:spcPct val="100000"/>
-              </a:lnSpc>
-              <a:spcBef>
-                <a:spcPts val="0"/>
-              </a:spcBef>
-              <a:spcAft>
-                <a:spcPts val="0"/>
-              </a:spcAft>
-              <a:buClr>
-                <a:srgbClr val="000000"/>
-              </a:buClr>
-              <a:buFont typeface="Arial"/>
-              <a:defRPr sz="1400" b="0" i="0" u="none" strike="noStrike" cap="none">
-                <a:solidFill>
-                  <a:srgbClr val="000000"/>
-                </a:solidFill>
-                <a:latin typeface="Arial"/>
-                <a:ea typeface="Arial"/>
-                <a:cs typeface="Arial"/>
-                <a:sym typeface="Arial"/>
-              </a:defRPr>
-            </a:lvl4pPr>
-            <a:lvl5pPr marR="0" lvl="4" algn="l" rtl="0">
-              <a:lnSpc>
-                <a:spcPct val="100000"/>
-              </a:lnSpc>
-              <a:spcBef>
-                <a:spcPts val="0"/>
-              </a:spcBef>
-              <a:spcAft>
-                <a:spcPts val="0"/>
-              </a:spcAft>
-              <a:buClr>
-                <a:srgbClr val="000000"/>
-              </a:buClr>
-              <a:buFont typeface="Arial"/>
-              <a:defRPr sz="1400" b="0" i="0" u="none" strike="noStrike" cap="none">
-                <a:solidFill>
-                  <a:srgbClr val="000000"/>
-                </a:solidFill>
-                <a:latin typeface="Arial"/>
-                <a:ea typeface="Arial"/>
-                <a:cs typeface="Arial"/>
-                <a:sym typeface="Arial"/>
-              </a:defRPr>
-            </a:lvl5pPr>
-            <a:lvl6pPr marR="0" lvl="5" algn="l" rtl="0">
-              <a:lnSpc>
-                <a:spcPct val="100000"/>
-              </a:lnSpc>
-              <a:spcBef>
-                <a:spcPts val="0"/>
-              </a:spcBef>
-              <a:spcAft>
-                <a:spcPts val="0"/>
-              </a:spcAft>
-              <a:buClr>
-                <a:srgbClr val="000000"/>
-              </a:buClr>
-              <a:buFont typeface="Arial"/>
-              <a:defRPr sz="1400" b="0" i="0" u="none" strike="noStrike" cap="none">
-                <a:solidFill>
-                  <a:srgbClr val="000000"/>
-                </a:solidFill>
-                <a:latin typeface="Arial"/>
-                <a:ea typeface="Arial"/>
-                <a:cs typeface="Arial"/>
-                <a:sym typeface="Arial"/>
-              </a:defRPr>
-            </a:lvl6pPr>
-            <a:lvl7pPr marR="0" lvl="6" algn="l" rtl="0">
-              <a:lnSpc>
-                <a:spcPct val="100000"/>
-              </a:lnSpc>
-              <a:spcBef>
-                <a:spcPts val="0"/>
-              </a:spcBef>
-              <a:spcAft>
-                <a:spcPts val="0"/>
-              </a:spcAft>
-              <a:buClr>
-                <a:srgbClr val="000000"/>
-              </a:buClr>
-              <a:buFont typeface="Arial"/>
-              <a:defRPr sz="1400" b="0" i="0" u="none" strike="noStrike" cap="none">
-                <a:solidFill>
-                  <a:srgbClr val="000000"/>
-                </a:solidFill>
-                <a:latin typeface="Arial"/>
-                <a:ea typeface="Arial"/>
-                <a:cs typeface="Arial"/>
-                <a:sym typeface="Arial"/>
-              </a:defRPr>
-            </a:lvl7pPr>
-            <a:lvl8pPr marR="0" lvl="7" algn="l" rtl="0">
-              <a:lnSpc>
-                <a:spcPct val="100000"/>
-              </a:lnSpc>
-              <a:spcBef>
-                <a:spcPts val="0"/>
-              </a:spcBef>
-              <a:spcAft>
-                <a:spcPts val="0"/>
-              </a:spcAft>
-              <a:buClr>
-                <a:srgbClr val="000000"/>
-              </a:buClr>
-              <a:buFont typeface="Arial"/>
-              <a:defRPr sz="1400" b="0" i="0" u="none" strike="noStrike" cap="none">
-                <a:solidFill>
-                  <a:srgbClr val="000000"/>
-                </a:solidFill>
-                <a:latin typeface="Arial"/>
-                <a:ea typeface="Arial"/>
-                <a:cs typeface="Arial"/>
-                <a:sym typeface="Arial"/>
-              </a:defRPr>
-            </a:lvl8pPr>
-            <a:lvl9pPr marR="0" lvl="8" algn="l" rtl="0">
-              <a:lnSpc>
-                <a:spcPct val="100000"/>
-              </a:lnSpc>
-              <a:spcBef>
-                <a:spcPts val="0"/>
-              </a:spcBef>
-              <a:spcAft>
-                <a:spcPts val="0"/>
-              </a:spcAft>
-              <a:buClr>
-                <a:srgbClr val="000000"/>
-              </a:buClr>
-              <a:buFont typeface="Arial"/>
-              <a:defRPr sz="1400" b="0" i="0" u="none" strike="noStrike" cap="none">
-                <a:solidFill>
-                  <a:srgbClr val="000000"/>
-                </a:solidFill>
-                <a:latin typeface="Arial"/>
-                <a:ea typeface="Arial"/>
-                <a:cs typeface="Arial"/>
-                <a:sym typeface="Arial"/>
-              </a:defRPr>
-            </a:lvl9pPr>
-          </a:lstStyle>
-          <a:p>
-            <a:pPr marL="285750" lvl="1" indent="-285750" algn="just">
-              <a:buClr>
-                <a:schemeClr val="tx1"/>
-              </a:buClr>
-              <a:buSzPct val="125000"/>
-              <a:buFont typeface="Arial" pitchFamily="34" charset="0"/>
-              <a:buChar char="•"/>
-            </a:pPr>
-            <a:r>
-              <a:rPr lang="en-IN" sz="1600" dirty="0">
-                <a:solidFill>
-                  <a:schemeClr val="tx1"/>
-                </a:solidFill>
-                <a:latin typeface="Calibri" pitchFamily="34" charset="0"/>
-                <a:cs typeface="Calibri" pitchFamily="34" charset="0"/>
-              </a:rPr>
-              <a:t>Student is considered as “agency_name”</a:t>
-            </a:r>
-          </a:p>
-          <a:p>
-            <a:pPr marL="285750" lvl="1" indent="-285750" algn="just">
-              <a:buClr>
-                <a:schemeClr val="tx1"/>
-              </a:buClr>
-              <a:buSzPct val="125000"/>
-              <a:buFont typeface="Arial" pitchFamily="34" charset="0"/>
-              <a:buChar char="•"/>
-            </a:pPr>
-            <a:r>
-              <a:rPr lang="en-IN" sz="1600" dirty="0">
-                <a:solidFill>
-                  <a:schemeClr val="tx1"/>
-                </a:solidFill>
-                <a:latin typeface="Calibri" pitchFamily="34" charset="0"/>
-                <a:cs typeface="Calibri" pitchFamily="34" charset="0"/>
-              </a:rPr>
-              <a:t>Semester will be as “form_name”</a:t>
-            </a:r>
-          </a:p>
-          <a:p>
-            <a:pPr marL="285750" lvl="1" indent="-285750" algn="just">
-              <a:buClr>
-                <a:schemeClr val="tx1"/>
-              </a:buClr>
-              <a:buSzPct val="125000"/>
-              <a:buFont typeface="Arial" pitchFamily="34" charset="0"/>
-              <a:buChar char="•"/>
-            </a:pPr>
-            <a:r>
-              <a:rPr lang="en-IN" sz="1600" dirty="0">
-                <a:solidFill>
-                  <a:schemeClr val="tx1"/>
-                </a:solidFill>
-                <a:latin typeface="Calibri" pitchFamily="34" charset="0"/>
-                <a:cs typeface="Calibri" pitchFamily="34" charset="0"/>
-              </a:rPr>
-              <a:t>Here there will be unknown number of forms in one agency.</a:t>
-            </a:r>
-          </a:p>
-          <a:p>
-            <a:pPr marL="285750" lvl="1" indent="-285750" algn="just">
-              <a:buClr>
-                <a:schemeClr val="tx1"/>
-              </a:buClr>
-              <a:buSzPct val="125000"/>
-              <a:buFont typeface="Arial" pitchFamily="34" charset="0"/>
-              <a:buChar char="•"/>
-            </a:pPr>
-            <a:r>
-              <a:rPr lang="en-IN" sz="1600" dirty="0">
-                <a:solidFill>
-                  <a:schemeClr val="tx1"/>
-                </a:solidFill>
-                <a:latin typeface="Calibri" pitchFamily="34" charset="0"/>
-                <a:cs typeface="Calibri" pitchFamily="34" charset="0"/>
-              </a:rPr>
-              <a:t>Hence will use a nested structure to store each form and its inner data.</a:t>
-            </a:r>
-          </a:p>
-          <a:p>
-            <a:pPr marL="285750" lvl="1" indent="-285750" algn="just">
-              <a:buClr>
-                <a:schemeClr val="tx1"/>
-              </a:buClr>
-              <a:buSzPct val="125000"/>
-              <a:buFont typeface="Arial" pitchFamily="34" charset="0"/>
-              <a:buChar char="•"/>
-            </a:pPr>
-            <a:r>
-              <a:rPr lang="en-IN" sz="1600" dirty="0">
-                <a:solidFill>
-                  <a:schemeClr val="tx1"/>
-                </a:solidFill>
-                <a:latin typeface="Calibri" pitchFamily="34" charset="0"/>
-                <a:cs typeface="Calibri" pitchFamily="34" charset="0"/>
-              </a:rPr>
-              <a:t>There will be unknown number of ids in each form same as subjects in one semester.</a:t>
-            </a:r>
-          </a:p>
-          <a:p>
-            <a:pPr marL="285750" lvl="1" indent="-285750" algn="just">
-              <a:buClr>
-                <a:schemeClr val="tx1"/>
-              </a:buClr>
-              <a:buSzPct val="125000"/>
-              <a:buFont typeface="Arial" pitchFamily="34" charset="0"/>
-              <a:buChar char="•"/>
-            </a:pPr>
-            <a:r>
-              <a:rPr lang="en-IN" sz="1600" dirty="0">
-                <a:solidFill>
-                  <a:schemeClr val="tx1"/>
-                </a:solidFill>
-                <a:latin typeface="Calibri" pitchFamily="34" charset="0"/>
-                <a:cs typeface="Calibri" pitchFamily="34" charset="0"/>
-              </a:rPr>
-              <a:t>To store these ids we will use an another nested structure inside each form it contains “id” as subject and “no_error” as pass (Boolean)</a:t>
-            </a:r>
-          </a:p>
-        </p:txBody>
-      </p:sp>
-      <p:sp>
-        <p:nvSpPr>
-          <p:cNvPr id="5" name="Google Shape;666;p62"/>
-          <p:cNvSpPr txBox="1">
-            <a:spLocks noGrp="1"/>
-          </p:cNvSpPr>
-          <p:nvPr>
-            <p:ph type="subTitle" idx="1"/>
-          </p:nvPr>
-        </p:nvSpPr>
-        <p:spPr>
-          <a:xfrm>
-            <a:off x="2788643" y="1242427"/>
-            <a:ext cx="2214140" cy="539400"/>
-          </a:xfrm>
-          <a:prstGeom prst="rect">
-            <a:avLst/>
-          </a:prstGeom>
-        </p:spPr>
-        <p:txBody>
-          <a:bodyPr spcFirstLastPara="1" wrap="square" lIns="91425" tIns="91425" rIns="91425" bIns="91425" anchor="ctr" anchorCtr="0">
-            <a:noAutofit/>
-          </a:bodyPr>
-          <a:lstStyle/>
-          <a:p>
-            <a:pPr marL="0" lvl="0" indent="0" algn="ctr" rtl="0">
-              <a:spcBef>
-                <a:spcPts val="0"/>
-              </a:spcBef>
-              <a:spcAft>
-                <a:spcPts val="0"/>
-              </a:spcAft>
-              <a:buNone/>
-            </a:pPr>
-            <a:r>
-              <a:rPr lang="en" sz="2200" dirty="0">
-                <a:latin typeface="Calibri" pitchFamily="34" charset="0"/>
-                <a:cs typeface="Calibri" pitchFamily="34" charset="0"/>
-              </a:rPr>
-              <a:t>Phase V</a:t>
-            </a:r>
-            <a:endParaRPr sz="2200" dirty="0">
-              <a:latin typeface="Calibri" pitchFamily="34" charset="0"/>
-              <a:cs typeface="Calibri" pitchFamily="34" charset="0"/>
-            </a:endParaRPr>
-          </a:p>
-        </p:txBody>
-      </p:sp>
-    </p:spTree>
-    <p:extLst>
-      <p:ext uri="{BB962C8B-B14F-4D97-AF65-F5344CB8AC3E}">
-        <p14:creationId xmlns:p14="http://schemas.microsoft.com/office/powerpoint/2010/main" val="3242014532"/>
+        <p14:creationId xmlns:p14="http://schemas.microsoft.com/office/powerpoint/2010/main" val="2101114594"/>
       </p:ext>
     </p:extLst>
   </p:cSld>
